--- a/docs/lecture_slides/Week 3/Week3_Lecture4_Slides_1_22_2024.pptx
+++ b/docs/lecture_slides/Week 3/Week3_Lecture4_Slides_1_22_2024.pptx
@@ -6,26 +6,33 @@
   </p:sldMasterIdLst>
   <p:sldIdLst>
     <p:sldId id="329" r:id="rId2"/>
-    <p:sldId id="331" r:id="rId3"/>
+    <p:sldId id="333" r:id="rId3"/>
     <p:sldId id="332" r:id="rId4"/>
     <p:sldId id="296" r:id="rId5"/>
     <p:sldId id="297" r:id="rId6"/>
-    <p:sldId id="304" r:id="rId7"/>
-    <p:sldId id="330" r:id="rId8"/>
-    <p:sldId id="307" r:id="rId9"/>
-    <p:sldId id="305" r:id="rId10"/>
-    <p:sldId id="309" r:id="rId11"/>
-    <p:sldId id="308" r:id="rId12"/>
-    <p:sldId id="310" r:id="rId13"/>
-    <p:sldId id="312" r:id="rId14"/>
-    <p:sldId id="303" r:id="rId15"/>
-    <p:sldId id="259" r:id="rId16"/>
-    <p:sldId id="313" r:id="rId17"/>
-    <p:sldId id="314" r:id="rId18"/>
-    <p:sldId id="315" r:id="rId19"/>
-    <p:sldId id="316" r:id="rId20"/>
-    <p:sldId id="317" r:id="rId21"/>
-    <p:sldId id="283" r:id="rId22"/>
+    <p:sldId id="334" r:id="rId7"/>
+    <p:sldId id="335" r:id="rId8"/>
+    <p:sldId id="304" r:id="rId9"/>
+    <p:sldId id="330" r:id="rId10"/>
+    <p:sldId id="307" r:id="rId11"/>
+    <p:sldId id="336" r:id="rId12"/>
+    <p:sldId id="305" r:id="rId13"/>
+    <p:sldId id="337" r:id="rId14"/>
+    <p:sldId id="340" r:id="rId15"/>
+    <p:sldId id="338" r:id="rId16"/>
+    <p:sldId id="339" r:id="rId17"/>
+    <p:sldId id="309" r:id="rId18"/>
+    <p:sldId id="308" r:id="rId19"/>
+    <p:sldId id="310" r:id="rId20"/>
+    <p:sldId id="312" r:id="rId21"/>
+    <p:sldId id="303" r:id="rId22"/>
+    <p:sldId id="259" r:id="rId23"/>
+    <p:sldId id="313" r:id="rId24"/>
+    <p:sldId id="314" r:id="rId25"/>
+    <p:sldId id="315" r:id="rId26"/>
+    <p:sldId id="316" r:id="rId27"/>
+    <p:sldId id="317" r:id="rId28"/>
+    <p:sldId id="283" r:id="rId29"/>
   </p:sldIdLst>
   <p:sldSz cx="12192000" cy="6858000"/>
   <p:notesSz cx="6858000" cy="9144000"/>
@@ -279,7 +286,7 @@
           <a:p>
             <a:fld id="{06882561-BD16-4A95-ACA1-5204E478F2FE}" type="datetimeFigureOut">
               <a:rPr lang="en-US" smtClean="0"/>
-              <a:t>1/19/2024</a:t>
+              <a:t>1/21/2024</a:t>
             </a:fld>
             <a:endParaRPr lang="en-US"/>
           </a:p>
@@ -477,7 +484,7 @@
           <a:p>
             <a:fld id="{06882561-BD16-4A95-ACA1-5204E478F2FE}" type="datetimeFigureOut">
               <a:rPr lang="en-US" smtClean="0"/>
-              <a:t>1/19/2024</a:t>
+              <a:t>1/21/2024</a:t>
             </a:fld>
             <a:endParaRPr lang="en-US"/>
           </a:p>
@@ -685,7 +692,7 @@
           <a:p>
             <a:fld id="{06882561-BD16-4A95-ACA1-5204E478F2FE}" type="datetimeFigureOut">
               <a:rPr lang="en-US" smtClean="0"/>
-              <a:t>1/19/2024</a:t>
+              <a:t>1/21/2024</a:t>
             </a:fld>
             <a:endParaRPr lang="en-US"/>
           </a:p>
@@ -883,7 +890,7 @@
           <a:p>
             <a:fld id="{06882561-BD16-4A95-ACA1-5204E478F2FE}" type="datetimeFigureOut">
               <a:rPr lang="en-US" smtClean="0"/>
-              <a:t>1/19/2024</a:t>
+              <a:t>1/21/2024</a:t>
             </a:fld>
             <a:endParaRPr lang="en-US"/>
           </a:p>
@@ -1158,7 +1165,7 @@
           <a:p>
             <a:fld id="{06882561-BD16-4A95-ACA1-5204E478F2FE}" type="datetimeFigureOut">
               <a:rPr lang="en-US" smtClean="0"/>
-              <a:t>1/19/2024</a:t>
+              <a:t>1/21/2024</a:t>
             </a:fld>
             <a:endParaRPr lang="en-US"/>
           </a:p>
@@ -1423,7 +1430,7 @@
           <a:p>
             <a:fld id="{06882561-BD16-4A95-ACA1-5204E478F2FE}" type="datetimeFigureOut">
               <a:rPr lang="en-US" smtClean="0"/>
-              <a:t>1/19/2024</a:t>
+              <a:t>1/21/2024</a:t>
             </a:fld>
             <a:endParaRPr lang="en-US"/>
           </a:p>
@@ -1835,7 +1842,7 @@
           <a:p>
             <a:fld id="{06882561-BD16-4A95-ACA1-5204E478F2FE}" type="datetimeFigureOut">
               <a:rPr lang="en-US" smtClean="0"/>
-              <a:t>1/19/2024</a:t>
+              <a:t>1/21/2024</a:t>
             </a:fld>
             <a:endParaRPr lang="en-US"/>
           </a:p>
@@ -1976,7 +1983,7 @@
           <a:p>
             <a:fld id="{06882561-BD16-4A95-ACA1-5204E478F2FE}" type="datetimeFigureOut">
               <a:rPr lang="en-US" smtClean="0"/>
-              <a:t>1/19/2024</a:t>
+              <a:t>1/21/2024</a:t>
             </a:fld>
             <a:endParaRPr lang="en-US"/>
           </a:p>
@@ -2089,7 +2096,7 @@
           <a:p>
             <a:fld id="{06882561-BD16-4A95-ACA1-5204E478F2FE}" type="datetimeFigureOut">
               <a:rPr lang="en-US" smtClean="0"/>
-              <a:t>1/19/2024</a:t>
+              <a:t>1/21/2024</a:t>
             </a:fld>
             <a:endParaRPr lang="en-US"/>
           </a:p>
@@ -2400,7 +2407,7 @@
           <a:p>
             <a:fld id="{06882561-BD16-4A95-ACA1-5204E478F2FE}" type="datetimeFigureOut">
               <a:rPr lang="en-US" smtClean="0"/>
-              <a:t>1/19/2024</a:t>
+              <a:t>1/21/2024</a:t>
             </a:fld>
             <a:endParaRPr lang="en-US"/>
           </a:p>
@@ -2688,7 +2695,7 @@
           <a:p>
             <a:fld id="{06882561-BD16-4A95-ACA1-5204E478F2FE}" type="datetimeFigureOut">
               <a:rPr lang="en-US" smtClean="0"/>
-              <a:t>1/19/2024</a:t>
+              <a:t>1/21/2024</a:t>
             </a:fld>
             <a:endParaRPr lang="en-US"/>
           </a:p>
@@ -2929,7 +2936,7 @@
           <a:p>
             <a:fld id="{06882561-BD16-4A95-ACA1-5204E478F2FE}" type="datetimeFigureOut">
               <a:rPr lang="en-US" smtClean="0"/>
-              <a:t>1/19/2024</a:t>
+              <a:t>1/21/2024</a:t>
             </a:fld>
             <a:endParaRPr lang="en-US"/>
           </a:p>
@@ -3378,33 +3385,8 @@
             </a:br>
             <a:r>
               <a:rPr lang="en-US" dirty="0"/>
-              <a:t>Shape and Measures of Central Tendency</a:t>
-            </a:r>
-          </a:p>
-        </p:txBody>
-      </p:sp>
-      <p:sp>
-        <p:nvSpPr>
-          <p:cNvPr id="3" name="Subtitle 2">
-            <a:extLst>
-              <a:ext uri="{FF2B5EF4-FFF2-40B4-BE49-F238E27FC236}">
-                <a16:creationId xmlns:a16="http://schemas.microsoft.com/office/drawing/2014/main" id="{7BE6A09E-BC4D-7AB6-B5F8-C03B2A011743}"/>
-              </a:ext>
-            </a:extLst>
-          </p:cNvPr>
-          <p:cNvSpPr>
-            <a:spLocks noGrp="1"/>
-          </p:cNvSpPr>
-          <p:nvPr>
-            <p:ph type="subTitle" idx="1"/>
-          </p:nvPr>
-        </p:nvSpPr>
-        <p:spPr/>
-        <p:txBody>
-          <a:bodyPr/>
-          <a:lstStyle/>
-          <a:p>
-            <a:endParaRPr lang="en-US" dirty="0"/>
+              <a:t>Shape of distribution and Measures of Central Tendency</a:t>
+            </a:r>
           </a:p>
         </p:txBody>
       </p:sp>
@@ -3443,6 +3425,2619 @@
           <p:cNvPr id="2" name="Title 1">
             <a:extLst>
               <a:ext uri="{FF2B5EF4-FFF2-40B4-BE49-F238E27FC236}">
+                <a16:creationId xmlns:a16="http://schemas.microsoft.com/office/drawing/2014/main" id="{392243EE-CAAA-9631-C3E9-DBEC3605DA81}"/>
+              </a:ext>
+            </a:extLst>
+          </p:cNvPr>
+          <p:cNvSpPr>
+            <a:spLocks noGrp="1"/>
+          </p:cNvSpPr>
+          <p:nvPr>
+            <p:ph type="title"/>
+          </p:nvPr>
+        </p:nvSpPr>
+        <p:spPr/>
+        <p:txBody>
+          <a:bodyPr/>
+          <a:lstStyle/>
+          <a:p>
+            <a:r>
+              <a:rPr lang="en-US" dirty="0"/>
+              <a:t>Measures of Central Tendency </a:t>
+            </a:r>
+          </a:p>
+        </p:txBody>
+      </p:sp>
+      <mc:AlternateContent xmlns:mc="http://schemas.openxmlformats.org/markup-compatibility/2006">
+        <mc:Choice xmlns:a14="http://schemas.microsoft.com/office/drawing/2010/main" Requires="a14">
+          <p:sp>
+            <p:nvSpPr>
+              <p:cNvPr id="3" name="Content Placeholder 2">
+                <a:extLst>
+                  <a:ext uri="{FF2B5EF4-FFF2-40B4-BE49-F238E27FC236}">
+                    <a16:creationId xmlns:a16="http://schemas.microsoft.com/office/drawing/2014/main" id="{4735A268-CA85-9E12-C415-E91D6F48B52E}"/>
+                  </a:ext>
+                </a:extLst>
+              </p:cNvPr>
+              <p:cNvSpPr>
+                <a:spLocks noGrp="1"/>
+              </p:cNvSpPr>
+              <p:nvPr>
+                <p:ph idx="1"/>
+              </p:nvPr>
+            </p:nvSpPr>
+            <p:spPr>
+              <a:xfrm>
+                <a:off x="838200" y="1825625"/>
+                <a:ext cx="9875982" cy="4351338"/>
+              </a:xfrm>
+            </p:spPr>
+            <p:txBody>
+              <a:bodyPr>
+                <a:normAutofit/>
+              </a:bodyPr>
+              <a:lstStyle/>
+              <a:p>
+                <a:r>
+                  <a:rPr lang="en-US" dirty="0"/>
+                  <a:t>The </a:t>
+                </a:r>
+                <a:r>
+                  <a:rPr lang="en-US" b="1" dirty="0"/>
+                  <a:t>median</a:t>
+                </a:r>
+                <a:r>
+                  <a:rPr lang="en-US" dirty="0"/>
+                  <a:t> is the middle value of a set of observations</a:t>
+                </a:r>
+              </a:p>
+              <a:p>
+                <a:pPr marL="0" indent="0">
+                  <a:buNone/>
+                </a:pPr>
+                <a:endParaRPr lang="en-US" dirty="0"/>
+              </a:p>
+              <a:p>
+                <a:pPr marL="0" indent="0">
+                  <a:buNone/>
+                </a:pPr>
+                <a:r>
+                  <a:rPr lang="en-US" b="1" dirty="0"/>
+                  <a:t>How to compute the median:</a:t>
+                </a:r>
+              </a:p>
+              <a:p>
+                <a:pPr marL="514350" indent="-514350">
+                  <a:buFont typeface="+mj-lt"/>
+                  <a:buAutoNum type="arabicPeriod"/>
+                </a:pPr>
+                <a:r>
+                  <a:rPr lang="en-US" dirty="0"/>
+                  <a:t>Compute the median by first ordering the observations from smallest value to largest value and choose the number in the middle</a:t>
+                </a:r>
+              </a:p>
+              <a:p>
+                <a:pPr marL="514350" indent="-514350">
+                  <a:buFont typeface="+mj-lt"/>
+                  <a:buAutoNum type="arabicPeriod"/>
+                </a:pPr>
+                <a:endParaRPr lang="en-US" dirty="0"/>
+              </a:p>
+              <a:p>
+                <a:pPr marL="514350" indent="-514350">
+                  <a:buFont typeface="+mj-lt"/>
+                  <a:buAutoNum type="arabicPeriod"/>
+                </a:pPr>
+                <a:r>
+                  <a:rPr lang="en-US" dirty="0"/>
+                  <a:t>If the </a:t>
+                </a:r>
+                <a14:m>
+                  <m:oMath xmlns:m="http://schemas.openxmlformats.org/officeDocument/2006/math">
+                    <m:r>
+                      <a:rPr lang="en-US" b="0" i="1" smtClean="0">
+                        <a:latin typeface="Cambria Math" panose="02040503050406030204" pitchFamily="18" charset="0"/>
+                      </a:rPr>
+                      <m:t>𝑛</m:t>
+                    </m:r>
+                  </m:oMath>
+                </a14:m>
+                <a:r>
+                  <a:rPr lang="en-US" dirty="0"/>
+                  <a:t> is odd the median is the middle number</a:t>
+                </a:r>
+              </a:p>
+              <a:p>
+                <a:pPr marL="457200" lvl="1" indent="0">
+                  <a:buNone/>
+                </a:pPr>
+                <a:r>
+                  <a:rPr lang="en-US" dirty="0"/>
+                  <a:t> - If </a:t>
+                </a:r>
+                <a14:m>
+                  <m:oMath xmlns:m="http://schemas.openxmlformats.org/officeDocument/2006/math">
+                    <m:r>
+                      <a:rPr lang="en-US" b="0" i="1" smtClean="0">
+                        <a:latin typeface="Cambria Math" panose="02040503050406030204" pitchFamily="18" charset="0"/>
+                      </a:rPr>
+                      <m:t>𝑛</m:t>
+                    </m:r>
+                  </m:oMath>
+                </a14:m>
+                <a:r>
+                  <a:rPr lang="en-US" dirty="0"/>
+                  <a:t> is even the median is the sum of the two middle values divided by 2</a:t>
+                </a:r>
+              </a:p>
+            </p:txBody>
+          </p:sp>
+        </mc:Choice>
+        <mc:Fallback>
+          <p:sp>
+            <p:nvSpPr>
+              <p:cNvPr id="3" name="Content Placeholder 2">
+                <a:extLst>
+                  <a:ext uri="{FF2B5EF4-FFF2-40B4-BE49-F238E27FC236}">
+                    <a16:creationId xmlns:a16="http://schemas.microsoft.com/office/drawing/2014/main" id="{4735A268-CA85-9E12-C415-E91D6F48B52E}"/>
+                  </a:ext>
+                </a:extLst>
+              </p:cNvPr>
+              <p:cNvSpPr>
+                <a:spLocks noGrp="1" noRot="1" noChangeAspect="1" noMove="1" noResize="1" noEditPoints="1" noAdjustHandles="1" noChangeArrowheads="1" noChangeShapeType="1" noTextEdit="1"/>
+              </p:cNvSpPr>
+              <p:nvPr>
+                <p:ph idx="1"/>
+              </p:nvPr>
+            </p:nvSpPr>
+            <p:spPr>
+              <a:xfrm>
+                <a:off x="838200" y="1825625"/>
+                <a:ext cx="9875982" cy="4351338"/>
+              </a:xfrm>
+              <a:blipFill>
+                <a:blip r:embed="rId2"/>
+                <a:stretch>
+                  <a:fillRect l="-1296" t="-2241"/>
+                </a:stretch>
+              </a:blipFill>
+            </p:spPr>
+            <p:txBody>
+              <a:bodyPr/>
+              <a:lstStyle/>
+              <a:p>
+                <a:r>
+                  <a:rPr lang="en-US">
+                    <a:noFill/>
+                  </a:rPr>
+                  <a:t> </a:t>
+                </a:r>
+              </a:p>
+            </p:txBody>
+          </p:sp>
+        </mc:Fallback>
+      </mc:AlternateContent>
+    </p:spTree>
+    <p:extLst>
+      <p:ext uri="{BB962C8B-B14F-4D97-AF65-F5344CB8AC3E}">
+        <p14:creationId xmlns:p14="http://schemas.microsoft.com/office/powerpoint/2010/main" val="2613881554"/>
+      </p:ext>
+    </p:extLst>
+  </p:cSld>
+  <p:clrMapOvr>
+    <a:masterClrMapping/>
+  </p:clrMapOvr>
+</p:sld>
+</file>
+
+<file path=ppt/slides/slide11.xml><?xml version="1.0" encoding="utf-8"?>
+<p:sld xmlns:a="http://schemas.openxmlformats.org/drawingml/2006/main" xmlns:r="http://schemas.openxmlformats.org/officeDocument/2006/relationships" xmlns:p="http://schemas.openxmlformats.org/presentationml/2006/main">
+  <p:cSld>
+    <p:spTree>
+      <p:nvGrpSpPr>
+        <p:cNvPr id="1" name=""/>
+        <p:cNvGrpSpPr/>
+        <p:nvPr/>
+      </p:nvGrpSpPr>
+      <p:grpSpPr>
+        <a:xfrm>
+          <a:off x="0" y="0"/>
+          <a:ext cx="0" cy="0"/>
+          <a:chOff x="0" y="0"/>
+          <a:chExt cx="0" cy="0"/>
+        </a:xfrm>
+      </p:grpSpPr>
+      <p:sp>
+        <p:nvSpPr>
+          <p:cNvPr id="2" name="Title 1">
+            <a:extLst>
+              <a:ext uri="{FF2B5EF4-FFF2-40B4-BE49-F238E27FC236}">
+                <a16:creationId xmlns:a16="http://schemas.microsoft.com/office/drawing/2014/main" id="{4432D970-D5B1-13BB-C01E-5224E1F21A73}"/>
+              </a:ext>
+            </a:extLst>
+          </p:cNvPr>
+          <p:cNvSpPr>
+            <a:spLocks noGrp="1"/>
+          </p:cNvSpPr>
+          <p:nvPr>
+            <p:ph type="title"/>
+          </p:nvPr>
+        </p:nvSpPr>
+        <p:spPr/>
+        <p:txBody>
+          <a:bodyPr/>
+          <a:lstStyle/>
+          <a:p>
+            <a:r>
+              <a:rPr lang="en-US" dirty="0"/>
+              <a:t>Practice: Calculate the Median</a:t>
+            </a:r>
+          </a:p>
+        </p:txBody>
+      </p:sp>
+      <mc:AlternateContent xmlns:mc="http://schemas.openxmlformats.org/markup-compatibility/2006">
+        <mc:Choice xmlns:a14="http://schemas.microsoft.com/office/drawing/2010/main" Requires="a14">
+          <p:sp>
+            <p:nvSpPr>
+              <p:cNvPr id="3" name="Content Placeholder 2">
+                <a:extLst>
+                  <a:ext uri="{FF2B5EF4-FFF2-40B4-BE49-F238E27FC236}">
+                    <a16:creationId xmlns:a16="http://schemas.microsoft.com/office/drawing/2014/main" id="{2024A11B-CBAA-E4CB-9C3F-629D626DCAA6}"/>
+                  </a:ext>
+                </a:extLst>
+              </p:cNvPr>
+              <p:cNvSpPr>
+                <a:spLocks noGrp="1"/>
+              </p:cNvSpPr>
+              <p:nvPr>
+                <p:ph idx="1"/>
+              </p:nvPr>
+            </p:nvSpPr>
+            <p:spPr/>
+            <p:txBody>
+              <a:bodyPr/>
+              <a:lstStyle/>
+              <a:p>
+                <a14:m>
+                  <m:oMath xmlns:m="http://schemas.openxmlformats.org/officeDocument/2006/math">
+                    <m:r>
+                      <a:rPr lang="en-US" b="0" i="1" smtClean="0">
+                        <a:latin typeface="Cambria Math" panose="02040503050406030204" pitchFamily="18" charset="0"/>
+                      </a:rPr>
+                      <m:t>𝑋</m:t>
+                    </m:r>
+                    <m:r>
+                      <a:rPr lang="en-US" b="0" i="1" smtClean="0">
+                        <a:latin typeface="Cambria Math" panose="02040503050406030204" pitchFamily="18" charset="0"/>
+                      </a:rPr>
+                      <m:t>={1, 3, 5, 5, </m:t>
+                    </m:r>
+                    <m:r>
+                      <a:rPr lang="en-US" i="1">
+                        <a:latin typeface="Cambria Math" panose="02040503050406030204" pitchFamily="18" charset="0"/>
+                      </a:rPr>
+                      <m:t>6, 7, 7, 8}</m:t>
+                    </m:r>
+                  </m:oMath>
+                </a14:m>
+                <a:endParaRPr lang="en-US" dirty="0"/>
+              </a:p>
+              <a:p>
+                <a:pPr marL="0" indent="0">
+                  <a:buNone/>
+                </a:pPr>
+                <a:endParaRPr lang="en-US" dirty="0"/>
+              </a:p>
+            </p:txBody>
+          </p:sp>
+        </mc:Choice>
+        <mc:Fallback>
+          <p:sp>
+            <p:nvSpPr>
+              <p:cNvPr id="3" name="Content Placeholder 2">
+                <a:extLst>
+                  <a:ext uri="{FF2B5EF4-FFF2-40B4-BE49-F238E27FC236}">
+                    <a16:creationId xmlns:a16="http://schemas.microsoft.com/office/drawing/2014/main" id="{2024A11B-CBAA-E4CB-9C3F-629D626DCAA6}"/>
+                  </a:ext>
+                </a:extLst>
+              </p:cNvPr>
+              <p:cNvSpPr>
+                <a:spLocks noGrp="1" noRot="1" noChangeAspect="1" noMove="1" noResize="1" noEditPoints="1" noAdjustHandles="1" noChangeArrowheads="1" noChangeShapeType="1" noTextEdit="1"/>
+              </p:cNvSpPr>
+              <p:nvPr>
+                <p:ph idx="1"/>
+              </p:nvPr>
+            </p:nvSpPr>
+            <p:spPr>
+              <a:blipFill>
+                <a:blip r:embed="rId2"/>
+                <a:stretch>
+                  <a:fillRect/>
+                </a:stretch>
+              </a:blipFill>
+            </p:spPr>
+            <p:txBody>
+              <a:bodyPr/>
+              <a:lstStyle/>
+              <a:p>
+                <a:r>
+                  <a:rPr lang="en-US">
+                    <a:noFill/>
+                  </a:rPr>
+                  <a:t> </a:t>
+                </a:r>
+              </a:p>
+            </p:txBody>
+          </p:sp>
+        </mc:Fallback>
+      </mc:AlternateContent>
+    </p:spTree>
+    <p:extLst>
+      <p:ext uri="{BB962C8B-B14F-4D97-AF65-F5344CB8AC3E}">
+        <p14:creationId xmlns:p14="http://schemas.microsoft.com/office/powerpoint/2010/main" val="925989344"/>
+      </p:ext>
+    </p:extLst>
+  </p:cSld>
+  <p:clrMapOvr>
+    <a:masterClrMapping/>
+  </p:clrMapOvr>
+</p:sld>
+</file>
+
+<file path=ppt/slides/slide12.xml><?xml version="1.0" encoding="utf-8"?>
+<p:sld xmlns:a="http://schemas.openxmlformats.org/drawingml/2006/main" xmlns:r="http://schemas.openxmlformats.org/officeDocument/2006/relationships" xmlns:p="http://schemas.openxmlformats.org/presentationml/2006/main">
+  <p:cSld>
+    <p:spTree>
+      <p:nvGrpSpPr>
+        <p:cNvPr id="1" name=""/>
+        <p:cNvGrpSpPr/>
+        <p:nvPr/>
+      </p:nvGrpSpPr>
+      <p:grpSpPr>
+        <a:xfrm>
+          <a:off x="0" y="0"/>
+          <a:ext cx="0" cy="0"/>
+          <a:chOff x="0" y="0"/>
+          <a:chExt cx="0" cy="0"/>
+        </a:xfrm>
+      </p:grpSpPr>
+      <p:grpSp>
+        <p:nvGrpSpPr>
+          <p:cNvPr id="28" name="Group 27">
+            <a:extLst>
+              <a:ext uri="{FF2B5EF4-FFF2-40B4-BE49-F238E27FC236}">
+                <a16:creationId xmlns:a16="http://schemas.microsoft.com/office/drawing/2014/main" id="{7AA1FB4F-B4C0-19FC-F8A6-80F1019CDA1B}"/>
+              </a:ext>
+            </a:extLst>
+          </p:cNvPr>
+          <p:cNvGrpSpPr/>
+          <p:nvPr/>
+        </p:nvGrpSpPr>
+        <p:grpSpPr>
+          <a:xfrm>
+            <a:off x="281345" y="2185532"/>
+            <a:ext cx="11223178" cy="3231099"/>
+            <a:chOff x="170508" y="2213128"/>
+            <a:chExt cx="11223178" cy="3231099"/>
+          </a:xfrm>
+        </p:grpSpPr>
+        <mc:AlternateContent xmlns:mc="http://schemas.openxmlformats.org/markup-compatibility/2006" xmlns:a14="http://schemas.microsoft.com/office/drawing/2010/main">
+          <mc:Choice Requires="a14">
+            <p:sp>
+              <p:nvSpPr>
+                <p:cNvPr id="19" name="TextBox 18">
+                  <a:extLst>
+                    <a:ext uri="{FF2B5EF4-FFF2-40B4-BE49-F238E27FC236}">
+                      <a16:creationId xmlns:a16="http://schemas.microsoft.com/office/drawing/2014/main" id="{0D94D794-5780-EB94-1BF2-FE234895A4DE}"/>
+                    </a:ext>
+                  </a:extLst>
+                </p:cNvPr>
+                <p:cNvSpPr txBox="1"/>
+                <p:nvPr/>
+              </p:nvSpPr>
+              <p:spPr>
+                <a:xfrm>
+                  <a:off x="2051669" y="5058295"/>
+                  <a:ext cx="789255" cy="276999"/>
+                </a:xfrm>
+                <a:prstGeom prst="rect">
+                  <a:avLst/>
+                </a:prstGeom>
+                <a:noFill/>
+              </p:spPr>
+              <p:txBody>
+                <a:bodyPr wrap="none" lIns="0" tIns="0" rIns="0" bIns="0" rtlCol="0">
+                  <a:spAutoFit/>
+                </a:bodyPr>
+                <a:lstStyle/>
+                <a:p>
+                  <a:pPr marL="0" marR="0" lvl="0" indent="0" algn="l" defTabSz="914400" rtl="0" eaLnBrk="1" fontAlgn="auto" latinLnBrk="0" hangingPunct="1">
+                    <a:lnSpc>
+                      <a:spcPct val="100000"/>
+                    </a:lnSpc>
+                    <a:spcBef>
+                      <a:spcPts val="0"/>
+                    </a:spcBef>
+                    <a:spcAft>
+                      <a:spcPts val="0"/>
+                    </a:spcAft>
+                    <a:buClrTx/>
+                    <a:buSzTx/>
+                    <a:buFontTx/>
+                    <a:buNone/>
+                    <a:tabLst/>
+                    <a:defRPr/>
+                  </a:pPr>
+                  <a14:m>
+                    <m:oMathPara xmlns:m="http://schemas.openxmlformats.org/officeDocument/2006/math">
+                      <m:oMathParaPr>
+                        <m:jc m:val="centerGroup"/>
+                      </m:oMathParaPr>
+                      <m:oMath xmlns:m="http://schemas.openxmlformats.org/officeDocument/2006/math">
+                        <m:acc>
+                          <m:accPr>
+                            <m:chr m:val="̅"/>
+                            <m:ctrlPr>
+                              <a:rPr kumimoji="0" lang="en-US" sz="1800" b="0" i="1" u="none" strike="noStrike" kern="1200" cap="none" spc="0" normalizeH="0" baseline="0" noProof="0" smtClean="0">
+                                <a:ln>
+                                  <a:noFill/>
+                                </a:ln>
+                                <a:solidFill>
+                                  <a:prstClr val="black"/>
+                                </a:solidFill>
+                                <a:effectLst/>
+                                <a:uLnTx/>
+                                <a:uFillTx/>
+                                <a:latin typeface="Cambria Math" panose="02040503050406030204" pitchFamily="18" charset="0"/>
+                                <a:ea typeface="+mn-ea"/>
+                                <a:cs typeface="+mn-cs"/>
+                              </a:rPr>
+                            </m:ctrlPr>
+                          </m:accPr>
+                          <m:e>
+                            <m:r>
+                              <a:rPr kumimoji="0" lang="en-US" sz="1800" b="0" i="1" u="none" strike="noStrike" kern="1200" cap="none" spc="0" normalizeH="0" baseline="0" noProof="0" smtClean="0">
+                                <a:ln>
+                                  <a:noFill/>
+                                </a:ln>
+                                <a:solidFill>
+                                  <a:prstClr val="black"/>
+                                </a:solidFill>
+                                <a:effectLst/>
+                                <a:uLnTx/>
+                                <a:uFillTx/>
+                                <a:latin typeface="Cambria Math" panose="02040503050406030204" pitchFamily="18" charset="0"/>
+                                <a:ea typeface="+mn-ea"/>
+                                <a:cs typeface="+mn-cs"/>
+                              </a:rPr>
+                              <m:t>𝑥</m:t>
+                            </m:r>
+                          </m:e>
+                        </m:acc>
+                        <m:r>
+                          <a:rPr kumimoji="0" lang="en-US" sz="1800" b="0" i="1" u="none" strike="noStrike" kern="1200" cap="none" spc="0" normalizeH="0" baseline="0" noProof="0" smtClean="0">
+                            <a:ln>
+                              <a:noFill/>
+                            </a:ln>
+                            <a:solidFill>
+                              <a:prstClr val="black"/>
+                            </a:solidFill>
+                            <a:effectLst/>
+                            <a:uLnTx/>
+                            <a:uFillTx/>
+                            <a:latin typeface="Cambria Math" panose="02040503050406030204" pitchFamily="18" charset="0"/>
+                            <a:ea typeface="+mn-ea"/>
+                            <a:cs typeface="+mn-cs"/>
+                          </a:rPr>
+                          <m:t>=9.2</m:t>
+                        </m:r>
+                      </m:oMath>
+                    </m:oMathPara>
+                  </a14:m>
+                  <a:endParaRPr kumimoji="0" lang="en-US" sz="1800" b="0" i="0" u="none" strike="noStrike" kern="1200" cap="none" spc="0" normalizeH="0" baseline="0" noProof="0" dirty="0">
+                    <a:ln>
+                      <a:noFill/>
+                    </a:ln>
+                    <a:solidFill>
+                      <a:prstClr val="black"/>
+                    </a:solidFill>
+                    <a:effectLst/>
+                    <a:uLnTx/>
+                    <a:uFillTx/>
+                    <a:latin typeface="Calibri" panose="020F0502020204030204"/>
+                    <a:ea typeface="+mn-ea"/>
+                    <a:cs typeface="+mn-cs"/>
+                  </a:endParaRPr>
+                </a:p>
+              </p:txBody>
+            </p:sp>
+          </mc:Choice>
+          <mc:Fallback xmlns="">
+            <p:sp>
+              <p:nvSpPr>
+                <p:cNvPr id="19" name="TextBox 18">
+                  <a:extLst>
+                    <a:ext uri="{FF2B5EF4-FFF2-40B4-BE49-F238E27FC236}">
+                      <a16:creationId xmlns:a16="http://schemas.microsoft.com/office/drawing/2014/main" id="{0D94D794-5780-EB94-1BF2-FE234895A4DE}"/>
+                    </a:ext>
+                  </a:extLst>
+                </p:cNvPr>
+                <p:cNvSpPr txBox="1">
+                  <a:spLocks noRot="1" noChangeAspect="1" noMove="1" noResize="1" noEditPoints="1" noAdjustHandles="1" noChangeArrowheads="1" noChangeShapeType="1" noTextEdit="1"/>
+                </p:cNvSpPr>
+                <p:nvPr/>
+              </p:nvSpPr>
+              <p:spPr>
+                <a:xfrm>
+                  <a:off x="2051669" y="5058295"/>
+                  <a:ext cx="789255" cy="276999"/>
+                </a:xfrm>
+                <a:prstGeom prst="rect">
+                  <a:avLst/>
+                </a:prstGeom>
+                <a:blipFill>
+                  <a:blip r:embed="rId2"/>
+                  <a:stretch>
+                    <a:fillRect l="-3876" r="-6977" b="-6522"/>
+                  </a:stretch>
+                </a:blipFill>
+              </p:spPr>
+              <p:txBody>
+                <a:bodyPr/>
+                <a:lstStyle/>
+                <a:p>
+                  <a:r>
+                    <a:rPr lang="en-US">
+                      <a:noFill/>
+                    </a:rPr>
+                    <a:t> </a:t>
+                  </a:r>
+                </a:p>
+              </p:txBody>
+            </p:sp>
+          </mc:Fallback>
+        </mc:AlternateContent>
+        <p:pic>
+          <p:nvPicPr>
+            <p:cNvPr id="22" name="Picture 21">
+              <a:extLst>
+                <a:ext uri="{FF2B5EF4-FFF2-40B4-BE49-F238E27FC236}">
+                  <a16:creationId xmlns:a16="http://schemas.microsoft.com/office/drawing/2014/main" id="{5EB56406-5F22-DCCD-EA7F-C958F3D21101}"/>
+                </a:ext>
+              </a:extLst>
+            </p:cNvPr>
+            <p:cNvPicPr>
+              <a:picLocks noChangeAspect="1"/>
+            </p:cNvPicPr>
+            <p:nvPr/>
+          </p:nvPicPr>
+          <p:blipFill>
+            <a:blip r:embed="rId3"/>
+            <a:stretch>
+              <a:fillRect/>
+            </a:stretch>
+          </p:blipFill>
+          <p:spPr>
+            <a:xfrm>
+              <a:off x="170508" y="2213128"/>
+              <a:ext cx="5170726" cy="2494353"/>
+            </a:xfrm>
+            <a:prstGeom prst="rect">
+              <a:avLst/>
+            </a:prstGeom>
+          </p:spPr>
+        </p:pic>
+        <p:pic>
+          <p:nvPicPr>
+            <p:cNvPr id="23" name="Picture 22">
+              <a:extLst>
+                <a:ext uri="{FF2B5EF4-FFF2-40B4-BE49-F238E27FC236}">
+                  <a16:creationId xmlns:a16="http://schemas.microsoft.com/office/drawing/2014/main" id="{E8AA625E-81C5-ECCB-6AEA-588CF86FBBE0}"/>
+                </a:ext>
+              </a:extLst>
+            </p:cNvPr>
+            <p:cNvPicPr>
+              <a:picLocks noChangeAspect="1"/>
+            </p:cNvPicPr>
+            <p:nvPr/>
+          </p:nvPicPr>
+          <p:blipFill>
+            <a:blip r:embed="rId3"/>
+            <a:stretch>
+              <a:fillRect/>
+            </a:stretch>
+          </p:blipFill>
+          <p:spPr>
+            <a:xfrm rot="604632">
+              <a:off x="6222960" y="2269308"/>
+              <a:ext cx="5170726" cy="2494353"/>
+            </a:xfrm>
+            <a:prstGeom prst="rect">
+              <a:avLst/>
+            </a:prstGeom>
+          </p:spPr>
+        </p:pic>
+        <p:sp>
+          <p:nvSpPr>
+            <p:cNvPr id="20" name="Isosceles Triangle 19">
+              <a:extLst>
+                <a:ext uri="{FF2B5EF4-FFF2-40B4-BE49-F238E27FC236}">
+                  <a16:creationId xmlns:a16="http://schemas.microsoft.com/office/drawing/2014/main" id="{B2F214C2-1D86-F2C7-F495-1D8DF5707C70}"/>
+                </a:ext>
+              </a:extLst>
+            </p:cNvPr>
+            <p:cNvSpPr/>
+            <p:nvPr/>
+          </p:nvSpPr>
+          <p:spPr>
+            <a:xfrm>
+              <a:off x="7678880" y="4258680"/>
+              <a:ext cx="259773" cy="586392"/>
+            </a:xfrm>
+            <a:prstGeom prst="triangle">
+              <a:avLst/>
+            </a:prstGeom>
+          </p:spPr>
+          <p:style>
+            <a:lnRef idx="2">
+              <a:schemeClr val="dk1">
+                <a:shade val="15000"/>
+              </a:schemeClr>
+            </a:lnRef>
+            <a:fillRef idx="1">
+              <a:schemeClr val="dk1"/>
+            </a:fillRef>
+            <a:effectRef idx="0">
+              <a:schemeClr val="dk1"/>
+            </a:effectRef>
+            <a:fontRef idx="minor">
+              <a:schemeClr val="lt1"/>
+            </a:fontRef>
+          </p:style>
+          <p:txBody>
+            <a:bodyPr rtlCol="0" anchor="ctr"/>
+            <a:lstStyle/>
+            <a:p>
+              <a:pPr marL="0" marR="0" lvl="0" indent="0" algn="ctr" defTabSz="914400" rtl="0" eaLnBrk="1" fontAlgn="auto" latinLnBrk="0" hangingPunct="1">
+                <a:lnSpc>
+                  <a:spcPct val="100000"/>
+                </a:lnSpc>
+                <a:spcBef>
+                  <a:spcPts val="0"/>
+                </a:spcBef>
+                <a:spcAft>
+                  <a:spcPts val="0"/>
+                </a:spcAft>
+                <a:buClrTx/>
+                <a:buSzTx/>
+                <a:buFontTx/>
+                <a:buNone/>
+                <a:tabLst/>
+                <a:defRPr/>
+              </a:pPr>
+              <a:endParaRPr kumimoji="0" lang="en-US" sz="1800" b="0" i="0" u="none" strike="noStrike" kern="1200" cap="none" spc="0" normalizeH="0" baseline="0" noProof="0">
+                <a:ln>
+                  <a:noFill/>
+                </a:ln>
+                <a:solidFill>
+                  <a:prstClr val="white"/>
+                </a:solidFill>
+                <a:effectLst/>
+                <a:uLnTx/>
+                <a:uFillTx/>
+                <a:latin typeface="Calibri" panose="020F0502020204030204"/>
+                <a:ea typeface="+mn-ea"/>
+                <a:cs typeface="+mn-cs"/>
+              </a:endParaRPr>
+            </a:p>
+          </p:txBody>
+        </p:sp>
+        <p:sp>
+          <p:nvSpPr>
+            <p:cNvPr id="24" name="Isosceles Triangle 23">
+              <a:extLst>
+                <a:ext uri="{FF2B5EF4-FFF2-40B4-BE49-F238E27FC236}">
+                  <a16:creationId xmlns:a16="http://schemas.microsoft.com/office/drawing/2014/main" id="{216A7137-8C55-1EF5-CC3D-BFDC40D635C1}"/>
+                </a:ext>
+              </a:extLst>
+            </p:cNvPr>
+            <p:cNvSpPr/>
+            <p:nvPr/>
+          </p:nvSpPr>
+          <p:spPr>
+            <a:xfrm>
+              <a:off x="2123207" y="4296496"/>
+              <a:ext cx="259773" cy="586392"/>
+            </a:xfrm>
+            <a:prstGeom prst="triangle">
+              <a:avLst/>
+            </a:prstGeom>
+          </p:spPr>
+          <p:style>
+            <a:lnRef idx="2">
+              <a:schemeClr val="dk1">
+                <a:shade val="15000"/>
+              </a:schemeClr>
+            </a:lnRef>
+            <a:fillRef idx="1">
+              <a:schemeClr val="dk1"/>
+            </a:fillRef>
+            <a:effectRef idx="0">
+              <a:schemeClr val="dk1"/>
+            </a:effectRef>
+            <a:fontRef idx="minor">
+              <a:schemeClr val="lt1"/>
+            </a:fontRef>
+          </p:style>
+          <p:txBody>
+            <a:bodyPr rtlCol="0" anchor="ctr"/>
+            <a:lstStyle/>
+            <a:p>
+              <a:pPr marL="0" marR="0" lvl="0" indent="0" algn="ctr" defTabSz="914400" rtl="0" eaLnBrk="1" fontAlgn="auto" latinLnBrk="0" hangingPunct="1">
+                <a:lnSpc>
+                  <a:spcPct val="100000"/>
+                </a:lnSpc>
+                <a:spcBef>
+                  <a:spcPts val="0"/>
+                </a:spcBef>
+                <a:spcAft>
+                  <a:spcPts val="0"/>
+                </a:spcAft>
+                <a:buClrTx/>
+                <a:buSzTx/>
+                <a:buFontTx/>
+                <a:buNone/>
+                <a:tabLst/>
+                <a:defRPr/>
+              </a:pPr>
+              <a:endParaRPr kumimoji="0" lang="en-US" sz="1800" b="0" i="0" u="none" strike="noStrike" kern="1200" cap="none" spc="0" normalizeH="0" baseline="0" noProof="0">
+                <a:ln>
+                  <a:noFill/>
+                </a:ln>
+                <a:solidFill>
+                  <a:prstClr val="white"/>
+                </a:solidFill>
+                <a:effectLst/>
+                <a:uLnTx/>
+                <a:uFillTx/>
+                <a:latin typeface="Calibri" panose="020F0502020204030204"/>
+                <a:ea typeface="+mn-ea"/>
+                <a:cs typeface="+mn-cs"/>
+              </a:endParaRPr>
+            </a:p>
+          </p:txBody>
+        </p:sp>
+        <mc:AlternateContent xmlns:mc="http://schemas.openxmlformats.org/markup-compatibility/2006" xmlns:a14="http://schemas.microsoft.com/office/drawing/2010/main">
+          <mc:Choice Requires="a14">
+            <p:sp>
+              <p:nvSpPr>
+                <p:cNvPr id="25" name="TextBox 24">
+                  <a:extLst>
+                    <a:ext uri="{FF2B5EF4-FFF2-40B4-BE49-F238E27FC236}">
+                      <a16:creationId xmlns:a16="http://schemas.microsoft.com/office/drawing/2014/main" id="{49FE77AA-7C50-0F7E-C479-3A2E60163D35}"/>
+                    </a:ext>
+                  </a:extLst>
+                </p:cNvPr>
+                <p:cNvSpPr txBox="1"/>
+                <p:nvPr/>
+              </p:nvSpPr>
+              <p:spPr>
+                <a:xfrm>
+                  <a:off x="7414138" y="4925623"/>
+                  <a:ext cx="2095895" cy="518604"/>
+                </a:xfrm>
+                <a:prstGeom prst="rect">
+                  <a:avLst/>
+                </a:prstGeom>
+                <a:noFill/>
+              </p:spPr>
+              <p:txBody>
+                <a:bodyPr wrap="none" lIns="0" tIns="0" rIns="0" bIns="0" rtlCol="0">
+                  <a:spAutoFit/>
+                </a:bodyPr>
+                <a:lstStyle/>
+                <a:p>
+                  <a:pPr marL="0" marR="0" lvl="0" indent="0" algn="l" defTabSz="914400" rtl="0" eaLnBrk="1" fontAlgn="auto" latinLnBrk="0" hangingPunct="1">
+                    <a:lnSpc>
+                      <a:spcPct val="100000"/>
+                    </a:lnSpc>
+                    <a:spcBef>
+                      <a:spcPts val="0"/>
+                    </a:spcBef>
+                    <a:spcAft>
+                      <a:spcPts val="0"/>
+                    </a:spcAft>
+                    <a:buClrTx/>
+                    <a:buSzTx/>
+                    <a:buFontTx/>
+                    <a:buNone/>
+                    <a:tabLst/>
+                    <a:defRPr/>
+                  </a:pPr>
+                  <a14:m>
+                    <m:oMathPara xmlns:m="http://schemas.openxmlformats.org/officeDocument/2006/math">
+                      <m:oMathParaPr>
+                        <m:jc m:val="centerGroup"/>
+                      </m:oMathParaPr>
+                      <m:oMath xmlns:m="http://schemas.openxmlformats.org/officeDocument/2006/math">
+                        <m:r>
+                          <a:rPr kumimoji="0" lang="en-US" sz="1800" b="0" i="1" u="none" strike="noStrike" kern="1200" cap="none" spc="0" normalizeH="0" baseline="0" noProof="0" smtClean="0">
+                            <a:ln>
+                              <a:noFill/>
+                            </a:ln>
+                            <a:solidFill>
+                              <a:prstClr val="black"/>
+                            </a:solidFill>
+                            <a:effectLst/>
+                            <a:uLnTx/>
+                            <a:uFillTx/>
+                            <a:latin typeface="Cambria Math" panose="02040503050406030204" pitchFamily="18" charset="0"/>
+                            <a:ea typeface="+mn-ea"/>
+                            <a:cs typeface="+mn-cs"/>
+                          </a:rPr>
+                          <m:t>𝑚𝑒𝑑𝑖𝑎𝑛</m:t>
+                        </m:r>
+                        <m:r>
+                          <a:rPr kumimoji="0" lang="en-US" sz="1800" b="0" i="1" u="none" strike="noStrike" kern="1200" cap="none" spc="0" normalizeH="0" baseline="0" noProof="0" smtClean="0">
+                            <a:ln>
+                              <a:noFill/>
+                            </a:ln>
+                            <a:solidFill>
+                              <a:prstClr val="black"/>
+                            </a:solidFill>
+                            <a:effectLst/>
+                            <a:uLnTx/>
+                            <a:uFillTx/>
+                            <a:latin typeface="Cambria Math" panose="02040503050406030204" pitchFamily="18" charset="0"/>
+                            <a:ea typeface="+mn-ea"/>
+                            <a:cs typeface="+mn-cs"/>
+                          </a:rPr>
+                          <m:t>=</m:t>
+                        </m:r>
+                        <m:f>
+                          <m:fPr>
+                            <m:ctrlPr>
+                              <a:rPr kumimoji="0" lang="en-US" sz="1800" b="0" i="1" u="none" strike="noStrike" kern="1200" cap="none" spc="0" normalizeH="0" baseline="0" noProof="0" smtClean="0">
+                                <a:ln>
+                                  <a:noFill/>
+                                </a:ln>
+                                <a:solidFill>
+                                  <a:prstClr val="black"/>
+                                </a:solidFill>
+                                <a:effectLst/>
+                                <a:uLnTx/>
+                                <a:uFillTx/>
+                                <a:latin typeface="Cambria Math" panose="02040503050406030204" pitchFamily="18" charset="0"/>
+                                <a:ea typeface="+mn-ea"/>
+                                <a:cs typeface="+mn-cs"/>
+                              </a:rPr>
+                            </m:ctrlPr>
+                          </m:fPr>
+                          <m:num>
+                            <m:r>
+                              <a:rPr kumimoji="0" lang="en-US" sz="1800" b="0" i="1" u="none" strike="noStrike" kern="1200" cap="none" spc="0" normalizeH="0" baseline="0" noProof="0" smtClean="0">
+                                <a:ln>
+                                  <a:noFill/>
+                                </a:ln>
+                                <a:solidFill>
+                                  <a:srgbClr val="FF0000"/>
+                                </a:solidFill>
+                                <a:effectLst/>
+                                <a:uLnTx/>
+                                <a:uFillTx/>
+                                <a:latin typeface="Cambria Math" panose="02040503050406030204" pitchFamily="18" charset="0"/>
+                                <a:ea typeface="+mn-ea"/>
+                                <a:cs typeface="+mn-cs"/>
+                              </a:rPr>
+                              <m:t>8+8</m:t>
+                            </m:r>
+                          </m:num>
+                          <m:den>
+                            <m:r>
+                              <a:rPr kumimoji="0" lang="en-US" sz="1800" b="0" i="1" u="none" strike="noStrike" kern="1200" cap="none" spc="0" normalizeH="0" baseline="0" noProof="0" smtClean="0">
+                                <a:ln>
+                                  <a:noFill/>
+                                </a:ln>
+                                <a:solidFill>
+                                  <a:prstClr val="black"/>
+                                </a:solidFill>
+                                <a:effectLst/>
+                                <a:uLnTx/>
+                                <a:uFillTx/>
+                                <a:latin typeface="Cambria Math" panose="02040503050406030204" pitchFamily="18" charset="0"/>
+                                <a:ea typeface="+mn-ea"/>
+                                <a:cs typeface="+mn-cs"/>
+                              </a:rPr>
+                              <m:t>2</m:t>
+                            </m:r>
+                          </m:den>
+                        </m:f>
+                        <m:r>
+                          <a:rPr kumimoji="0" lang="en-US" sz="1800" b="0" i="1" u="none" strike="noStrike" kern="1200" cap="none" spc="0" normalizeH="0" baseline="0" noProof="0" smtClean="0">
+                            <a:ln>
+                              <a:noFill/>
+                            </a:ln>
+                            <a:solidFill>
+                              <a:prstClr val="black"/>
+                            </a:solidFill>
+                            <a:effectLst/>
+                            <a:uLnTx/>
+                            <a:uFillTx/>
+                            <a:latin typeface="Cambria Math" panose="02040503050406030204" pitchFamily="18" charset="0"/>
+                            <a:ea typeface="+mn-ea"/>
+                            <a:cs typeface="+mn-cs"/>
+                          </a:rPr>
+                          <m:t>=8</m:t>
+                        </m:r>
+                      </m:oMath>
+                    </m:oMathPara>
+                  </a14:m>
+                  <a:endParaRPr kumimoji="0" lang="en-US" sz="1800" b="0" i="0" u="none" strike="noStrike" kern="1200" cap="none" spc="0" normalizeH="0" baseline="0" noProof="0" dirty="0">
+                    <a:ln>
+                      <a:noFill/>
+                    </a:ln>
+                    <a:solidFill>
+                      <a:prstClr val="black"/>
+                    </a:solidFill>
+                    <a:effectLst/>
+                    <a:uLnTx/>
+                    <a:uFillTx/>
+                    <a:latin typeface="Calibri" panose="020F0502020204030204"/>
+                    <a:ea typeface="+mn-ea"/>
+                    <a:cs typeface="+mn-cs"/>
+                  </a:endParaRPr>
+                </a:p>
+              </p:txBody>
+            </p:sp>
+          </mc:Choice>
+          <mc:Fallback xmlns="">
+            <p:sp>
+              <p:nvSpPr>
+                <p:cNvPr id="25" name="TextBox 24">
+                  <a:extLst>
+                    <a:ext uri="{FF2B5EF4-FFF2-40B4-BE49-F238E27FC236}">
+                      <a16:creationId xmlns:a16="http://schemas.microsoft.com/office/drawing/2014/main" id="{49FE77AA-7C50-0F7E-C479-3A2E60163D35}"/>
+                    </a:ext>
+                  </a:extLst>
+                </p:cNvPr>
+                <p:cNvSpPr txBox="1">
+                  <a:spLocks noRot="1" noChangeAspect="1" noMove="1" noResize="1" noEditPoints="1" noAdjustHandles="1" noChangeArrowheads="1" noChangeShapeType="1" noTextEdit="1"/>
+                </p:cNvSpPr>
+                <p:nvPr/>
+              </p:nvSpPr>
+              <p:spPr>
+                <a:xfrm>
+                  <a:off x="7414138" y="4925623"/>
+                  <a:ext cx="2095895" cy="518604"/>
+                </a:xfrm>
+                <a:prstGeom prst="rect">
+                  <a:avLst/>
+                </a:prstGeom>
+                <a:blipFill>
+                  <a:blip r:embed="rId4"/>
+                  <a:stretch>
+                    <a:fillRect/>
+                  </a:stretch>
+                </a:blipFill>
+              </p:spPr>
+              <p:txBody>
+                <a:bodyPr/>
+                <a:lstStyle/>
+                <a:p>
+                  <a:r>
+                    <a:rPr lang="en-US">
+                      <a:noFill/>
+                    </a:rPr>
+                    <a:t> </a:t>
+                  </a:r>
+                </a:p>
+              </p:txBody>
+            </p:sp>
+          </mc:Fallback>
+        </mc:AlternateContent>
+      </p:grpSp>
+      <p:sp>
+        <p:nvSpPr>
+          <p:cNvPr id="26" name="TextBox 25">
+            <a:extLst>
+              <a:ext uri="{FF2B5EF4-FFF2-40B4-BE49-F238E27FC236}">
+                <a16:creationId xmlns:a16="http://schemas.microsoft.com/office/drawing/2014/main" id="{0AB15456-BDE7-CB11-8743-884D2B7E62B6}"/>
+              </a:ext>
+            </a:extLst>
+          </p:cNvPr>
+          <p:cNvSpPr txBox="1"/>
+          <p:nvPr/>
+        </p:nvSpPr>
+        <p:spPr>
+          <a:xfrm>
+            <a:off x="594017" y="5686108"/>
+            <a:ext cx="3605282" cy="400110"/>
+          </a:xfrm>
+          <a:prstGeom prst="rect">
+            <a:avLst/>
+          </a:prstGeom>
+          <a:noFill/>
+        </p:spPr>
+        <p:txBody>
+          <a:bodyPr wrap="none" rtlCol="0">
+            <a:spAutoFit/>
+          </a:bodyPr>
+          <a:lstStyle/>
+          <a:p>
+            <a:pPr marL="0" marR="0" lvl="0" indent="0" algn="l" defTabSz="914400" rtl="0" eaLnBrk="1" fontAlgn="auto" latinLnBrk="0" hangingPunct="1">
+              <a:lnSpc>
+                <a:spcPct val="100000"/>
+              </a:lnSpc>
+              <a:spcBef>
+                <a:spcPts val="0"/>
+              </a:spcBef>
+              <a:spcAft>
+                <a:spcPts val="0"/>
+              </a:spcAft>
+              <a:buClrTx/>
+              <a:buSzTx/>
+              <a:buFontTx/>
+              <a:buNone/>
+              <a:tabLst/>
+              <a:defRPr/>
+            </a:pPr>
+            <a:r>
+              <a:rPr kumimoji="0" lang="en-US" sz="2000" b="0" i="0" u="none" strike="noStrike" kern="1200" cap="none" spc="0" normalizeH="0" baseline="0" noProof="0" dirty="0">
+                <a:ln>
+                  <a:noFill/>
+                </a:ln>
+                <a:solidFill>
+                  <a:prstClr val="black"/>
+                </a:solidFill>
+                <a:effectLst/>
+                <a:uLnTx/>
+                <a:uFillTx/>
+                <a:latin typeface="Calibri" panose="020F0502020204030204"/>
+                <a:ea typeface="+mn-ea"/>
+                <a:cs typeface="+mn-cs"/>
+              </a:rPr>
+              <a:t>The mean is the center of gravity</a:t>
+            </a:r>
+          </a:p>
+        </p:txBody>
+      </p:sp>
+      <p:sp>
+        <p:nvSpPr>
+          <p:cNvPr id="27" name="TextBox 26">
+            <a:extLst>
+              <a:ext uri="{FF2B5EF4-FFF2-40B4-BE49-F238E27FC236}">
+                <a16:creationId xmlns:a16="http://schemas.microsoft.com/office/drawing/2014/main" id="{733A6C0A-C879-8A3D-A8EE-96D4E66E3A74}"/>
+              </a:ext>
+            </a:extLst>
+          </p:cNvPr>
+          <p:cNvSpPr txBox="1"/>
+          <p:nvPr/>
+        </p:nvSpPr>
+        <p:spPr>
+          <a:xfrm>
+            <a:off x="6325923" y="5810799"/>
+            <a:ext cx="3438762" cy="400110"/>
+          </a:xfrm>
+          <a:prstGeom prst="rect">
+            <a:avLst/>
+          </a:prstGeom>
+          <a:noFill/>
+        </p:spPr>
+        <p:txBody>
+          <a:bodyPr wrap="none" rtlCol="0">
+            <a:spAutoFit/>
+          </a:bodyPr>
+          <a:lstStyle/>
+          <a:p>
+            <a:pPr marL="0" marR="0" lvl="0" indent="0" algn="l" defTabSz="914400" rtl="0" eaLnBrk="1" fontAlgn="auto" latinLnBrk="0" hangingPunct="1">
+              <a:lnSpc>
+                <a:spcPct val="100000"/>
+              </a:lnSpc>
+              <a:spcBef>
+                <a:spcPts val="0"/>
+              </a:spcBef>
+              <a:spcAft>
+                <a:spcPts val="0"/>
+              </a:spcAft>
+              <a:buClrTx/>
+              <a:buSzTx/>
+              <a:buFontTx/>
+              <a:buNone/>
+              <a:tabLst/>
+              <a:defRPr/>
+            </a:pPr>
+            <a:r>
+              <a:rPr kumimoji="0" lang="en-US" sz="2000" b="0" i="0" u="none" strike="noStrike" kern="1200" cap="none" spc="0" normalizeH="0" baseline="0" noProof="0" dirty="0">
+                <a:ln>
+                  <a:noFill/>
+                </a:ln>
+                <a:solidFill>
+                  <a:prstClr val="black"/>
+                </a:solidFill>
+                <a:effectLst/>
+                <a:uLnTx/>
+                <a:uFillTx/>
+                <a:latin typeface="Calibri" panose="020F0502020204030204"/>
+                <a:ea typeface="+mn-ea"/>
+                <a:cs typeface="+mn-cs"/>
+              </a:rPr>
+              <a:t>The median is the middle value</a:t>
+            </a:r>
+          </a:p>
+        </p:txBody>
+      </p:sp>
+      <p:sp>
+        <p:nvSpPr>
+          <p:cNvPr id="34" name="TextBox 33">
+            <a:extLst>
+              <a:ext uri="{FF2B5EF4-FFF2-40B4-BE49-F238E27FC236}">
+                <a16:creationId xmlns:a16="http://schemas.microsoft.com/office/drawing/2014/main" id="{8CC585F4-2355-392B-9E1E-5B47162BF9BA}"/>
+              </a:ext>
+            </a:extLst>
+          </p:cNvPr>
+          <p:cNvSpPr txBox="1"/>
+          <p:nvPr/>
+        </p:nvSpPr>
+        <p:spPr>
+          <a:xfrm>
+            <a:off x="1320800" y="314036"/>
+            <a:ext cx="8002512" cy="1477328"/>
+          </a:xfrm>
+          <a:prstGeom prst="rect">
+            <a:avLst/>
+          </a:prstGeom>
+          <a:noFill/>
+        </p:spPr>
+        <p:txBody>
+          <a:bodyPr wrap="none" rtlCol="0">
+            <a:spAutoFit/>
+          </a:bodyPr>
+          <a:lstStyle/>
+          <a:p>
+            <a:pPr marL="0" marR="0" lvl="0" indent="0" algn="l" defTabSz="914400" rtl="0" eaLnBrk="1" fontAlgn="auto" latinLnBrk="0" hangingPunct="1">
+              <a:lnSpc>
+                <a:spcPct val="100000"/>
+              </a:lnSpc>
+              <a:spcBef>
+                <a:spcPts val="0"/>
+              </a:spcBef>
+              <a:spcAft>
+                <a:spcPts val="0"/>
+              </a:spcAft>
+              <a:buClrTx/>
+              <a:buSzTx/>
+              <a:buFontTx/>
+              <a:buNone/>
+              <a:tabLst/>
+              <a:defRPr/>
+            </a:pPr>
+            <a:r>
+              <a:rPr kumimoji="0" lang="en-US" sz="1800" b="0" i="0" u="none" strike="noStrike" kern="1200" cap="none" spc="0" normalizeH="0" baseline="0" noProof="0" dirty="0">
+                <a:ln>
+                  <a:noFill/>
+                </a:ln>
+                <a:solidFill>
+                  <a:prstClr val="black"/>
+                </a:solidFill>
+                <a:effectLst/>
+                <a:uLnTx/>
+                <a:uFillTx/>
+                <a:latin typeface="Calibri" panose="020F0502020204030204"/>
+                <a:ea typeface="+mn-ea"/>
+                <a:cs typeface="+mn-cs"/>
+              </a:rPr>
+              <a:t>Data: 3  3  3  3  3  3  3  4  4  4  4  4  4  4  4  4  4  5  5  5  5  5  5  5  5  5  5</a:t>
+            </a:r>
+          </a:p>
+          <a:p>
+            <a:pPr marL="0" marR="0" lvl="0" indent="0" algn="l" defTabSz="914400" rtl="0" eaLnBrk="1" fontAlgn="auto" latinLnBrk="0" hangingPunct="1">
+              <a:lnSpc>
+                <a:spcPct val="100000"/>
+              </a:lnSpc>
+              <a:spcBef>
+                <a:spcPts val="0"/>
+              </a:spcBef>
+              <a:spcAft>
+                <a:spcPts val="0"/>
+              </a:spcAft>
+              <a:buClrTx/>
+              <a:buSzTx/>
+              <a:buFontTx/>
+              <a:buNone/>
+              <a:tabLst/>
+              <a:defRPr/>
+            </a:pPr>
+            <a:r>
+              <a:rPr kumimoji="0" lang="en-US" sz="1800" b="0" i="0" u="none" strike="noStrike" kern="1200" cap="none" spc="0" normalizeH="0" baseline="0" noProof="0" dirty="0">
+                <a:ln>
+                  <a:noFill/>
+                </a:ln>
+                <a:solidFill>
+                  <a:prstClr val="black"/>
+                </a:solidFill>
+                <a:effectLst/>
+                <a:uLnTx/>
+                <a:uFillTx/>
+                <a:latin typeface="Calibri" panose="020F0502020204030204"/>
+                <a:ea typeface="+mn-ea"/>
+                <a:cs typeface="+mn-cs"/>
+              </a:rPr>
+              <a:t> 5  5  5  5  5  5  5  5  5  6  6  6  6  6  6  6  6  6  6  7  7  7  7  7  7  7  7</a:t>
+            </a:r>
+          </a:p>
+          <a:p>
+            <a:pPr marL="0" marR="0" lvl="0" indent="0" algn="l" defTabSz="914400" rtl="0" eaLnBrk="1" fontAlgn="auto" latinLnBrk="0" hangingPunct="1">
+              <a:lnSpc>
+                <a:spcPct val="100000"/>
+              </a:lnSpc>
+              <a:spcBef>
+                <a:spcPts val="0"/>
+              </a:spcBef>
+              <a:spcAft>
+                <a:spcPts val="0"/>
+              </a:spcAft>
+              <a:buClrTx/>
+              <a:buSzTx/>
+              <a:buFontTx/>
+              <a:buNone/>
+              <a:tabLst/>
+              <a:defRPr/>
+            </a:pPr>
+            <a:r>
+              <a:rPr kumimoji="0" lang="en-US" sz="1800" b="0" i="0" u="none" strike="noStrike" kern="1200" cap="none" spc="0" normalizeH="0" baseline="0" noProof="0" dirty="0">
+                <a:ln>
+                  <a:noFill/>
+                </a:ln>
+                <a:solidFill>
+                  <a:prstClr val="black"/>
+                </a:solidFill>
+                <a:effectLst/>
+                <a:uLnTx/>
+                <a:uFillTx/>
+                <a:latin typeface="Calibri" panose="020F0502020204030204"/>
+                <a:ea typeface="+mn-ea"/>
+                <a:cs typeface="+mn-cs"/>
+              </a:rPr>
+              <a:t> 7  8  </a:t>
+            </a:r>
+            <a:r>
+              <a:rPr kumimoji="0" lang="en-US" sz="1800" b="0" i="0" u="none" strike="noStrike" kern="1200" cap="none" spc="0" normalizeH="0" baseline="0" noProof="0" dirty="0">
+                <a:ln>
+                  <a:noFill/>
+                </a:ln>
+                <a:solidFill>
+                  <a:srgbClr val="FF0000"/>
+                </a:solidFill>
+                <a:effectLst/>
+                <a:uLnTx/>
+                <a:uFillTx/>
+                <a:latin typeface="Calibri" panose="020F0502020204030204"/>
+                <a:ea typeface="+mn-ea"/>
+                <a:cs typeface="+mn-cs"/>
+              </a:rPr>
+              <a:t>8  8</a:t>
+            </a:r>
+            <a:r>
+              <a:rPr kumimoji="0" lang="en-US" sz="1800" b="0" i="0" u="none" strike="noStrike" kern="1200" cap="none" spc="0" normalizeH="0" baseline="0" noProof="0" dirty="0">
+                <a:ln>
+                  <a:noFill/>
+                </a:ln>
+                <a:solidFill>
+                  <a:prstClr val="black"/>
+                </a:solidFill>
+                <a:effectLst/>
+                <a:uLnTx/>
+                <a:uFillTx/>
+                <a:latin typeface="Calibri" panose="020F0502020204030204"/>
+                <a:ea typeface="+mn-ea"/>
+                <a:cs typeface="+mn-cs"/>
+              </a:rPr>
+              <a:t>  8  8  8  9  9  9  9  9  9  9 10 10 10 10 10 10 10 11 11 11 11 11 12</a:t>
+            </a:r>
+          </a:p>
+          <a:p>
+            <a:pPr marL="0" marR="0" lvl="0" indent="0" algn="l" defTabSz="914400" rtl="0" eaLnBrk="1" fontAlgn="auto" latinLnBrk="0" hangingPunct="1">
+              <a:lnSpc>
+                <a:spcPct val="100000"/>
+              </a:lnSpc>
+              <a:spcBef>
+                <a:spcPts val="0"/>
+              </a:spcBef>
+              <a:spcAft>
+                <a:spcPts val="0"/>
+              </a:spcAft>
+              <a:buClrTx/>
+              <a:buSzTx/>
+              <a:buFontTx/>
+              <a:buNone/>
+              <a:tabLst/>
+              <a:defRPr/>
+            </a:pPr>
+            <a:r>
+              <a:rPr kumimoji="0" lang="en-US" sz="1800" b="0" i="0" u="none" strike="noStrike" kern="1200" cap="none" spc="0" normalizeH="0" baseline="0" noProof="0" dirty="0">
+                <a:ln>
+                  <a:noFill/>
+                </a:ln>
+                <a:solidFill>
+                  <a:prstClr val="black"/>
+                </a:solidFill>
+                <a:effectLst/>
+                <a:uLnTx/>
+                <a:uFillTx/>
+                <a:latin typeface="Calibri" panose="020F0502020204030204"/>
+                <a:ea typeface="+mn-ea"/>
+                <a:cs typeface="+mn-cs"/>
+              </a:rPr>
+              <a:t> 12 12 12 12 12 12 12 13 13 13 14 14 14 14 14 14 15 15 15 16 16 16 16 17 17 17 18</a:t>
+            </a:r>
+          </a:p>
+          <a:p>
+            <a:pPr marL="0" marR="0" lvl="0" indent="0" algn="l" defTabSz="914400" rtl="0" eaLnBrk="1" fontAlgn="auto" latinLnBrk="0" hangingPunct="1">
+              <a:lnSpc>
+                <a:spcPct val="100000"/>
+              </a:lnSpc>
+              <a:spcBef>
+                <a:spcPts val="0"/>
+              </a:spcBef>
+              <a:spcAft>
+                <a:spcPts val="0"/>
+              </a:spcAft>
+              <a:buClrTx/>
+              <a:buSzTx/>
+              <a:buFontTx/>
+              <a:buNone/>
+              <a:tabLst/>
+              <a:defRPr/>
+            </a:pPr>
+            <a:r>
+              <a:rPr kumimoji="0" lang="en-US" sz="1800" b="0" i="0" u="none" strike="noStrike" kern="1200" cap="none" spc="0" normalizeH="0" baseline="0" noProof="0" dirty="0">
+                <a:ln>
+                  <a:noFill/>
+                </a:ln>
+                <a:solidFill>
+                  <a:prstClr val="black"/>
+                </a:solidFill>
+                <a:effectLst/>
+                <a:uLnTx/>
+                <a:uFillTx/>
+                <a:latin typeface="Calibri" panose="020F0502020204030204"/>
+                <a:ea typeface="+mn-ea"/>
+                <a:cs typeface="+mn-cs"/>
+              </a:rPr>
+              <a:t>18 20 20 20 20 20</a:t>
+            </a:r>
+          </a:p>
+        </p:txBody>
+      </p:sp>
+    </p:spTree>
+    <p:extLst>
+      <p:ext uri="{BB962C8B-B14F-4D97-AF65-F5344CB8AC3E}">
+        <p14:creationId xmlns:p14="http://schemas.microsoft.com/office/powerpoint/2010/main" val="1549764094"/>
+      </p:ext>
+    </p:extLst>
+  </p:cSld>
+  <p:clrMapOvr>
+    <a:masterClrMapping/>
+  </p:clrMapOvr>
+</p:sld>
+</file>
+
+<file path=ppt/slides/slide13.xml><?xml version="1.0" encoding="utf-8"?>
+<p:sld xmlns:a="http://schemas.openxmlformats.org/drawingml/2006/main" xmlns:r="http://schemas.openxmlformats.org/officeDocument/2006/relationships" xmlns:p="http://schemas.openxmlformats.org/presentationml/2006/main">
+  <p:cSld>
+    <p:spTree>
+      <p:nvGrpSpPr>
+        <p:cNvPr id="1" name=""/>
+        <p:cNvGrpSpPr/>
+        <p:nvPr/>
+      </p:nvGrpSpPr>
+      <p:grpSpPr>
+        <a:xfrm>
+          <a:off x="0" y="0"/>
+          <a:ext cx="0" cy="0"/>
+          <a:chOff x="0" y="0"/>
+          <a:chExt cx="0" cy="0"/>
+        </a:xfrm>
+      </p:grpSpPr>
+      <p:sp>
+        <p:nvSpPr>
+          <p:cNvPr id="2" name="Title 1">
+            <a:extLst>
+              <a:ext uri="{FF2B5EF4-FFF2-40B4-BE49-F238E27FC236}">
+                <a16:creationId xmlns:a16="http://schemas.microsoft.com/office/drawing/2014/main" id="{CE84DE6C-08A1-E5FC-FBD2-2A6CFB14937F}"/>
+              </a:ext>
+            </a:extLst>
+          </p:cNvPr>
+          <p:cNvSpPr>
+            <a:spLocks noGrp="1"/>
+          </p:cNvSpPr>
+          <p:nvPr>
+            <p:ph type="title"/>
+          </p:nvPr>
+        </p:nvSpPr>
+        <p:spPr/>
+        <p:txBody>
+          <a:bodyPr/>
+          <a:lstStyle/>
+          <a:p>
+            <a:r>
+              <a:rPr lang="en-US" dirty="0"/>
+              <a:t>Mean and median treat outliers differently</a:t>
+            </a:r>
+          </a:p>
+        </p:txBody>
+      </p:sp>
+      <mc:AlternateContent xmlns:mc="http://schemas.openxmlformats.org/markup-compatibility/2006">
+        <mc:Choice xmlns:a14="http://schemas.microsoft.com/office/drawing/2010/main" Requires="a14">
+          <p:sp>
+            <p:nvSpPr>
+              <p:cNvPr id="3" name="Content Placeholder 2">
+                <a:extLst>
+                  <a:ext uri="{FF2B5EF4-FFF2-40B4-BE49-F238E27FC236}">
+                    <a16:creationId xmlns:a16="http://schemas.microsoft.com/office/drawing/2014/main" id="{D0FE07D2-A170-60BA-CCDC-92189FF4B0D1}"/>
+                  </a:ext>
+                </a:extLst>
+              </p:cNvPr>
+              <p:cNvSpPr>
+                <a:spLocks noGrp="1"/>
+              </p:cNvSpPr>
+              <p:nvPr>
+                <p:ph idx="1"/>
+              </p:nvPr>
+            </p:nvSpPr>
+            <p:spPr/>
+            <p:txBody>
+              <a:bodyPr/>
+              <a:lstStyle/>
+              <a:p>
+                <a14:m>
+                  <m:oMath xmlns:m="http://schemas.openxmlformats.org/officeDocument/2006/math">
+                    <m:r>
+                      <a:rPr lang="en-US" b="0" i="1" smtClean="0">
+                        <a:latin typeface="Cambria Math" panose="02040503050406030204" pitchFamily="18" charset="0"/>
+                      </a:rPr>
+                      <m:t>𝑋</m:t>
+                    </m:r>
+                    <m:r>
+                      <a:rPr lang="en-US" b="0" i="1" smtClean="0">
+                        <a:latin typeface="Cambria Math" panose="02040503050406030204" pitchFamily="18" charset="0"/>
+                      </a:rPr>
+                      <m:t>={1, 3, 5, 5, 6, 7, 7,</m:t>
+                    </m:r>
+                    <m:r>
+                      <a:rPr lang="en-US" i="1">
+                        <a:latin typeface="Cambria Math" panose="02040503050406030204" pitchFamily="18" charset="0"/>
+                      </a:rPr>
+                      <m:t> 8, 32}</m:t>
+                    </m:r>
+                  </m:oMath>
+                </a14:m>
+                <a:endParaRPr lang="en-US" dirty="0"/>
+              </a:p>
+            </p:txBody>
+          </p:sp>
+        </mc:Choice>
+        <mc:Fallback>
+          <p:sp>
+            <p:nvSpPr>
+              <p:cNvPr id="3" name="Content Placeholder 2">
+                <a:extLst>
+                  <a:ext uri="{FF2B5EF4-FFF2-40B4-BE49-F238E27FC236}">
+                    <a16:creationId xmlns:a16="http://schemas.microsoft.com/office/drawing/2014/main" id="{D0FE07D2-A170-60BA-CCDC-92189FF4B0D1}"/>
+                  </a:ext>
+                </a:extLst>
+              </p:cNvPr>
+              <p:cNvSpPr>
+                <a:spLocks noGrp="1" noRot="1" noChangeAspect="1" noMove="1" noResize="1" noEditPoints="1" noAdjustHandles="1" noChangeArrowheads="1" noChangeShapeType="1" noTextEdit="1"/>
+              </p:cNvSpPr>
+              <p:nvPr>
+                <p:ph idx="1"/>
+              </p:nvPr>
+            </p:nvSpPr>
+            <p:spPr>
+              <a:blipFill>
+                <a:blip r:embed="rId2"/>
+                <a:stretch>
+                  <a:fillRect/>
+                </a:stretch>
+              </a:blipFill>
+            </p:spPr>
+            <p:txBody>
+              <a:bodyPr/>
+              <a:lstStyle/>
+              <a:p>
+                <a:r>
+                  <a:rPr lang="en-US">
+                    <a:noFill/>
+                  </a:rPr>
+                  <a:t> </a:t>
+                </a:r>
+              </a:p>
+            </p:txBody>
+          </p:sp>
+        </mc:Fallback>
+      </mc:AlternateContent>
+    </p:spTree>
+    <p:extLst>
+      <p:ext uri="{BB962C8B-B14F-4D97-AF65-F5344CB8AC3E}">
+        <p14:creationId xmlns:p14="http://schemas.microsoft.com/office/powerpoint/2010/main" val="2180730594"/>
+      </p:ext>
+    </p:extLst>
+  </p:cSld>
+  <p:clrMapOvr>
+    <a:masterClrMapping/>
+  </p:clrMapOvr>
+</p:sld>
+</file>
+
+<file path=ppt/slides/slide14.xml><?xml version="1.0" encoding="utf-8"?>
+<p:sld xmlns:a="http://schemas.openxmlformats.org/drawingml/2006/main" xmlns:r="http://schemas.openxmlformats.org/officeDocument/2006/relationships" xmlns:p="http://schemas.openxmlformats.org/presentationml/2006/main">
+  <p:cSld>
+    <p:spTree>
+      <p:nvGrpSpPr>
+        <p:cNvPr id="1" name=""/>
+        <p:cNvGrpSpPr/>
+        <p:nvPr/>
+      </p:nvGrpSpPr>
+      <p:grpSpPr>
+        <a:xfrm>
+          <a:off x="0" y="0"/>
+          <a:ext cx="0" cy="0"/>
+          <a:chOff x="0" y="0"/>
+          <a:chExt cx="0" cy="0"/>
+        </a:xfrm>
+      </p:grpSpPr>
+      <p:pic>
+        <p:nvPicPr>
+          <p:cNvPr id="5" name="Picture 4">
+            <a:extLst>
+              <a:ext uri="{FF2B5EF4-FFF2-40B4-BE49-F238E27FC236}">
+                <a16:creationId xmlns:a16="http://schemas.microsoft.com/office/drawing/2014/main" id="{C3B45CB9-38D1-C6A4-DC41-174772C7945E}"/>
+              </a:ext>
+            </a:extLst>
+          </p:cNvPr>
+          <p:cNvPicPr>
+            <a:picLocks noChangeAspect="1"/>
+          </p:cNvPicPr>
+          <p:nvPr/>
+        </p:nvPicPr>
+        <p:blipFill>
+          <a:blip r:embed="rId2"/>
+          <a:stretch>
+            <a:fillRect/>
+          </a:stretch>
+        </p:blipFill>
+        <p:spPr>
+          <a:xfrm>
+            <a:off x="1070502" y="0"/>
+            <a:ext cx="10050996" cy="6858000"/>
+          </a:xfrm>
+          <a:prstGeom prst="rect">
+            <a:avLst/>
+          </a:prstGeom>
+        </p:spPr>
+      </p:pic>
+    </p:spTree>
+    <p:extLst>
+      <p:ext uri="{BB962C8B-B14F-4D97-AF65-F5344CB8AC3E}">
+        <p14:creationId xmlns:p14="http://schemas.microsoft.com/office/powerpoint/2010/main" val="2943556275"/>
+      </p:ext>
+    </p:extLst>
+  </p:cSld>
+  <p:clrMapOvr>
+    <a:masterClrMapping/>
+  </p:clrMapOvr>
+</p:sld>
+</file>
+
+<file path=ppt/slides/slide15.xml><?xml version="1.0" encoding="utf-8"?>
+<p:sld xmlns:a="http://schemas.openxmlformats.org/drawingml/2006/main" xmlns:r="http://schemas.openxmlformats.org/officeDocument/2006/relationships" xmlns:p="http://schemas.openxmlformats.org/presentationml/2006/main">
+  <p:cSld>
+    <p:spTree>
+      <p:nvGrpSpPr>
+        <p:cNvPr id="1" name=""/>
+        <p:cNvGrpSpPr/>
+        <p:nvPr/>
+      </p:nvGrpSpPr>
+      <p:grpSpPr>
+        <a:xfrm>
+          <a:off x="0" y="0"/>
+          <a:ext cx="0" cy="0"/>
+          <a:chOff x="0" y="0"/>
+          <a:chExt cx="0" cy="0"/>
+        </a:xfrm>
+      </p:grpSpPr>
+      <p:sp>
+        <p:nvSpPr>
+          <p:cNvPr id="2" name="Title 1">
+            <a:extLst>
+              <a:ext uri="{FF2B5EF4-FFF2-40B4-BE49-F238E27FC236}">
+                <a16:creationId xmlns:a16="http://schemas.microsoft.com/office/drawing/2014/main" id="{D57F5637-759B-CDC6-A079-01615378933B}"/>
+              </a:ext>
+            </a:extLst>
+          </p:cNvPr>
+          <p:cNvSpPr>
+            <a:spLocks noGrp="1"/>
+          </p:cNvSpPr>
+          <p:nvPr>
+            <p:ph type="title"/>
+          </p:nvPr>
+        </p:nvSpPr>
+        <p:spPr/>
+        <p:txBody>
+          <a:bodyPr/>
+          <a:lstStyle/>
+          <a:p>
+            <a:r>
+              <a:rPr lang="en-US" dirty="0"/>
+              <a:t>Alternative formulas for the mean</a:t>
+            </a:r>
+          </a:p>
+        </p:txBody>
+      </p:sp>
+      <mc:AlternateContent xmlns:mc="http://schemas.openxmlformats.org/markup-compatibility/2006">
+        <mc:Choice xmlns:a14="http://schemas.microsoft.com/office/drawing/2010/main" Requires="a14">
+          <p:sp>
+            <p:nvSpPr>
+              <p:cNvPr id="3" name="Content Placeholder 2">
+                <a:extLst>
+                  <a:ext uri="{FF2B5EF4-FFF2-40B4-BE49-F238E27FC236}">
+                    <a16:creationId xmlns:a16="http://schemas.microsoft.com/office/drawing/2014/main" id="{1F86C35F-87BF-000B-FFF1-FA6B4C96E0A5}"/>
+                  </a:ext>
+                </a:extLst>
+              </p:cNvPr>
+              <p:cNvSpPr>
+                <a:spLocks noGrp="1"/>
+              </p:cNvSpPr>
+              <p:nvPr>
+                <p:ph idx="1"/>
+              </p:nvPr>
+            </p:nvSpPr>
+            <p:spPr/>
+            <p:txBody>
+              <a:bodyPr/>
+              <a:lstStyle/>
+              <a:p>
+                <a:r>
+                  <a:rPr lang="en-US" sz="2800" dirty="0"/>
+                  <a:t>We can also express the mean in terms of the frequency </a:t>
+                </a:r>
+                <a14:m>
+                  <m:oMath xmlns:m="http://schemas.openxmlformats.org/officeDocument/2006/math">
+                    <m:r>
+                      <a:rPr lang="en-US" sz="2800" b="0" i="1" smtClean="0">
+                        <a:latin typeface="Cambria Math" panose="02040503050406030204" pitchFamily="18" charset="0"/>
+                      </a:rPr>
+                      <m:t>𝐹</m:t>
+                    </m:r>
+                  </m:oMath>
+                </a14:m>
+                <a:r>
+                  <a:rPr lang="en-US" sz="2800" dirty="0"/>
+                  <a:t> or the relative frequency </a:t>
+                </a:r>
+                <a14:m>
+                  <m:oMath xmlns:m="http://schemas.openxmlformats.org/officeDocument/2006/math">
+                    <m:r>
+                      <a:rPr lang="en-US" sz="2800" b="0" i="1" smtClean="0">
+                        <a:latin typeface="Cambria Math" panose="02040503050406030204" pitchFamily="18" charset="0"/>
+                      </a:rPr>
+                      <m:t>𝑅𝐹</m:t>
+                    </m:r>
+                  </m:oMath>
+                </a14:m>
+                <a:endParaRPr lang="en-US" sz="2800" dirty="0"/>
+              </a:p>
+              <a:p>
+                <a:endParaRPr lang="en-US" sz="2800" dirty="0"/>
+              </a:p>
+              <a:p>
+                <a:pPr marL="0" indent="0">
+                  <a:buNone/>
+                </a:pPr>
+                <a14:m>
+                  <m:oMathPara xmlns:m="http://schemas.openxmlformats.org/officeDocument/2006/math">
+                    <m:oMathParaPr>
+                      <m:jc m:val="centerGroup"/>
+                    </m:oMathParaPr>
+                    <m:oMath xmlns:m="http://schemas.openxmlformats.org/officeDocument/2006/math">
+                      <m:acc>
+                        <m:accPr>
+                          <m:chr m:val="̅"/>
+                          <m:ctrlPr>
+                            <a:rPr lang="en-US" sz="2800" i="1" smtClean="0">
+                              <a:latin typeface="Cambria Math" panose="02040503050406030204" pitchFamily="18" charset="0"/>
+                            </a:rPr>
+                          </m:ctrlPr>
+                        </m:accPr>
+                        <m:e>
+                          <m:r>
+                            <a:rPr lang="en-US" sz="2800" b="0" i="1" smtClean="0">
+                              <a:latin typeface="Cambria Math" panose="02040503050406030204" pitchFamily="18" charset="0"/>
+                            </a:rPr>
+                            <m:t>𝑥</m:t>
+                          </m:r>
+                        </m:e>
+                      </m:acc>
+                      <m:r>
+                        <a:rPr lang="en-US" sz="2800" b="0" i="1" smtClean="0">
+                          <a:latin typeface="Cambria Math" panose="02040503050406030204" pitchFamily="18" charset="0"/>
+                        </a:rPr>
+                        <m:t>=</m:t>
+                      </m:r>
+                      <m:f>
+                        <m:fPr>
+                          <m:ctrlPr>
+                            <a:rPr lang="en-US" sz="2800" b="0" i="1" smtClean="0">
+                              <a:latin typeface="Cambria Math" panose="02040503050406030204" pitchFamily="18" charset="0"/>
+                            </a:rPr>
+                          </m:ctrlPr>
+                        </m:fPr>
+                        <m:num>
+                          <m:r>
+                            <a:rPr lang="en-US" sz="2800" b="0" i="1" smtClean="0">
+                              <a:latin typeface="Cambria Math" panose="02040503050406030204" pitchFamily="18" charset="0"/>
+                            </a:rPr>
+                            <m:t>1</m:t>
+                          </m:r>
+                        </m:num>
+                        <m:den>
+                          <m:r>
+                            <a:rPr lang="en-US" sz="2800" b="0" i="1" smtClean="0">
+                              <a:latin typeface="Cambria Math" panose="02040503050406030204" pitchFamily="18" charset="0"/>
+                            </a:rPr>
+                            <m:t>𝑛</m:t>
+                          </m:r>
+                        </m:den>
+                      </m:f>
+                      <m:nary>
+                        <m:naryPr>
+                          <m:chr m:val="∑"/>
+                          <m:supHide m:val="on"/>
+                          <m:ctrlPr>
+                            <a:rPr lang="en-US" sz="2800" b="0" i="1" smtClean="0">
+                              <a:latin typeface="Cambria Math" panose="02040503050406030204" pitchFamily="18" charset="0"/>
+                            </a:rPr>
+                          </m:ctrlPr>
+                        </m:naryPr>
+                        <m:sub>
+                          <m:r>
+                            <m:rPr>
+                              <m:brk m:alnAt="7"/>
+                            </m:rPr>
+                            <a:rPr lang="en-US" sz="2800" b="0" i="1" smtClean="0">
+                              <a:latin typeface="Cambria Math" panose="02040503050406030204" pitchFamily="18" charset="0"/>
+                            </a:rPr>
+                            <m:t>𝑥</m:t>
+                          </m:r>
+                        </m:sub>
+                        <m:sup/>
+                        <m:e>
+                          <m:r>
+                            <a:rPr lang="en-US" sz="2800" b="0" i="1" smtClean="0">
+                              <a:latin typeface="Cambria Math" panose="02040503050406030204" pitchFamily="18" charset="0"/>
+                            </a:rPr>
+                            <m:t>𝑥</m:t>
+                          </m:r>
+                          <m:r>
+                            <a:rPr lang="en-US" sz="2800" b="0" i="1" smtClean="0">
+                              <a:latin typeface="Cambria Math" panose="02040503050406030204" pitchFamily="18" charset="0"/>
+                            </a:rPr>
+                            <m:t> </m:t>
+                          </m:r>
+                          <m:r>
+                            <a:rPr lang="en-US" sz="2800" b="0" i="1" smtClean="0">
+                              <a:latin typeface="Cambria Math" panose="02040503050406030204" pitchFamily="18" charset="0"/>
+                            </a:rPr>
+                            <m:t>𝐹</m:t>
+                          </m:r>
+                          <m:r>
+                            <a:rPr lang="en-US" sz="2800" b="0" i="1" smtClean="0">
+                              <a:latin typeface="Cambria Math" panose="02040503050406030204" pitchFamily="18" charset="0"/>
+                            </a:rPr>
+                            <m:t>(</m:t>
+                          </m:r>
+                          <m:r>
+                            <a:rPr lang="en-US" sz="2800" b="0" i="1" smtClean="0">
+                              <a:latin typeface="Cambria Math" panose="02040503050406030204" pitchFamily="18" charset="0"/>
+                            </a:rPr>
+                            <m:t>𝑥</m:t>
+                          </m:r>
+                          <m:r>
+                            <a:rPr lang="en-US" sz="2800" b="0" i="1" smtClean="0">
+                              <a:latin typeface="Cambria Math" panose="02040503050406030204" pitchFamily="18" charset="0"/>
+                            </a:rPr>
+                            <m:t>)</m:t>
+                          </m:r>
+                        </m:e>
+                      </m:nary>
+                      <m:r>
+                        <a:rPr lang="en-US" sz="2800" b="0" i="1" smtClean="0">
+                          <a:latin typeface="Cambria Math" panose="02040503050406030204" pitchFamily="18" charset="0"/>
+                        </a:rPr>
+                        <m:t>      </m:t>
+                      </m:r>
+                      <m:r>
+                        <m:rPr>
+                          <m:sty m:val="p"/>
+                        </m:rPr>
+                        <a:rPr lang="en-US" sz="2800" b="0" i="0" smtClean="0">
+                          <a:latin typeface="Cambria Math" panose="02040503050406030204" pitchFamily="18" charset="0"/>
+                        </a:rPr>
+                        <m:t>or</m:t>
+                      </m:r>
+                      <m:r>
+                        <a:rPr lang="en-US" sz="2800" b="0" i="1" smtClean="0">
+                          <a:latin typeface="Cambria Math" panose="02040503050406030204" pitchFamily="18" charset="0"/>
+                        </a:rPr>
+                        <m:t>      </m:t>
+                      </m:r>
+                      <m:acc>
+                        <m:accPr>
+                          <m:chr m:val="̅"/>
+                          <m:ctrlPr>
+                            <a:rPr lang="en-US" sz="2800" b="0" i="1" smtClean="0">
+                              <a:latin typeface="Cambria Math" panose="02040503050406030204" pitchFamily="18" charset="0"/>
+                            </a:rPr>
+                          </m:ctrlPr>
+                        </m:accPr>
+                        <m:e>
+                          <m:r>
+                            <a:rPr lang="en-US" sz="2800" b="0" i="1" smtClean="0">
+                              <a:latin typeface="Cambria Math" panose="02040503050406030204" pitchFamily="18" charset="0"/>
+                            </a:rPr>
+                            <m:t>𝑥</m:t>
+                          </m:r>
+                        </m:e>
+                      </m:acc>
+                      <m:r>
+                        <a:rPr lang="en-US" sz="2800" b="0" i="1" smtClean="0">
+                          <a:latin typeface="Cambria Math" panose="02040503050406030204" pitchFamily="18" charset="0"/>
+                        </a:rPr>
+                        <m:t>=</m:t>
+                      </m:r>
+                      <m:nary>
+                        <m:naryPr>
+                          <m:chr m:val="∑"/>
+                          <m:supHide m:val="on"/>
+                          <m:ctrlPr>
+                            <a:rPr lang="en-US" sz="2800" b="0" i="1" smtClean="0">
+                              <a:latin typeface="Cambria Math" panose="02040503050406030204" pitchFamily="18" charset="0"/>
+                            </a:rPr>
+                          </m:ctrlPr>
+                        </m:naryPr>
+                        <m:sub>
+                          <m:r>
+                            <m:rPr>
+                              <m:brk m:alnAt="7"/>
+                            </m:rPr>
+                            <a:rPr lang="en-US" sz="2800" b="0" i="1" smtClean="0">
+                              <a:latin typeface="Cambria Math" panose="02040503050406030204" pitchFamily="18" charset="0"/>
+                            </a:rPr>
+                            <m:t>𝑥</m:t>
+                          </m:r>
+                        </m:sub>
+                        <m:sup/>
+                        <m:e>
+                          <m:r>
+                            <a:rPr lang="en-US" sz="2800" b="0" i="1" smtClean="0">
+                              <a:latin typeface="Cambria Math" panose="02040503050406030204" pitchFamily="18" charset="0"/>
+                            </a:rPr>
+                            <m:t>𝑥</m:t>
+                          </m:r>
+                          <m:r>
+                            <a:rPr lang="en-US" sz="2800" b="0" i="1" smtClean="0">
+                              <a:latin typeface="Cambria Math" panose="02040503050406030204" pitchFamily="18" charset="0"/>
+                            </a:rPr>
+                            <m:t> </m:t>
+                          </m:r>
+                          <m:r>
+                            <a:rPr lang="en-US" sz="2800" b="0" i="1" smtClean="0">
+                              <a:latin typeface="Cambria Math" panose="02040503050406030204" pitchFamily="18" charset="0"/>
+                            </a:rPr>
+                            <m:t>𝑅𝐹</m:t>
+                          </m:r>
+                          <m:r>
+                            <a:rPr lang="en-US" sz="2800" b="0" i="1" smtClean="0">
+                              <a:latin typeface="Cambria Math" panose="02040503050406030204" pitchFamily="18" charset="0"/>
+                            </a:rPr>
+                            <m:t>(</m:t>
+                          </m:r>
+                          <m:r>
+                            <a:rPr lang="en-US" sz="2800" b="0" i="1" smtClean="0">
+                              <a:latin typeface="Cambria Math" panose="02040503050406030204" pitchFamily="18" charset="0"/>
+                            </a:rPr>
+                            <m:t>𝑥</m:t>
+                          </m:r>
+                          <m:r>
+                            <a:rPr lang="en-US" sz="2800" b="0" i="1" smtClean="0">
+                              <a:latin typeface="Cambria Math" panose="02040503050406030204" pitchFamily="18" charset="0"/>
+                            </a:rPr>
+                            <m:t>)</m:t>
+                          </m:r>
+                        </m:e>
+                      </m:nary>
+                    </m:oMath>
+                  </m:oMathPara>
+                </a14:m>
+                <a:endParaRPr lang="en-US" sz="2800" dirty="0"/>
+              </a:p>
+              <a:p>
+                <a:pPr marL="0" indent="0">
+                  <a:buNone/>
+                </a:pPr>
+                <a:r>
+                  <a:rPr lang="en-US" sz="2800" dirty="0"/>
+                  <a:t>Where the sum is over all distinct values of the variable </a:t>
+                </a:r>
+                <a14:m>
+                  <m:oMath xmlns:m="http://schemas.openxmlformats.org/officeDocument/2006/math">
+                    <m:r>
+                      <a:rPr lang="en-US" sz="2800" b="0" i="1" smtClean="0">
+                        <a:latin typeface="Cambria Math" panose="02040503050406030204" pitchFamily="18" charset="0"/>
+                      </a:rPr>
+                      <m:t>𝑥</m:t>
+                    </m:r>
+                  </m:oMath>
+                </a14:m>
+                <a:endParaRPr lang="en-US" sz="2800" dirty="0"/>
+              </a:p>
+              <a:p>
+                <a:endParaRPr lang="en-US" dirty="0"/>
+              </a:p>
+            </p:txBody>
+          </p:sp>
+        </mc:Choice>
+        <mc:Fallback>
+          <p:sp>
+            <p:nvSpPr>
+              <p:cNvPr id="3" name="Content Placeholder 2">
+                <a:extLst>
+                  <a:ext uri="{FF2B5EF4-FFF2-40B4-BE49-F238E27FC236}">
+                    <a16:creationId xmlns:a16="http://schemas.microsoft.com/office/drawing/2014/main" id="{1F86C35F-87BF-000B-FFF1-FA6B4C96E0A5}"/>
+                  </a:ext>
+                </a:extLst>
+              </p:cNvPr>
+              <p:cNvSpPr>
+                <a:spLocks noGrp="1" noRot="1" noChangeAspect="1" noMove="1" noResize="1" noEditPoints="1" noAdjustHandles="1" noChangeArrowheads="1" noChangeShapeType="1" noTextEdit="1"/>
+              </p:cNvSpPr>
+              <p:nvPr>
+                <p:ph idx="1"/>
+              </p:nvPr>
+            </p:nvSpPr>
+            <p:spPr>
+              <a:blipFill>
+                <a:blip r:embed="rId2"/>
+                <a:stretch>
+                  <a:fillRect l="-1217" t="-2241"/>
+                </a:stretch>
+              </a:blipFill>
+            </p:spPr>
+            <p:txBody>
+              <a:bodyPr/>
+              <a:lstStyle/>
+              <a:p>
+                <a:r>
+                  <a:rPr lang="en-US">
+                    <a:noFill/>
+                  </a:rPr>
+                  <a:t> </a:t>
+                </a:r>
+              </a:p>
+            </p:txBody>
+          </p:sp>
+        </mc:Fallback>
+      </mc:AlternateContent>
+    </p:spTree>
+    <p:extLst>
+      <p:ext uri="{BB962C8B-B14F-4D97-AF65-F5344CB8AC3E}">
+        <p14:creationId xmlns:p14="http://schemas.microsoft.com/office/powerpoint/2010/main" val="731364710"/>
+      </p:ext>
+    </p:extLst>
+  </p:cSld>
+  <p:clrMapOvr>
+    <a:masterClrMapping/>
+  </p:clrMapOvr>
+</p:sld>
+</file>
+
+<file path=ppt/slides/slide16.xml><?xml version="1.0" encoding="utf-8"?>
+<p:sld xmlns:a="http://schemas.openxmlformats.org/drawingml/2006/main" xmlns:r="http://schemas.openxmlformats.org/officeDocument/2006/relationships" xmlns:p="http://schemas.openxmlformats.org/presentationml/2006/main">
+  <p:cSld>
+    <p:spTree>
+      <p:nvGrpSpPr>
+        <p:cNvPr id="1" name=""/>
+        <p:cNvGrpSpPr/>
+        <p:nvPr/>
+      </p:nvGrpSpPr>
+      <p:grpSpPr>
+        <a:xfrm>
+          <a:off x="0" y="0"/>
+          <a:ext cx="0" cy="0"/>
+          <a:chOff x="0" y="0"/>
+          <a:chExt cx="0" cy="0"/>
+        </a:xfrm>
+      </p:grpSpPr>
+      <p:sp>
+        <p:nvSpPr>
+          <p:cNvPr id="2" name="Title 1">
+            <a:extLst>
+              <a:ext uri="{FF2B5EF4-FFF2-40B4-BE49-F238E27FC236}">
+                <a16:creationId xmlns:a16="http://schemas.microsoft.com/office/drawing/2014/main" id="{30704281-A2B3-E169-D64B-55C4B2F0F2E8}"/>
+              </a:ext>
+            </a:extLst>
+          </p:cNvPr>
+          <p:cNvSpPr>
+            <a:spLocks noGrp="1"/>
+          </p:cNvSpPr>
+          <p:nvPr>
+            <p:ph type="title"/>
+          </p:nvPr>
+        </p:nvSpPr>
+        <p:spPr/>
+        <p:txBody>
+          <a:bodyPr/>
+          <a:lstStyle/>
+          <a:p>
+            <a:r>
+              <a:rPr lang="en-US" dirty="0"/>
+              <a:t>Example: Computing the mean from a frequency table</a:t>
+            </a:r>
+          </a:p>
+        </p:txBody>
+      </p:sp>
+      <mc:AlternateContent xmlns:mc="http://schemas.openxmlformats.org/markup-compatibility/2006">
+        <mc:Choice xmlns:a14="http://schemas.microsoft.com/office/drawing/2010/main" Requires="a14">
+          <p:sp>
+            <p:nvSpPr>
+              <p:cNvPr id="4" name="TextBox 3">
+                <a:extLst>
+                  <a:ext uri="{FF2B5EF4-FFF2-40B4-BE49-F238E27FC236}">
+                    <a16:creationId xmlns:a16="http://schemas.microsoft.com/office/drawing/2014/main" id="{3CB2C17F-8867-4F95-3EA4-C71E0B623A8C}"/>
+                  </a:ext>
+                </a:extLst>
+              </p:cNvPr>
+              <p:cNvSpPr txBox="1"/>
+              <p:nvPr/>
+            </p:nvSpPr>
+            <p:spPr>
+              <a:xfrm>
+                <a:off x="932873" y="1985818"/>
+                <a:ext cx="10797309" cy="1477328"/>
+              </a:xfrm>
+              <a:prstGeom prst="rect">
+                <a:avLst/>
+              </a:prstGeom>
+              <a:noFill/>
+            </p:spPr>
+            <p:txBody>
+              <a:bodyPr wrap="square" rtlCol="0">
+                <a:spAutoFit/>
+              </a:bodyPr>
+              <a:lstStyle/>
+              <a:p>
+                <a:pPr/>
+                <a14:m>
+                  <m:oMathPara xmlns:m="http://schemas.openxmlformats.org/officeDocument/2006/math">
+                    <m:oMathParaPr>
+                      <m:jc m:val="left"/>
+                    </m:oMathParaPr>
+                    <m:oMath xmlns:m="http://schemas.openxmlformats.org/officeDocument/2006/math">
+                      <m:r>
+                        <a:rPr lang="en-US" sz="2400" b="0" i="1" smtClean="0">
+                          <a:latin typeface="Cambria Math" panose="02040503050406030204" pitchFamily="18" charset="0"/>
+                        </a:rPr>
+                        <m:t>𝑋</m:t>
+                      </m:r>
+                      <m:r>
+                        <a:rPr lang="en-US" sz="2400" b="0" i="1" smtClean="0">
+                          <a:latin typeface="Cambria Math" panose="02040503050406030204" pitchFamily="18" charset="0"/>
+                        </a:rPr>
+                        <m:t>={1, 3, 5, 5, </m:t>
+                      </m:r>
+                      <m:r>
+                        <a:rPr lang="en-US" sz="2400" i="1">
+                          <a:latin typeface="Cambria Math" panose="02040503050406030204" pitchFamily="18" charset="0"/>
+                        </a:rPr>
+                        <m:t>6, 7, 7, 8}</m:t>
+                      </m:r>
+                    </m:oMath>
+                  </m:oMathPara>
+                </a14:m>
+                <a:endParaRPr lang="en-US" sz="2400" dirty="0"/>
+              </a:p>
+              <a:p>
+                <a:endParaRPr lang="en-US" sz="2400" dirty="0"/>
+              </a:p>
+              <a:p>
+                <a:endParaRPr lang="en-US" sz="2400" dirty="0"/>
+              </a:p>
+              <a:p>
+                <a:endParaRPr lang="en-US" dirty="0"/>
+              </a:p>
+            </p:txBody>
+          </p:sp>
+        </mc:Choice>
+        <mc:Fallback>
+          <p:sp>
+            <p:nvSpPr>
+              <p:cNvPr id="4" name="TextBox 3">
+                <a:extLst>
+                  <a:ext uri="{FF2B5EF4-FFF2-40B4-BE49-F238E27FC236}">
+                    <a16:creationId xmlns:a16="http://schemas.microsoft.com/office/drawing/2014/main" id="{3CB2C17F-8867-4F95-3EA4-C71E0B623A8C}"/>
+                  </a:ext>
+                </a:extLst>
+              </p:cNvPr>
+              <p:cNvSpPr txBox="1">
+                <a:spLocks noRot="1" noChangeAspect="1" noMove="1" noResize="1" noEditPoints="1" noAdjustHandles="1" noChangeArrowheads="1" noChangeShapeType="1" noTextEdit="1"/>
+              </p:cNvSpPr>
+              <p:nvPr/>
+            </p:nvSpPr>
+            <p:spPr>
+              <a:xfrm>
+                <a:off x="932873" y="1985818"/>
+                <a:ext cx="10797309" cy="1477328"/>
+              </a:xfrm>
+              <a:prstGeom prst="rect">
+                <a:avLst/>
+              </a:prstGeom>
+              <a:blipFill>
+                <a:blip r:embed="rId2"/>
+                <a:stretch>
+                  <a:fillRect l="-113"/>
+                </a:stretch>
+              </a:blipFill>
+            </p:spPr>
+            <p:txBody>
+              <a:bodyPr/>
+              <a:lstStyle/>
+              <a:p>
+                <a:r>
+                  <a:rPr lang="en-US">
+                    <a:noFill/>
+                  </a:rPr>
+                  <a:t> </a:t>
+                </a:r>
+              </a:p>
+            </p:txBody>
+          </p:sp>
+        </mc:Fallback>
+      </mc:AlternateContent>
+      <p:graphicFrame>
+        <p:nvGraphicFramePr>
+          <p:cNvPr id="5" name="Table 4">
+            <a:extLst>
+              <a:ext uri="{FF2B5EF4-FFF2-40B4-BE49-F238E27FC236}">
+                <a16:creationId xmlns:a16="http://schemas.microsoft.com/office/drawing/2014/main" id="{ABED149D-C46B-66BE-11B4-97A112E7553B}"/>
+              </a:ext>
+            </a:extLst>
+          </p:cNvPr>
+          <p:cNvGraphicFramePr>
+            <a:graphicFrameLocks noGrp="1"/>
+          </p:cNvGraphicFramePr>
+          <p:nvPr>
+            <p:extLst>
+              <p:ext uri="{D42A27DB-BD31-4B8C-83A1-F6EECF244321}">
+                <p14:modId xmlns:p14="http://schemas.microsoft.com/office/powerpoint/2010/main" val="3946533545"/>
+              </p:ext>
+            </p:extLst>
+          </p:nvPr>
+        </p:nvGraphicFramePr>
+        <p:xfrm>
+          <a:off x="7389092" y="1421340"/>
+          <a:ext cx="4341090" cy="3200400"/>
+        </p:xfrm>
+        <a:graphic>
+          <a:graphicData uri="http://schemas.openxmlformats.org/drawingml/2006/table">
+            <a:tbl>
+              <a:tblPr firstRow="1" bandRow="1">
+                <a:tableStyleId>{5C22544A-7EE6-4342-B048-85BDC9FD1C3A}</a:tableStyleId>
+              </a:tblPr>
+              <a:tblGrid>
+                <a:gridCol w="1447030">
+                  <a:extLst>
+                    <a:ext uri="{9D8B030D-6E8A-4147-A177-3AD203B41FA5}">
+                      <a16:colId xmlns:a16="http://schemas.microsoft.com/office/drawing/2014/main" val="2635967006"/>
+                    </a:ext>
+                  </a:extLst>
+                </a:gridCol>
+                <a:gridCol w="1447030">
+                  <a:extLst>
+                    <a:ext uri="{9D8B030D-6E8A-4147-A177-3AD203B41FA5}">
+                      <a16:colId xmlns:a16="http://schemas.microsoft.com/office/drawing/2014/main" val="3005329175"/>
+                    </a:ext>
+                  </a:extLst>
+                </a:gridCol>
+                <a:gridCol w="1447030">
+                  <a:extLst>
+                    <a:ext uri="{9D8B030D-6E8A-4147-A177-3AD203B41FA5}">
+                      <a16:colId xmlns:a16="http://schemas.microsoft.com/office/drawing/2014/main" val="1816929551"/>
+                    </a:ext>
+                  </a:extLst>
+                </a:gridCol>
+              </a:tblGrid>
+              <a:tr h="440858">
+                <a:tc>
+                  <a:txBody>
+                    <a:bodyPr/>
+                    <a:lstStyle/>
+                    <a:p>
+                      <a:pPr algn="ctr"/>
+                      <a:r>
+                        <a:rPr lang="en-US" sz="2400" dirty="0"/>
+                        <a:t>X</a:t>
+                      </a:r>
+                    </a:p>
+                  </a:txBody>
+                  <a:tcPr/>
+                </a:tc>
+                <a:tc>
+                  <a:txBody>
+                    <a:bodyPr/>
+                    <a:lstStyle/>
+                    <a:p>
+                      <a:pPr algn="ctr"/>
+                      <a:r>
+                        <a:rPr lang="en-US" sz="2400" dirty="0"/>
+                        <a:t>Freq.</a:t>
+                      </a:r>
+                    </a:p>
+                  </a:txBody>
+                  <a:tcPr/>
+                </a:tc>
+                <a:tc>
+                  <a:txBody>
+                    <a:bodyPr/>
+                    <a:lstStyle/>
+                    <a:p>
+                      <a:pPr algn="ctr"/>
+                      <a:r>
+                        <a:rPr lang="en-US" sz="2400" dirty="0"/>
+                        <a:t>Rel. Freq</a:t>
+                      </a:r>
+                    </a:p>
+                  </a:txBody>
+                  <a:tcPr/>
+                </a:tc>
+                <a:extLst>
+                  <a:ext uri="{0D108BD9-81ED-4DB2-BD59-A6C34878D82A}">
+                    <a16:rowId xmlns:a16="http://schemas.microsoft.com/office/drawing/2014/main" val="2359691844"/>
+                  </a:ext>
+                </a:extLst>
+              </a:tr>
+              <a:tr h="440858">
+                <a:tc>
+                  <a:txBody>
+                    <a:bodyPr/>
+                    <a:lstStyle/>
+                    <a:p>
+                      <a:pPr algn="ctr"/>
+                      <a:r>
+                        <a:rPr lang="en-US" sz="2400" dirty="0"/>
+                        <a:t>1</a:t>
+                      </a:r>
+                    </a:p>
+                  </a:txBody>
+                  <a:tcPr/>
+                </a:tc>
+                <a:tc>
+                  <a:txBody>
+                    <a:bodyPr/>
+                    <a:lstStyle/>
+                    <a:p>
+                      <a:pPr algn="ctr"/>
+                      <a:r>
+                        <a:rPr lang="en-US" sz="2400" dirty="0"/>
+                        <a:t>1</a:t>
+                      </a:r>
+                    </a:p>
+                  </a:txBody>
+                  <a:tcPr/>
+                </a:tc>
+                <a:tc>
+                  <a:txBody>
+                    <a:bodyPr/>
+                    <a:lstStyle/>
+                    <a:p>
+                      <a:pPr algn="ctr"/>
+                      <a:r>
+                        <a:rPr lang="en-US" sz="2400" dirty="0"/>
+                        <a:t>0.125</a:t>
+                      </a:r>
+                    </a:p>
+                  </a:txBody>
+                  <a:tcPr/>
+                </a:tc>
+                <a:extLst>
+                  <a:ext uri="{0D108BD9-81ED-4DB2-BD59-A6C34878D82A}">
+                    <a16:rowId xmlns:a16="http://schemas.microsoft.com/office/drawing/2014/main" val="792206646"/>
+                  </a:ext>
+                </a:extLst>
+              </a:tr>
+              <a:tr h="440858">
+                <a:tc>
+                  <a:txBody>
+                    <a:bodyPr/>
+                    <a:lstStyle/>
+                    <a:p>
+                      <a:pPr algn="ctr"/>
+                      <a:r>
+                        <a:rPr lang="en-US" sz="2400" dirty="0"/>
+                        <a:t>3</a:t>
+                      </a:r>
+                    </a:p>
+                  </a:txBody>
+                  <a:tcPr/>
+                </a:tc>
+                <a:tc>
+                  <a:txBody>
+                    <a:bodyPr/>
+                    <a:lstStyle/>
+                    <a:p>
+                      <a:pPr algn="ctr"/>
+                      <a:r>
+                        <a:rPr lang="en-US" sz="2400" dirty="0"/>
+                        <a:t>1</a:t>
+                      </a:r>
+                    </a:p>
+                  </a:txBody>
+                  <a:tcPr/>
+                </a:tc>
+                <a:tc>
+                  <a:txBody>
+                    <a:bodyPr/>
+                    <a:lstStyle/>
+                    <a:p>
+                      <a:pPr algn="ctr"/>
+                      <a:r>
+                        <a:rPr lang="en-US" sz="2400" dirty="0"/>
+                        <a:t>0.125</a:t>
+                      </a:r>
+                    </a:p>
+                  </a:txBody>
+                  <a:tcPr/>
+                </a:tc>
+                <a:extLst>
+                  <a:ext uri="{0D108BD9-81ED-4DB2-BD59-A6C34878D82A}">
+                    <a16:rowId xmlns:a16="http://schemas.microsoft.com/office/drawing/2014/main" val="1708416178"/>
+                  </a:ext>
+                </a:extLst>
+              </a:tr>
+              <a:tr h="440858">
+                <a:tc>
+                  <a:txBody>
+                    <a:bodyPr/>
+                    <a:lstStyle/>
+                    <a:p>
+                      <a:pPr algn="ctr"/>
+                      <a:r>
+                        <a:rPr lang="en-US" sz="2400" dirty="0"/>
+                        <a:t>5</a:t>
+                      </a:r>
+                    </a:p>
+                  </a:txBody>
+                  <a:tcPr/>
+                </a:tc>
+                <a:tc>
+                  <a:txBody>
+                    <a:bodyPr/>
+                    <a:lstStyle/>
+                    <a:p>
+                      <a:pPr algn="ctr"/>
+                      <a:r>
+                        <a:rPr lang="en-US" sz="2400" dirty="0"/>
+                        <a:t>2</a:t>
+                      </a:r>
+                    </a:p>
+                  </a:txBody>
+                  <a:tcPr/>
+                </a:tc>
+                <a:tc>
+                  <a:txBody>
+                    <a:bodyPr/>
+                    <a:lstStyle/>
+                    <a:p>
+                      <a:pPr algn="ctr"/>
+                      <a:r>
+                        <a:rPr lang="en-US" sz="2400" dirty="0"/>
+                        <a:t>0.250</a:t>
+                      </a:r>
+                    </a:p>
+                  </a:txBody>
+                  <a:tcPr/>
+                </a:tc>
+                <a:extLst>
+                  <a:ext uri="{0D108BD9-81ED-4DB2-BD59-A6C34878D82A}">
+                    <a16:rowId xmlns:a16="http://schemas.microsoft.com/office/drawing/2014/main" val="3979562944"/>
+                  </a:ext>
+                </a:extLst>
+              </a:tr>
+              <a:tr h="440858">
+                <a:tc>
+                  <a:txBody>
+                    <a:bodyPr/>
+                    <a:lstStyle/>
+                    <a:p>
+                      <a:pPr algn="ctr"/>
+                      <a:r>
+                        <a:rPr lang="en-US" sz="2400" dirty="0"/>
+                        <a:t>6</a:t>
+                      </a:r>
+                    </a:p>
+                  </a:txBody>
+                  <a:tcPr/>
+                </a:tc>
+                <a:tc>
+                  <a:txBody>
+                    <a:bodyPr/>
+                    <a:lstStyle/>
+                    <a:p>
+                      <a:pPr algn="ctr"/>
+                      <a:r>
+                        <a:rPr lang="en-US" sz="2400" dirty="0"/>
+                        <a:t>6</a:t>
+                      </a:r>
+                    </a:p>
+                  </a:txBody>
+                  <a:tcPr/>
+                </a:tc>
+                <a:tc>
+                  <a:txBody>
+                    <a:bodyPr/>
+                    <a:lstStyle/>
+                    <a:p>
+                      <a:pPr algn="ctr"/>
+                      <a:r>
+                        <a:rPr lang="en-US" sz="2400" dirty="0"/>
+                        <a:t>0.125</a:t>
+                      </a:r>
+                    </a:p>
+                  </a:txBody>
+                  <a:tcPr/>
+                </a:tc>
+                <a:extLst>
+                  <a:ext uri="{0D108BD9-81ED-4DB2-BD59-A6C34878D82A}">
+                    <a16:rowId xmlns:a16="http://schemas.microsoft.com/office/drawing/2014/main" val="2737024317"/>
+                  </a:ext>
+                </a:extLst>
+              </a:tr>
+              <a:tr h="440858">
+                <a:tc>
+                  <a:txBody>
+                    <a:bodyPr/>
+                    <a:lstStyle/>
+                    <a:p>
+                      <a:pPr algn="ctr"/>
+                      <a:r>
+                        <a:rPr lang="en-US" sz="2400" dirty="0"/>
+                        <a:t>7</a:t>
+                      </a:r>
+                    </a:p>
+                  </a:txBody>
+                  <a:tcPr/>
+                </a:tc>
+                <a:tc>
+                  <a:txBody>
+                    <a:bodyPr/>
+                    <a:lstStyle/>
+                    <a:p>
+                      <a:pPr algn="ctr"/>
+                      <a:r>
+                        <a:rPr lang="en-US" sz="2400" dirty="0"/>
+                        <a:t>2</a:t>
+                      </a:r>
+                    </a:p>
+                  </a:txBody>
+                  <a:tcPr/>
+                </a:tc>
+                <a:tc>
+                  <a:txBody>
+                    <a:bodyPr/>
+                    <a:lstStyle/>
+                    <a:p>
+                      <a:pPr algn="ctr"/>
+                      <a:r>
+                        <a:rPr lang="en-US" sz="2400" dirty="0"/>
+                        <a:t>0.250</a:t>
+                      </a:r>
+                    </a:p>
+                  </a:txBody>
+                  <a:tcPr/>
+                </a:tc>
+                <a:extLst>
+                  <a:ext uri="{0D108BD9-81ED-4DB2-BD59-A6C34878D82A}">
+                    <a16:rowId xmlns:a16="http://schemas.microsoft.com/office/drawing/2014/main" val="105989846"/>
+                  </a:ext>
+                </a:extLst>
+              </a:tr>
+              <a:tr h="440858">
+                <a:tc>
+                  <a:txBody>
+                    <a:bodyPr/>
+                    <a:lstStyle/>
+                    <a:p>
+                      <a:pPr algn="ctr"/>
+                      <a:r>
+                        <a:rPr lang="en-US" sz="2400" dirty="0"/>
+                        <a:t>8</a:t>
+                      </a:r>
+                    </a:p>
+                  </a:txBody>
+                  <a:tcPr/>
+                </a:tc>
+                <a:tc>
+                  <a:txBody>
+                    <a:bodyPr/>
+                    <a:lstStyle/>
+                    <a:p>
+                      <a:pPr algn="ctr"/>
+                      <a:r>
+                        <a:rPr lang="en-US" sz="2400" dirty="0"/>
+                        <a:t>1</a:t>
+                      </a:r>
+                    </a:p>
+                  </a:txBody>
+                  <a:tcPr/>
+                </a:tc>
+                <a:tc>
+                  <a:txBody>
+                    <a:bodyPr/>
+                    <a:lstStyle/>
+                    <a:p>
+                      <a:pPr algn="ctr"/>
+                      <a:r>
+                        <a:rPr lang="en-US" sz="2400" dirty="0"/>
+                        <a:t>0.125</a:t>
+                      </a:r>
+                    </a:p>
+                  </a:txBody>
+                  <a:tcPr/>
+                </a:tc>
+                <a:extLst>
+                  <a:ext uri="{0D108BD9-81ED-4DB2-BD59-A6C34878D82A}">
+                    <a16:rowId xmlns:a16="http://schemas.microsoft.com/office/drawing/2014/main" val="2567081470"/>
+                  </a:ext>
+                </a:extLst>
+              </a:tr>
+            </a:tbl>
+          </a:graphicData>
+        </a:graphic>
+      </p:graphicFrame>
+    </p:spTree>
+    <p:extLst>
+      <p:ext uri="{BB962C8B-B14F-4D97-AF65-F5344CB8AC3E}">
+        <p14:creationId xmlns:p14="http://schemas.microsoft.com/office/powerpoint/2010/main" val="792816123"/>
+      </p:ext>
+    </p:extLst>
+  </p:cSld>
+  <p:clrMapOvr>
+    <a:masterClrMapping/>
+  </p:clrMapOvr>
+</p:sld>
+</file>
+
+<file path=ppt/slides/slide17.xml><?xml version="1.0" encoding="utf-8"?>
+<p:sld xmlns:a="http://schemas.openxmlformats.org/drawingml/2006/main" xmlns:r="http://schemas.openxmlformats.org/officeDocument/2006/relationships" xmlns:p="http://schemas.openxmlformats.org/presentationml/2006/main">
+  <p:cSld>
+    <p:spTree>
+      <p:nvGrpSpPr>
+        <p:cNvPr id="1" name=""/>
+        <p:cNvGrpSpPr/>
+        <p:nvPr/>
+      </p:nvGrpSpPr>
+      <p:grpSpPr>
+        <a:xfrm>
+          <a:off x="0" y="0"/>
+          <a:ext cx="0" cy="0"/>
+          <a:chOff x="0" y="0"/>
+          <a:chExt cx="0" cy="0"/>
+        </a:xfrm>
+      </p:grpSpPr>
+      <p:sp>
+        <p:nvSpPr>
+          <p:cNvPr id="2" name="Title 1">
+            <a:extLst>
+              <a:ext uri="{FF2B5EF4-FFF2-40B4-BE49-F238E27FC236}">
                 <a16:creationId xmlns:a16="http://schemas.microsoft.com/office/drawing/2014/main" id="{954BCB12-022F-4788-84E1-8A1F30003B28}"/>
               </a:ext>
             </a:extLst>
@@ -3460,9 +6055,10 @@
           <a:lstStyle/>
           <a:p>
             <a:r>
-              <a:rPr lang="en-US" dirty="0"/>
-              <a:t>Measure of Central Tendency</a:t>
-            </a:r>
+              <a:rPr lang="en-US"/>
+              <a:t>The mode</a:t>
+            </a:r>
+            <a:endParaRPr lang="en-US" dirty="0"/>
           </a:p>
         </p:txBody>
       </p:sp>
@@ -4335,7 +6931,7 @@
 </p:sld>
 </file>
 
-<file path=ppt/slides/slide11.xml><?xml version="1.0" encoding="utf-8"?>
+<file path=ppt/slides/slide18.xml><?xml version="1.0" encoding="utf-8"?>
 <p:sld xmlns:a="http://schemas.openxmlformats.org/drawingml/2006/main" xmlns:r="http://schemas.openxmlformats.org/officeDocument/2006/relationships" xmlns:p="http://schemas.openxmlformats.org/presentationml/2006/main">
   <p:cSld>
     <p:spTree>
@@ -4811,7 +7407,7 @@
 </p:sld>
 </file>
 
-<file path=ppt/slides/slide12.xml><?xml version="1.0" encoding="utf-8"?>
+<file path=ppt/slides/slide19.xml><?xml version="1.0" encoding="utf-8"?>
 <p:sld xmlns:a="http://schemas.openxmlformats.org/drawingml/2006/main" xmlns:r="http://schemas.openxmlformats.org/officeDocument/2006/relationships" xmlns:p="http://schemas.openxmlformats.org/presentationml/2006/main">
   <p:cSld>
     <p:spTree>
@@ -4969,7 +7565,170 @@
 </p:sld>
 </file>
 
-<file path=ppt/slides/slide13.xml><?xml version="1.0" encoding="utf-8"?>
+<file path=ppt/slides/slide2.xml><?xml version="1.0" encoding="utf-8"?>
+<p:sld xmlns:a="http://schemas.openxmlformats.org/drawingml/2006/main" xmlns:r="http://schemas.openxmlformats.org/officeDocument/2006/relationships" xmlns:p="http://schemas.openxmlformats.org/presentationml/2006/main">
+  <p:cSld>
+    <p:spTree>
+      <p:nvGrpSpPr>
+        <p:cNvPr id="1" name=""/>
+        <p:cNvGrpSpPr/>
+        <p:nvPr/>
+      </p:nvGrpSpPr>
+      <p:grpSpPr>
+        <a:xfrm>
+          <a:off x="0" y="0"/>
+          <a:ext cx="0" cy="0"/>
+          <a:chOff x="0" y="0"/>
+          <a:chExt cx="0" cy="0"/>
+        </a:xfrm>
+      </p:grpSpPr>
+      <p:sp>
+        <p:nvSpPr>
+          <p:cNvPr id="2" name="Title 1">
+            <a:extLst>
+              <a:ext uri="{FF2B5EF4-FFF2-40B4-BE49-F238E27FC236}">
+                <a16:creationId xmlns:a16="http://schemas.microsoft.com/office/drawing/2014/main" id="{FC36F00C-9B03-67D3-F317-2F49A71C7BA5}"/>
+              </a:ext>
+            </a:extLst>
+          </p:cNvPr>
+          <p:cNvSpPr>
+            <a:spLocks noGrp="1"/>
+          </p:cNvSpPr>
+          <p:nvPr>
+            <p:ph type="title"/>
+          </p:nvPr>
+        </p:nvSpPr>
+        <p:spPr/>
+        <p:txBody>
+          <a:bodyPr/>
+          <a:lstStyle/>
+          <a:p>
+            <a:r>
+              <a:rPr lang="en-US" dirty="0"/>
+              <a:t>Review From Friday 1/19</a:t>
+            </a:r>
+          </a:p>
+        </p:txBody>
+      </p:sp>
+      <p:sp>
+        <p:nvSpPr>
+          <p:cNvPr id="3" name="Content Placeholder 2">
+            <a:extLst>
+              <a:ext uri="{FF2B5EF4-FFF2-40B4-BE49-F238E27FC236}">
+                <a16:creationId xmlns:a16="http://schemas.microsoft.com/office/drawing/2014/main" id="{3AEFBB93-7A80-825D-FB8E-3B132261887C}"/>
+              </a:ext>
+            </a:extLst>
+          </p:cNvPr>
+          <p:cNvSpPr>
+            <a:spLocks noGrp="1"/>
+          </p:cNvSpPr>
+          <p:nvPr>
+            <p:ph idx="1"/>
+          </p:nvPr>
+        </p:nvSpPr>
+        <p:spPr/>
+        <p:txBody>
+          <a:bodyPr>
+            <a:normAutofit lnSpcReduction="10000"/>
+          </a:bodyPr>
+          <a:lstStyle/>
+          <a:p>
+            <a:pPr marL="0" indent="0">
+              <a:buNone/>
+            </a:pPr>
+            <a:r>
+              <a:rPr lang="en-US" dirty="0"/>
+              <a:t>3 features of a distribution that we are interested in:</a:t>
+            </a:r>
+          </a:p>
+          <a:p>
+            <a:pPr lvl="1"/>
+            <a:r>
+              <a:rPr lang="en-US" dirty="0"/>
+              <a:t>Shape</a:t>
+            </a:r>
+          </a:p>
+          <a:p>
+            <a:pPr lvl="1"/>
+            <a:r>
+              <a:rPr lang="en-US" dirty="0"/>
+              <a:t>Center</a:t>
+            </a:r>
+          </a:p>
+          <a:p>
+            <a:pPr lvl="1"/>
+            <a:r>
+              <a:rPr lang="en-US" dirty="0"/>
+              <a:t>Spread or variability</a:t>
+            </a:r>
+          </a:p>
+          <a:p>
+            <a:pPr marL="457200" lvl="1" indent="0">
+              <a:buNone/>
+            </a:pPr>
+            <a:endParaRPr lang="en-US" dirty="0"/>
+          </a:p>
+          <a:p>
+            <a:pPr marL="0" indent="0">
+              <a:buNone/>
+            </a:pPr>
+            <a:r>
+              <a:rPr lang="en-US" dirty="0"/>
+              <a:t>Graphs of data are a good way summarize patterns in data </a:t>
+            </a:r>
+          </a:p>
+          <a:p>
+            <a:pPr marL="0" indent="0">
+              <a:buNone/>
+            </a:pPr>
+            <a:r>
+              <a:rPr lang="en-US" dirty="0"/>
+              <a:t>	Graphs for qualitative data are </a:t>
+            </a:r>
+          </a:p>
+          <a:p>
+            <a:pPr lvl="2"/>
+            <a:r>
+              <a:rPr lang="en-US" dirty="0"/>
+              <a:t>Bar graphs, pie charts</a:t>
+            </a:r>
+          </a:p>
+          <a:p>
+            <a:pPr lvl="1"/>
+            <a:endParaRPr lang="en-US" dirty="0"/>
+          </a:p>
+          <a:p>
+            <a:pPr marL="0" indent="0">
+              <a:buNone/>
+            </a:pPr>
+            <a:r>
+              <a:rPr lang="en-US" dirty="0"/>
+              <a:t>	Graphs for quantitative data are:</a:t>
+            </a:r>
+          </a:p>
+          <a:p>
+            <a:pPr lvl="2"/>
+            <a:r>
+              <a:rPr lang="en-US" dirty="0"/>
+              <a:t>Stem plot, dot plot, histogram</a:t>
+            </a:r>
+          </a:p>
+        </p:txBody>
+      </p:sp>
+    </p:spTree>
+    <p:extLst>
+      <p:ext uri="{BB962C8B-B14F-4D97-AF65-F5344CB8AC3E}">
+        <p14:creationId xmlns:p14="http://schemas.microsoft.com/office/powerpoint/2010/main" val="132781913"/>
+      </p:ext>
+    </p:extLst>
+  </p:cSld>
+  <p:clrMapOvr>
+    <a:masterClrMapping/>
+  </p:clrMapOvr>
+</p:sld>
+</file>
+
+<file path=ppt/slides/slide20.xml><?xml version="1.0" encoding="utf-8"?>
 <p:sld xmlns:a="http://schemas.openxmlformats.org/drawingml/2006/main" xmlns:r="http://schemas.openxmlformats.org/officeDocument/2006/relationships" xmlns:p="http://schemas.openxmlformats.org/presentationml/2006/main">
   <p:cSld>
     <p:spTree>
@@ -5374,7 +8133,7 @@
 </p:sld>
 </file>
 
-<file path=ppt/slides/slide14.xml><?xml version="1.0" encoding="utf-8"?>
+<file path=ppt/slides/slide21.xml><?xml version="1.0" encoding="utf-8"?>
 <p:sld xmlns:a="http://schemas.openxmlformats.org/drawingml/2006/main" xmlns:r="http://schemas.openxmlformats.org/officeDocument/2006/relationships" xmlns:p="http://schemas.openxmlformats.org/presentationml/2006/main">
   <p:cSld>
     <p:spTree>
@@ -5462,7 +8221,7 @@
 </p:sld>
 </file>
 
-<file path=ppt/slides/slide15.xml><?xml version="1.0" encoding="utf-8"?>
+<file path=ppt/slides/slide22.xml><?xml version="1.0" encoding="utf-8"?>
 <p:sld xmlns:a="http://schemas.openxmlformats.org/drawingml/2006/main" xmlns:r="http://schemas.openxmlformats.org/officeDocument/2006/relationships" xmlns:p="http://schemas.openxmlformats.org/presentationml/2006/main">
   <p:cSld>
     <p:spTree>
@@ -5678,7 +8437,7 @@
 </p:sld>
 </file>
 
-<file path=ppt/slides/slide16.xml><?xml version="1.0" encoding="utf-8"?>
+<file path=ppt/slides/slide23.xml><?xml version="1.0" encoding="utf-8"?>
 <p:sld xmlns:a="http://schemas.openxmlformats.org/drawingml/2006/main" xmlns:r="http://schemas.openxmlformats.org/officeDocument/2006/relationships" xmlns:p="http://schemas.openxmlformats.org/presentationml/2006/main">
   <p:cSld>
     <p:spTree>
@@ -5982,7 +8741,7 @@
 </p:sld>
 </file>
 
-<file path=ppt/slides/slide17.xml><?xml version="1.0" encoding="utf-8"?>
+<file path=ppt/slides/slide24.xml><?xml version="1.0" encoding="utf-8"?>
 <p:sld xmlns:a="http://schemas.openxmlformats.org/drawingml/2006/main" xmlns:r="http://schemas.openxmlformats.org/officeDocument/2006/relationships" xmlns:p="http://schemas.openxmlformats.org/presentationml/2006/main">
   <p:cSld>
     <p:spTree>
@@ -6571,7 +9330,7 @@
 </p:sld>
 </file>
 
-<file path=ppt/slides/slide18.xml><?xml version="1.0" encoding="utf-8"?>
+<file path=ppt/slides/slide25.xml><?xml version="1.0" encoding="utf-8"?>
 <p:sld xmlns:a="http://schemas.openxmlformats.org/drawingml/2006/main" xmlns:r="http://schemas.openxmlformats.org/officeDocument/2006/relationships" xmlns:p="http://schemas.openxmlformats.org/presentationml/2006/main">
   <p:cSld>
     <p:spTree>
@@ -7350,7 +10109,7 @@
 </p:sld>
 </file>
 
-<file path=ppt/slides/slide19.xml><?xml version="1.0" encoding="utf-8"?>
+<file path=ppt/slides/slide26.xml><?xml version="1.0" encoding="utf-8"?>
 <p:sld xmlns:a="http://schemas.openxmlformats.org/drawingml/2006/main" xmlns:r="http://schemas.openxmlformats.org/officeDocument/2006/relationships" xmlns:p="http://schemas.openxmlformats.org/presentationml/2006/main">
   <p:cSld>
     <p:spTree>
@@ -7824,90 +10583,7 @@
 </p:sld>
 </file>
 
-<file path=ppt/slides/slide2.xml><?xml version="1.0" encoding="utf-8"?>
-<p:sld xmlns:a="http://schemas.openxmlformats.org/drawingml/2006/main" xmlns:r="http://schemas.openxmlformats.org/officeDocument/2006/relationships" xmlns:p="http://schemas.openxmlformats.org/presentationml/2006/main">
-  <p:cSld>
-    <p:spTree>
-      <p:nvGrpSpPr>
-        <p:cNvPr id="1" name=""/>
-        <p:cNvGrpSpPr/>
-        <p:nvPr/>
-      </p:nvGrpSpPr>
-      <p:grpSpPr>
-        <a:xfrm>
-          <a:off x="0" y="0"/>
-          <a:ext cx="0" cy="0"/>
-          <a:chOff x="0" y="0"/>
-          <a:chExt cx="0" cy="0"/>
-        </a:xfrm>
-      </p:grpSpPr>
-      <p:sp>
-        <p:nvSpPr>
-          <p:cNvPr id="2" name="Title 1">
-            <a:extLst>
-              <a:ext uri="{FF2B5EF4-FFF2-40B4-BE49-F238E27FC236}">
-                <a16:creationId xmlns:a16="http://schemas.microsoft.com/office/drawing/2014/main" id="{FF17B614-E62A-6E84-A969-7A7D10DF5CE8}"/>
-              </a:ext>
-            </a:extLst>
-          </p:cNvPr>
-          <p:cNvSpPr>
-            <a:spLocks noGrp="1"/>
-          </p:cNvSpPr>
-          <p:nvPr>
-            <p:ph type="title"/>
-          </p:nvPr>
-        </p:nvSpPr>
-        <p:spPr/>
-        <p:txBody>
-          <a:bodyPr/>
-          <a:lstStyle/>
-          <a:p>
-            <a:r>
-              <a:rPr lang="en-US" dirty="0"/>
-              <a:t>Review from Friday 1/19</a:t>
-            </a:r>
-          </a:p>
-        </p:txBody>
-      </p:sp>
-      <p:sp>
-        <p:nvSpPr>
-          <p:cNvPr id="3" name="Content Placeholder 2">
-            <a:extLst>
-              <a:ext uri="{FF2B5EF4-FFF2-40B4-BE49-F238E27FC236}">
-                <a16:creationId xmlns:a16="http://schemas.microsoft.com/office/drawing/2014/main" id="{AAFC206D-EF74-1942-F4BA-38FA5E93D442}"/>
-              </a:ext>
-            </a:extLst>
-          </p:cNvPr>
-          <p:cNvSpPr>
-            <a:spLocks noGrp="1"/>
-          </p:cNvSpPr>
-          <p:nvPr>
-            <p:ph idx="1"/>
-          </p:nvPr>
-        </p:nvSpPr>
-        <p:spPr/>
-        <p:txBody>
-          <a:bodyPr/>
-          <a:lstStyle/>
-          <a:p>
-            <a:endParaRPr lang="en-US" dirty="0"/>
-          </a:p>
-        </p:txBody>
-      </p:sp>
-    </p:spTree>
-    <p:extLst>
-      <p:ext uri="{BB962C8B-B14F-4D97-AF65-F5344CB8AC3E}">
-        <p14:creationId xmlns:p14="http://schemas.microsoft.com/office/powerpoint/2010/main" val="3174710597"/>
-      </p:ext>
-    </p:extLst>
-  </p:cSld>
-  <p:clrMapOvr>
-    <a:masterClrMapping/>
-  </p:clrMapOvr>
-</p:sld>
-</file>
-
-<file path=ppt/slides/slide20.xml><?xml version="1.0" encoding="utf-8"?>
+<file path=ppt/slides/slide27.xml><?xml version="1.0" encoding="utf-8"?>
 <p:sld xmlns:a="http://schemas.openxmlformats.org/drawingml/2006/main" xmlns:r="http://schemas.openxmlformats.org/officeDocument/2006/relationships" xmlns:p="http://schemas.openxmlformats.org/presentationml/2006/main">
   <p:cSld>
     <p:spTree>
@@ -8015,8 +10691,8 @@
           </p:sp>
         </mc:Fallback>
       </mc:AlternateContent>
-      <mc:AlternateContent xmlns:mc="http://schemas.openxmlformats.org/markup-compatibility/2006">
-        <mc:Choice xmlns:a14="http://schemas.microsoft.com/office/drawing/2010/main" Requires="a14">
+      <mc:AlternateContent xmlns:mc="http://schemas.openxmlformats.org/markup-compatibility/2006" xmlns:a14="http://schemas.microsoft.com/office/drawing/2010/main">
+        <mc:Choice Requires="a14">
           <p:sp>
             <p:nvSpPr>
               <p:cNvPr id="3" name="Content Placeholder 2">
@@ -8218,7 +10894,7 @@
             </p:txBody>
           </p:sp>
         </mc:Choice>
-        <mc:Fallback>
+        <mc:Fallback xmlns="">
           <p:sp>
             <p:nvSpPr>
               <p:cNvPr id="3" name="Content Placeholder 2">
@@ -8271,7 +10947,7 @@
 </p:sld>
 </file>
 
-<file path=ppt/slides/slide21.xml><?xml version="1.0" encoding="utf-8"?>
+<file path=ppt/slides/slide28.xml><?xml version="1.0" encoding="utf-8"?>
 <p:sld xmlns:a="http://schemas.openxmlformats.org/drawingml/2006/main" xmlns:r="http://schemas.openxmlformats.org/officeDocument/2006/relationships" xmlns:p="http://schemas.openxmlformats.org/presentationml/2006/main">
   <p:cSld>
     <p:bg>
@@ -9281,8 +11957,8 @@
           </a:p>
         </p:txBody>
       </p:sp>
-      <mc:AlternateContent xmlns:mc="http://schemas.openxmlformats.org/markup-compatibility/2006">
-        <mc:Choice xmlns:a14="http://schemas.microsoft.com/office/drawing/2010/main" Requires="a14">
+      <mc:AlternateContent xmlns:mc="http://schemas.openxmlformats.org/markup-compatibility/2006" xmlns:a14="http://schemas.microsoft.com/office/drawing/2010/main">
+        <mc:Choice Requires="a14">
           <p:sp>
             <p:nvSpPr>
               <p:cNvPr id="3" name="Content Placeholder 2">
@@ -9316,109 +11992,55 @@
                       <a:rPr lang="en-US" i="1" smtClean="0">
                         <a:latin typeface="Cambria Math" panose="02040503050406030204" pitchFamily="18" charset="0"/>
                       </a:rPr>
-                      <m:t>={-1.49, </m:t>
+                      <m:t>={−1.49, −0.6</m:t>
                     </m:r>
                     <m:r>
                       <a:rPr lang="en-US" i="1">
                         <a:latin typeface="Cambria Math" panose="02040503050406030204" pitchFamily="18" charset="0"/>
                       </a:rPr>
-                      <m:t>-0.65,</m:t>
-                    </m:r>
-                    <m:r>
-                      <a:rPr lang="en-US" b="0" i="1" smtClean="0">
-                        <a:latin typeface="Cambria Math" panose="02040503050406030204" pitchFamily="18" charset="0"/>
-                      </a:rPr>
-                      <m:t> </m:t>
+                      <m:t>5, −0.6, −</m:t>
                     </m:r>
                     <m:r>
                       <a:rPr lang="en-US" i="1">
                         <a:latin typeface="Cambria Math" panose="02040503050406030204" pitchFamily="18" charset="0"/>
                       </a:rPr>
-                      <m:t>-0.6,</m:t>
-                    </m:r>
-                    <m:r>
-                      <a:rPr lang="en-US" b="0" i="1" smtClean="0">
-                        <a:latin typeface="Cambria Math" panose="02040503050406030204" pitchFamily="18" charset="0"/>
-                      </a:rPr>
-                      <m:t> </m:t>
+                      <m:t>0.54, −</m:t>
                     </m:r>
                     <m:r>
                       <a:rPr lang="en-US" i="1">
                         <a:latin typeface="Cambria Math" panose="02040503050406030204" pitchFamily="18" charset="0"/>
                       </a:rPr>
-                      <m:t>-0.54,</m:t>
-                    </m:r>
-                    <m:r>
-                      <a:rPr lang="en-US" b="0" i="1" smtClean="0">
-                        <a:latin typeface="Cambria Math" panose="02040503050406030204" pitchFamily="18" charset="0"/>
-                      </a:rPr>
-                      <m:t> </m:t>
+                      <m:t>0.45, 0</m:t>
                     </m:r>
                     <m:r>
                       <a:rPr lang="en-US" i="1">
                         <a:latin typeface="Cambria Math" panose="02040503050406030204" pitchFamily="18" charset="0"/>
                       </a:rPr>
-                      <m:t>-0.45,</m:t>
-                    </m:r>
-                    <m:r>
-                      <a:rPr lang="en-US" b="0" i="1" smtClean="0">
-                        <a:latin typeface="Cambria Math" panose="02040503050406030204" pitchFamily="18" charset="0"/>
-                      </a:rPr>
-                      <m:t> </m:t>
+                      <m:t>.01, 0</m:t>
                     </m:r>
                     <m:r>
                       <a:rPr lang="en-US" i="1">
                         <a:latin typeface="Cambria Math" panose="02040503050406030204" pitchFamily="18" charset="0"/>
                       </a:rPr>
-                      <m:t>0.01,</m:t>
-                    </m:r>
-                    <m:r>
-                      <a:rPr lang="en-US" b="0" i="1" smtClean="0">
-                        <a:latin typeface="Cambria Math" panose="02040503050406030204" pitchFamily="18" charset="0"/>
-                      </a:rPr>
-                      <m:t> </m:t>
+                      <m:t>.17, 0</m:t>
                     </m:r>
                     <m:r>
                       <a:rPr lang="en-US" i="1">
                         <a:latin typeface="Cambria Math" panose="02040503050406030204" pitchFamily="18" charset="0"/>
                       </a:rPr>
-                      <m:t>0.17,</m:t>
-                    </m:r>
-                    <m:r>
-                      <a:rPr lang="en-US" b="0" i="1" smtClean="0">
-                        <a:latin typeface="Cambria Math" panose="02040503050406030204" pitchFamily="18" charset="0"/>
-                      </a:rPr>
-                      <m:t> </m:t>
+                      <m:t>.27, 0</m:t>
                     </m:r>
                     <m:r>
                       <a:rPr lang="en-US" i="1">
                         <a:latin typeface="Cambria Math" panose="02040503050406030204" pitchFamily="18" charset="0"/>
                       </a:rPr>
-                      <m:t>0.27,</m:t>
-                    </m:r>
-                    <m:r>
-                      <a:rPr lang="en-US" b="0" i="1" smtClean="0">
-                        <a:latin typeface="Cambria Math" panose="02040503050406030204" pitchFamily="18" charset="0"/>
-                      </a:rPr>
-                      <m:t> </m:t>
+                      <m:t>.51, 1</m:t>
                     </m:r>
                     <m:r>
                       <a:rPr lang="en-US" i="1">
                         <a:latin typeface="Cambria Math" panose="02040503050406030204" pitchFamily="18" charset="0"/>
                       </a:rPr>
-                      <m:t>0.51,</m:t>
-                    </m:r>
-                    <m:r>
-                      <a:rPr lang="en-US" b="0" i="1" smtClean="0">
-                        <a:latin typeface="Cambria Math" panose="02040503050406030204" pitchFamily="18" charset="0"/>
-                      </a:rPr>
-                      <m:t> </m:t>
-                    </m:r>
-                    <m:r>
-                      <a:rPr lang="en-US" i="1">
-                        <a:latin typeface="Cambria Math" panose="02040503050406030204" pitchFamily="18" charset="0"/>
-                      </a:rPr>
-                      <m:t>1.34</m:t>
+                      <m:t>.34</m:t>
                     </m:r>
                     <m:r>
                       <a:rPr lang="en-US" b="0" i="0" smtClean="0">
@@ -9451,7 +12073,7 @@
             </p:txBody>
           </p:sp>
         </mc:Choice>
-        <mc:Fallback>
+        <mc:Fallback xmlns="">
           <p:sp>
             <p:nvSpPr>
               <p:cNvPr id="3" name="Content Placeholder 2">
@@ -9556,10 +12178,10 @@
       </p:sp>
       <p:pic>
         <p:nvPicPr>
-          <p:cNvPr id="5" name="Picture 4">
+          <p:cNvPr id="4" name="Picture 3">
             <a:extLst>
               <a:ext uri="{FF2B5EF4-FFF2-40B4-BE49-F238E27FC236}">
-                <a16:creationId xmlns:a16="http://schemas.microsoft.com/office/drawing/2014/main" id="{1491677B-C848-2710-9414-A98A714778C4}"/>
+                <a16:creationId xmlns:a16="http://schemas.microsoft.com/office/drawing/2014/main" id="{453D1D06-5BFC-4B7C-AD07-C5D60E31F288}"/>
               </a:ext>
             </a:extLst>
           </p:cNvPr>
@@ -9576,8 +12198,8 @@
         </p:blipFill>
         <p:spPr>
           <a:xfrm>
-            <a:off x="1712195" y="1308117"/>
-            <a:ext cx="9008988" cy="5445108"/>
+            <a:off x="2664905" y="951676"/>
+            <a:ext cx="7268589" cy="5906324"/>
           </a:xfrm>
           <a:prstGeom prst="rect">
             <a:avLst/>
@@ -9722,7 +12344,7 @@
             </a:pPr>
             <a:r>
               <a:rPr lang="en-US" sz="1800" dirty="0"/>
-              <a:t>- When observations come from two different populations</a:t>
+              <a:t>- When observations come from two different sub-populations</a:t>
             </a:r>
           </a:p>
         </p:txBody>
@@ -9806,6 +12428,424 @@
       </p:grpSpPr>
       <p:sp>
         <p:nvSpPr>
+          <p:cNvPr id="4" name="Content Placeholder 2">
+            <a:extLst>
+              <a:ext uri="{FF2B5EF4-FFF2-40B4-BE49-F238E27FC236}">
+                <a16:creationId xmlns:a16="http://schemas.microsoft.com/office/drawing/2014/main" id="{DDDF1736-0CBB-3BEB-7F60-B4E2FC6C959D}"/>
+              </a:ext>
+            </a:extLst>
+          </p:cNvPr>
+          <p:cNvSpPr>
+            <a:spLocks noGrp="1"/>
+          </p:cNvSpPr>
+          <p:nvPr>
+            <p:ph idx="1"/>
+          </p:nvPr>
+        </p:nvSpPr>
+        <p:spPr>
+          <a:xfrm>
+            <a:off x="369455" y="2558472"/>
+            <a:ext cx="3657599" cy="3602183"/>
+          </a:xfrm>
+        </p:spPr>
+        <p:txBody>
+          <a:bodyPr>
+            <a:normAutofit/>
+          </a:bodyPr>
+          <a:lstStyle/>
+          <a:p>
+            <a:r>
+              <a:rPr lang="en-US" sz="2400" dirty="0"/>
+              <a:t> </a:t>
+            </a:r>
+            <a:r>
+              <a:rPr lang="en-US" sz="2600" dirty="0"/>
+              <a:t>Skewed distributions occur when there is a strict boundary on the possible values of a variable</a:t>
+            </a:r>
+            <a:endParaRPr lang="en-US" sz="2400" dirty="0"/>
+          </a:p>
+        </p:txBody>
+      </p:sp>
+      <p:sp>
+        <p:nvSpPr>
+          <p:cNvPr id="7" name="Content Placeholder 2">
+            <a:extLst>
+              <a:ext uri="{FF2B5EF4-FFF2-40B4-BE49-F238E27FC236}">
+                <a16:creationId xmlns:a16="http://schemas.microsoft.com/office/drawing/2014/main" id="{C36D1BEB-4A86-0316-5745-530910D9607A}"/>
+              </a:ext>
+            </a:extLst>
+          </p:cNvPr>
+          <p:cNvSpPr txBox="1">
+            <a:spLocks/>
+          </p:cNvSpPr>
+          <p:nvPr/>
+        </p:nvSpPr>
+        <p:spPr>
+          <a:xfrm>
+            <a:off x="4946074" y="244729"/>
+            <a:ext cx="6839526" cy="1505562"/>
+          </a:xfrm>
+          <a:prstGeom prst="rect">
+            <a:avLst/>
+          </a:prstGeom>
+        </p:spPr>
+        <p:txBody>
+          <a:bodyPr vert="horz" lIns="91440" tIns="45720" rIns="91440" bIns="45720" rtlCol="0">
+            <a:normAutofit/>
+          </a:bodyPr>
+          <a:lstStyle>
+            <a:lvl1pPr marL="228600" indent="-228600" algn="l" defTabSz="914400" rtl="0" eaLnBrk="1" latinLnBrk="0" hangingPunct="1">
+              <a:lnSpc>
+                <a:spcPct val="90000"/>
+              </a:lnSpc>
+              <a:spcBef>
+                <a:spcPts val="1000"/>
+              </a:spcBef>
+              <a:buFont typeface="Arial" panose="020B0604020202020204" pitchFamily="34" charset="0"/>
+              <a:buChar char="•"/>
+              <a:defRPr sz="2800" kern="1200">
+                <a:solidFill>
+                  <a:schemeClr val="tx1"/>
+                </a:solidFill>
+                <a:latin typeface="+mn-lt"/>
+                <a:ea typeface="+mn-ea"/>
+                <a:cs typeface="+mn-cs"/>
+              </a:defRPr>
+            </a:lvl1pPr>
+            <a:lvl2pPr marL="685800" indent="-228600" algn="l" defTabSz="914400" rtl="0" eaLnBrk="1" latinLnBrk="0" hangingPunct="1">
+              <a:lnSpc>
+                <a:spcPct val="90000"/>
+              </a:lnSpc>
+              <a:spcBef>
+                <a:spcPts val="500"/>
+              </a:spcBef>
+              <a:buFont typeface="Arial" panose="020B0604020202020204" pitchFamily="34" charset="0"/>
+              <a:buChar char="•"/>
+              <a:defRPr sz="2400" kern="1200">
+                <a:solidFill>
+                  <a:schemeClr val="tx1"/>
+                </a:solidFill>
+                <a:latin typeface="+mn-lt"/>
+                <a:ea typeface="+mn-ea"/>
+                <a:cs typeface="+mn-cs"/>
+              </a:defRPr>
+            </a:lvl2pPr>
+            <a:lvl3pPr marL="1143000" indent="-228600" algn="l" defTabSz="914400" rtl="0" eaLnBrk="1" latinLnBrk="0" hangingPunct="1">
+              <a:lnSpc>
+                <a:spcPct val="90000"/>
+              </a:lnSpc>
+              <a:spcBef>
+                <a:spcPts val="500"/>
+              </a:spcBef>
+              <a:buFont typeface="Arial" panose="020B0604020202020204" pitchFamily="34" charset="0"/>
+              <a:buChar char="•"/>
+              <a:defRPr sz="2000" kern="1200">
+                <a:solidFill>
+                  <a:schemeClr val="tx1"/>
+                </a:solidFill>
+                <a:latin typeface="+mn-lt"/>
+                <a:ea typeface="+mn-ea"/>
+                <a:cs typeface="+mn-cs"/>
+              </a:defRPr>
+            </a:lvl3pPr>
+            <a:lvl4pPr marL="1600200" indent="-228600" algn="l" defTabSz="914400" rtl="0" eaLnBrk="1" latinLnBrk="0" hangingPunct="1">
+              <a:lnSpc>
+                <a:spcPct val="90000"/>
+              </a:lnSpc>
+              <a:spcBef>
+                <a:spcPts val="500"/>
+              </a:spcBef>
+              <a:buFont typeface="Arial" panose="020B0604020202020204" pitchFamily="34" charset="0"/>
+              <a:buChar char="•"/>
+              <a:defRPr sz="1800" kern="1200">
+                <a:solidFill>
+                  <a:schemeClr val="tx1"/>
+                </a:solidFill>
+                <a:latin typeface="+mn-lt"/>
+                <a:ea typeface="+mn-ea"/>
+                <a:cs typeface="+mn-cs"/>
+              </a:defRPr>
+            </a:lvl4pPr>
+            <a:lvl5pPr marL="2057400" indent="-228600" algn="l" defTabSz="914400" rtl="0" eaLnBrk="1" latinLnBrk="0" hangingPunct="1">
+              <a:lnSpc>
+                <a:spcPct val="90000"/>
+              </a:lnSpc>
+              <a:spcBef>
+                <a:spcPts val="500"/>
+              </a:spcBef>
+              <a:buFont typeface="Arial" panose="020B0604020202020204" pitchFamily="34" charset="0"/>
+              <a:buChar char="•"/>
+              <a:defRPr sz="1800" kern="1200">
+                <a:solidFill>
+                  <a:schemeClr val="tx1"/>
+                </a:solidFill>
+                <a:latin typeface="+mn-lt"/>
+                <a:ea typeface="+mn-ea"/>
+                <a:cs typeface="+mn-cs"/>
+              </a:defRPr>
+            </a:lvl5pPr>
+            <a:lvl6pPr marL="2514600" indent="-228600" algn="l" defTabSz="914400" rtl="0" eaLnBrk="1" latinLnBrk="0" hangingPunct="1">
+              <a:lnSpc>
+                <a:spcPct val="90000"/>
+              </a:lnSpc>
+              <a:spcBef>
+                <a:spcPts val="500"/>
+              </a:spcBef>
+              <a:buFont typeface="Arial" panose="020B0604020202020204" pitchFamily="34" charset="0"/>
+              <a:buChar char="•"/>
+              <a:defRPr sz="1800" kern="1200">
+                <a:solidFill>
+                  <a:schemeClr val="tx1"/>
+                </a:solidFill>
+                <a:latin typeface="+mn-lt"/>
+                <a:ea typeface="+mn-ea"/>
+                <a:cs typeface="+mn-cs"/>
+              </a:defRPr>
+            </a:lvl6pPr>
+            <a:lvl7pPr marL="2971800" indent="-228600" algn="l" defTabSz="914400" rtl="0" eaLnBrk="1" latinLnBrk="0" hangingPunct="1">
+              <a:lnSpc>
+                <a:spcPct val="90000"/>
+              </a:lnSpc>
+              <a:spcBef>
+                <a:spcPts val="500"/>
+              </a:spcBef>
+              <a:buFont typeface="Arial" panose="020B0604020202020204" pitchFamily="34" charset="0"/>
+              <a:buChar char="•"/>
+              <a:defRPr sz="1800" kern="1200">
+                <a:solidFill>
+                  <a:schemeClr val="tx1"/>
+                </a:solidFill>
+                <a:latin typeface="+mn-lt"/>
+                <a:ea typeface="+mn-ea"/>
+                <a:cs typeface="+mn-cs"/>
+              </a:defRPr>
+            </a:lvl7pPr>
+            <a:lvl8pPr marL="3429000" indent="-228600" algn="l" defTabSz="914400" rtl="0" eaLnBrk="1" latinLnBrk="0" hangingPunct="1">
+              <a:lnSpc>
+                <a:spcPct val="90000"/>
+              </a:lnSpc>
+              <a:spcBef>
+                <a:spcPts val="500"/>
+              </a:spcBef>
+              <a:buFont typeface="Arial" panose="020B0604020202020204" pitchFamily="34" charset="0"/>
+              <a:buChar char="•"/>
+              <a:defRPr sz="1800" kern="1200">
+                <a:solidFill>
+                  <a:schemeClr val="tx1"/>
+                </a:solidFill>
+                <a:latin typeface="+mn-lt"/>
+                <a:ea typeface="+mn-ea"/>
+                <a:cs typeface="+mn-cs"/>
+              </a:defRPr>
+            </a:lvl8pPr>
+            <a:lvl9pPr marL="3886200" indent="-228600" algn="l" defTabSz="914400" rtl="0" eaLnBrk="1" latinLnBrk="0" hangingPunct="1">
+              <a:lnSpc>
+                <a:spcPct val="90000"/>
+              </a:lnSpc>
+              <a:spcBef>
+                <a:spcPts val="500"/>
+              </a:spcBef>
+              <a:buFont typeface="Arial" panose="020B0604020202020204" pitchFamily="34" charset="0"/>
+              <a:buChar char="•"/>
+              <a:defRPr sz="1800" kern="1200">
+                <a:solidFill>
+                  <a:schemeClr val="tx1"/>
+                </a:solidFill>
+                <a:latin typeface="+mn-lt"/>
+                <a:ea typeface="+mn-ea"/>
+                <a:cs typeface="+mn-cs"/>
+              </a:defRPr>
+            </a:lvl9pPr>
+          </a:lstStyle>
+          <a:p>
+            <a:r>
+              <a:rPr lang="en-US" sz="2400" dirty="0"/>
+              <a:t> Consider the following histogram of median housing prices in California from the 1990 national census</a:t>
+            </a:r>
+          </a:p>
+        </p:txBody>
+      </p:sp>
+      <p:pic>
+        <p:nvPicPr>
+          <p:cNvPr id="9" name="Picture 8">
+            <a:extLst>
+              <a:ext uri="{FF2B5EF4-FFF2-40B4-BE49-F238E27FC236}">
+                <a16:creationId xmlns:a16="http://schemas.microsoft.com/office/drawing/2014/main" id="{14F1FF5F-F267-BB55-B783-8286181804F1}"/>
+              </a:ext>
+            </a:extLst>
+          </p:cNvPr>
+          <p:cNvPicPr>
+            <a:picLocks noChangeAspect="1"/>
+          </p:cNvPicPr>
+          <p:nvPr/>
+        </p:nvPicPr>
+        <p:blipFill>
+          <a:blip r:embed="rId2"/>
+          <a:stretch>
+            <a:fillRect/>
+          </a:stretch>
+        </p:blipFill>
+        <p:spPr>
+          <a:xfrm>
+            <a:off x="4147127" y="1237673"/>
+            <a:ext cx="7841491" cy="5620327"/>
+          </a:xfrm>
+          <a:prstGeom prst="rect">
+            <a:avLst/>
+          </a:prstGeom>
+        </p:spPr>
+      </p:pic>
+    </p:spTree>
+    <p:extLst>
+      <p:ext uri="{BB962C8B-B14F-4D97-AF65-F5344CB8AC3E}">
+        <p14:creationId xmlns:p14="http://schemas.microsoft.com/office/powerpoint/2010/main" val="3858167432"/>
+      </p:ext>
+    </p:extLst>
+  </p:cSld>
+  <p:clrMapOvr>
+    <a:masterClrMapping/>
+  </p:clrMapOvr>
+</p:sld>
+</file>
+
+<file path=ppt/slides/slide7.xml><?xml version="1.0" encoding="utf-8"?>
+<p:sld xmlns:a="http://schemas.openxmlformats.org/drawingml/2006/main" xmlns:r="http://schemas.openxmlformats.org/officeDocument/2006/relationships" xmlns:p="http://schemas.openxmlformats.org/presentationml/2006/main">
+  <p:cSld>
+    <p:spTree>
+      <p:nvGrpSpPr>
+        <p:cNvPr id="1" name=""/>
+        <p:cNvGrpSpPr/>
+        <p:nvPr/>
+      </p:nvGrpSpPr>
+      <p:grpSpPr>
+        <a:xfrm>
+          <a:off x="0" y="0"/>
+          <a:ext cx="0" cy="0"/>
+          <a:chOff x="0" y="0"/>
+          <a:chExt cx="0" cy="0"/>
+        </a:xfrm>
+      </p:grpSpPr>
+      <p:sp>
+        <p:nvSpPr>
+          <p:cNvPr id="4" name="Content Placeholder 2">
+            <a:extLst>
+              <a:ext uri="{FF2B5EF4-FFF2-40B4-BE49-F238E27FC236}">
+                <a16:creationId xmlns:a16="http://schemas.microsoft.com/office/drawing/2014/main" id="{DDDF1736-0CBB-3BEB-7F60-B4E2FC6C959D}"/>
+              </a:ext>
+            </a:extLst>
+          </p:cNvPr>
+          <p:cNvSpPr>
+            <a:spLocks noGrp="1"/>
+          </p:cNvSpPr>
+          <p:nvPr>
+            <p:ph idx="1"/>
+          </p:nvPr>
+        </p:nvSpPr>
+        <p:spPr>
+          <a:xfrm>
+            <a:off x="443346" y="1385454"/>
+            <a:ext cx="3990109" cy="3602183"/>
+          </a:xfrm>
+        </p:spPr>
+        <p:txBody>
+          <a:bodyPr>
+            <a:normAutofit fontScale="92500" lnSpcReduction="10000"/>
+          </a:bodyPr>
+          <a:lstStyle/>
+          <a:p>
+            <a:r>
+              <a:rPr lang="en-US" sz="2400" dirty="0"/>
+              <a:t> </a:t>
+            </a:r>
+            <a:r>
+              <a:rPr lang="en-US" sz="2600" b="1" dirty="0"/>
+              <a:t>Outliers</a:t>
+            </a:r>
+            <a:r>
+              <a:rPr lang="en-US" sz="2600" dirty="0"/>
+              <a:t> are extreme values that fall far away from the midpoint of the data</a:t>
+            </a:r>
+          </a:p>
+          <a:p>
+            <a:endParaRPr lang="en-US" sz="2600" dirty="0"/>
+          </a:p>
+          <a:p>
+            <a:endParaRPr lang="en-US" sz="3200" b="1" dirty="0"/>
+          </a:p>
+          <a:p>
+            <a:r>
+              <a:rPr lang="en-US" sz="2800" dirty="0"/>
+              <a:t>Consider the following histogram of the fuel efficiency of cars from 1990 - 2008</a:t>
+            </a:r>
+            <a:endParaRPr lang="en-US" sz="2800" b="1" dirty="0"/>
+          </a:p>
+          <a:p>
+            <a:endParaRPr lang="en-US" sz="2600" dirty="0"/>
+          </a:p>
+        </p:txBody>
+      </p:sp>
+      <p:pic>
+        <p:nvPicPr>
+          <p:cNvPr id="6" name="Picture 5">
+            <a:extLst>
+              <a:ext uri="{FF2B5EF4-FFF2-40B4-BE49-F238E27FC236}">
+                <a16:creationId xmlns:a16="http://schemas.microsoft.com/office/drawing/2014/main" id="{D6B623FF-7929-5BFA-C7E7-60E352C4D671}"/>
+              </a:ext>
+            </a:extLst>
+          </p:cNvPr>
+          <p:cNvPicPr>
+            <a:picLocks noChangeAspect="1"/>
+          </p:cNvPicPr>
+          <p:nvPr/>
+        </p:nvPicPr>
+        <p:blipFill>
+          <a:blip r:embed="rId2"/>
+          <a:stretch>
+            <a:fillRect/>
+          </a:stretch>
+        </p:blipFill>
+        <p:spPr>
+          <a:xfrm>
+            <a:off x="4644320" y="1671782"/>
+            <a:ext cx="7437704" cy="5103091"/>
+          </a:xfrm>
+          <a:prstGeom prst="rect">
+            <a:avLst/>
+          </a:prstGeom>
+        </p:spPr>
+      </p:pic>
+    </p:spTree>
+    <p:extLst>
+      <p:ext uri="{BB962C8B-B14F-4D97-AF65-F5344CB8AC3E}">
+        <p14:creationId xmlns:p14="http://schemas.microsoft.com/office/powerpoint/2010/main" val="1579008711"/>
+      </p:ext>
+    </p:extLst>
+  </p:cSld>
+  <p:clrMapOvr>
+    <a:masterClrMapping/>
+  </p:clrMapOvr>
+</p:sld>
+</file>
+
+<file path=ppt/slides/slide8.xml><?xml version="1.0" encoding="utf-8"?>
+<p:sld xmlns:a="http://schemas.openxmlformats.org/drawingml/2006/main" xmlns:r="http://schemas.openxmlformats.org/officeDocument/2006/relationships" xmlns:p="http://schemas.openxmlformats.org/presentationml/2006/main">
+  <p:cSld>
+    <p:spTree>
+      <p:nvGrpSpPr>
+        <p:cNvPr id="1" name=""/>
+        <p:cNvGrpSpPr/>
+        <p:nvPr/>
+      </p:nvGrpSpPr>
+      <p:grpSpPr>
+        <a:xfrm>
+          <a:off x="0" y="0"/>
+          <a:ext cx="0" cy="0"/>
+          <a:chOff x="0" y="0"/>
+          <a:chExt cx="0" cy="0"/>
+        </a:xfrm>
+      </p:grpSpPr>
+      <p:sp>
+        <p:nvSpPr>
           <p:cNvPr id="2" name="Title 1">
             <a:extLst>
               <a:ext uri="{FF2B5EF4-FFF2-40B4-BE49-F238E27FC236}">
@@ -9837,8 +12877,8 @@
           </a:p>
         </p:txBody>
       </p:sp>
-      <mc:AlternateContent xmlns:mc="http://schemas.openxmlformats.org/markup-compatibility/2006" xmlns:a14="http://schemas.microsoft.com/office/drawing/2010/main">
-        <mc:Choice Requires="a14">
+      <mc:AlternateContent xmlns:mc="http://schemas.openxmlformats.org/markup-compatibility/2006">
+        <mc:Choice xmlns:a14="http://schemas.microsoft.com/office/drawing/2010/main" Requires="a14">
           <p:sp>
             <p:nvSpPr>
               <p:cNvPr id="3" name="Content Placeholder 2">
@@ -9863,7 +12903,7 @@
             </p:spPr>
             <p:txBody>
               <a:bodyPr>
-                <a:normAutofit fontScale="92500" lnSpcReduction="20000"/>
+                <a:normAutofit/>
               </a:bodyPr>
               <a:lstStyle/>
               <a:p>
@@ -9877,7 +12917,7 @@
                 </a:r>
                 <a:r>
                   <a:rPr lang="en-US" sz="2400" dirty="0"/>
-                  <a:t>is the average of a set of observations </a:t>
+                  <a:t>is the average value of a set of observations </a:t>
                 </a:r>
               </a:p>
               <a:p>
@@ -10142,297 +13182,6 @@
                 <a:endParaRPr lang="en-US" sz="2400" dirty="0"/>
               </a:p>
               <a:p>
-                <a:r>
-                  <a:rPr lang="en-US" sz="2400" dirty="0"/>
-                  <a:t>We can also express the mean in terms of the frequency </a:t>
-                </a:r>
-                <a14:m>
-                  <m:oMath xmlns:m="http://schemas.openxmlformats.org/officeDocument/2006/math">
-                    <m:r>
-                      <a:rPr lang="en-US" sz="2400" b="0" i="1" smtClean="0">
-                        <a:latin typeface="Cambria Math" panose="02040503050406030204" pitchFamily="18" charset="0"/>
-                      </a:rPr>
-                      <m:t>𝐹</m:t>
-                    </m:r>
-                  </m:oMath>
-                </a14:m>
-                <a:r>
-                  <a:rPr lang="en-US" sz="2400" dirty="0"/>
-                  <a:t> or the relative frequency </a:t>
-                </a:r>
-                <a14:m>
-                  <m:oMath xmlns:m="http://schemas.openxmlformats.org/officeDocument/2006/math">
-                    <m:r>
-                      <a:rPr lang="en-US" sz="2400" b="0" i="1" smtClean="0">
-                        <a:latin typeface="Cambria Math" panose="02040503050406030204" pitchFamily="18" charset="0"/>
-                      </a:rPr>
-                      <m:t>𝑅𝐹</m:t>
-                    </m:r>
-                  </m:oMath>
-                </a14:m>
-                <a:endParaRPr lang="en-US" sz="2400" dirty="0"/>
-              </a:p>
-              <a:p>
-                <a:endParaRPr lang="en-US" sz="2400" dirty="0"/>
-              </a:p>
-              <a:p>
-                <a:pPr marL="0" indent="0">
-                  <a:buNone/>
-                </a:pPr>
-                <a14:m>
-                  <m:oMathPara xmlns:m="http://schemas.openxmlformats.org/officeDocument/2006/math">
-                    <m:oMathParaPr>
-                      <m:jc m:val="centerGroup"/>
-                    </m:oMathParaPr>
-                    <m:oMath xmlns:m="http://schemas.openxmlformats.org/officeDocument/2006/math">
-                      <m:acc>
-                        <m:accPr>
-                          <m:chr m:val="̅"/>
-                          <m:ctrlPr>
-                            <a:rPr lang="en-US" sz="2400" i="1" smtClean="0">
-                              <a:latin typeface="Cambria Math" panose="02040503050406030204" pitchFamily="18" charset="0"/>
-                            </a:rPr>
-                          </m:ctrlPr>
-                        </m:accPr>
-                        <m:e>
-                          <m:r>
-                            <a:rPr lang="en-US" sz="2400" b="0" i="1" smtClean="0">
-                              <a:latin typeface="Cambria Math" panose="02040503050406030204" pitchFamily="18" charset="0"/>
-                            </a:rPr>
-                            <m:t>𝑥</m:t>
-                          </m:r>
-                        </m:e>
-                      </m:acc>
-                      <m:r>
-                        <a:rPr lang="en-US" sz="2400" b="0" i="1" smtClean="0">
-                          <a:latin typeface="Cambria Math" panose="02040503050406030204" pitchFamily="18" charset="0"/>
-                        </a:rPr>
-                        <m:t>=</m:t>
-                      </m:r>
-                      <m:f>
-                        <m:fPr>
-                          <m:ctrlPr>
-                            <a:rPr lang="en-US" sz="2400" b="0" i="1" smtClean="0">
-                              <a:latin typeface="Cambria Math" panose="02040503050406030204" pitchFamily="18" charset="0"/>
-                            </a:rPr>
-                          </m:ctrlPr>
-                        </m:fPr>
-                        <m:num>
-                          <m:r>
-                            <a:rPr lang="en-US" sz="2400" b="0" i="1" smtClean="0">
-                              <a:latin typeface="Cambria Math" panose="02040503050406030204" pitchFamily="18" charset="0"/>
-                            </a:rPr>
-                            <m:t>1</m:t>
-                          </m:r>
-                        </m:num>
-                        <m:den>
-                          <m:r>
-                            <a:rPr lang="en-US" sz="2400" b="0" i="1" smtClean="0">
-                              <a:latin typeface="Cambria Math" panose="02040503050406030204" pitchFamily="18" charset="0"/>
-                            </a:rPr>
-                            <m:t>𝑛</m:t>
-                          </m:r>
-                        </m:den>
-                      </m:f>
-                      <m:nary>
-                        <m:naryPr>
-                          <m:chr m:val="∑"/>
-                          <m:supHide m:val="on"/>
-                          <m:ctrlPr>
-                            <a:rPr lang="en-US" sz="2400" b="0" i="1" smtClean="0">
-                              <a:latin typeface="Cambria Math" panose="02040503050406030204" pitchFamily="18" charset="0"/>
-                            </a:rPr>
-                          </m:ctrlPr>
-                        </m:naryPr>
-                        <m:sub>
-                          <m:r>
-                            <m:rPr>
-                              <m:brk m:alnAt="7"/>
-                            </m:rPr>
-                            <a:rPr lang="en-US" sz="2400" b="0" i="1" smtClean="0">
-                              <a:latin typeface="Cambria Math" panose="02040503050406030204" pitchFamily="18" charset="0"/>
-                            </a:rPr>
-                            <m:t>𝑥</m:t>
-                          </m:r>
-                        </m:sub>
-                        <m:sup/>
-                        <m:e>
-                          <m:r>
-                            <a:rPr lang="en-US" sz="2400" b="0" i="1" smtClean="0">
-                              <a:latin typeface="Cambria Math" panose="02040503050406030204" pitchFamily="18" charset="0"/>
-                            </a:rPr>
-                            <m:t>𝑥</m:t>
-                          </m:r>
-                          <m:r>
-                            <a:rPr lang="en-US" sz="2400" b="0" i="1" smtClean="0">
-                              <a:latin typeface="Cambria Math" panose="02040503050406030204" pitchFamily="18" charset="0"/>
-                            </a:rPr>
-                            <m:t> </m:t>
-                          </m:r>
-                          <m:r>
-                            <a:rPr lang="en-US" sz="2400" b="0" i="1" smtClean="0">
-                              <a:latin typeface="Cambria Math" panose="02040503050406030204" pitchFamily="18" charset="0"/>
-                            </a:rPr>
-                            <m:t>𝐹</m:t>
-                          </m:r>
-                          <m:r>
-                            <a:rPr lang="en-US" sz="2400" b="0" i="1" smtClean="0">
-                              <a:latin typeface="Cambria Math" panose="02040503050406030204" pitchFamily="18" charset="0"/>
-                            </a:rPr>
-                            <m:t>(</m:t>
-                          </m:r>
-                          <m:r>
-                            <a:rPr lang="en-US" sz="2400" b="0" i="1" smtClean="0">
-                              <a:latin typeface="Cambria Math" panose="02040503050406030204" pitchFamily="18" charset="0"/>
-                            </a:rPr>
-                            <m:t>𝑥</m:t>
-                          </m:r>
-                          <m:r>
-                            <a:rPr lang="en-US" sz="2400" b="0" i="1" smtClean="0">
-                              <a:latin typeface="Cambria Math" panose="02040503050406030204" pitchFamily="18" charset="0"/>
-                            </a:rPr>
-                            <m:t>)</m:t>
-                          </m:r>
-                        </m:e>
-                      </m:nary>
-                      <m:r>
-                        <a:rPr lang="en-US" sz="2400" b="0" i="1" smtClean="0">
-                          <a:latin typeface="Cambria Math" panose="02040503050406030204" pitchFamily="18" charset="0"/>
-                        </a:rPr>
-                        <m:t>      </m:t>
-                      </m:r>
-                      <m:r>
-                        <m:rPr>
-                          <m:sty m:val="p"/>
-                        </m:rPr>
-                        <a:rPr lang="en-US" sz="2400" b="0" i="0" smtClean="0">
-                          <a:latin typeface="Cambria Math" panose="02040503050406030204" pitchFamily="18" charset="0"/>
-                        </a:rPr>
-                        <m:t>or</m:t>
-                      </m:r>
-                      <m:r>
-                        <a:rPr lang="en-US" sz="2400" b="0" i="1" smtClean="0">
-                          <a:latin typeface="Cambria Math" panose="02040503050406030204" pitchFamily="18" charset="0"/>
-                        </a:rPr>
-                        <m:t>      </m:t>
-                      </m:r>
-                      <m:acc>
-                        <m:accPr>
-                          <m:chr m:val="̅"/>
-                          <m:ctrlPr>
-                            <a:rPr lang="en-US" sz="2400" b="0" i="1" smtClean="0">
-                              <a:latin typeface="Cambria Math" panose="02040503050406030204" pitchFamily="18" charset="0"/>
-                            </a:rPr>
-                          </m:ctrlPr>
-                        </m:accPr>
-                        <m:e>
-                          <m:r>
-                            <a:rPr lang="en-US" sz="2400" b="0" i="1" smtClean="0">
-                              <a:latin typeface="Cambria Math" panose="02040503050406030204" pitchFamily="18" charset="0"/>
-                            </a:rPr>
-                            <m:t>𝑥</m:t>
-                          </m:r>
-                        </m:e>
-                      </m:acc>
-                      <m:r>
-                        <a:rPr lang="en-US" sz="2400" b="0" i="1" smtClean="0">
-                          <a:latin typeface="Cambria Math" panose="02040503050406030204" pitchFamily="18" charset="0"/>
-                        </a:rPr>
-                        <m:t>=</m:t>
-                      </m:r>
-                      <m:nary>
-                        <m:naryPr>
-                          <m:chr m:val="∑"/>
-                          <m:supHide m:val="on"/>
-                          <m:ctrlPr>
-                            <a:rPr lang="en-US" sz="2400" b="0" i="1" smtClean="0">
-                              <a:latin typeface="Cambria Math" panose="02040503050406030204" pitchFamily="18" charset="0"/>
-                            </a:rPr>
-                          </m:ctrlPr>
-                        </m:naryPr>
-                        <m:sub>
-                          <m:r>
-                            <m:rPr>
-                              <m:brk m:alnAt="7"/>
-                            </m:rPr>
-                            <a:rPr lang="en-US" sz="2400" b="0" i="1" smtClean="0">
-                              <a:latin typeface="Cambria Math" panose="02040503050406030204" pitchFamily="18" charset="0"/>
-                            </a:rPr>
-                            <m:t>𝑥</m:t>
-                          </m:r>
-                        </m:sub>
-                        <m:sup/>
-                        <m:e>
-                          <m:r>
-                            <a:rPr lang="en-US" sz="2400" b="0" i="1" smtClean="0">
-                              <a:latin typeface="Cambria Math" panose="02040503050406030204" pitchFamily="18" charset="0"/>
-                            </a:rPr>
-                            <m:t>𝑥</m:t>
-                          </m:r>
-                          <m:r>
-                            <a:rPr lang="en-US" sz="2400" b="0" i="1" smtClean="0">
-                              <a:latin typeface="Cambria Math" panose="02040503050406030204" pitchFamily="18" charset="0"/>
-                            </a:rPr>
-                            <m:t> </m:t>
-                          </m:r>
-                          <m:r>
-                            <a:rPr lang="en-US" sz="2400" b="0" i="1" smtClean="0">
-                              <a:latin typeface="Cambria Math" panose="02040503050406030204" pitchFamily="18" charset="0"/>
-                            </a:rPr>
-                            <m:t>𝑅𝐹</m:t>
-                          </m:r>
-                          <m:r>
-                            <a:rPr lang="en-US" sz="2400" b="0" i="1" smtClean="0">
-                              <a:latin typeface="Cambria Math" panose="02040503050406030204" pitchFamily="18" charset="0"/>
-                            </a:rPr>
-                            <m:t>(</m:t>
-                          </m:r>
-                          <m:r>
-                            <a:rPr lang="en-US" sz="2400" b="0" i="1" smtClean="0">
-                              <a:latin typeface="Cambria Math" panose="02040503050406030204" pitchFamily="18" charset="0"/>
-                            </a:rPr>
-                            <m:t>𝑥</m:t>
-                          </m:r>
-                          <m:r>
-                            <a:rPr lang="en-US" sz="2400" b="0" i="1" smtClean="0">
-                              <a:latin typeface="Cambria Math" panose="02040503050406030204" pitchFamily="18" charset="0"/>
-                            </a:rPr>
-                            <m:t>)</m:t>
-                          </m:r>
-                        </m:e>
-                      </m:nary>
-                    </m:oMath>
-                  </m:oMathPara>
-                </a14:m>
-                <a:endParaRPr lang="en-US" sz="2400" dirty="0"/>
-              </a:p>
-              <a:p>
-                <a:pPr marL="0" indent="0">
-                  <a:buNone/>
-                </a:pPr>
-                <a:r>
-                  <a:rPr lang="en-US" sz="2400" dirty="0"/>
-                  <a:t>Where the sum is over all distinct values of the variable </a:t>
-                </a:r>
-                <a14:m>
-                  <m:oMath xmlns:m="http://schemas.openxmlformats.org/officeDocument/2006/math">
-                    <m:r>
-                      <a:rPr lang="en-US" sz="2400" b="0" i="1" smtClean="0">
-                        <a:latin typeface="Cambria Math" panose="02040503050406030204" pitchFamily="18" charset="0"/>
-                      </a:rPr>
-                      <m:t>𝑥</m:t>
-                    </m:r>
-                  </m:oMath>
-                </a14:m>
-                <a:endParaRPr lang="en-US" sz="2400" dirty="0"/>
-              </a:p>
-              <a:p>
-                <a:pPr marL="0" indent="0">
-                  <a:buNone/>
-                </a:pPr>
-                <a:endParaRPr lang="en-US" sz="2400" dirty="0"/>
-              </a:p>
-              <a:p>
                 <a:pPr>
                   <a:buFont typeface="Wingdings" panose="05000000000000000000" pitchFamily="2" charset="2"/>
                   <a:buChar char="Ø"/>
@@ -10464,7 +13213,7 @@
             </p:txBody>
           </p:sp>
         </mc:Choice>
-        <mc:Fallback xmlns="">
+        <mc:Fallback>
           <p:sp>
             <p:nvSpPr>
               <p:cNvPr id="3" name="Content Placeholder 2">
@@ -10489,7 +13238,7 @@
               <a:blipFill>
                 <a:blip r:embed="rId2"/>
                 <a:stretch>
-                  <a:fillRect l="-795" t="-2387" r="-550" b="-1551"/>
+                  <a:fillRect l="-856" t="-1671"/>
                 </a:stretch>
               </a:blipFill>
             </p:spPr>
@@ -10521,7 +13270,7 @@
 </p:sld>
 </file>
 
-<file path=ppt/slides/slide7.xml><?xml version="1.0" encoding="utf-8"?>
+<file path=ppt/slides/slide9.xml><?xml version="1.0" encoding="utf-8"?>
 <p:sld xmlns:a="http://schemas.openxmlformats.org/drawingml/2006/main" xmlns:r="http://schemas.openxmlformats.org/officeDocument/2006/relationships" xmlns:p="http://schemas.openxmlformats.org/presentationml/2006/main">
   <p:cSld>
     <p:spTree>
@@ -10561,7 +13310,7 @@
           <a:p>
             <a:r>
               <a:rPr lang="en-US" dirty="0"/>
-              <a:t>The mean </a:t>
+              <a:t>Practice: Calculate The Mean </a:t>
             </a:r>
           </a:p>
         </p:txBody>
@@ -10606,7 +13355,13 @@
                       <a:rPr lang="en-US" b="0" i="1" smtClean="0">
                         <a:latin typeface="Cambria Math" panose="02040503050406030204" pitchFamily="18" charset="0"/>
                       </a:rPr>
-                      <m:t>={}</m:t>
+                      <m:t>={1, 3</m:t>
+                    </m:r>
+                    <m:r>
+                      <a:rPr lang="en-US" i="1">
+                        <a:latin typeface="Cambria Math" panose="02040503050406030204" pitchFamily="18" charset="0"/>
+                      </a:rPr>
+                      <m:t>, 5, 5, 6, 7, 7, 8}</m:t>
                     </m:r>
                   </m:oMath>
                 </a14:m>
@@ -10663,1990 +13418,6 @@
     <p:extLst>
       <p:ext uri="{BB962C8B-B14F-4D97-AF65-F5344CB8AC3E}">
         <p14:creationId xmlns:p14="http://schemas.microsoft.com/office/powerpoint/2010/main" val="2774058238"/>
-      </p:ext>
-    </p:extLst>
-  </p:cSld>
-  <p:clrMapOvr>
-    <a:masterClrMapping/>
-  </p:clrMapOvr>
-</p:sld>
-</file>
-
-<file path=ppt/slides/slide8.xml><?xml version="1.0" encoding="utf-8"?>
-<p:sld xmlns:a="http://schemas.openxmlformats.org/drawingml/2006/main" xmlns:r="http://schemas.openxmlformats.org/officeDocument/2006/relationships" xmlns:p="http://schemas.openxmlformats.org/presentationml/2006/main">
-  <p:cSld>
-    <p:spTree>
-      <p:nvGrpSpPr>
-        <p:cNvPr id="1" name=""/>
-        <p:cNvGrpSpPr/>
-        <p:nvPr/>
-      </p:nvGrpSpPr>
-      <p:grpSpPr>
-        <a:xfrm>
-          <a:off x="0" y="0"/>
-          <a:ext cx="0" cy="0"/>
-          <a:chOff x="0" y="0"/>
-          <a:chExt cx="0" cy="0"/>
-        </a:xfrm>
-      </p:grpSpPr>
-      <p:sp>
-        <p:nvSpPr>
-          <p:cNvPr id="2" name="Title 1">
-            <a:extLst>
-              <a:ext uri="{FF2B5EF4-FFF2-40B4-BE49-F238E27FC236}">
-                <a16:creationId xmlns:a16="http://schemas.microsoft.com/office/drawing/2014/main" id="{392243EE-CAAA-9631-C3E9-DBEC3605DA81}"/>
-              </a:ext>
-            </a:extLst>
-          </p:cNvPr>
-          <p:cNvSpPr>
-            <a:spLocks noGrp="1"/>
-          </p:cNvSpPr>
-          <p:nvPr>
-            <p:ph type="title"/>
-          </p:nvPr>
-        </p:nvSpPr>
-        <p:spPr/>
-        <p:txBody>
-          <a:bodyPr/>
-          <a:lstStyle/>
-          <a:p>
-            <a:r>
-              <a:rPr lang="en-US" dirty="0"/>
-              <a:t>Measures of Central Tendency </a:t>
-            </a:r>
-          </a:p>
-        </p:txBody>
-      </p:sp>
-      <mc:AlternateContent xmlns:mc="http://schemas.openxmlformats.org/markup-compatibility/2006" xmlns:a14="http://schemas.microsoft.com/office/drawing/2010/main">
-        <mc:Choice Requires="a14">
-          <p:sp>
-            <p:nvSpPr>
-              <p:cNvPr id="3" name="Content Placeholder 2">
-                <a:extLst>
-                  <a:ext uri="{FF2B5EF4-FFF2-40B4-BE49-F238E27FC236}">
-                    <a16:creationId xmlns:a16="http://schemas.microsoft.com/office/drawing/2014/main" id="{4735A268-CA85-9E12-C415-E91D6F48B52E}"/>
-                  </a:ext>
-                </a:extLst>
-              </p:cNvPr>
-              <p:cNvSpPr>
-                <a:spLocks noGrp="1"/>
-              </p:cNvSpPr>
-              <p:nvPr>
-                <p:ph idx="1"/>
-              </p:nvPr>
-            </p:nvSpPr>
-            <p:spPr>
-              <a:xfrm>
-                <a:off x="838200" y="1825625"/>
-                <a:ext cx="6421582" cy="4351338"/>
-              </a:xfrm>
-            </p:spPr>
-            <p:txBody>
-              <a:bodyPr>
-                <a:normAutofit fontScale="92500" lnSpcReduction="20000"/>
-              </a:bodyPr>
-              <a:lstStyle/>
-              <a:p>
-                <a:r>
-                  <a:rPr lang="en-US" dirty="0"/>
-                  <a:t>The </a:t>
-                </a:r>
-                <a:r>
-                  <a:rPr lang="en-US" b="1" dirty="0"/>
-                  <a:t>median</a:t>
-                </a:r>
-                <a:r>
-                  <a:rPr lang="en-US" dirty="0"/>
-                  <a:t> is the middle value of a set of observations</a:t>
-                </a:r>
-              </a:p>
-              <a:p>
-                <a:pPr marL="0" indent="0">
-                  <a:buNone/>
-                </a:pPr>
-                <a:endParaRPr lang="en-US" dirty="0"/>
-              </a:p>
-              <a:p>
-                <a:pPr marL="0" indent="0">
-                  <a:buNone/>
-                </a:pPr>
-                <a:r>
-                  <a:rPr lang="en-US" b="1" dirty="0"/>
-                  <a:t>How to compute the median:</a:t>
-                </a:r>
-              </a:p>
-              <a:p>
-                <a:pPr marL="514350" indent="-514350">
-                  <a:buFont typeface="+mj-lt"/>
-                  <a:buAutoNum type="arabicPeriod"/>
-                </a:pPr>
-                <a:r>
-                  <a:rPr lang="en-US" dirty="0"/>
-                  <a:t>Compute the median by first ordering the observations from smallest value to largest value and choose the number in the middle</a:t>
-                </a:r>
-              </a:p>
-              <a:p>
-                <a:pPr marL="514350" indent="-514350">
-                  <a:buFont typeface="+mj-lt"/>
-                  <a:buAutoNum type="arabicPeriod"/>
-                </a:pPr>
-                <a:endParaRPr lang="en-US" dirty="0"/>
-              </a:p>
-              <a:p>
-                <a:pPr marL="514350" indent="-514350">
-                  <a:buFont typeface="+mj-lt"/>
-                  <a:buAutoNum type="arabicPeriod"/>
-                </a:pPr>
-                <a:r>
-                  <a:rPr lang="en-US" dirty="0"/>
-                  <a:t>If the </a:t>
-                </a:r>
-                <a14:m>
-                  <m:oMath xmlns:m="http://schemas.openxmlformats.org/officeDocument/2006/math">
-                    <m:r>
-                      <a:rPr lang="en-US" b="0" i="1" smtClean="0">
-                        <a:latin typeface="Cambria Math" panose="02040503050406030204" pitchFamily="18" charset="0"/>
-                      </a:rPr>
-                      <m:t>𝑛</m:t>
-                    </m:r>
-                  </m:oMath>
-                </a14:m>
-                <a:r>
-                  <a:rPr lang="en-US" dirty="0"/>
-                  <a:t> is odd the median is the middle number</a:t>
-                </a:r>
-              </a:p>
-              <a:p>
-                <a:pPr marL="457200" lvl="1" indent="0">
-                  <a:buNone/>
-                </a:pPr>
-                <a:r>
-                  <a:rPr lang="en-US" dirty="0"/>
-                  <a:t> - If </a:t>
-                </a:r>
-                <a14:m>
-                  <m:oMath xmlns:m="http://schemas.openxmlformats.org/officeDocument/2006/math">
-                    <m:r>
-                      <a:rPr lang="en-US" b="0" i="1" smtClean="0">
-                        <a:latin typeface="Cambria Math" panose="02040503050406030204" pitchFamily="18" charset="0"/>
-                      </a:rPr>
-                      <m:t>𝑛</m:t>
-                    </m:r>
-                  </m:oMath>
-                </a14:m>
-                <a:r>
-                  <a:rPr lang="en-US" dirty="0"/>
-                  <a:t> is even the median is the sum of the two middle values divided by 2</a:t>
-                </a:r>
-              </a:p>
-            </p:txBody>
-          </p:sp>
-        </mc:Choice>
-        <mc:Fallback xmlns="">
-          <p:sp>
-            <p:nvSpPr>
-              <p:cNvPr id="3" name="Content Placeholder 2">
-                <a:extLst>
-                  <a:ext uri="{FF2B5EF4-FFF2-40B4-BE49-F238E27FC236}">
-                    <a16:creationId xmlns:a16="http://schemas.microsoft.com/office/drawing/2014/main" id="{4735A268-CA85-9E12-C415-E91D6F48B52E}"/>
-                  </a:ext>
-                </a:extLst>
-              </p:cNvPr>
-              <p:cNvSpPr>
-                <a:spLocks noGrp="1" noRot="1" noChangeAspect="1" noMove="1" noResize="1" noEditPoints="1" noAdjustHandles="1" noChangeArrowheads="1" noChangeShapeType="1" noTextEdit="1"/>
-              </p:cNvSpPr>
-              <p:nvPr>
-                <p:ph idx="1"/>
-              </p:nvPr>
-            </p:nvSpPr>
-            <p:spPr>
-              <a:xfrm>
-                <a:off x="838200" y="1825625"/>
-                <a:ext cx="6421582" cy="4351338"/>
-              </a:xfrm>
-              <a:blipFill>
-                <a:blip r:embed="rId2"/>
-                <a:stretch>
-                  <a:fillRect l="-1804" t="-3501" r="-665" b="-2241"/>
-                </a:stretch>
-              </a:blipFill>
-            </p:spPr>
-            <p:txBody>
-              <a:bodyPr/>
-              <a:lstStyle/>
-              <a:p>
-                <a:r>
-                  <a:rPr lang="en-US">
-                    <a:noFill/>
-                  </a:rPr>
-                  <a:t> </a:t>
-                </a:r>
-              </a:p>
-            </p:txBody>
-          </p:sp>
-        </mc:Fallback>
-      </mc:AlternateContent>
-      <mc:AlternateContent xmlns:mc="http://schemas.openxmlformats.org/markup-compatibility/2006" xmlns:a14="http://schemas.microsoft.com/office/drawing/2010/main">
-        <mc:Choice Requires="a14">
-          <p:sp>
-            <p:nvSpPr>
-              <p:cNvPr id="4" name="Content Placeholder 2">
-                <a:extLst>
-                  <a:ext uri="{FF2B5EF4-FFF2-40B4-BE49-F238E27FC236}">
-                    <a16:creationId xmlns:a16="http://schemas.microsoft.com/office/drawing/2014/main" id="{53A1B75D-D46B-9500-CC47-4A7314CD5C8A}"/>
-                  </a:ext>
-                </a:extLst>
-              </p:cNvPr>
-              <p:cNvSpPr txBox="1">
-                <a:spLocks/>
-              </p:cNvSpPr>
-              <p:nvPr/>
-            </p:nvSpPr>
-            <p:spPr>
-              <a:xfrm>
-                <a:off x="7897090" y="1690688"/>
-                <a:ext cx="3883891" cy="4351338"/>
-              </a:xfrm>
-              <a:prstGeom prst="rect">
-                <a:avLst/>
-              </a:prstGeom>
-            </p:spPr>
-            <p:txBody>
-              <a:bodyPr vert="horz" lIns="91440" tIns="45720" rIns="91440" bIns="45720" rtlCol="0">
-                <a:normAutofit fontScale="92500" lnSpcReduction="20000"/>
-              </a:bodyPr>
-              <a:lstStyle>
-                <a:lvl1pPr marL="228600" indent="-228600" algn="l" defTabSz="914400" rtl="0" eaLnBrk="1" latinLnBrk="0" hangingPunct="1">
-                  <a:lnSpc>
-                    <a:spcPct val="90000"/>
-                  </a:lnSpc>
-                  <a:spcBef>
-                    <a:spcPts val="1000"/>
-                  </a:spcBef>
-                  <a:buFont typeface="Arial" panose="020B0604020202020204" pitchFamily="34" charset="0"/>
-                  <a:buChar char="•"/>
-                  <a:defRPr sz="2800" kern="1200">
-                    <a:solidFill>
-                      <a:schemeClr val="tx1"/>
-                    </a:solidFill>
-                    <a:latin typeface="+mn-lt"/>
-                    <a:ea typeface="+mn-ea"/>
-                    <a:cs typeface="+mn-cs"/>
-                  </a:defRPr>
-                </a:lvl1pPr>
-                <a:lvl2pPr marL="685800" indent="-228600" algn="l" defTabSz="914400" rtl="0" eaLnBrk="1" latinLnBrk="0" hangingPunct="1">
-                  <a:lnSpc>
-                    <a:spcPct val="90000"/>
-                  </a:lnSpc>
-                  <a:spcBef>
-                    <a:spcPts val="500"/>
-                  </a:spcBef>
-                  <a:buFont typeface="Arial" panose="020B0604020202020204" pitchFamily="34" charset="0"/>
-                  <a:buChar char="•"/>
-                  <a:defRPr sz="2400" kern="1200">
-                    <a:solidFill>
-                      <a:schemeClr val="tx1"/>
-                    </a:solidFill>
-                    <a:latin typeface="+mn-lt"/>
-                    <a:ea typeface="+mn-ea"/>
-                    <a:cs typeface="+mn-cs"/>
-                  </a:defRPr>
-                </a:lvl2pPr>
-                <a:lvl3pPr marL="1143000" indent="-228600" algn="l" defTabSz="914400" rtl="0" eaLnBrk="1" latinLnBrk="0" hangingPunct="1">
-                  <a:lnSpc>
-                    <a:spcPct val="90000"/>
-                  </a:lnSpc>
-                  <a:spcBef>
-                    <a:spcPts val="500"/>
-                  </a:spcBef>
-                  <a:buFont typeface="Arial" panose="020B0604020202020204" pitchFamily="34" charset="0"/>
-                  <a:buChar char="•"/>
-                  <a:defRPr sz="2000" kern="1200">
-                    <a:solidFill>
-                      <a:schemeClr val="tx1"/>
-                    </a:solidFill>
-                    <a:latin typeface="+mn-lt"/>
-                    <a:ea typeface="+mn-ea"/>
-                    <a:cs typeface="+mn-cs"/>
-                  </a:defRPr>
-                </a:lvl3pPr>
-                <a:lvl4pPr marL="1600200" indent="-228600" algn="l" defTabSz="914400" rtl="0" eaLnBrk="1" latinLnBrk="0" hangingPunct="1">
-                  <a:lnSpc>
-                    <a:spcPct val="90000"/>
-                  </a:lnSpc>
-                  <a:spcBef>
-                    <a:spcPts val="500"/>
-                  </a:spcBef>
-                  <a:buFont typeface="Arial" panose="020B0604020202020204" pitchFamily="34" charset="0"/>
-                  <a:buChar char="•"/>
-                  <a:defRPr sz="1800" kern="1200">
-                    <a:solidFill>
-                      <a:schemeClr val="tx1"/>
-                    </a:solidFill>
-                    <a:latin typeface="+mn-lt"/>
-                    <a:ea typeface="+mn-ea"/>
-                    <a:cs typeface="+mn-cs"/>
-                  </a:defRPr>
-                </a:lvl4pPr>
-                <a:lvl5pPr marL="2057400" indent="-228600" algn="l" defTabSz="914400" rtl="0" eaLnBrk="1" latinLnBrk="0" hangingPunct="1">
-                  <a:lnSpc>
-                    <a:spcPct val="90000"/>
-                  </a:lnSpc>
-                  <a:spcBef>
-                    <a:spcPts val="500"/>
-                  </a:spcBef>
-                  <a:buFont typeface="Arial" panose="020B0604020202020204" pitchFamily="34" charset="0"/>
-                  <a:buChar char="•"/>
-                  <a:defRPr sz="1800" kern="1200">
-                    <a:solidFill>
-                      <a:schemeClr val="tx1"/>
-                    </a:solidFill>
-                    <a:latin typeface="+mn-lt"/>
-                    <a:ea typeface="+mn-ea"/>
-                    <a:cs typeface="+mn-cs"/>
-                  </a:defRPr>
-                </a:lvl5pPr>
-                <a:lvl6pPr marL="2514600" indent="-228600" algn="l" defTabSz="914400" rtl="0" eaLnBrk="1" latinLnBrk="0" hangingPunct="1">
-                  <a:lnSpc>
-                    <a:spcPct val="90000"/>
-                  </a:lnSpc>
-                  <a:spcBef>
-                    <a:spcPts val="500"/>
-                  </a:spcBef>
-                  <a:buFont typeface="Arial" panose="020B0604020202020204" pitchFamily="34" charset="0"/>
-                  <a:buChar char="•"/>
-                  <a:defRPr sz="1800" kern="1200">
-                    <a:solidFill>
-                      <a:schemeClr val="tx1"/>
-                    </a:solidFill>
-                    <a:latin typeface="+mn-lt"/>
-                    <a:ea typeface="+mn-ea"/>
-                    <a:cs typeface="+mn-cs"/>
-                  </a:defRPr>
-                </a:lvl6pPr>
-                <a:lvl7pPr marL="2971800" indent="-228600" algn="l" defTabSz="914400" rtl="0" eaLnBrk="1" latinLnBrk="0" hangingPunct="1">
-                  <a:lnSpc>
-                    <a:spcPct val="90000"/>
-                  </a:lnSpc>
-                  <a:spcBef>
-                    <a:spcPts val="500"/>
-                  </a:spcBef>
-                  <a:buFont typeface="Arial" panose="020B0604020202020204" pitchFamily="34" charset="0"/>
-                  <a:buChar char="•"/>
-                  <a:defRPr sz="1800" kern="1200">
-                    <a:solidFill>
-                      <a:schemeClr val="tx1"/>
-                    </a:solidFill>
-                    <a:latin typeface="+mn-lt"/>
-                    <a:ea typeface="+mn-ea"/>
-                    <a:cs typeface="+mn-cs"/>
-                  </a:defRPr>
-                </a:lvl7pPr>
-                <a:lvl8pPr marL="3429000" indent="-228600" algn="l" defTabSz="914400" rtl="0" eaLnBrk="1" latinLnBrk="0" hangingPunct="1">
-                  <a:lnSpc>
-                    <a:spcPct val="90000"/>
-                  </a:lnSpc>
-                  <a:spcBef>
-                    <a:spcPts val="500"/>
-                  </a:spcBef>
-                  <a:buFont typeface="Arial" panose="020B0604020202020204" pitchFamily="34" charset="0"/>
-                  <a:buChar char="•"/>
-                  <a:defRPr sz="1800" kern="1200">
-                    <a:solidFill>
-                      <a:schemeClr val="tx1"/>
-                    </a:solidFill>
-                    <a:latin typeface="+mn-lt"/>
-                    <a:ea typeface="+mn-ea"/>
-                    <a:cs typeface="+mn-cs"/>
-                  </a:defRPr>
-                </a:lvl8pPr>
-                <a:lvl9pPr marL="3886200" indent="-228600" algn="l" defTabSz="914400" rtl="0" eaLnBrk="1" latinLnBrk="0" hangingPunct="1">
-                  <a:lnSpc>
-                    <a:spcPct val="90000"/>
-                  </a:lnSpc>
-                  <a:spcBef>
-                    <a:spcPts val="500"/>
-                  </a:spcBef>
-                  <a:buFont typeface="Arial" panose="020B0604020202020204" pitchFamily="34" charset="0"/>
-                  <a:buChar char="•"/>
-                  <a:defRPr sz="1800" kern="1200">
-                    <a:solidFill>
-                      <a:schemeClr val="tx1"/>
-                    </a:solidFill>
-                    <a:latin typeface="+mn-lt"/>
-                    <a:ea typeface="+mn-ea"/>
-                    <a:cs typeface="+mn-cs"/>
-                  </a:defRPr>
-                </a:lvl9pPr>
-              </a:lstStyle>
-              <a:p>
-                <a:pPr marL="0" marR="0" lvl="0" indent="0" algn="l" defTabSz="914400" rtl="0" eaLnBrk="1" fontAlgn="auto" latinLnBrk="0" hangingPunct="1">
-                  <a:lnSpc>
-                    <a:spcPct val="90000"/>
-                  </a:lnSpc>
-                  <a:spcBef>
-                    <a:spcPts val="1000"/>
-                  </a:spcBef>
-                  <a:spcAft>
-                    <a:spcPts val="0"/>
-                  </a:spcAft>
-                  <a:buClrTx/>
-                  <a:buSzTx/>
-                  <a:buFont typeface="Arial" panose="020B0604020202020204" pitchFamily="34" charset="0"/>
-                  <a:buNone/>
-                  <a:tabLst/>
-                  <a:defRPr/>
-                </a:pPr>
-                <a:r>
-                  <a:rPr kumimoji="0" lang="en-US" sz="2800" b="0" i="0" u="none" strike="noStrike" kern="1200" cap="none" spc="0" normalizeH="0" baseline="0" noProof="0" dirty="0">
-                    <a:ln>
-                      <a:noFill/>
-                    </a:ln>
-                    <a:solidFill>
-                      <a:prstClr val="black"/>
-                    </a:solidFill>
-                    <a:effectLst/>
-                    <a:uLnTx/>
-                    <a:uFillTx/>
-                    <a:latin typeface="Calibri" panose="020F0502020204030204"/>
-                    <a:ea typeface="+mn-ea"/>
-                    <a:cs typeface="+mn-cs"/>
-                  </a:rPr>
-                  <a:t>Ex.)</a:t>
-                </a:r>
-              </a:p>
-              <a:p>
-                <a:pPr marL="0" marR="0" lvl="0" indent="0" algn="l" defTabSz="914400" rtl="0" eaLnBrk="1" fontAlgn="auto" latinLnBrk="0" hangingPunct="1">
-                  <a:lnSpc>
-                    <a:spcPct val="90000"/>
-                  </a:lnSpc>
-                  <a:spcBef>
-                    <a:spcPts val="1000"/>
-                  </a:spcBef>
-                  <a:spcAft>
-                    <a:spcPts val="0"/>
-                  </a:spcAft>
-                  <a:buClrTx/>
-                  <a:buSzTx/>
-                  <a:buFont typeface="Arial" panose="020B0604020202020204" pitchFamily="34" charset="0"/>
-                  <a:buNone/>
-                  <a:tabLst/>
-                  <a:defRPr/>
-                </a:pPr>
-                <a:r>
-                  <a:rPr kumimoji="0" lang="en-US" sz="2800" b="0" i="0" u="none" strike="noStrike" kern="1200" cap="none" spc="0" normalizeH="0" baseline="0" noProof="0" dirty="0">
-                    <a:ln>
-                      <a:noFill/>
-                    </a:ln>
-                    <a:solidFill>
-                      <a:prstClr val="black"/>
-                    </a:solidFill>
-                    <a:effectLst/>
-                    <a:uLnTx/>
-                    <a:uFillTx/>
-                    <a:latin typeface="Calibri" panose="020F0502020204030204"/>
-                    <a:ea typeface="+mn-ea"/>
-                    <a:cs typeface="+mn-cs"/>
-                  </a:rPr>
-                  <a:t>Data = 1,1,4,5,6</a:t>
-                </a:r>
-              </a:p>
-              <a:p>
-                <a:pPr marL="0" marR="0" lvl="0" indent="0" algn="l" defTabSz="914400" rtl="0" eaLnBrk="1" fontAlgn="auto" latinLnBrk="0" hangingPunct="1">
-                  <a:lnSpc>
-                    <a:spcPct val="90000"/>
-                  </a:lnSpc>
-                  <a:spcBef>
-                    <a:spcPts val="1000"/>
-                  </a:spcBef>
-                  <a:spcAft>
-                    <a:spcPts val="0"/>
-                  </a:spcAft>
-                  <a:buClrTx/>
-                  <a:buSzTx/>
-                  <a:buFont typeface="Arial" panose="020B0604020202020204" pitchFamily="34" charset="0"/>
-                  <a:buNone/>
-                  <a:tabLst/>
-                  <a:defRPr/>
-                </a:pPr>
-                <a:endParaRPr kumimoji="0" lang="en-US" sz="2800" b="0" i="0" u="none" strike="noStrike" kern="1200" cap="none" spc="0" normalizeH="0" baseline="0" noProof="0" dirty="0">
-                  <a:ln>
-                    <a:noFill/>
-                  </a:ln>
-                  <a:solidFill>
-                    <a:prstClr val="black"/>
-                  </a:solidFill>
-                  <a:effectLst/>
-                  <a:uLnTx/>
-                  <a:uFillTx/>
-                  <a:latin typeface="Calibri" panose="020F0502020204030204"/>
-                  <a:ea typeface="+mn-ea"/>
-                  <a:cs typeface="+mn-cs"/>
-                </a:endParaRPr>
-              </a:p>
-              <a:p>
-                <a:pPr marL="0" marR="0" lvl="0" indent="0" algn="l" defTabSz="914400" rtl="0" eaLnBrk="1" fontAlgn="auto" latinLnBrk="0" hangingPunct="1">
-                  <a:lnSpc>
-                    <a:spcPct val="90000"/>
-                  </a:lnSpc>
-                  <a:spcBef>
-                    <a:spcPts val="1000"/>
-                  </a:spcBef>
-                  <a:spcAft>
-                    <a:spcPts val="0"/>
-                  </a:spcAft>
-                  <a:buClrTx/>
-                  <a:buSzTx/>
-                  <a:buFont typeface="Arial" panose="020B0604020202020204" pitchFamily="34" charset="0"/>
-                  <a:buNone/>
-                  <a:tabLst/>
-                  <a:defRPr/>
-                </a:pPr>
-                <a:r>
-                  <a:rPr kumimoji="0" lang="en-US" sz="2800" b="0" i="0" u="none" strike="noStrike" kern="1200" cap="none" spc="0" normalizeH="0" baseline="0" noProof="0" dirty="0">
-                    <a:ln>
-                      <a:noFill/>
-                    </a:ln>
-                    <a:solidFill>
-                      <a:prstClr val="black"/>
-                    </a:solidFill>
-                    <a:effectLst/>
-                    <a:uLnTx/>
-                    <a:uFillTx/>
-                    <a:latin typeface="Calibri" panose="020F0502020204030204"/>
-                    <a:ea typeface="+mn-ea"/>
-                    <a:cs typeface="+mn-cs"/>
-                  </a:rPr>
-                  <a:t>Median = 4</a:t>
-                </a:r>
-              </a:p>
-              <a:p>
-                <a:pPr marL="0" marR="0" lvl="0" indent="0" algn="l" defTabSz="914400" rtl="0" eaLnBrk="1" fontAlgn="auto" latinLnBrk="0" hangingPunct="1">
-                  <a:lnSpc>
-                    <a:spcPct val="90000"/>
-                  </a:lnSpc>
-                  <a:spcBef>
-                    <a:spcPts val="1000"/>
-                  </a:spcBef>
-                  <a:spcAft>
-                    <a:spcPts val="0"/>
-                  </a:spcAft>
-                  <a:buClrTx/>
-                  <a:buSzTx/>
-                  <a:buFont typeface="Arial" panose="020B0604020202020204" pitchFamily="34" charset="0"/>
-                  <a:buNone/>
-                  <a:tabLst/>
-                  <a:defRPr/>
-                </a:pPr>
-                <a:r>
-                  <a:rPr kumimoji="0" lang="en-US" sz="2800" b="0" i="0" u="none" strike="noStrike" kern="1200" cap="none" spc="0" normalizeH="0" baseline="0" noProof="0" dirty="0">
-                    <a:ln>
-                      <a:noFill/>
-                    </a:ln>
-                    <a:solidFill>
-                      <a:prstClr val="black"/>
-                    </a:solidFill>
-                    <a:effectLst/>
-                    <a:uLnTx/>
-                    <a:uFillTx/>
-                    <a:latin typeface="Calibri" panose="020F0502020204030204"/>
-                    <a:ea typeface="+mn-ea"/>
-                    <a:cs typeface="+mn-cs"/>
-                  </a:rPr>
-                  <a:t>Mode = 1</a:t>
-                </a:r>
-              </a:p>
-              <a:p>
-                <a:pPr marL="0" marR="0" lvl="0" indent="0" algn="l" defTabSz="914400" rtl="0" eaLnBrk="1" fontAlgn="auto" latinLnBrk="0" hangingPunct="1">
-                  <a:lnSpc>
-                    <a:spcPct val="90000"/>
-                  </a:lnSpc>
-                  <a:spcBef>
-                    <a:spcPts val="1000"/>
-                  </a:spcBef>
-                  <a:spcAft>
-                    <a:spcPts val="0"/>
-                  </a:spcAft>
-                  <a:buClrTx/>
-                  <a:buSzTx/>
-                  <a:buFont typeface="Arial" panose="020B0604020202020204" pitchFamily="34" charset="0"/>
-                  <a:buNone/>
-                  <a:tabLst/>
-                  <a:defRPr/>
-                </a:pPr>
-                <a:endParaRPr kumimoji="0" lang="en-US" sz="2800" b="0" i="0" u="none" strike="noStrike" kern="1200" cap="none" spc="0" normalizeH="0" baseline="0" noProof="0" dirty="0">
-                  <a:ln>
-                    <a:noFill/>
-                  </a:ln>
-                  <a:solidFill>
-                    <a:prstClr val="black"/>
-                  </a:solidFill>
-                  <a:effectLst/>
-                  <a:uLnTx/>
-                  <a:uFillTx/>
-                  <a:latin typeface="Calibri" panose="020F0502020204030204"/>
-                  <a:ea typeface="+mn-ea"/>
-                  <a:cs typeface="+mn-cs"/>
-                </a:endParaRPr>
-              </a:p>
-              <a:p>
-                <a:pPr marL="0" marR="0" lvl="0" indent="0" algn="l" defTabSz="914400" rtl="0" eaLnBrk="1" fontAlgn="auto" latinLnBrk="0" hangingPunct="1">
-                  <a:lnSpc>
-                    <a:spcPct val="90000"/>
-                  </a:lnSpc>
-                  <a:spcBef>
-                    <a:spcPts val="1000"/>
-                  </a:spcBef>
-                  <a:spcAft>
-                    <a:spcPts val="0"/>
-                  </a:spcAft>
-                  <a:buClrTx/>
-                  <a:buSzTx/>
-                  <a:buFont typeface="Arial" panose="020B0604020202020204" pitchFamily="34" charset="0"/>
-                  <a:buNone/>
-                  <a:tabLst/>
-                  <a:defRPr/>
-                </a:pPr>
-                <a:r>
-                  <a:rPr kumimoji="0" lang="en-US" sz="2800" b="0" i="0" u="none" strike="noStrike" kern="1200" cap="none" spc="0" normalizeH="0" baseline="0" noProof="0" dirty="0">
-                    <a:ln>
-                      <a:noFill/>
-                    </a:ln>
-                    <a:solidFill>
-                      <a:prstClr val="black"/>
-                    </a:solidFill>
-                    <a:effectLst/>
-                    <a:uLnTx/>
-                    <a:uFillTx/>
-                    <a:latin typeface="Calibri" panose="020F0502020204030204"/>
-                    <a:ea typeface="+mn-ea"/>
-                    <a:cs typeface="+mn-cs"/>
-                  </a:rPr>
-                  <a:t>Data = 1,1,4,5,6,6</a:t>
-                </a:r>
-              </a:p>
-              <a:p>
-                <a:pPr marL="0" marR="0" lvl="0" indent="0" algn="l" defTabSz="914400" rtl="0" eaLnBrk="1" fontAlgn="auto" latinLnBrk="0" hangingPunct="1">
-                  <a:lnSpc>
-                    <a:spcPct val="90000"/>
-                  </a:lnSpc>
-                  <a:spcBef>
-                    <a:spcPts val="1000"/>
-                  </a:spcBef>
-                  <a:spcAft>
-                    <a:spcPts val="0"/>
-                  </a:spcAft>
-                  <a:buClrTx/>
-                  <a:buSzTx/>
-                  <a:buFont typeface="Arial" panose="020B0604020202020204" pitchFamily="34" charset="0"/>
-                  <a:buNone/>
-                  <a:tabLst/>
-                  <a:defRPr/>
-                </a:pPr>
-                <a:endParaRPr kumimoji="0" lang="en-US" sz="2800" b="0" i="0" u="none" strike="noStrike" kern="1200" cap="none" spc="0" normalizeH="0" baseline="0" noProof="0" dirty="0">
-                  <a:ln>
-                    <a:noFill/>
-                  </a:ln>
-                  <a:solidFill>
-                    <a:prstClr val="black"/>
-                  </a:solidFill>
-                  <a:effectLst/>
-                  <a:uLnTx/>
-                  <a:uFillTx/>
-                  <a:latin typeface="Calibri" panose="020F0502020204030204"/>
-                  <a:ea typeface="+mn-ea"/>
-                  <a:cs typeface="+mn-cs"/>
-                </a:endParaRPr>
-              </a:p>
-              <a:p>
-                <a:pPr marL="0" marR="0" lvl="0" indent="0" algn="l" defTabSz="914400" rtl="0" eaLnBrk="1" fontAlgn="auto" latinLnBrk="0" hangingPunct="1">
-                  <a:lnSpc>
-                    <a:spcPct val="90000"/>
-                  </a:lnSpc>
-                  <a:spcBef>
-                    <a:spcPts val="1000"/>
-                  </a:spcBef>
-                  <a:spcAft>
-                    <a:spcPts val="0"/>
-                  </a:spcAft>
-                  <a:buClrTx/>
-                  <a:buSzTx/>
-                  <a:buFont typeface="Arial" panose="020B0604020202020204" pitchFamily="34" charset="0"/>
-                  <a:buNone/>
-                  <a:tabLst/>
-                  <a:defRPr/>
-                </a:pPr>
-                <a:r>
-                  <a:rPr kumimoji="0" lang="en-US" sz="2800" b="0" i="0" u="none" strike="noStrike" kern="1200" cap="none" spc="0" normalizeH="0" baseline="0" noProof="0" dirty="0">
-                    <a:ln>
-                      <a:noFill/>
-                    </a:ln>
-                    <a:solidFill>
-                      <a:prstClr val="black"/>
-                    </a:solidFill>
-                    <a:effectLst/>
-                    <a:uLnTx/>
-                    <a:uFillTx/>
-                    <a:latin typeface="Calibri" panose="020F0502020204030204"/>
-                    <a:ea typeface="+mn-ea"/>
-                    <a:cs typeface="+mn-cs"/>
-                  </a:rPr>
-                  <a:t>Median </a:t>
-                </a:r>
-                <a14:m>
-                  <m:oMath xmlns:m="http://schemas.openxmlformats.org/officeDocument/2006/math">
-                    <m:r>
-                      <a:rPr kumimoji="0" lang="en-US" sz="2800" b="0" i="1" u="none" strike="noStrike" kern="1200" cap="none" spc="0" normalizeH="0" baseline="0" noProof="0" smtClean="0">
-                        <a:ln>
-                          <a:noFill/>
-                        </a:ln>
-                        <a:solidFill>
-                          <a:prstClr val="black"/>
-                        </a:solidFill>
-                        <a:effectLst/>
-                        <a:uLnTx/>
-                        <a:uFillTx/>
-                        <a:latin typeface="Cambria Math" panose="02040503050406030204" pitchFamily="18" charset="0"/>
-                        <a:ea typeface="+mn-ea"/>
-                        <a:cs typeface="+mn-cs"/>
-                      </a:rPr>
-                      <m:t>= </m:t>
-                    </m:r>
-                    <m:f>
-                      <m:fPr>
-                        <m:ctrlPr>
-                          <a:rPr kumimoji="0" lang="en-US" sz="2800" b="0" i="1" u="none" strike="noStrike" kern="1200" cap="none" spc="0" normalizeH="0" baseline="0" noProof="0" smtClean="0">
-                            <a:ln>
-                              <a:noFill/>
-                            </a:ln>
-                            <a:solidFill>
-                              <a:prstClr val="black"/>
-                            </a:solidFill>
-                            <a:effectLst/>
-                            <a:uLnTx/>
-                            <a:uFillTx/>
-                            <a:latin typeface="Cambria Math" panose="02040503050406030204" pitchFamily="18" charset="0"/>
-                            <a:ea typeface="+mn-ea"/>
-                            <a:cs typeface="+mn-cs"/>
-                          </a:rPr>
-                        </m:ctrlPr>
-                      </m:fPr>
-                      <m:num>
-                        <m:r>
-                          <a:rPr kumimoji="0" lang="en-US" sz="2800" b="0" i="1" u="none" strike="noStrike" kern="1200" cap="none" spc="0" normalizeH="0" baseline="0" noProof="0" smtClean="0">
-                            <a:ln>
-                              <a:noFill/>
-                            </a:ln>
-                            <a:solidFill>
-                              <a:prstClr val="black"/>
-                            </a:solidFill>
-                            <a:effectLst/>
-                            <a:uLnTx/>
-                            <a:uFillTx/>
-                            <a:latin typeface="Cambria Math" panose="02040503050406030204" pitchFamily="18" charset="0"/>
-                            <a:ea typeface="+mn-ea"/>
-                            <a:cs typeface="+mn-cs"/>
-                          </a:rPr>
-                          <m:t>4+5</m:t>
-                        </m:r>
-                      </m:num>
-                      <m:den>
-                        <m:r>
-                          <a:rPr kumimoji="0" lang="en-US" sz="2800" b="0" i="1" u="none" strike="noStrike" kern="1200" cap="none" spc="0" normalizeH="0" baseline="0" noProof="0" smtClean="0">
-                            <a:ln>
-                              <a:noFill/>
-                            </a:ln>
-                            <a:solidFill>
-                              <a:prstClr val="black"/>
-                            </a:solidFill>
-                            <a:effectLst/>
-                            <a:uLnTx/>
-                            <a:uFillTx/>
-                            <a:latin typeface="Cambria Math" panose="02040503050406030204" pitchFamily="18" charset="0"/>
-                            <a:ea typeface="+mn-ea"/>
-                            <a:cs typeface="+mn-cs"/>
-                          </a:rPr>
-                          <m:t>2</m:t>
-                        </m:r>
-                      </m:den>
-                    </m:f>
-                    <m:r>
-                      <a:rPr kumimoji="0" lang="en-US" sz="2800" b="0" i="1" u="none" strike="noStrike" kern="1200" cap="none" spc="0" normalizeH="0" baseline="0" noProof="0" smtClean="0">
-                        <a:ln>
-                          <a:noFill/>
-                        </a:ln>
-                        <a:solidFill>
-                          <a:prstClr val="black"/>
-                        </a:solidFill>
-                        <a:effectLst/>
-                        <a:uLnTx/>
-                        <a:uFillTx/>
-                        <a:latin typeface="Cambria Math" panose="02040503050406030204" pitchFamily="18" charset="0"/>
-                        <a:ea typeface="+mn-ea"/>
-                        <a:cs typeface="+mn-cs"/>
-                      </a:rPr>
-                      <m:t>=</m:t>
-                    </m:r>
-                    <m:r>
-                      <a:rPr kumimoji="0" lang="en-US" sz="2800" b="0" i="0" u="none" strike="noStrike" kern="1200" cap="none" spc="0" normalizeH="0" baseline="0" noProof="0" smtClean="0">
-                        <a:ln>
-                          <a:noFill/>
-                        </a:ln>
-                        <a:solidFill>
-                          <a:prstClr val="black"/>
-                        </a:solidFill>
-                        <a:effectLst/>
-                        <a:uLnTx/>
-                        <a:uFillTx/>
-                        <a:latin typeface="Cambria Math" panose="02040503050406030204" pitchFamily="18" charset="0"/>
-                        <a:ea typeface="+mn-ea"/>
-                        <a:cs typeface="+mn-cs"/>
-                      </a:rPr>
-                      <m:t>4.5</m:t>
-                    </m:r>
-                  </m:oMath>
-                </a14:m>
-                <a:endParaRPr kumimoji="0" lang="en-US" sz="2800" b="0" i="0" u="none" strike="noStrike" kern="1200" cap="none" spc="0" normalizeH="0" baseline="0" noProof="0" dirty="0">
-                  <a:ln>
-                    <a:noFill/>
-                  </a:ln>
-                  <a:solidFill>
-                    <a:prstClr val="black"/>
-                  </a:solidFill>
-                  <a:effectLst/>
-                  <a:uLnTx/>
-                  <a:uFillTx/>
-                  <a:latin typeface="Calibri" panose="020F0502020204030204"/>
-                  <a:ea typeface="+mn-ea"/>
-                  <a:cs typeface="+mn-cs"/>
-                </a:endParaRPr>
-              </a:p>
-              <a:p>
-                <a:pPr marL="0" marR="0" lvl="0" indent="0" algn="l" defTabSz="914400" rtl="0" eaLnBrk="1" fontAlgn="auto" latinLnBrk="0" hangingPunct="1">
-                  <a:lnSpc>
-                    <a:spcPct val="90000"/>
-                  </a:lnSpc>
-                  <a:spcBef>
-                    <a:spcPts val="1000"/>
-                  </a:spcBef>
-                  <a:spcAft>
-                    <a:spcPts val="0"/>
-                  </a:spcAft>
-                  <a:buClrTx/>
-                  <a:buSzTx/>
-                  <a:buFont typeface="Arial" panose="020B0604020202020204" pitchFamily="34" charset="0"/>
-                  <a:buNone/>
-                  <a:tabLst/>
-                  <a:defRPr/>
-                </a:pPr>
-                <a:r>
-                  <a:rPr kumimoji="0" lang="en-US" sz="2800" b="0" i="0" u="none" strike="noStrike" kern="1200" cap="none" spc="0" normalizeH="0" baseline="0" noProof="0" dirty="0">
-                    <a:ln>
-                      <a:noFill/>
-                    </a:ln>
-                    <a:solidFill>
-                      <a:prstClr val="black"/>
-                    </a:solidFill>
-                    <a:effectLst/>
-                    <a:uLnTx/>
-                    <a:uFillTx/>
-                    <a:latin typeface="Calibri" panose="020F0502020204030204"/>
-                    <a:ea typeface="+mn-ea"/>
-                    <a:cs typeface="+mn-cs"/>
-                  </a:rPr>
-                  <a:t>Mode   1, 6</a:t>
-                </a:r>
-              </a:p>
-            </p:txBody>
-          </p:sp>
-        </mc:Choice>
-        <mc:Fallback xmlns="">
-          <p:sp>
-            <p:nvSpPr>
-              <p:cNvPr id="4" name="Content Placeholder 2">
-                <a:extLst>
-                  <a:ext uri="{FF2B5EF4-FFF2-40B4-BE49-F238E27FC236}">
-                    <a16:creationId xmlns:a16="http://schemas.microsoft.com/office/drawing/2014/main" id="{53A1B75D-D46B-9500-CC47-4A7314CD5C8A}"/>
-                  </a:ext>
-                </a:extLst>
-              </p:cNvPr>
-              <p:cNvSpPr txBox="1">
-                <a:spLocks noRot="1" noChangeAspect="1" noMove="1" noResize="1" noEditPoints="1" noAdjustHandles="1" noChangeArrowheads="1" noChangeShapeType="1" noTextEdit="1"/>
-              </p:cNvSpPr>
-              <p:nvPr/>
-            </p:nvSpPr>
-            <p:spPr>
-              <a:xfrm>
-                <a:off x="7897090" y="1690688"/>
-                <a:ext cx="3883891" cy="4351338"/>
-              </a:xfrm>
-              <a:prstGeom prst="rect">
-                <a:avLst/>
-              </a:prstGeom>
-              <a:blipFill>
-                <a:blip r:embed="rId3"/>
-                <a:stretch>
-                  <a:fillRect l="-2821" t="-3501"/>
-                </a:stretch>
-              </a:blipFill>
-            </p:spPr>
-            <p:txBody>
-              <a:bodyPr/>
-              <a:lstStyle/>
-              <a:p>
-                <a:r>
-                  <a:rPr lang="en-US">
-                    <a:noFill/>
-                  </a:rPr>
-                  <a:t> </a:t>
-                </a:r>
-              </a:p>
-            </p:txBody>
-          </p:sp>
-        </mc:Fallback>
-      </mc:AlternateContent>
-    </p:spTree>
-    <p:extLst>
-      <p:ext uri="{BB962C8B-B14F-4D97-AF65-F5344CB8AC3E}">
-        <p14:creationId xmlns:p14="http://schemas.microsoft.com/office/powerpoint/2010/main" val="2613881554"/>
-      </p:ext>
-    </p:extLst>
-  </p:cSld>
-  <p:clrMapOvr>
-    <a:masterClrMapping/>
-  </p:clrMapOvr>
-</p:sld>
-</file>
-
-<file path=ppt/slides/slide9.xml><?xml version="1.0" encoding="utf-8"?>
-<p:sld xmlns:a="http://schemas.openxmlformats.org/drawingml/2006/main" xmlns:r="http://schemas.openxmlformats.org/officeDocument/2006/relationships" xmlns:p="http://schemas.openxmlformats.org/presentationml/2006/main">
-  <p:cSld>
-    <p:spTree>
-      <p:nvGrpSpPr>
-        <p:cNvPr id="1" name=""/>
-        <p:cNvGrpSpPr/>
-        <p:nvPr/>
-      </p:nvGrpSpPr>
-      <p:grpSpPr>
-        <a:xfrm>
-          <a:off x="0" y="0"/>
-          <a:ext cx="0" cy="0"/>
-          <a:chOff x="0" y="0"/>
-          <a:chExt cx="0" cy="0"/>
-        </a:xfrm>
-      </p:grpSpPr>
-      <p:grpSp>
-        <p:nvGrpSpPr>
-          <p:cNvPr id="28" name="Group 27">
-            <a:extLst>
-              <a:ext uri="{FF2B5EF4-FFF2-40B4-BE49-F238E27FC236}">
-                <a16:creationId xmlns:a16="http://schemas.microsoft.com/office/drawing/2014/main" id="{7AA1FB4F-B4C0-19FC-F8A6-80F1019CDA1B}"/>
-              </a:ext>
-            </a:extLst>
-          </p:cNvPr>
-          <p:cNvGrpSpPr/>
-          <p:nvPr/>
-        </p:nvGrpSpPr>
-        <p:grpSpPr>
-          <a:xfrm>
-            <a:off x="281345" y="2185532"/>
-            <a:ext cx="11223178" cy="3231099"/>
-            <a:chOff x="170508" y="2213128"/>
-            <a:chExt cx="11223178" cy="3231099"/>
-          </a:xfrm>
-        </p:grpSpPr>
-        <mc:AlternateContent xmlns:mc="http://schemas.openxmlformats.org/markup-compatibility/2006" xmlns:a14="http://schemas.microsoft.com/office/drawing/2010/main">
-          <mc:Choice Requires="a14">
-            <p:sp>
-              <p:nvSpPr>
-                <p:cNvPr id="19" name="TextBox 18">
-                  <a:extLst>
-                    <a:ext uri="{FF2B5EF4-FFF2-40B4-BE49-F238E27FC236}">
-                      <a16:creationId xmlns:a16="http://schemas.microsoft.com/office/drawing/2014/main" id="{0D94D794-5780-EB94-1BF2-FE234895A4DE}"/>
-                    </a:ext>
-                  </a:extLst>
-                </p:cNvPr>
-                <p:cNvSpPr txBox="1"/>
-                <p:nvPr/>
-              </p:nvSpPr>
-              <p:spPr>
-                <a:xfrm>
-                  <a:off x="2051669" y="5058295"/>
-                  <a:ext cx="789255" cy="276999"/>
-                </a:xfrm>
-                <a:prstGeom prst="rect">
-                  <a:avLst/>
-                </a:prstGeom>
-                <a:noFill/>
-              </p:spPr>
-              <p:txBody>
-                <a:bodyPr wrap="none" lIns="0" tIns="0" rIns="0" bIns="0" rtlCol="0">
-                  <a:spAutoFit/>
-                </a:bodyPr>
-                <a:lstStyle/>
-                <a:p>
-                  <a:pPr marL="0" marR="0" lvl="0" indent="0" algn="l" defTabSz="914400" rtl="0" eaLnBrk="1" fontAlgn="auto" latinLnBrk="0" hangingPunct="1">
-                    <a:lnSpc>
-                      <a:spcPct val="100000"/>
-                    </a:lnSpc>
-                    <a:spcBef>
-                      <a:spcPts val="0"/>
-                    </a:spcBef>
-                    <a:spcAft>
-                      <a:spcPts val="0"/>
-                    </a:spcAft>
-                    <a:buClrTx/>
-                    <a:buSzTx/>
-                    <a:buFontTx/>
-                    <a:buNone/>
-                    <a:tabLst/>
-                    <a:defRPr/>
-                  </a:pPr>
-                  <a14:m>
-                    <m:oMathPara xmlns:m="http://schemas.openxmlformats.org/officeDocument/2006/math">
-                      <m:oMathParaPr>
-                        <m:jc m:val="centerGroup"/>
-                      </m:oMathParaPr>
-                      <m:oMath xmlns:m="http://schemas.openxmlformats.org/officeDocument/2006/math">
-                        <m:acc>
-                          <m:accPr>
-                            <m:chr m:val="̅"/>
-                            <m:ctrlPr>
-                              <a:rPr kumimoji="0" lang="en-US" sz="1800" b="0" i="1" u="none" strike="noStrike" kern="1200" cap="none" spc="0" normalizeH="0" baseline="0" noProof="0" smtClean="0">
-                                <a:ln>
-                                  <a:noFill/>
-                                </a:ln>
-                                <a:solidFill>
-                                  <a:prstClr val="black"/>
-                                </a:solidFill>
-                                <a:effectLst/>
-                                <a:uLnTx/>
-                                <a:uFillTx/>
-                                <a:latin typeface="Cambria Math" panose="02040503050406030204" pitchFamily="18" charset="0"/>
-                                <a:ea typeface="+mn-ea"/>
-                                <a:cs typeface="+mn-cs"/>
-                              </a:rPr>
-                            </m:ctrlPr>
-                          </m:accPr>
-                          <m:e>
-                            <m:r>
-                              <a:rPr kumimoji="0" lang="en-US" sz="1800" b="0" i="1" u="none" strike="noStrike" kern="1200" cap="none" spc="0" normalizeH="0" baseline="0" noProof="0" smtClean="0">
-                                <a:ln>
-                                  <a:noFill/>
-                                </a:ln>
-                                <a:solidFill>
-                                  <a:prstClr val="black"/>
-                                </a:solidFill>
-                                <a:effectLst/>
-                                <a:uLnTx/>
-                                <a:uFillTx/>
-                                <a:latin typeface="Cambria Math" panose="02040503050406030204" pitchFamily="18" charset="0"/>
-                                <a:ea typeface="+mn-ea"/>
-                                <a:cs typeface="+mn-cs"/>
-                              </a:rPr>
-                              <m:t>𝑥</m:t>
-                            </m:r>
-                          </m:e>
-                        </m:acc>
-                        <m:r>
-                          <a:rPr kumimoji="0" lang="en-US" sz="1800" b="0" i="1" u="none" strike="noStrike" kern="1200" cap="none" spc="0" normalizeH="0" baseline="0" noProof="0" smtClean="0">
-                            <a:ln>
-                              <a:noFill/>
-                            </a:ln>
-                            <a:solidFill>
-                              <a:prstClr val="black"/>
-                            </a:solidFill>
-                            <a:effectLst/>
-                            <a:uLnTx/>
-                            <a:uFillTx/>
-                            <a:latin typeface="Cambria Math" panose="02040503050406030204" pitchFamily="18" charset="0"/>
-                            <a:ea typeface="+mn-ea"/>
-                            <a:cs typeface="+mn-cs"/>
-                          </a:rPr>
-                          <m:t>=9.2</m:t>
-                        </m:r>
-                      </m:oMath>
-                    </m:oMathPara>
-                  </a14:m>
-                  <a:endParaRPr kumimoji="0" lang="en-US" sz="1800" b="0" i="0" u="none" strike="noStrike" kern="1200" cap="none" spc="0" normalizeH="0" baseline="0" noProof="0" dirty="0">
-                    <a:ln>
-                      <a:noFill/>
-                    </a:ln>
-                    <a:solidFill>
-                      <a:prstClr val="black"/>
-                    </a:solidFill>
-                    <a:effectLst/>
-                    <a:uLnTx/>
-                    <a:uFillTx/>
-                    <a:latin typeface="Calibri" panose="020F0502020204030204"/>
-                    <a:ea typeface="+mn-ea"/>
-                    <a:cs typeface="+mn-cs"/>
-                  </a:endParaRPr>
-                </a:p>
-              </p:txBody>
-            </p:sp>
-          </mc:Choice>
-          <mc:Fallback xmlns="">
-            <p:sp>
-              <p:nvSpPr>
-                <p:cNvPr id="19" name="TextBox 18">
-                  <a:extLst>
-                    <a:ext uri="{FF2B5EF4-FFF2-40B4-BE49-F238E27FC236}">
-                      <a16:creationId xmlns:a16="http://schemas.microsoft.com/office/drawing/2014/main" id="{0D94D794-5780-EB94-1BF2-FE234895A4DE}"/>
-                    </a:ext>
-                  </a:extLst>
-                </p:cNvPr>
-                <p:cNvSpPr txBox="1">
-                  <a:spLocks noRot="1" noChangeAspect="1" noMove="1" noResize="1" noEditPoints="1" noAdjustHandles="1" noChangeArrowheads="1" noChangeShapeType="1" noTextEdit="1"/>
-                </p:cNvSpPr>
-                <p:nvPr/>
-              </p:nvSpPr>
-              <p:spPr>
-                <a:xfrm>
-                  <a:off x="2051669" y="5058295"/>
-                  <a:ext cx="789255" cy="276999"/>
-                </a:xfrm>
-                <a:prstGeom prst="rect">
-                  <a:avLst/>
-                </a:prstGeom>
-                <a:blipFill>
-                  <a:blip r:embed="rId2"/>
-                  <a:stretch>
-                    <a:fillRect l="-3876" r="-6977" b="-6522"/>
-                  </a:stretch>
-                </a:blipFill>
-              </p:spPr>
-              <p:txBody>
-                <a:bodyPr/>
-                <a:lstStyle/>
-                <a:p>
-                  <a:r>
-                    <a:rPr lang="en-US">
-                      <a:noFill/>
-                    </a:rPr>
-                    <a:t> </a:t>
-                  </a:r>
-                </a:p>
-              </p:txBody>
-            </p:sp>
-          </mc:Fallback>
-        </mc:AlternateContent>
-        <p:pic>
-          <p:nvPicPr>
-            <p:cNvPr id="22" name="Picture 21">
-              <a:extLst>
-                <a:ext uri="{FF2B5EF4-FFF2-40B4-BE49-F238E27FC236}">
-                  <a16:creationId xmlns:a16="http://schemas.microsoft.com/office/drawing/2014/main" id="{5EB56406-5F22-DCCD-EA7F-C958F3D21101}"/>
-                </a:ext>
-              </a:extLst>
-            </p:cNvPr>
-            <p:cNvPicPr>
-              <a:picLocks noChangeAspect="1"/>
-            </p:cNvPicPr>
-            <p:nvPr/>
-          </p:nvPicPr>
-          <p:blipFill>
-            <a:blip r:embed="rId3"/>
-            <a:stretch>
-              <a:fillRect/>
-            </a:stretch>
-          </p:blipFill>
-          <p:spPr>
-            <a:xfrm>
-              <a:off x="170508" y="2213128"/>
-              <a:ext cx="5170726" cy="2494353"/>
-            </a:xfrm>
-            <a:prstGeom prst="rect">
-              <a:avLst/>
-            </a:prstGeom>
-          </p:spPr>
-        </p:pic>
-        <p:pic>
-          <p:nvPicPr>
-            <p:cNvPr id="23" name="Picture 22">
-              <a:extLst>
-                <a:ext uri="{FF2B5EF4-FFF2-40B4-BE49-F238E27FC236}">
-                  <a16:creationId xmlns:a16="http://schemas.microsoft.com/office/drawing/2014/main" id="{E8AA625E-81C5-ECCB-6AEA-588CF86FBBE0}"/>
-                </a:ext>
-              </a:extLst>
-            </p:cNvPr>
-            <p:cNvPicPr>
-              <a:picLocks noChangeAspect="1"/>
-            </p:cNvPicPr>
-            <p:nvPr/>
-          </p:nvPicPr>
-          <p:blipFill>
-            <a:blip r:embed="rId3"/>
-            <a:stretch>
-              <a:fillRect/>
-            </a:stretch>
-          </p:blipFill>
-          <p:spPr>
-            <a:xfrm rot="604632">
-              <a:off x="6222960" y="2269308"/>
-              <a:ext cx="5170726" cy="2494353"/>
-            </a:xfrm>
-            <a:prstGeom prst="rect">
-              <a:avLst/>
-            </a:prstGeom>
-          </p:spPr>
-        </p:pic>
-        <p:sp>
-          <p:nvSpPr>
-            <p:cNvPr id="20" name="Isosceles Triangle 19">
-              <a:extLst>
-                <a:ext uri="{FF2B5EF4-FFF2-40B4-BE49-F238E27FC236}">
-                  <a16:creationId xmlns:a16="http://schemas.microsoft.com/office/drawing/2014/main" id="{B2F214C2-1D86-F2C7-F495-1D8DF5707C70}"/>
-                </a:ext>
-              </a:extLst>
-            </p:cNvPr>
-            <p:cNvSpPr/>
-            <p:nvPr/>
-          </p:nvSpPr>
-          <p:spPr>
-            <a:xfrm>
-              <a:off x="7678880" y="4258680"/>
-              <a:ext cx="259773" cy="586392"/>
-            </a:xfrm>
-            <a:prstGeom prst="triangle">
-              <a:avLst/>
-            </a:prstGeom>
-          </p:spPr>
-          <p:style>
-            <a:lnRef idx="2">
-              <a:schemeClr val="dk1">
-                <a:shade val="15000"/>
-              </a:schemeClr>
-            </a:lnRef>
-            <a:fillRef idx="1">
-              <a:schemeClr val="dk1"/>
-            </a:fillRef>
-            <a:effectRef idx="0">
-              <a:schemeClr val="dk1"/>
-            </a:effectRef>
-            <a:fontRef idx="minor">
-              <a:schemeClr val="lt1"/>
-            </a:fontRef>
-          </p:style>
-          <p:txBody>
-            <a:bodyPr rtlCol="0" anchor="ctr"/>
-            <a:lstStyle/>
-            <a:p>
-              <a:pPr marL="0" marR="0" lvl="0" indent="0" algn="ctr" defTabSz="914400" rtl="0" eaLnBrk="1" fontAlgn="auto" latinLnBrk="0" hangingPunct="1">
-                <a:lnSpc>
-                  <a:spcPct val="100000"/>
-                </a:lnSpc>
-                <a:spcBef>
-                  <a:spcPts val="0"/>
-                </a:spcBef>
-                <a:spcAft>
-                  <a:spcPts val="0"/>
-                </a:spcAft>
-                <a:buClrTx/>
-                <a:buSzTx/>
-                <a:buFontTx/>
-                <a:buNone/>
-                <a:tabLst/>
-                <a:defRPr/>
-              </a:pPr>
-              <a:endParaRPr kumimoji="0" lang="en-US" sz="1800" b="0" i="0" u="none" strike="noStrike" kern="1200" cap="none" spc="0" normalizeH="0" baseline="0" noProof="0">
-                <a:ln>
-                  <a:noFill/>
-                </a:ln>
-                <a:solidFill>
-                  <a:prstClr val="white"/>
-                </a:solidFill>
-                <a:effectLst/>
-                <a:uLnTx/>
-                <a:uFillTx/>
-                <a:latin typeface="Calibri" panose="020F0502020204030204"/>
-                <a:ea typeface="+mn-ea"/>
-                <a:cs typeface="+mn-cs"/>
-              </a:endParaRPr>
-            </a:p>
-          </p:txBody>
-        </p:sp>
-        <p:sp>
-          <p:nvSpPr>
-            <p:cNvPr id="24" name="Isosceles Triangle 23">
-              <a:extLst>
-                <a:ext uri="{FF2B5EF4-FFF2-40B4-BE49-F238E27FC236}">
-                  <a16:creationId xmlns:a16="http://schemas.microsoft.com/office/drawing/2014/main" id="{216A7137-8C55-1EF5-CC3D-BFDC40D635C1}"/>
-                </a:ext>
-              </a:extLst>
-            </p:cNvPr>
-            <p:cNvSpPr/>
-            <p:nvPr/>
-          </p:nvSpPr>
-          <p:spPr>
-            <a:xfrm>
-              <a:off x="2123207" y="4296496"/>
-              <a:ext cx="259773" cy="586392"/>
-            </a:xfrm>
-            <a:prstGeom prst="triangle">
-              <a:avLst/>
-            </a:prstGeom>
-          </p:spPr>
-          <p:style>
-            <a:lnRef idx="2">
-              <a:schemeClr val="dk1">
-                <a:shade val="15000"/>
-              </a:schemeClr>
-            </a:lnRef>
-            <a:fillRef idx="1">
-              <a:schemeClr val="dk1"/>
-            </a:fillRef>
-            <a:effectRef idx="0">
-              <a:schemeClr val="dk1"/>
-            </a:effectRef>
-            <a:fontRef idx="minor">
-              <a:schemeClr val="lt1"/>
-            </a:fontRef>
-          </p:style>
-          <p:txBody>
-            <a:bodyPr rtlCol="0" anchor="ctr"/>
-            <a:lstStyle/>
-            <a:p>
-              <a:pPr marL="0" marR="0" lvl="0" indent="0" algn="ctr" defTabSz="914400" rtl="0" eaLnBrk="1" fontAlgn="auto" latinLnBrk="0" hangingPunct="1">
-                <a:lnSpc>
-                  <a:spcPct val="100000"/>
-                </a:lnSpc>
-                <a:spcBef>
-                  <a:spcPts val="0"/>
-                </a:spcBef>
-                <a:spcAft>
-                  <a:spcPts val="0"/>
-                </a:spcAft>
-                <a:buClrTx/>
-                <a:buSzTx/>
-                <a:buFontTx/>
-                <a:buNone/>
-                <a:tabLst/>
-                <a:defRPr/>
-              </a:pPr>
-              <a:endParaRPr kumimoji="0" lang="en-US" sz="1800" b="0" i="0" u="none" strike="noStrike" kern="1200" cap="none" spc="0" normalizeH="0" baseline="0" noProof="0">
-                <a:ln>
-                  <a:noFill/>
-                </a:ln>
-                <a:solidFill>
-                  <a:prstClr val="white"/>
-                </a:solidFill>
-                <a:effectLst/>
-                <a:uLnTx/>
-                <a:uFillTx/>
-                <a:latin typeface="Calibri" panose="020F0502020204030204"/>
-                <a:ea typeface="+mn-ea"/>
-                <a:cs typeface="+mn-cs"/>
-              </a:endParaRPr>
-            </a:p>
-          </p:txBody>
-        </p:sp>
-        <mc:AlternateContent xmlns:mc="http://schemas.openxmlformats.org/markup-compatibility/2006" xmlns:a14="http://schemas.microsoft.com/office/drawing/2010/main">
-          <mc:Choice Requires="a14">
-            <p:sp>
-              <p:nvSpPr>
-                <p:cNvPr id="25" name="TextBox 24">
-                  <a:extLst>
-                    <a:ext uri="{FF2B5EF4-FFF2-40B4-BE49-F238E27FC236}">
-                      <a16:creationId xmlns:a16="http://schemas.microsoft.com/office/drawing/2014/main" id="{49FE77AA-7C50-0F7E-C479-3A2E60163D35}"/>
-                    </a:ext>
-                  </a:extLst>
-                </p:cNvPr>
-                <p:cNvSpPr txBox="1"/>
-                <p:nvPr/>
-              </p:nvSpPr>
-              <p:spPr>
-                <a:xfrm>
-                  <a:off x="7414138" y="4925623"/>
-                  <a:ext cx="2095895" cy="518604"/>
-                </a:xfrm>
-                <a:prstGeom prst="rect">
-                  <a:avLst/>
-                </a:prstGeom>
-                <a:noFill/>
-              </p:spPr>
-              <p:txBody>
-                <a:bodyPr wrap="none" lIns="0" tIns="0" rIns="0" bIns="0" rtlCol="0">
-                  <a:spAutoFit/>
-                </a:bodyPr>
-                <a:lstStyle/>
-                <a:p>
-                  <a:pPr marL="0" marR="0" lvl="0" indent="0" algn="l" defTabSz="914400" rtl="0" eaLnBrk="1" fontAlgn="auto" latinLnBrk="0" hangingPunct="1">
-                    <a:lnSpc>
-                      <a:spcPct val="100000"/>
-                    </a:lnSpc>
-                    <a:spcBef>
-                      <a:spcPts val="0"/>
-                    </a:spcBef>
-                    <a:spcAft>
-                      <a:spcPts val="0"/>
-                    </a:spcAft>
-                    <a:buClrTx/>
-                    <a:buSzTx/>
-                    <a:buFontTx/>
-                    <a:buNone/>
-                    <a:tabLst/>
-                    <a:defRPr/>
-                  </a:pPr>
-                  <a14:m>
-                    <m:oMathPara xmlns:m="http://schemas.openxmlformats.org/officeDocument/2006/math">
-                      <m:oMathParaPr>
-                        <m:jc m:val="centerGroup"/>
-                      </m:oMathParaPr>
-                      <m:oMath xmlns:m="http://schemas.openxmlformats.org/officeDocument/2006/math">
-                        <m:r>
-                          <a:rPr kumimoji="0" lang="en-US" sz="1800" b="0" i="1" u="none" strike="noStrike" kern="1200" cap="none" spc="0" normalizeH="0" baseline="0" noProof="0" smtClean="0">
-                            <a:ln>
-                              <a:noFill/>
-                            </a:ln>
-                            <a:solidFill>
-                              <a:prstClr val="black"/>
-                            </a:solidFill>
-                            <a:effectLst/>
-                            <a:uLnTx/>
-                            <a:uFillTx/>
-                            <a:latin typeface="Cambria Math" panose="02040503050406030204" pitchFamily="18" charset="0"/>
-                            <a:ea typeface="+mn-ea"/>
-                            <a:cs typeface="+mn-cs"/>
-                          </a:rPr>
-                          <m:t>𝑚𝑒𝑑𝑖𝑎𝑛</m:t>
-                        </m:r>
-                        <m:r>
-                          <a:rPr kumimoji="0" lang="en-US" sz="1800" b="0" i="1" u="none" strike="noStrike" kern="1200" cap="none" spc="0" normalizeH="0" baseline="0" noProof="0" smtClean="0">
-                            <a:ln>
-                              <a:noFill/>
-                            </a:ln>
-                            <a:solidFill>
-                              <a:prstClr val="black"/>
-                            </a:solidFill>
-                            <a:effectLst/>
-                            <a:uLnTx/>
-                            <a:uFillTx/>
-                            <a:latin typeface="Cambria Math" panose="02040503050406030204" pitchFamily="18" charset="0"/>
-                            <a:ea typeface="+mn-ea"/>
-                            <a:cs typeface="+mn-cs"/>
-                          </a:rPr>
-                          <m:t>=</m:t>
-                        </m:r>
-                        <m:f>
-                          <m:fPr>
-                            <m:ctrlPr>
-                              <a:rPr kumimoji="0" lang="en-US" sz="1800" b="0" i="1" u="none" strike="noStrike" kern="1200" cap="none" spc="0" normalizeH="0" baseline="0" noProof="0" smtClean="0">
-                                <a:ln>
-                                  <a:noFill/>
-                                </a:ln>
-                                <a:solidFill>
-                                  <a:prstClr val="black"/>
-                                </a:solidFill>
-                                <a:effectLst/>
-                                <a:uLnTx/>
-                                <a:uFillTx/>
-                                <a:latin typeface="Cambria Math" panose="02040503050406030204" pitchFamily="18" charset="0"/>
-                                <a:ea typeface="+mn-ea"/>
-                                <a:cs typeface="+mn-cs"/>
-                              </a:rPr>
-                            </m:ctrlPr>
-                          </m:fPr>
-                          <m:num>
-                            <m:r>
-                              <a:rPr kumimoji="0" lang="en-US" sz="1800" b="0" i="1" u="none" strike="noStrike" kern="1200" cap="none" spc="0" normalizeH="0" baseline="0" noProof="0" smtClean="0">
-                                <a:ln>
-                                  <a:noFill/>
-                                </a:ln>
-                                <a:solidFill>
-                                  <a:srgbClr val="FF0000"/>
-                                </a:solidFill>
-                                <a:effectLst/>
-                                <a:uLnTx/>
-                                <a:uFillTx/>
-                                <a:latin typeface="Cambria Math" panose="02040503050406030204" pitchFamily="18" charset="0"/>
-                                <a:ea typeface="+mn-ea"/>
-                                <a:cs typeface="+mn-cs"/>
-                              </a:rPr>
-                              <m:t>8+8</m:t>
-                            </m:r>
-                          </m:num>
-                          <m:den>
-                            <m:r>
-                              <a:rPr kumimoji="0" lang="en-US" sz="1800" b="0" i="1" u="none" strike="noStrike" kern="1200" cap="none" spc="0" normalizeH="0" baseline="0" noProof="0" smtClean="0">
-                                <a:ln>
-                                  <a:noFill/>
-                                </a:ln>
-                                <a:solidFill>
-                                  <a:prstClr val="black"/>
-                                </a:solidFill>
-                                <a:effectLst/>
-                                <a:uLnTx/>
-                                <a:uFillTx/>
-                                <a:latin typeface="Cambria Math" panose="02040503050406030204" pitchFamily="18" charset="0"/>
-                                <a:ea typeface="+mn-ea"/>
-                                <a:cs typeface="+mn-cs"/>
-                              </a:rPr>
-                              <m:t>2</m:t>
-                            </m:r>
-                          </m:den>
-                        </m:f>
-                        <m:r>
-                          <a:rPr kumimoji="0" lang="en-US" sz="1800" b="0" i="1" u="none" strike="noStrike" kern="1200" cap="none" spc="0" normalizeH="0" baseline="0" noProof="0" smtClean="0">
-                            <a:ln>
-                              <a:noFill/>
-                            </a:ln>
-                            <a:solidFill>
-                              <a:prstClr val="black"/>
-                            </a:solidFill>
-                            <a:effectLst/>
-                            <a:uLnTx/>
-                            <a:uFillTx/>
-                            <a:latin typeface="Cambria Math" panose="02040503050406030204" pitchFamily="18" charset="0"/>
-                            <a:ea typeface="+mn-ea"/>
-                            <a:cs typeface="+mn-cs"/>
-                          </a:rPr>
-                          <m:t>=8</m:t>
-                        </m:r>
-                      </m:oMath>
-                    </m:oMathPara>
-                  </a14:m>
-                  <a:endParaRPr kumimoji="0" lang="en-US" sz="1800" b="0" i="0" u="none" strike="noStrike" kern="1200" cap="none" spc="0" normalizeH="0" baseline="0" noProof="0" dirty="0">
-                    <a:ln>
-                      <a:noFill/>
-                    </a:ln>
-                    <a:solidFill>
-                      <a:prstClr val="black"/>
-                    </a:solidFill>
-                    <a:effectLst/>
-                    <a:uLnTx/>
-                    <a:uFillTx/>
-                    <a:latin typeface="Calibri" panose="020F0502020204030204"/>
-                    <a:ea typeface="+mn-ea"/>
-                    <a:cs typeface="+mn-cs"/>
-                  </a:endParaRPr>
-                </a:p>
-              </p:txBody>
-            </p:sp>
-          </mc:Choice>
-          <mc:Fallback xmlns="">
-            <p:sp>
-              <p:nvSpPr>
-                <p:cNvPr id="25" name="TextBox 24">
-                  <a:extLst>
-                    <a:ext uri="{FF2B5EF4-FFF2-40B4-BE49-F238E27FC236}">
-                      <a16:creationId xmlns:a16="http://schemas.microsoft.com/office/drawing/2014/main" id="{49FE77AA-7C50-0F7E-C479-3A2E60163D35}"/>
-                    </a:ext>
-                  </a:extLst>
-                </p:cNvPr>
-                <p:cNvSpPr txBox="1">
-                  <a:spLocks noRot="1" noChangeAspect="1" noMove="1" noResize="1" noEditPoints="1" noAdjustHandles="1" noChangeArrowheads="1" noChangeShapeType="1" noTextEdit="1"/>
-                </p:cNvSpPr>
-                <p:nvPr/>
-              </p:nvSpPr>
-              <p:spPr>
-                <a:xfrm>
-                  <a:off x="7414138" y="4925623"/>
-                  <a:ext cx="2095895" cy="518604"/>
-                </a:xfrm>
-                <a:prstGeom prst="rect">
-                  <a:avLst/>
-                </a:prstGeom>
-                <a:blipFill>
-                  <a:blip r:embed="rId4"/>
-                  <a:stretch>
-                    <a:fillRect/>
-                  </a:stretch>
-                </a:blipFill>
-              </p:spPr>
-              <p:txBody>
-                <a:bodyPr/>
-                <a:lstStyle/>
-                <a:p>
-                  <a:r>
-                    <a:rPr lang="en-US">
-                      <a:noFill/>
-                    </a:rPr>
-                    <a:t> </a:t>
-                  </a:r>
-                </a:p>
-              </p:txBody>
-            </p:sp>
-          </mc:Fallback>
-        </mc:AlternateContent>
-      </p:grpSp>
-      <p:sp>
-        <p:nvSpPr>
-          <p:cNvPr id="26" name="TextBox 25">
-            <a:extLst>
-              <a:ext uri="{FF2B5EF4-FFF2-40B4-BE49-F238E27FC236}">
-                <a16:creationId xmlns:a16="http://schemas.microsoft.com/office/drawing/2014/main" id="{0AB15456-BDE7-CB11-8743-884D2B7E62B6}"/>
-              </a:ext>
-            </a:extLst>
-          </p:cNvPr>
-          <p:cNvSpPr txBox="1"/>
-          <p:nvPr/>
-        </p:nvSpPr>
-        <p:spPr>
-          <a:xfrm>
-            <a:off x="594017" y="5686108"/>
-            <a:ext cx="3605282" cy="400110"/>
-          </a:xfrm>
-          <a:prstGeom prst="rect">
-            <a:avLst/>
-          </a:prstGeom>
-          <a:noFill/>
-        </p:spPr>
-        <p:txBody>
-          <a:bodyPr wrap="none" rtlCol="0">
-            <a:spAutoFit/>
-          </a:bodyPr>
-          <a:lstStyle/>
-          <a:p>
-            <a:pPr marL="0" marR="0" lvl="0" indent="0" algn="l" defTabSz="914400" rtl="0" eaLnBrk="1" fontAlgn="auto" latinLnBrk="0" hangingPunct="1">
-              <a:lnSpc>
-                <a:spcPct val="100000"/>
-              </a:lnSpc>
-              <a:spcBef>
-                <a:spcPts val="0"/>
-              </a:spcBef>
-              <a:spcAft>
-                <a:spcPts val="0"/>
-              </a:spcAft>
-              <a:buClrTx/>
-              <a:buSzTx/>
-              <a:buFontTx/>
-              <a:buNone/>
-              <a:tabLst/>
-              <a:defRPr/>
-            </a:pPr>
-            <a:r>
-              <a:rPr kumimoji="0" lang="en-US" sz="2000" b="0" i="0" u="none" strike="noStrike" kern="1200" cap="none" spc="0" normalizeH="0" baseline="0" noProof="0" dirty="0">
-                <a:ln>
-                  <a:noFill/>
-                </a:ln>
-                <a:solidFill>
-                  <a:prstClr val="black"/>
-                </a:solidFill>
-                <a:effectLst/>
-                <a:uLnTx/>
-                <a:uFillTx/>
-                <a:latin typeface="Calibri" panose="020F0502020204030204"/>
-                <a:ea typeface="+mn-ea"/>
-                <a:cs typeface="+mn-cs"/>
-              </a:rPr>
-              <a:t>The mean is the center of gravity</a:t>
-            </a:r>
-          </a:p>
-        </p:txBody>
-      </p:sp>
-      <p:sp>
-        <p:nvSpPr>
-          <p:cNvPr id="27" name="TextBox 26">
-            <a:extLst>
-              <a:ext uri="{FF2B5EF4-FFF2-40B4-BE49-F238E27FC236}">
-                <a16:creationId xmlns:a16="http://schemas.microsoft.com/office/drawing/2014/main" id="{733A6C0A-C879-8A3D-A8EE-96D4E66E3A74}"/>
-              </a:ext>
-            </a:extLst>
-          </p:cNvPr>
-          <p:cNvSpPr txBox="1"/>
-          <p:nvPr/>
-        </p:nvSpPr>
-        <p:spPr>
-          <a:xfrm>
-            <a:off x="6325923" y="5810799"/>
-            <a:ext cx="3438762" cy="400110"/>
-          </a:xfrm>
-          <a:prstGeom prst="rect">
-            <a:avLst/>
-          </a:prstGeom>
-          <a:noFill/>
-        </p:spPr>
-        <p:txBody>
-          <a:bodyPr wrap="none" rtlCol="0">
-            <a:spAutoFit/>
-          </a:bodyPr>
-          <a:lstStyle/>
-          <a:p>
-            <a:pPr marL="0" marR="0" lvl="0" indent="0" algn="l" defTabSz="914400" rtl="0" eaLnBrk="1" fontAlgn="auto" latinLnBrk="0" hangingPunct="1">
-              <a:lnSpc>
-                <a:spcPct val="100000"/>
-              </a:lnSpc>
-              <a:spcBef>
-                <a:spcPts val="0"/>
-              </a:spcBef>
-              <a:spcAft>
-                <a:spcPts val="0"/>
-              </a:spcAft>
-              <a:buClrTx/>
-              <a:buSzTx/>
-              <a:buFontTx/>
-              <a:buNone/>
-              <a:tabLst/>
-              <a:defRPr/>
-            </a:pPr>
-            <a:r>
-              <a:rPr kumimoji="0" lang="en-US" sz="2000" b="0" i="0" u="none" strike="noStrike" kern="1200" cap="none" spc="0" normalizeH="0" baseline="0" noProof="0" dirty="0">
-                <a:ln>
-                  <a:noFill/>
-                </a:ln>
-                <a:solidFill>
-                  <a:prstClr val="black"/>
-                </a:solidFill>
-                <a:effectLst/>
-                <a:uLnTx/>
-                <a:uFillTx/>
-                <a:latin typeface="Calibri" panose="020F0502020204030204"/>
-                <a:ea typeface="+mn-ea"/>
-                <a:cs typeface="+mn-cs"/>
-              </a:rPr>
-              <a:t>The median is the middle value</a:t>
-            </a:r>
-          </a:p>
-        </p:txBody>
-      </p:sp>
-      <p:sp>
-        <p:nvSpPr>
-          <p:cNvPr id="34" name="TextBox 33">
-            <a:extLst>
-              <a:ext uri="{FF2B5EF4-FFF2-40B4-BE49-F238E27FC236}">
-                <a16:creationId xmlns:a16="http://schemas.microsoft.com/office/drawing/2014/main" id="{8CC585F4-2355-392B-9E1E-5B47162BF9BA}"/>
-              </a:ext>
-            </a:extLst>
-          </p:cNvPr>
-          <p:cNvSpPr txBox="1"/>
-          <p:nvPr/>
-        </p:nvSpPr>
-        <p:spPr>
-          <a:xfrm>
-            <a:off x="1320800" y="314036"/>
-            <a:ext cx="8002512" cy="1477328"/>
-          </a:xfrm>
-          <a:prstGeom prst="rect">
-            <a:avLst/>
-          </a:prstGeom>
-          <a:noFill/>
-        </p:spPr>
-        <p:txBody>
-          <a:bodyPr wrap="none" rtlCol="0">
-            <a:spAutoFit/>
-          </a:bodyPr>
-          <a:lstStyle/>
-          <a:p>
-            <a:pPr marL="0" marR="0" lvl="0" indent="0" algn="l" defTabSz="914400" rtl="0" eaLnBrk="1" fontAlgn="auto" latinLnBrk="0" hangingPunct="1">
-              <a:lnSpc>
-                <a:spcPct val="100000"/>
-              </a:lnSpc>
-              <a:spcBef>
-                <a:spcPts val="0"/>
-              </a:spcBef>
-              <a:spcAft>
-                <a:spcPts val="0"/>
-              </a:spcAft>
-              <a:buClrTx/>
-              <a:buSzTx/>
-              <a:buFontTx/>
-              <a:buNone/>
-              <a:tabLst/>
-              <a:defRPr/>
-            </a:pPr>
-            <a:r>
-              <a:rPr kumimoji="0" lang="en-US" sz="1800" b="0" i="0" u="none" strike="noStrike" kern="1200" cap="none" spc="0" normalizeH="0" baseline="0" noProof="0" dirty="0">
-                <a:ln>
-                  <a:noFill/>
-                </a:ln>
-                <a:solidFill>
-                  <a:prstClr val="black"/>
-                </a:solidFill>
-                <a:effectLst/>
-                <a:uLnTx/>
-                <a:uFillTx/>
-                <a:latin typeface="Calibri" panose="020F0502020204030204"/>
-                <a:ea typeface="+mn-ea"/>
-                <a:cs typeface="+mn-cs"/>
-              </a:rPr>
-              <a:t>Data: 3  3  3  3  3  3  3  4  4  4  4  4  4  4  4  4  4  5  5  5  5  5  5  5  5  5  5</a:t>
-            </a:r>
-          </a:p>
-          <a:p>
-            <a:pPr marL="0" marR="0" lvl="0" indent="0" algn="l" defTabSz="914400" rtl="0" eaLnBrk="1" fontAlgn="auto" latinLnBrk="0" hangingPunct="1">
-              <a:lnSpc>
-                <a:spcPct val="100000"/>
-              </a:lnSpc>
-              <a:spcBef>
-                <a:spcPts val="0"/>
-              </a:spcBef>
-              <a:spcAft>
-                <a:spcPts val="0"/>
-              </a:spcAft>
-              <a:buClrTx/>
-              <a:buSzTx/>
-              <a:buFontTx/>
-              <a:buNone/>
-              <a:tabLst/>
-              <a:defRPr/>
-            </a:pPr>
-            <a:r>
-              <a:rPr kumimoji="0" lang="en-US" sz="1800" b="0" i="0" u="none" strike="noStrike" kern="1200" cap="none" spc="0" normalizeH="0" baseline="0" noProof="0" dirty="0">
-                <a:ln>
-                  <a:noFill/>
-                </a:ln>
-                <a:solidFill>
-                  <a:prstClr val="black"/>
-                </a:solidFill>
-                <a:effectLst/>
-                <a:uLnTx/>
-                <a:uFillTx/>
-                <a:latin typeface="Calibri" panose="020F0502020204030204"/>
-                <a:ea typeface="+mn-ea"/>
-                <a:cs typeface="+mn-cs"/>
-              </a:rPr>
-              <a:t> 5  5  5  5  5  5  5  5  5  6  6  6  6  6  6  6  6  6  6  7  7  7  7  7  7  7  7</a:t>
-            </a:r>
-          </a:p>
-          <a:p>
-            <a:pPr marL="0" marR="0" lvl="0" indent="0" algn="l" defTabSz="914400" rtl="0" eaLnBrk="1" fontAlgn="auto" latinLnBrk="0" hangingPunct="1">
-              <a:lnSpc>
-                <a:spcPct val="100000"/>
-              </a:lnSpc>
-              <a:spcBef>
-                <a:spcPts val="0"/>
-              </a:spcBef>
-              <a:spcAft>
-                <a:spcPts val="0"/>
-              </a:spcAft>
-              <a:buClrTx/>
-              <a:buSzTx/>
-              <a:buFontTx/>
-              <a:buNone/>
-              <a:tabLst/>
-              <a:defRPr/>
-            </a:pPr>
-            <a:r>
-              <a:rPr kumimoji="0" lang="en-US" sz="1800" b="0" i="0" u="none" strike="noStrike" kern="1200" cap="none" spc="0" normalizeH="0" baseline="0" noProof="0" dirty="0">
-                <a:ln>
-                  <a:noFill/>
-                </a:ln>
-                <a:solidFill>
-                  <a:prstClr val="black"/>
-                </a:solidFill>
-                <a:effectLst/>
-                <a:uLnTx/>
-                <a:uFillTx/>
-                <a:latin typeface="Calibri" panose="020F0502020204030204"/>
-                <a:ea typeface="+mn-ea"/>
-                <a:cs typeface="+mn-cs"/>
-              </a:rPr>
-              <a:t> 7  8  </a:t>
-            </a:r>
-            <a:r>
-              <a:rPr kumimoji="0" lang="en-US" sz="1800" b="0" i="0" u="none" strike="noStrike" kern="1200" cap="none" spc="0" normalizeH="0" baseline="0" noProof="0" dirty="0">
-                <a:ln>
-                  <a:noFill/>
-                </a:ln>
-                <a:solidFill>
-                  <a:srgbClr val="FF0000"/>
-                </a:solidFill>
-                <a:effectLst/>
-                <a:uLnTx/>
-                <a:uFillTx/>
-                <a:latin typeface="Calibri" panose="020F0502020204030204"/>
-                <a:ea typeface="+mn-ea"/>
-                <a:cs typeface="+mn-cs"/>
-              </a:rPr>
-              <a:t>8  8</a:t>
-            </a:r>
-            <a:r>
-              <a:rPr kumimoji="0" lang="en-US" sz="1800" b="0" i="0" u="none" strike="noStrike" kern="1200" cap="none" spc="0" normalizeH="0" baseline="0" noProof="0" dirty="0">
-                <a:ln>
-                  <a:noFill/>
-                </a:ln>
-                <a:solidFill>
-                  <a:prstClr val="black"/>
-                </a:solidFill>
-                <a:effectLst/>
-                <a:uLnTx/>
-                <a:uFillTx/>
-                <a:latin typeface="Calibri" panose="020F0502020204030204"/>
-                <a:ea typeface="+mn-ea"/>
-                <a:cs typeface="+mn-cs"/>
-              </a:rPr>
-              <a:t>  8  8  8  9  9  9  9  9  9  9 10 10 10 10 10 10 10 11 11 11 11 11 12</a:t>
-            </a:r>
-          </a:p>
-          <a:p>
-            <a:pPr marL="0" marR="0" lvl="0" indent="0" algn="l" defTabSz="914400" rtl="0" eaLnBrk="1" fontAlgn="auto" latinLnBrk="0" hangingPunct="1">
-              <a:lnSpc>
-                <a:spcPct val="100000"/>
-              </a:lnSpc>
-              <a:spcBef>
-                <a:spcPts val="0"/>
-              </a:spcBef>
-              <a:spcAft>
-                <a:spcPts val="0"/>
-              </a:spcAft>
-              <a:buClrTx/>
-              <a:buSzTx/>
-              <a:buFontTx/>
-              <a:buNone/>
-              <a:tabLst/>
-              <a:defRPr/>
-            </a:pPr>
-            <a:r>
-              <a:rPr kumimoji="0" lang="en-US" sz="1800" b="0" i="0" u="none" strike="noStrike" kern="1200" cap="none" spc="0" normalizeH="0" baseline="0" noProof="0" dirty="0">
-                <a:ln>
-                  <a:noFill/>
-                </a:ln>
-                <a:solidFill>
-                  <a:prstClr val="black"/>
-                </a:solidFill>
-                <a:effectLst/>
-                <a:uLnTx/>
-                <a:uFillTx/>
-                <a:latin typeface="Calibri" panose="020F0502020204030204"/>
-                <a:ea typeface="+mn-ea"/>
-                <a:cs typeface="+mn-cs"/>
-              </a:rPr>
-              <a:t> 12 12 12 12 12 12 12 13 13 13 14 14 14 14 14 14 15 15 15 16 16 16 16 17 17 17 18</a:t>
-            </a:r>
-          </a:p>
-          <a:p>
-            <a:pPr marL="0" marR="0" lvl="0" indent="0" algn="l" defTabSz="914400" rtl="0" eaLnBrk="1" fontAlgn="auto" latinLnBrk="0" hangingPunct="1">
-              <a:lnSpc>
-                <a:spcPct val="100000"/>
-              </a:lnSpc>
-              <a:spcBef>
-                <a:spcPts val="0"/>
-              </a:spcBef>
-              <a:spcAft>
-                <a:spcPts val="0"/>
-              </a:spcAft>
-              <a:buClrTx/>
-              <a:buSzTx/>
-              <a:buFontTx/>
-              <a:buNone/>
-              <a:tabLst/>
-              <a:defRPr/>
-            </a:pPr>
-            <a:r>
-              <a:rPr kumimoji="0" lang="en-US" sz="1800" b="0" i="0" u="none" strike="noStrike" kern="1200" cap="none" spc="0" normalizeH="0" baseline="0" noProof="0" dirty="0">
-                <a:ln>
-                  <a:noFill/>
-                </a:ln>
-                <a:solidFill>
-                  <a:prstClr val="black"/>
-                </a:solidFill>
-                <a:effectLst/>
-                <a:uLnTx/>
-                <a:uFillTx/>
-                <a:latin typeface="Calibri" panose="020F0502020204030204"/>
-                <a:ea typeface="+mn-ea"/>
-                <a:cs typeface="+mn-cs"/>
-              </a:rPr>
-              <a:t>18 20 20 20 20 20</a:t>
-            </a:r>
-          </a:p>
-        </p:txBody>
-      </p:sp>
-    </p:spTree>
-    <p:extLst>
-      <p:ext uri="{BB962C8B-B14F-4D97-AF65-F5344CB8AC3E}">
-        <p14:creationId xmlns:p14="http://schemas.microsoft.com/office/powerpoint/2010/main" val="1549764094"/>
       </p:ext>
     </p:extLst>
   </p:cSld>

--- a/docs/lecture_slides/Week 3/Week3_Lecture4_Slides_1_22_2024.pptx
+++ b/docs/lecture_slides/Week 3/Week3_Lecture4_Slides_1_22_2024.pptx
@@ -23,16 +23,14 @@
     <p:sldId id="339" r:id="rId17"/>
     <p:sldId id="309" r:id="rId18"/>
     <p:sldId id="308" r:id="rId19"/>
-    <p:sldId id="310" r:id="rId20"/>
-    <p:sldId id="312" r:id="rId21"/>
-    <p:sldId id="303" r:id="rId22"/>
-    <p:sldId id="259" r:id="rId23"/>
-    <p:sldId id="313" r:id="rId24"/>
-    <p:sldId id="314" r:id="rId25"/>
-    <p:sldId id="315" r:id="rId26"/>
-    <p:sldId id="316" r:id="rId27"/>
-    <p:sldId id="317" r:id="rId28"/>
-    <p:sldId id="283" r:id="rId29"/>
+    <p:sldId id="303" r:id="rId20"/>
+    <p:sldId id="259" r:id="rId21"/>
+    <p:sldId id="313" r:id="rId22"/>
+    <p:sldId id="314" r:id="rId23"/>
+    <p:sldId id="315" r:id="rId24"/>
+    <p:sldId id="316" r:id="rId25"/>
+    <p:sldId id="317" r:id="rId26"/>
+    <p:sldId id="283" r:id="rId27"/>
   </p:sldIdLst>
   <p:sldSz cx="12192000" cy="6858000"/>
   <p:notesSz cx="6858000" cy="9144000"/>
@@ -286,7 +284,7 @@
           <a:p>
             <a:fld id="{06882561-BD16-4A95-ACA1-5204E478F2FE}" type="datetimeFigureOut">
               <a:rPr lang="en-US" smtClean="0"/>
-              <a:t>1/21/2024</a:t>
+              <a:t>1/22/2024</a:t>
             </a:fld>
             <a:endParaRPr lang="en-US"/>
           </a:p>
@@ -484,7 +482,7 @@
           <a:p>
             <a:fld id="{06882561-BD16-4A95-ACA1-5204E478F2FE}" type="datetimeFigureOut">
               <a:rPr lang="en-US" smtClean="0"/>
-              <a:t>1/21/2024</a:t>
+              <a:t>1/22/2024</a:t>
             </a:fld>
             <a:endParaRPr lang="en-US"/>
           </a:p>
@@ -692,7 +690,7 @@
           <a:p>
             <a:fld id="{06882561-BD16-4A95-ACA1-5204E478F2FE}" type="datetimeFigureOut">
               <a:rPr lang="en-US" smtClean="0"/>
-              <a:t>1/21/2024</a:t>
+              <a:t>1/22/2024</a:t>
             </a:fld>
             <a:endParaRPr lang="en-US"/>
           </a:p>
@@ -890,7 +888,7 @@
           <a:p>
             <a:fld id="{06882561-BD16-4A95-ACA1-5204E478F2FE}" type="datetimeFigureOut">
               <a:rPr lang="en-US" smtClean="0"/>
-              <a:t>1/21/2024</a:t>
+              <a:t>1/22/2024</a:t>
             </a:fld>
             <a:endParaRPr lang="en-US"/>
           </a:p>
@@ -1165,7 +1163,7 @@
           <a:p>
             <a:fld id="{06882561-BD16-4A95-ACA1-5204E478F2FE}" type="datetimeFigureOut">
               <a:rPr lang="en-US" smtClean="0"/>
-              <a:t>1/21/2024</a:t>
+              <a:t>1/22/2024</a:t>
             </a:fld>
             <a:endParaRPr lang="en-US"/>
           </a:p>
@@ -1430,7 +1428,7 @@
           <a:p>
             <a:fld id="{06882561-BD16-4A95-ACA1-5204E478F2FE}" type="datetimeFigureOut">
               <a:rPr lang="en-US" smtClean="0"/>
-              <a:t>1/21/2024</a:t>
+              <a:t>1/22/2024</a:t>
             </a:fld>
             <a:endParaRPr lang="en-US"/>
           </a:p>
@@ -1842,7 +1840,7 @@
           <a:p>
             <a:fld id="{06882561-BD16-4A95-ACA1-5204E478F2FE}" type="datetimeFigureOut">
               <a:rPr lang="en-US" smtClean="0"/>
-              <a:t>1/21/2024</a:t>
+              <a:t>1/22/2024</a:t>
             </a:fld>
             <a:endParaRPr lang="en-US"/>
           </a:p>
@@ -1983,7 +1981,7 @@
           <a:p>
             <a:fld id="{06882561-BD16-4A95-ACA1-5204E478F2FE}" type="datetimeFigureOut">
               <a:rPr lang="en-US" smtClean="0"/>
-              <a:t>1/21/2024</a:t>
+              <a:t>1/22/2024</a:t>
             </a:fld>
             <a:endParaRPr lang="en-US"/>
           </a:p>
@@ -2096,7 +2094,7 @@
           <a:p>
             <a:fld id="{06882561-BD16-4A95-ACA1-5204E478F2FE}" type="datetimeFigureOut">
               <a:rPr lang="en-US" smtClean="0"/>
-              <a:t>1/21/2024</a:t>
+              <a:t>1/22/2024</a:t>
             </a:fld>
             <a:endParaRPr lang="en-US"/>
           </a:p>
@@ -2407,7 +2405,7 @@
           <a:p>
             <a:fld id="{06882561-BD16-4A95-ACA1-5204E478F2FE}" type="datetimeFigureOut">
               <a:rPr lang="en-US" smtClean="0"/>
-              <a:t>1/21/2024</a:t>
+              <a:t>1/22/2024</a:t>
             </a:fld>
             <a:endParaRPr lang="en-US"/>
           </a:p>
@@ -2695,7 +2693,7 @@
           <a:p>
             <a:fld id="{06882561-BD16-4A95-ACA1-5204E478F2FE}" type="datetimeFigureOut">
               <a:rPr lang="en-US" smtClean="0"/>
-              <a:t>1/21/2024</a:t>
+              <a:t>1/22/2024</a:t>
             </a:fld>
             <a:endParaRPr lang="en-US"/>
           </a:p>
@@ -2936,7 +2934,7 @@
           <a:p>
             <a:fld id="{06882561-BD16-4A95-ACA1-5204E478F2FE}" type="datetimeFigureOut">
               <a:rPr lang="en-US" smtClean="0"/>
-              <a:t>1/21/2024</a:t>
+              <a:t>1/22/2024</a:t>
             </a:fld>
             <a:endParaRPr lang="en-US"/>
           </a:p>
@@ -3448,8 +3446,8 @@
           </a:p>
         </p:txBody>
       </p:sp>
-      <mc:AlternateContent xmlns:mc="http://schemas.openxmlformats.org/markup-compatibility/2006">
-        <mc:Choice xmlns:a14="http://schemas.microsoft.com/office/drawing/2010/main" Requires="a14">
+      <mc:AlternateContent xmlns:mc="http://schemas.openxmlformats.org/markup-compatibility/2006" xmlns:a14="http://schemas.microsoft.com/office/drawing/2010/main">
+        <mc:Choice Requires="a14">
           <p:sp>
             <p:nvSpPr>
               <p:cNvPr id="3" name="Content Placeholder 2">
@@ -3573,7 +3571,7 @@
             </p:txBody>
           </p:sp>
         </mc:Choice>
-        <mc:Fallback>
+        <mc:Fallback xmlns="">
           <p:sp>
             <p:nvSpPr>
               <p:cNvPr id="3" name="Content Placeholder 2">
@@ -3675,8 +3673,8 @@
           </a:p>
         </p:txBody>
       </p:sp>
-      <mc:AlternateContent xmlns:mc="http://schemas.openxmlformats.org/markup-compatibility/2006">
-        <mc:Choice xmlns:a14="http://schemas.microsoft.com/office/drawing/2010/main" Requires="a14">
+      <mc:AlternateContent xmlns:mc="http://schemas.openxmlformats.org/markup-compatibility/2006" xmlns:a14="http://schemas.microsoft.com/office/drawing/2010/main">
+        <mc:Choice Requires="a14">
           <p:sp>
             <p:nvSpPr>
               <p:cNvPr id="3" name="Content Placeholder 2">
@@ -3710,13 +3708,13 @@
                       <a:rPr lang="en-US" b="0" i="1" smtClean="0">
                         <a:latin typeface="Cambria Math" panose="02040503050406030204" pitchFamily="18" charset="0"/>
                       </a:rPr>
-                      <m:t>={1, 3, 5, 5, </m:t>
+                      <m:t>={1, 3, 5, 5, 6, 7</m:t>
                     </m:r>
                     <m:r>
                       <a:rPr lang="en-US" i="1">
                         <a:latin typeface="Cambria Math" panose="02040503050406030204" pitchFamily="18" charset="0"/>
                       </a:rPr>
-                      <m:t>6, 7, 7, 8}</m:t>
+                      <m:t>, 7, 8}</m:t>
                     </m:r>
                   </m:oMath>
                 </a14:m>
@@ -3731,7 +3729,7 @@
             </p:txBody>
           </p:sp>
         </mc:Choice>
-        <mc:Fallback>
+        <mc:Fallback xmlns="">
           <p:sp>
             <p:nvSpPr>
               <p:cNvPr id="3" name="Content Placeholder 2">
@@ -4867,8 +4865,8 @@
           </a:p>
         </p:txBody>
       </p:sp>
-      <mc:AlternateContent xmlns:mc="http://schemas.openxmlformats.org/markup-compatibility/2006">
-        <mc:Choice xmlns:a14="http://schemas.microsoft.com/office/drawing/2010/main" Requires="a14">
+      <mc:AlternateContent xmlns:mc="http://schemas.openxmlformats.org/markup-compatibility/2006" xmlns:a14="http://schemas.microsoft.com/office/drawing/2010/main">
+        <mc:Choice Requires="a14">
           <p:sp>
             <p:nvSpPr>
               <p:cNvPr id="3" name="Content Placeholder 2">
@@ -4902,13 +4900,13 @@
                       <a:rPr lang="en-US" b="0" i="1" smtClean="0">
                         <a:latin typeface="Cambria Math" panose="02040503050406030204" pitchFamily="18" charset="0"/>
                       </a:rPr>
-                      <m:t>={1, 3, 5, 5, 6, 7, 7,</m:t>
+                      <m:t>={1, 3, 5, 5, 6, 7, 7, 8, </m:t>
                     </m:r>
                     <m:r>
                       <a:rPr lang="en-US" i="1">
                         <a:latin typeface="Cambria Math" panose="02040503050406030204" pitchFamily="18" charset="0"/>
                       </a:rPr>
-                      <m:t> 8, 32}</m:t>
+                      <m:t>32}</m:t>
                     </m:r>
                   </m:oMath>
                 </a14:m>
@@ -4917,7 +4915,7 @@
             </p:txBody>
           </p:sp>
         </mc:Choice>
-        <mc:Fallback>
+        <mc:Fallback xmlns="">
           <p:sp>
             <p:nvSpPr>
               <p:cNvPr id="3" name="Content Placeholder 2">
@@ -5075,8 +5073,8 @@
           </a:p>
         </p:txBody>
       </p:sp>
-      <mc:AlternateContent xmlns:mc="http://schemas.openxmlformats.org/markup-compatibility/2006">
-        <mc:Choice xmlns:a14="http://schemas.microsoft.com/office/drawing/2010/main" Requires="a14">
+      <mc:AlternateContent xmlns:mc="http://schemas.openxmlformats.org/markup-compatibility/2006" xmlns:a14="http://schemas.microsoft.com/office/drawing/2010/main">
+        <mc:Choice Requires="a14">
           <p:sp>
             <p:nvSpPr>
               <p:cNvPr id="3" name="Content Placeholder 2">
@@ -5388,7 +5386,7 @@
             </p:txBody>
           </p:sp>
         </mc:Choice>
-        <mc:Fallback>
+        <mc:Fallback xmlns="">
           <p:sp>
             <p:nvSpPr>
               <p:cNvPr id="3" name="Content Placeholder 2">
@@ -5486,8 +5484,8 @@
           </a:p>
         </p:txBody>
       </p:sp>
-      <mc:AlternateContent xmlns:mc="http://schemas.openxmlformats.org/markup-compatibility/2006">
-        <mc:Choice xmlns:a14="http://schemas.microsoft.com/office/drawing/2010/main" Requires="a14">
+      <mc:AlternateContent xmlns:mc="http://schemas.openxmlformats.org/markup-compatibility/2006" xmlns:a14="http://schemas.microsoft.com/office/drawing/2010/main">
+        <mc:Choice Requires="a14">
           <p:sp>
             <p:nvSpPr>
               <p:cNvPr id="4" name="TextBox 3">
@@ -5533,13 +5531,13 @@
                         <a:rPr lang="en-US" sz="2400" b="0" i="1" smtClean="0">
                           <a:latin typeface="Cambria Math" panose="02040503050406030204" pitchFamily="18" charset="0"/>
                         </a:rPr>
-                        <m:t>={1, 3, 5, 5, </m:t>
+                        <m:t>={1, 3, 5, 5, 6, 7</m:t>
                       </m:r>
                       <m:r>
                         <a:rPr lang="en-US" sz="2400" i="1">
                           <a:latin typeface="Cambria Math" panose="02040503050406030204" pitchFamily="18" charset="0"/>
                         </a:rPr>
-                        <m:t>6, 7, 7, 8}</m:t>
+                        <m:t>, 7, 8}</m:t>
                       </m:r>
                     </m:oMath>
                   </m:oMathPara>
@@ -5558,7 +5556,7 @@
             </p:txBody>
           </p:sp>
         </mc:Choice>
-        <mc:Fallback>
+        <mc:Fallback xmlns="">
           <p:sp>
             <p:nvSpPr>
               <p:cNvPr id="4" name="TextBox 3">
@@ -7429,7 +7427,7 @@
           <p:cNvPr id="2" name="Title 1">
             <a:extLst>
               <a:ext uri="{FF2B5EF4-FFF2-40B4-BE49-F238E27FC236}">
-                <a16:creationId xmlns:a16="http://schemas.microsoft.com/office/drawing/2014/main" id="{5518D8B3-3028-A2A1-9950-0C369506018D}"/>
+                <a16:creationId xmlns:a16="http://schemas.microsoft.com/office/drawing/2014/main" id="{96B6764E-1650-762B-5308-1049092EAE9A}"/>
               </a:ext>
             </a:extLst>
           </p:cNvPr>
@@ -7440,94 +7438,24 @@
             <p:ph type="title"/>
           </p:nvPr>
         </p:nvSpPr>
-        <p:spPr>
-          <a:xfrm>
-            <a:off x="838200" y="309707"/>
-            <a:ext cx="10515600" cy="1325563"/>
-          </a:xfrm>
-        </p:spPr>
+        <p:spPr/>
         <p:txBody>
           <a:bodyPr/>
           <a:lstStyle/>
           <a:p>
             <a:r>
               <a:rPr lang="en-US" dirty="0"/>
-              <a:t>Comparing the Mean, Median, and Mode</a:t>
-            </a:r>
-          </a:p>
-        </p:txBody>
-      </p:sp>
-      <p:sp>
-        <p:nvSpPr>
-          <p:cNvPr id="3" name="Content Placeholder 2">
-            <a:extLst>
-              <a:ext uri="{FF2B5EF4-FFF2-40B4-BE49-F238E27FC236}">
-                <a16:creationId xmlns:a16="http://schemas.microsoft.com/office/drawing/2014/main" id="{034968BB-5438-D869-3455-4CD21AC91A74}"/>
-              </a:ext>
-            </a:extLst>
-          </p:cNvPr>
-          <p:cNvSpPr>
-            <a:spLocks noGrp="1"/>
-          </p:cNvSpPr>
-          <p:nvPr>
-            <p:ph idx="1"/>
-          </p:nvPr>
-        </p:nvSpPr>
-        <p:spPr>
-          <a:xfrm>
-            <a:off x="838200" y="1825625"/>
-            <a:ext cx="5257800" cy="4351338"/>
-          </a:xfrm>
-        </p:spPr>
-        <p:txBody>
-          <a:bodyPr>
-            <a:normAutofit lnSpcReduction="10000"/>
-          </a:bodyPr>
-          <a:lstStyle/>
-          <a:p>
-            <a:r>
-              <a:rPr lang="en-US" dirty="0"/>
-              <a:t>The shape of a distribution influences whether the mean is larger or smaller. </a:t>
-            </a:r>
-          </a:p>
-          <a:p>
-            <a:endParaRPr lang="en-US" dirty="0"/>
-          </a:p>
-          <a:p>
-            <a:r>
-              <a:rPr lang="en-US" dirty="0"/>
-              <a:t>Skew left = mean &lt; median</a:t>
-            </a:r>
-          </a:p>
-          <a:p>
-            <a:endParaRPr lang="en-US" dirty="0"/>
-          </a:p>
-          <a:p>
-            <a:r>
-              <a:rPr lang="en-US" dirty="0"/>
-              <a:t>Skew right = mean &gt; median</a:t>
-            </a:r>
-          </a:p>
-          <a:p>
-            <a:endParaRPr lang="en-US" dirty="0"/>
-          </a:p>
-          <a:p>
-            <a:r>
-              <a:rPr lang="en-US" dirty="0"/>
-              <a:t>When a distribution is symmetric the mean will equal the median</a:t>
-            </a:r>
-          </a:p>
-          <a:p>
-            <a:endParaRPr lang="en-US" dirty="0"/>
+              <a:t>Variability of A Distribution: Measures of Spread</a:t>
+            </a:r>
           </a:p>
         </p:txBody>
       </p:sp>
       <p:pic>
         <p:nvPicPr>
-          <p:cNvPr id="4" name="Picture 3">
+          <p:cNvPr id="7" name="Picture 6">
             <a:extLst>
               <a:ext uri="{FF2B5EF4-FFF2-40B4-BE49-F238E27FC236}">
-                <a16:creationId xmlns:a16="http://schemas.microsoft.com/office/drawing/2014/main" id="{0DF55C50-4673-2688-A40C-ADA64C95797D}"/>
+                <a16:creationId xmlns:a16="http://schemas.microsoft.com/office/drawing/2014/main" id="{A2F4481B-DAA2-3B91-063C-978376309A11}"/>
               </a:ext>
             </a:extLst>
           </p:cNvPr>
@@ -7544,8 +7472,8 @@
         </p:blipFill>
         <p:spPr>
           <a:xfrm>
-            <a:off x="6393835" y="2076450"/>
-            <a:ext cx="5641798" cy="3409950"/>
+            <a:off x="2498689" y="1771748"/>
+            <a:ext cx="8783276" cy="4810796"/>
           </a:xfrm>
           <a:prstGeom prst="rect">
             <a:avLst/>
@@ -7555,7 +7483,7 @@
     </p:spTree>
     <p:extLst>
       <p:ext uri="{BB962C8B-B14F-4D97-AF65-F5344CB8AC3E}">
-        <p14:creationId xmlns:p14="http://schemas.microsoft.com/office/powerpoint/2010/main" val="2793905576"/>
+        <p14:creationId xmlns:p14="http://schemas.microsoft.com/office/powerpoint/2010/main" val="2464089419"/>
       </p:ext>
     </p:extLst>
   </p:cSld>
@@ -7729,499 +7657,6 @@
 </file>
 
 <file path=ppt/slides/slide20.xml><?xml version="1.0" encoding="utf-8"?>
-<p:sld xmlns:a="http://schemas.openxmlformats.org/drawingml/2006/main" xmlns:r="http://schemas.openxmlformats.org/officeDocument/2006/relationships" xmlns:p="http://schemas.openxmlformats.org/presentationml/2006/main">
-  <p:cSld>
-    <p:spTree>
-      <p:nvGrpSpPr>
-        <p:cNvPr id="1" name=""/>
-        <p:cNvGrpSpPr/>
-        <p:nvPr/>
-      </p:nvGrpSpPr>
-      <p:grpSpPr>
-        <a:xfrm>
-          <a:off x="0" y="0"/>
-          <a:ext cx="0" cy="0"/>
-          <a:chOff x="0" y="0"/>
-          <a:chExt cx="0" cy="0"/>
-        </a:xfrm>
-      </p:grpSpPr>
-      <p:sp>
-        <p:nvSpPr>
-          <p:cNvPr id="2" name="Title 1">
-            <a:extLst>
-              <a:ext uri="{FF2B5EF4-FFF2-40B4-BE49-F238E27FC236}">
-                <a16:creationId xmlns:a16="http://schemas.microsoft.com/office/drawing/2014/main" id="{A9E91CE7-73BF-B4B6-6BC0-41487BAEDC91}"/>
-              </a:ext>
-            </a:extLst>
-          </p:cNvPr>
-          <p:cNvSpPr>
-            <a:spLocks noGrp="1"/>
-          </p:cNvSpPr>
-          <p:nvPr>
-            <p:ph type="title"/>
-          </p:nvPr>
-        </p:nvSpPr>
-        <p:spPr>
-          <a:xfrm>
-            <a:off x="764309" y="0"/>
-            <a:ext cx="10515600" cy="1325563"/>
-          </a:xfrm>
-        </p:spPr>
-        <p:txBody>
-          <a:bodyPr/>
-          <a:lstStyle/>
-          <a:p>
-            <a:r>
-              <a:rPr lang="en-US" dirty="0"/>
-              <a:t>Comparing the Mean, Median, and Mode</a:t>
-            </a:r>
-          </a:p>
-        </p:txBody>
-      </p:sp>
-      <p:sp>
-        <p:nvSpPr>
-          <p:cNvPr id="3" name="Content Placeholder 2">
-            <a:extLst>
-              <a:ext uri="{FF2B5EF4-FFF2-40B4-BE49-F238E27FC236}">
-                <a16:creationId xmlns:a16="http://schemas.microsoft.com/office/drawing/2014/main" id="{7BD9D612-C64B-714F-17BB-6F2BBBBA7793}"/>
-              </a:ext>
-            </a:extLst>
-          </p:cNvPr>
-          <p:cNvSpPr>
-            <a:spLocks noGrp="1"/>
-          </p:cNvSpPr>
-          <p:nvPr>
-            <p:ph idx="1"/>
-          </p:nvPr>
-        </p:nvSpPr>
-        <p:spPr>
-          <a:xfrm>
-            <a:off x="838200" y="1560945"/>
-            <a:ext cx="10836564" cy="1403928"/>
-          </a:xfrm>
-        </p:spPr>
-        <p:txBody>
-          <a:bodyPr>
-            <a:normAutofit fontScale="92500" lnSpcReduction="10000"/>
-          </a:bodyPr>
-          <a:lstStyle/>
-          <a:p>
-            <a:r>
-              <a:rPr lang="en-US" dirty="0"/>
-              <a:t>The median is a robust estimate of the mean</a:t>
-            </a:r>
-          </a:p>
-          <a:p>
-            <a:r>
-              <a:rPr lang="en-US" dirty="0"/>
-              <a:t>The median is not usually affected by the presence of outliers</a:t>
-            </a:r>
-          </a:p>
-          <a:p>
-            <a:r>
-              <a:rPr lang="en-US" dirty="0"/>
-              <a:t>The median is usually preferred for highly skewed distributions</a:t>
-            </a:r>
-          </a:p>
-        </p:txBody>
-      </p:sp>
-      <p:sp>
-        <p:nvSpPr>
-          <p:cNvPr id="4" name="Content Placeholder 2">
-            <a:extLst>
-              <a:ext uri="{FF2B5EF4-FFF2-40B4-BE49-F238E27FC236}">
-                <a16:creationId xmlns:a16="http://schemas.microsoft.com/office/drawing/2014/main" id="{7E401B8D-4690-8846-FE0B-0F201B883C6D}"/>
-              </a:ext>
-            </a:extLst>
-          </p:cNvPr>
-          <p:cNvSpPr txBox="1">
-            <a:spLocks/>
-          </p:cNvSpPr>
-          <p:nvPr/>
-        </p:nvSpPr>
-        <p:spPr>
-          <a:xfrm>
-            <a:off x="838200" y="3099809"/>
-            <a:ext cx="10836564" cy="3541135"/>
-          </a:xfrm>
-          <a:prstGeom prst="rect">
-            <a:avLst/>
-          </a:prstGeom>
-        </p:spPr>
-        <p:txBody>
-          <a:bodyPr vert="horz" lIns="91440" tIns="45720" rIns="91440" bIns="45720" rtlCol="0">
-            <a:normAutofit fontScale="92500" lnSpcReduction="20000"/>
-          </a:bodyPr>
-          <a:lstStyle>
-            <a:lvl1pPr marL="228600" indent="-228600" algn="l" defTabSz="914400" rtl="0" eaLnBrk="1" latinLnBrk="0" hangingPunct="1">
-              <a:lnSpc>
-                <a:spcPct val="90000"/>
-              </a:lnSpc>
-              <a:spcBef>
-                <a:spcPts val="1000"/>
-              </a:spcBef>
-              <a:buFont typeface="Arial" panose="020B0604020202020204" pitchFamily="34" charset="0"/>
-              <a:buChar char="•"/>
-              <a:defRPr sz="2800" kern="1200">
-                <a:solidFill>
-                  <a:schemeClr val="tx1"/>
-                </a:solidFill>
-                <a:latin typeface="+mn-lt"/>
-                <a:ea typeface="+mn-ea"/>
-                <a:cs typeface="+mn-cs"/>
-              </a:defRPr>
-            </a:lvl1pPr>
-            <a:lvl2pPr marL="685800" indent="-228600" algn="l" defTabSz="914400" rtl="0" eaLnBrk="1" latinLnBrk="0" hangingPunct="1">
-              <a:lnSpc>
-                <a:spcPct val="90000"/>
-              </a:lnSpc>
-              <a:spcBef>
-                <a:spcPts val="500"/>
-              </a:spcBef>
-              <a:buFont typeface="Arial" panose="020B0604020202020204" pitchFamily="34" charset="0"/>
-              <a:buChar char="•"/>
-              <a:defRPr sz="2400" kern="1200">
-                <a:solidFill>
-                  <a:schemeClr val="tx1"/>
-                </a:solidFill>
-                <a:latin typeface="+mn-lt"/>
-                <a:ea typeface="+mn-ea"/>
-                <a:cs typeface="+mn-cs"/>
-              </a:defRPr>
-            </a:lvl2pPr>
-            <a:lvl3pPr marL="1143000" indent="-228600" algn="l" defTabSz="914400" rtl="0" eaLnBrk="1" latinLnBrk="0" hangingPunct="1">
-              <a:lnSpc>
-                <a:spcPct val="90000"/>
-              </a:lnSpc>
-              <a:spcBef>
-                <a:spcPts val="500"/>
-              </a:spcBef>
-              <a:buFont typeface="Arial" panose="020B0604020202020204" pitchFamily="34" charset="0"/>
-              <a:buChar char="•"/>
-              <a:defRPr sz="2000" kern="1200">
-                <a:solidFill>
-                  <a:schemeClr val="tx1"/>
-                </a:solidFill>
-                <a:latin typeface="+mn-lt"/>
-                <a:ea typeface="+mn-ea"/>
-                <a:cs typeface="+mn-cs"/>
-              </a:defRPr>
-            </a:lvl3pPr>
-            <a:lvl4pPr marL="1600200" indent="-228600" algn="l" defTabSz="914400" rtl="0" eaLnBrk="1" latinLnBrk="0" hangingPunct="1">
-              <a:lnSpc>
-                <a:spcPct val="90000"/>
-              </a:lnSpc>
-              <a:spcBef>
-                <a:spcPts val="500"/>
-              </a:spcBef>
-              <a:buFont typeface="Arial" panose="020B0604020202020204" pitchFamily="34" charset="0"/>
-              <a:buChar char="•"/>
-              <a:defRPr sz="1800" kern="1200">
-                <a:solidFill>
-                  <a:schemeClr val="tx1"/>
-                </a:solidFill>
-                <a:latin typeface="+mn-lt"/>
-                <a:ea typeface="+mn-ea"/>
-                <a:cs typeface="+mn-cs"/>
-              </a:defRPr>
-            </a:lvl4pPr>
-            <a:lvl5pPr marL="2057400" indent="-228600" algn="l" defTabSz="914400" rtl="0" eaLnBrk="1" latinLnBrk="0" hangingPunct="1">
-              <a:lnSpc>
-                <a:spcPct val="90000"/>
-              </a:lnSpc>
-              <a:spcBef>
-                <a:spcPts val="500"/>
-              </a:spcBef>
-              <a:buFont typeface="Arial" panose="020B0604020202020204" pitchFamily="34" charset="0"/>
-              <a:buChar char="•"/>
-              <a:defRPr sz="1800" kern="1200">
-                <a:solidFill>
-                  <a:schemeClr val="tx1"/>
-                </a:solidFill>
-                <a:latin typeface="+mn-lt"/>
-                <a:ea typeface="+mn-ea"/>
-                <a:cs typeface="+mn-cs"/>
-              </a:defRPr>
-            </a:lvl5pPr>
-            <a:lvl6pPr marL="2514600" indent="-228600" algn="l" defTabSz="914400" rtl="0" eaLnBrk="1" latinLnBrk="0" hangingPunct="1">
-              <a:lnSpc>
-                <a:spcPct val="90000"/>
-              </a:lnSpc>
-              <a:spcBef>
-                <a:spcPts val="500"/>
-              </a:spcBef>
-              <a:buFont typeface="Arial" panose="020B0604020202020204" pitchFamily="34" charset="0"/>
-              <a:buChar char="•"/>
-              <a:defRPr sz="1800" kern="1200">
-                <a:solidFill>
-                  <a:schemeClr val="tx1"/>
-                </a:solidFill>
-                <a:latin typeface="+mn-lt"/>
-                <a:ea typeface="+mn-ea"/>
-                <a:cs typeface="+mn-cs"/>
-              </a:defRPr>
-            </a:lvl6pPr>
-            <a:lvl7pPr marL="2971800" indent="-228600" algn="l" defTabSz="914400" rtl="0" eaLnBrk="1" latinLnBrk="0" hangingPunct="1">
-              <a:lnSpc>
-                <a:spcPct val="90000"/>
-              </a:lnSpc>
-              <a:spcBef>
-                <a:spcPts val="500"/>
-              </a:spcBef>
-              <a:buFont typeface="Arial" panose="020B0604020202020204" pitchFamily="34" charset="0"/>
-              <a:buChar char="•"/>
-              <a:defRPr sz="1800" kern="1200">
-                <a:solidFill>
-                  <a:schemeClr val="tx1"/>
-                </a:solidFill>
-                <a:latin typeface="+mn-lt"/>
-                <a:ea typeface="+mn-ea"/>
-                <a:cs typeface="+mn-cs"/>
-              </a:defRPr>
-            </a:lvl7pPr>
-            <a:lvl8pPr marL="3429000" indent="-228600" algn="l" defTabSz="914400" rtl="0" eaLnBrk="1" latinLnBrk="0" hangingPunct="1">
-              <a:lnSpc>
-                <a:spcPct val="90000"/>
-              </a:lnSpc>
-              <a:spcBef>
-                <a:spcPts val="500"/>
-              </a:spcBef>
-              <a:buFont typeface="Arial" panose="020B0604020202020204" pitchFamily="34" charset="0"/>
-              <a:buChar char="•"/>
-              <a:defRPr sz="1800" kern="1200">
-                <a:solidFill>
-                  <a:schemeClr val="tx1"/>
-                </a:solidFill>
-                <a:latin typeface="+mn-lt"/>
-                <a:ea typeface="+mn-ea"/>
-                <a:cs typeface="+mn-cs"/>
-              </a:defRPr>
-            </a:lvl8pPr>
-            <a:lvl9pPr marL="3886200" indent="-228600" algn="l" defTabSz="914400" rtl="0" eaLnBrk="1" latinLnBrk="0" hangingPunct="1">
-              <a:lnSpc>
-                <a:spcPct val="90000"/>
-              </a:lnSpc>
-              <a:spcBef>
-                <a:spcPts val="500"/>
-              </a:spcBef>
-              <a:buFont typeface="Arial" panose="020B0604020202020204" pitchFamily="34" charset="0"/>
-              <a:buChar char="•"/>
-              <a:defRPr sz="1800" kern="1200">
-                <a:solidFill>
-                  <a:schemeClr val="tx1"/>
-                </a:solidFill>
-                <a:latin typeface="+mn-lt"/>
-                <a:ea typeface="+mn-ea"/>
-                <a:cs typeface="+mn-cs"/>
-              </a:defRPr>
-            </a:lvl9pPr>
-          </a:lstStyle>
-          <a:p>
-            <a:r>
-              <a:rPr lang="en-US" dirty="0"/>
-              <a:t>Ex.) take using the following 9 data points: 0.3, 0.4, 0.8, 1.4, 1.8, 2.1, 5.9, 11.6, 16.9 </a:t>
-            </a:r>
-          </a:p>
-          <a:p>
-            <a:pPr marL="0" indent="0">
-              <a:buNone/>
-            </a:pPr>
-            <a:r>
-              <a:rPr lang="en-US" dirty="0"/>
-              <a:t>	The </a:t>
-            </a:r>
-            <a:r>
-              <a:rPr lang="en-US" b="1" dirty="0"/>
-              <a:t>mean</a:t>
-            </a:r>
-            <a:r>
-              <a:rPr lang="en-US" dirty="0"/>
-              <a:t> is about 4.58</a:t>
-            </a:r>
-          </a:p>
-          <a:p>
-            <a:pPr marL="0" indent="0">
-              <a:buNone/>
-            </a:pPr>
-            <a:r>
-              <a:rPr lang="en-US" dirty="0"/>
-              <a:t>	The </a:t>
-            </a:r>
-            <a:r>
-              <a:rPr lang="en-US" b="1" dirty="0"/>
-              <a:t>median</a:t>
-            </a:r>
-            <a:r>
-              <a:rPr lang="en-US" dirty="0"/>
-              <a:t> is 1.8</a:t>
-            </a:r>
-          </a:p>
-          <a:p>
-            <a:pPr marL="0" indent="0">
-              <a:buNone/>
-            </a:pPr>
-            <a:endParaRPr lang="en-US" dirty="0"/>
-          </a:p>
-          <a:p>
-            <a:r>
-              <a:rPr lang="en-US" dirty="0"/>
-              <a:t>Change one of the data points to be an outlier, for example, we change </a:t>
-            </a:r>
-            <a:r>
-              <a:rPr lang="en-US" b="1" dirty="0"/>
-              <a:t>16.9 </a:t>
-            </a:r>
-            <a:r>
-              <a:rPr lang="en-US" dirty="0"/>
-              <a:t>to </a:t>
-            </a:r>
-            <a:r>
-              <a:rPr lang="en-US" b="1" dirty="0"/>
-              <a:t>90</a:t>
-            </a:r>
-            <a:r>
-              <a:rPr lang="en-US" dirty="0"/>
-              <a:t> </a:t>
-            </a:r>
-          </a:p>
-          <a:p>
-            <a:pPr marL="0" indent="0">
-              <a:buNone/>
-            </a:pPr>
-            <a:r>
-              <a:rPr lang="en-US" dirty="0"/>
-              <a:t>	The </a:t>
-            </a:r>
-            <a:r>
-              <a:rPr lang="en-US" b="1" dirty="0"/>
-              <a:t>mean</a:t>
-            </a:r>
-            <a:r>
-              <a:rPr lang="en-US" dirty="0"/>
-              <a:t> becomes 12.7</a:t>
-            </a:r>
-          </a:p>
-          <a:p>
-            <a:pPr marL="0" indent="0">
-              <a:buNone/>
-            </a:pPr>
-            <a:r>
-              <a:rPr lang="en-US" dirty="0"/>
-              <a:t>	While the </a:t>
-            </a:r>
-            <a:r>
-              <a:rPr lang="en-US" b="1" dirty="0"/>
-              <a:t>median</a:t>
-            </a:r>
-            <a:r>
-              <a:rPr lang="en-US" dirty="0"/>
-              <a:t> is still 1.8</a:t>
-            </a:r>
-          </a:p>
-        </p:txBody>
-      </p:sp>
-    </p:spTree>
-    <p:extLst>
-      <p:ext uri="{BB962C8B-B14F-4D97-AF65-F5344CB8AC3E}">
-        <p14:creationId xmlns:p14="http://schemas.microsoft.com/office/powerpoint/2010/main" val="36243612"/>
-      </p:ext>
-    </p:extLst>
-  </p:cSld>
-  <p:clrMapOvr>
-    <a:masterClrMapping/>
-  </p:clrMapOvr>
-</p:sld>
-</file>
-
-<file path=ppt/slides/slide21.xml><?xml version="1.0" encoding="utf-8"?>
-<p:sld xmlns:a="http://schemas.openxmlformats.org/drawingml/2006/main" xmlns:r="http://schemas.openxmlformats.org/officeDocument/2006/relationships" xmlns:p="http://schemas.openxmlformats.org/presentationml/2006/main">
-  <p:cSld>
-    <p:spTree>
-      <p:nvGrpSpPr>
-        <p:cNvPr id="1" name=""/>
-        <p:cNvGrpSpPr/>
-        <p:nvPr/>
-      </p:nvGrpSpPr>
-      <p:grpSpPr>
-        <a:xfrm>
-          <a:off x="0" y="0"/>
-          <a:ext cx="0" cy="0"/>
-          <a:chOff x="0" y="0"/>
-          <a:chExt cx="0" cy="0"/>
-        </a:xfrm>
-      </p:grpSpPr>
-      <p:sp>
-        <p:nvSpPr>
-          <p:cNvPr id="2" name="Title 1">
-            <a:extLst>
-              <a:ext uri="{FF2B5EF4-FFF2-40B4-BE49-F238E27FC236}">
-                <a16:creationId xmlns:a16="http://schemas.microsoft.com/office/drawing/2014/main" id="{96B6764E-1650-762B-5308-1049092EAE9A}"/>
-              </a:ext>
-            </a:extLst>
-          </p:cNvPr>
-          <p:cNvSpPr>
-            <a:spLocks noGrp="1"/>
-          </p:cNvSpPr>
-          <p:nvPr>
-            <p:ph type="title"/>
-          </p:nvPr>
-        </p:nvSpPr>
-        <p:spPr/>
-        <p:txBody>
-          <a:bodyPr/>
-          <a:lstStyle/>
-          <a:p>
-            <a:r>
-              <a:rPr lang="en-US" dirty="0"/>
-              <a:t>Variability of A Distribution: Measures of Spread</a:t>
-            </a:r>
-          </a:p>
-        </p:txBody>
-      </p:sp>
-      <p:pic>
-        <p:nvPicPr>
-          <p:cNvPr id="7" name="Picture 6">
-            <a:extLst>
-              <a:ext uri="{FF2B5EF4-FFF2-40B4-BE49-F238E27FC236}">
-                <a16:creationId xmlns:a16="http://schemas.microsoft.com/office/drawing/2014/main" id="{A2F4481B-DAA2-3B91-063C-978376309A11}"/>
-              </a:ext>
-            </a:extLst>
-          </p:cNvPr>
-          <p:cNvPicPr>
-            <a:picLocks noChangeAspect="1"/>
-          </p:cNvPicPr>
-          <p:nvPr/>
-        </p:nvPicPr>
-        <p:blipFill>
-          <a:blip r:embed="rId2"/>
-          <a:stretch>
-            <a:fillRect/>
-          </a:stretch>
-        </p:blipFill>
-        <p:spPr>
-          <a:xfrm>
-            <a:off x="2498689" y="1771748"/>
-            <a:ext cx="8783276" cy="4810796"/>
-          </a:xfrm>
-          <a:prstGeom prst="rect">
-            <a:avLst/>
-          </a:prstGeom>
-        </p:spPr>
-      </p:pic>
-    </p:spTree>
-    <p:extLst>
-      <p:ext uri="{BB962C8B-B14F-4D97-AF65-F5344CB8AC3E}">
-        <p14:creationId xmlns:p14="http://schemas.microsoft.com/office/powerpoint/2010/main" val="2464089419"/>
-      </p:ext>
-    </p:extLst>
-  </p:cSld>
-  <p:clrMapOvr>
-    <a:masterClrMapping/>
-  </p:clrMapOvr>
-</p:sld>
-</file>
-
-<file path=ppt/slides/slide22.xml><?xml version="1.0" encoding="utf-8"?>
 <p:sld xmlns:a="http://schemas.openxmlformats.org/drawingml/2006/main" xmlns:r="http://schemas.openxmlformats.org/officeDocument/2006/relationships" xmlns:p="http://schemas.openxmlformats.org/presentationml/2006/main">
   <p:cSld>
     <p:spTree>
@@ -8437,7 +7872,7 @@
 </p:sld>
 </file>
 
-<file path=ppt/slides/slide23.xml><?xml version="1.0" encoding="utf-8"?>
+<file path=ppt/slides/slide21.xml><?xml version="1.0" encoding="utf-8"?>
 <p:sld xmlns:a="http://schemas.openxmlformats.org/drawingml/2006/main" xmlns:r="http://schemas.openxmlformats.org/officeDocument/2006/relationships" xmlns:p="http://schemas.openxmlformats.org/presentationml/2006/main">
   <p:cSld>
     <p:spTree>
@@ -8741,7 +8176,7 @@
 </p:sld>
 </file>
 
-<file path=ppt/slides/slide24.xml><?xml version="1.0" encoding="utf-8"?>
+<file path=ppt/slides/slide22.xml><?xml version="1.0" encoding="utf-8"?>
 <p:sld xmlns:a="http://schemas.openxmlformats.org/drawingml/2006/main" xmlns:r="http://schemas.openxmlformats.org/officeDocument/2006/relationships" xmlns:p="http://schemas.openxmlformats.org/presentationml/2006/main">
   <p:cSld>
     <p:spTree>
@@ -9330,7 +8765,7 @@
 </p:sld>
 </file>
 
-<file path=ppt/slides/slide25.xml><?xml version="1.0" encoding="utf-8"?>
+<file path=ppt/slides/slide23.xml><?xml version="1.0" encoding="utf-8"?>
 <p:sld xmlns:a="http://schemas.openxmlformats.org/drawingml/2006/main" xmlns:r="http://schemas.openxmlformats.org/officeDocument/2006/relationships" xmlns:p="http://schemas.openxmlformats.org/presentationml/2006/main">
   <p:cSld>
     <p:spTree>
@@ -10109,7 +9544,7 @@
 </p:sld>
 </file>
 
-<file path=ppt/slides/slide26.xml><?xml version="1.0" encoding="utf-8"?>
+<file path=ppt/slides/slide24.xml><?xml version="1.0" encoding="utf-8"?>
 <p:sld xmlns:a="http://schemas.openxmlformats.org/drawingml/2006/main" xmlns:r="http://schemas.openxmlformats.org/officeDocument/2006/relationships" xmlns:p="http://schemas.openxmlformats.org/presentationml/2006/main">
   <p:cSld>
     <p:spTree>
@@ -10583,7 +10018,7 @@
 </p:sld>
 </file>
 
-<file path=ppt/slides/slide27.xml><?xml version="1.0" encoding="utf-8"?>
+<file path=ppt/slides/slide25.xml><?xml version="1.0" encoding="utf-8"?>
 <p:sld xmlns:a="http://schemas.openxmlformats.org/drawingml/2006/main" xmlns:r="http://schemas.openxmlformats.org/officeDocument/2006/relationships" xmlns:p="http://schemas.openxmlformats.org/presentationml/2006/main">
   <p:cSld>
     <p:spTree>
@@ -10947,7 +10382,7 @@
 </p:sld>
 </file>
 
-<file path=ppt/slides/slide28.xml><?xml version="1.0" encoding="utf-8"?>
+<file path=ppt/slides/slide26.xml><?xml version="1.0" encoding="utf-8"?>
 <p:sld xmlns:a="http://schemas.openxmlformats.org/drawingml/2006/main" xmlns:r="http://schemas.openxmlformats.org/officeDocument/2006/relationships" xmlns:p="http://schemas.openxmlformats.org/presentationml/2006/main">
   <p:cSld>
     <p:bg>
@@ -11992,55 +11427,13 @@
                       <a:rPr lang="en-US" i="1" smtClean="0">
                         <a:latin typeface="Cambria Math" panose="02040503050406030204" pitchFamily="18" charset="0"/>
                       </a:rPr>
-                      <m:t>={−1.49, −0.6</m:t>
+                      <m:t>={−1.49, −0.65, −</m:t>
                     </m:r>
                     <m:r>
                       <a:rPr lang="en-US" i="1">
                         <a:latin typeface="Cambria Math" panose="02040503050406030204" pitchFamily="18" charset="0"/>
                       </a:rPr>
-                      <m:t>5, −0.6, −</m:t>
-                    </m:r>
-                    <m:r>
-                      <a:rPr lang="en-US" i="1">
-                        <a:latin typeface="Cambria Math" panose="02040503050406030204" pitchFamily="18" charset="0"/>
-                      </a:rPr>
-                      <m:t>0.54, −</m:t>
-                    </m:r>
-                    <m:r>
-                      <a:rPr lang="en-US" i="1">
-                        <a:latin typeface="Cambria Math" panose="02040503050406030204" pitchFamily="18" charset="0"/>
-                      </a:rPr>
-                      <m:t>0.45, 0</m:t>
-                    </m:r>
-                    <m:r>
-                      <a:rPr lang="en-US" i="1">
-                        <a:latin typeface="Cambria Math" panose="02040503050406030204" pitchFamily="18" charset="0"/>
-                      </a:rPr>
-                      <m:t>.01, 0</m:t>
-                    </m:r>
-                    <m:r>
-                      <a:rPr lang="en-US" i="1">
-                        <a:latin typeface="Cambria Math" panose="02040503050406030204" pitchFamily="18" charset="0"/>
-                      </a:rPr>
-                      <m:t>.17, 0</m:t>
-                    </m:r>
-                    <m:r>
-                      <a:rPr lang="en-US" i="1">
-                        <a:latin typeface="Cambria Math" panose="02040503050406030204" pitchFamily="18" charset="0"/>
-                      </a:rPr>
-                      <m:t>.27, 0</m:t>
-                    </m:r>
-                    <m:r>
-                      <a:rPr lang="en-US" i="1">
-                        <a:latin typeface="Cambria Math" panose="02040503050406030204" pitchFamily="18" charset="0"/>
-                      </a:rPr>
-                      <m:t>.51, 1</m:t>
-                    </m:r>
-                    <m:r>
-                      <a:rPr lang="en-US" i="1">
-                        <a:latin typeface="Cambria Math" panose="02040503050406030204" pitchFamily="18" charset="0"/>
-                      </a:rPr>
-                      <m:t>.34</m:t>
+                      <m:t>0.6, −0.54, −0.45, 0.01, 0.17, 0.27, 0.51, 1.34</m:t>
                     </m:r>
                     <m:r>
                       <a:rPr lang="en-US" b="0" i="0" smtClean="0">
@@ -12877,8 +12270,8 @@
           </a:p>
         </p:txBody>
       </p:sp>
-      <mc:AlternateContent xmlns:mc="http://schemas.openxmlformats.org/markup-compatibility/2006">
-        <mc:Choice xmlns:a14="http://schemas.microsoft.com/office/drawing/2010/main" Requires="a14">
+      <mc:AlternateContent xmlns:mc="http://schemas.openxmlformats.org/markup-compatibility/2006" xmlns:a14="http://schemas.microsoft.com/office/drawing/2010/main">
+        <mc:Choice Requires="a14">
           <p:sp>
             <p:nvSpPr>
               <p:cNvPr id="3" name="Content Placeholder 2">
@@ -13213,7 +12606,7 @@
             </p:txBody>
           </p:sp>
         </mc:Choice>
-        <mc:Fallback>
+        <mc:Fallback xmlns="">
           <p:sp>
             <p:nvSpPr>
               <p:cNvPr id="3" name="Content Placeholder 2">
@@ -13315,8 +12708,8 @@
           </a:p>
         </p:txBody>
       </p:sp>
-      <mc:AlternateContent xmlns:mc="http://schemas.openxmlformats.org/markup-compatibility/2006">
-        <mc:Choice xmlns:a14="http://schemas.microsoft.com/office/drawing/2010/main" Requires="a14">
+      <mc:AlternateContent xmlns:mc="http://schemas.openxmlformats.org/markup-compatibility/2006" xmlns:a14="http://schemas.microsoft.com/office/drawing/2010/main">
+        <mc:Choice Requires="a14">
           <p:sp>
             <p:nvSpPr>
               <p:cNvPr id="3" name="Content Placeholder 2">
@@ -13355,13 +12748,13 @@
                       <a:rPr lang="en-US" b="0" i="1" smtClean="0">
                         <a:latin typeface="Cambria Math" panose="02040503050406030204" pitchFamily="18" charset="0"/>
                       </a:rPr>
-                      <m:t>={1, 3</m:t>
+                      <m:t>={1, 3, 5,</m:t>
                     </m:r>
                     <m:r>
                       <a:rPr lang="en-US" i="1">
                         <a:latin typeface="Cambria Math" panose="02040503050406030204" pitchFamily="18" charset="0"/>
                       </a:rPr>
-                      <m:t>, 5, 5, 6, 7, 7, 8}</m:t>
+                      <m:t> 5, 6, 7, 7, 8}</m:t>
                     </m:r>
                   </m:oMath>
                 </a14:m>
@@ -13370,7 +12763,7 @@
             </p:txBody>
           </p:sp>
         </mc:Choice>
-        <mc:Fallback>
+        <mc:Fallback xmlns="">
           <p:sp>
             <p:nvSpPr>
               <p:cNvPr id="3" name="Content Placeholder 2">

--- a/docs/lecture_slides/Week 3/Week3_Lecture4_Slides_1_22_2024.pptx
+++ b/docs/lecture_slides/Week 3/Week3_Lecture4_Slides_1_22_2024.pptx
@@ -3708,13 +3708,13 @@
                       <a:rPr lang="en-US" b="0" i="1" smtClean="0">
                         <a:latin typeface="Cambria Math" panose="02040503050406030204" pitchFamily="18" charset="0"/>
                       </a:rPr>
-                      <m:t>={1, 3, 5, 5, 6, 7</m:t>
+                      <m:t>={1, 3, 5, 5, 6, 7, 7,</m:t>
                     </m:r>
                     <m:r>
                       <a:rPr lang="en-US" i="1">
                         <a:latin typeface="Cambria Math" panose="02040503050406030204" pitchFamily="18" charset="0"/>
                       </a:rPr>
-                      <m:t>, 7, 8}</m:t>
+                      <m:t> 8}</m:t>
                     </m:r>
                   </m:oMath>
                 </a14:m>
@@ -4900,13 +4900,7 @@
                       <a:rPr lang="en-US" b="0" i="1" smtClean="0">
                         <a:latin typeface="Cambria Math" panose="02040503050406030204" pitchFamily="18" charset="0"/>
                       </a:rPr>
-                      <m:t>={1, 3, 5, 5, 6, 7, 7, 8, </m:t>
-                    </m:r>
-                    <m:r>
-                      <a:rPr lang="en-US" i="1">
-                        <a:latin typeface="Cambria Math" panose="02040503050406030204" pitchFamily="18" charset="0"/>
-                      </a:rPr>
-                      <m:t>32}</m:t>
+                      <m:t>={1, 3, 5, 5, 6, 7, 7, 8, 32}</m:t>
                     </m:r>
                   </m:oMath>
                 </a14:m>
@@ -5531,13 +5525,13 @@
                         <a:rPr lang="en-US" sz="2400" b="0" i="1" smtClean="0">
                           <a:latin typeface="Cambria Math" panose="02040503050406030204" pitchFamily="18" charset="0"/>
                         </a:rPr>
-                        <m:t>={1, 3, 5, 5, 6, 7</m:t>
+                        <m:t>={1, 3, 5, 5, 6, 7, 7,</m:t>
                       </m:r>
                       <m:r>
                         <a:rPr lang="en-US" sz="2400" i="1">
                           <a:latin typeface="Cambria Math" panose="02040503050406030204" pitchFamily="18" charset="0"/>
                         </a:rPr>
-                        <m:t>, 7, 8}</m:t>
+                        <m:t> 8}</m:t>
                       </m:r>
                     </m:oMath>
                   </m:oMathPara>
@@ -5616,7 +5610,7 @@
           <p:nvPr>
             <p:extLst>
               <p:ext uri="{D42A27DB-BD31-4B8C-83A1-F6EECF244321}">
-                <p14:modId xmlns:p14="http://schemas.microsoft.com/office/powerpoint/2010/main" val="3946533545"/>
+                <p14:modId xmlns:p14="http://schemas.microsoft.com/office/powerpoint/2010/main" val="3061566213"/>
               </p:ext>
             </p:extLst>
           </p:nvPr>
@@ -5873,7 +5867,7 @@
                       <a:pPr algn="ctr"/>
                       <a:r>
                         <a:rPr lang="en-US" sz="2400" dirty="0"/>
-                        <a:t>6</a:t>
+                        <a:t>1</a:t>
                       </a:r>
                     </a:p>
                   </a:txBody>
@@ -11427,13 +11421,13 @@
                       <a:rPr lang="en-US" i="1" smtClean="0">
                         <a:latin typeface="Cambria Math" panose="02040503050406030204" pitchFamily="18" charset="0"/>
                       </a:rPr>
-                      <m:t>={−1.49, −0.65, −</m:t>
+                      <m:t>={−1.49, −0.65, −0.6,</m:t>
                     </m:r>
                     <m:r>
                       <a:rPr lang="en-US" i="1">
                         <a:latin typeface="Cambria Math" panose="02040503050406030204" pitchFamily="18" charset="0"/>
                       </a:rPr>
-                      <m:t>0.6, −0.54, −0.45, 0.01, 0.17, 0.27, 0.51, 1.34</m:t>
+                      <m:t> −0.54, −0.45, 0.01, 0.17, 0.27, 0.51, 1.34</m:t>
                     </m:r>
                     <m:r>
                       <a:rPr lang="en-US" b="0" i="0" smtClean="0">
@@ -12748,13 +12742,13 @@
                       <a:rPr lang="en-US" b="0" i="1" smtClean="0">
                         <a:latin typeface="Cambria Math" panose="02040503050406030204" pitchFamily="18" charset="0"/>
                       </a:rPr>
-                      <m:t>={1, 3, 5,</m:t>
+                      <m:t>={1, 3, 5, 5, </m:t>
                     </m:r>
                     <m:r>
                       <a:rPr lang="en-US" i="1">
                         <a:latin typeface="Cambria Math" panose="02040503050406030204" pitchFamily="18" charset="0"/>
                       </a:rPr>
-                      <m:t> 5, 6, 7, 7, 8}</m:t>
+                      <m:t>6, 7, 7, 8}</m:t>
                     </m:r>
                   </m:oMath>
                 </a14:m>

--- a/docs/lecture_slides/Week 3/Week3_Lecture4_Slides_1_22_2024.pptx
+++ b/docs/lecture_slides/Week 3/Week3_Lecture4_Slides_1_22_2024.pptx
@@ -23,14 +23,6 @@
     <p:sldId id="339" r:id="rId17"/>
     <p:sldId id="309" r:id="rId18"/>
     <p:sldId id="308" r:id="rId19"/>
-    <p:sldId id="303" r:id="rId20"/>
-    <p:sldId id="259" r:id="rId21"/>
-    <p:sldId id="313" r:id="rId22"/>
-    <p:sldId id="314" r:id="rId23"/>
-    <p:sldId id="315" r:id="rId24"/>
-    <p:sldId id="316" r:id="rId25"/>
-    <p:sldId id="317" r:id="rId26"/>
-    <p:sldId id="283" r:id="rId27"/>
   </p:sldIdLst>
   <p:sldSz cx="12192000" cy="6858000"/>
   <p:notesSz cx="6858000" cy="9144000"/>
@@ -3708,13 +3700,7 @@
                       <a:rPr lang="en-US" b="0" i="1" smtClean="0">
                         <a:latin typeface="Cambria Math" panose="02040503050406030204" pitchFamily="18" charset="0"/>
                       </a:rPr>
-                      <m:t>={1, 3, 5, 5, 6, 7, 7,</m:t>
-                    </m:r>
-                    <m:r>
-                      <a:rPr lang="en-US" i="1">
-                        <a:latin typeface="Cambria Math" panose="02040503050406030204" pitchFamily="18" charset="0"/>
-                      </a:rPr>
-                      <m:t> 8}</m:t>
+                      <m:t>={1, 3, 5, 5, 6, 7, 7, 8}</m:t>
                     </m:r>
                   </m:oMath>
                 </a14:m>
@@ -5525,13 +5511,7 @@
                         <a:rPr lang="en-US" sz="2400" b="0" i="1" smtClean="0">
                           <a:latin typeface="Cambria Math" panose="02040503050406030204" pitchFamily="18" charset="0"/>
                         </a:rPr>
-                        <m:t>={1, 3, 5, 5, 6, 7, 7,</m:t>
-                      </m:r>
-                      <m:r>
-                        <a:rPr lang="en-US" sz="2400" i="1">
-                          <a:latin typeface="Cambria Math" panose="02040503050406030204" pitchFamily="18" charset="0"/>
-                        </a:rPr>
-                        <m:t> 8}</m:t>
+                        <m:t>={1, 3, 5, 5, 6, 7, 7, 8}</m:t>
                       </m:r>
                     </m:oMath>
                   </m:oMathPara>
@@ -7399,94 +7379,6 @@
 </p:sld>
 </file>
 
-<file path=ppt/slides/slide19.xml><?xml version="1.0" encoding="utf-8"?>
-<p:sld xmlns:a="http://schemas.openxmlformats.org/drawingml/2006/main" xmlns:r="http://schemas.openxmlformats.org/officeDocument/2006/relationships" xmlns:p="http://schemas.openxmlformats.org/presentationml/2006/main">
-  <p:cSld>
-    <p:spTree>
-      <p:nvGrpSpPr>
-        <p:cNvPr id="1" name=""/>
-        <p:cNvGrpSpPr/>
-        <p:nvPr/>
-      </p:nvGrpSpPr>
-      <p:grpSpPr>
-        <a:xfrm>
-          <a:off x="0" y="0"/>
-          <a:ext cx="0" cy="0"/>
-          <a:chOff x="0" y="0"/>
-          <a:chExt cx="0" cy="0"/>
-        </a:xfrm>
-      </p:grpSpPr>
-      <p:sp>
-        <p:nvSpPr>
-          <p:cNvPr id="2" name="Title 1">
-            <a:extLst>
-              <a:ext uri="{FF2B5EF4-FFF2-40B4-BE49-F238E27FC236}">
-                <a16:creationId xmlns:a16="http://schemas.microsoft.com/office/drawing/2014/main" id="{96B6764E-1650-762B-5308-1049092EAE9A}"/>
-              </a:ext>
-            </a:extLst>
-          </p:cNvPr>
-          <p:cNvSpPr>
-            <a:spLocks noGrp="1"/>
-          </p:cNvSpPr>
-          <p:nvPr>
-            <p:ph type="title"/>
-          </p:nvPr>
-        </p:nvSpPr>
-        <p:spPr/>
-        <p:txBody>
-          <a:bodyPr/>
-          <a:lstStyle/>
-          <a:p>
-            <a:r>
-              <a:rPr lang="en-US" dirty="0"/>
-              <a:t>Variability of A Distribution: Measures of Spread</a:t>
-            </a:r>
-          </a:p>
-        </p:txBody>
-      </p:sp>
-      <p:pic>
-        <p:nvPicPr>
-          <p:cNvPr id="7" name="Picture 6">
-            <a:extLst>
-              <a:ext uri="{FF2B5EF4-FFF2-40B4-BE49-F238E27FC236}">
-                <a16:creationId xmlns:a16="http://schemas.microsoft.com/office/drawing/2014/main" id="{A2F4481B-DAA2-3B91-063C-978376309A11}"/>
-              </a:ext>
-            </a:extLst>
-          </p:cNvPr>
-          <p:cNvPicPr>
-            <a:picLocks noChangeAspect="1"/>
-          </p:cNvPicPr>
-          <p:nvPr/>
-        </p:nvPicPr>
-        <p:blipFill>
-          <a:blip r:embed="rId2"/>
-          <a:stretch>
-            <a:fillRect/>
-          </a:stretch>
-        </p:blipFill>
-        <p:spPr>
-          <a:xfrm>
-            <a:off x="2498689" y="1771748"/>
-            <a:ext cx="8783276" cy="4810796"/>
-          </a:xfrm>
-          <a:prstGeom prst="rect">
-            <a:avLst/>
-          </a:prstGeom>
-        </p:spPr>
-      </p:pic>
-    </p:spTree>
-    <p:extLst>
-      <p:ext uri="{BB962C8B-B14F-4D97-AF65-F5344CB8AC3E}">
-        <p14:creationId xmlns:p14="http://schemas.microsoft.com/office/powerpoint/2010/main" val="2464089419"/>
-      </p:ext>
-    </p:extLst>
-  </p:cSld>
-  <p:clrMapOvr>
-    <a:masterClrMapping/>
-  </p:clrMapOvr>
-</p:sld>
-</file>
-
 <file path=ppt/slides/slide2.xml><?xml version="1.0" encoding="utf-8"?>
 <p:sld xmlns:a="http://schemas.openxmlformats.org/drawingml/2006/main" xmlns:r="http://schemas.openxmlformats.org/officeDocument/2006/relationships" xmlns:p="http://schemas.openxmlformats.org/presentationml/2006/main">
   <p:cSld>
@@ -7641,3697 +7533,6 @@
     <p:extLst>
       <p:ext uri="{BB962C8B-B14F-4D97-AF65-F5344CB8AC3E}">
         <p14:creationId xmlns:p14="http://schemas.microsoft.com/office/powerpoint/2010/main" val="132781913"/>
-      </p:ext>
-    </p:extLst>
-  </p:cSld>
-  <p:clrMapOvr>
-    <a:masterClrMapping/>
-  </p:clrMapOvr>
-</p:sld>
-</file>
-
-<file path=ppt/slides/slide20.xml><?xml version="1.0" encoding="utf-8"?>
-<p:sld xmlns:a="http://schemas.openxmlformats.org/drawingml/2006/main" xmlns:r="http://schemas.openxmlformats.org/officeDocument/2006/relationships" xmlns:p="http://schemas.openxmlformats.org/presentationml/2006/main">
-  <p:cSld>
-    <p:spTree>
-      <p:nvGrpSpPr>
-        <p:cNvPr id="1" name=""/>
-        <p:cNvGrpSpPr/>
-        <p:nvPr/>
-      </p:nvGrpSpPr>
-      <p:grpSpPr>
-        <a:xfrm>
-          <a:off x="0" y="0"/>
-          <a:ext cx="0" cy="0"/>
-          <a:chOff x="0" y="0"/>
-          <a:chExt cx="0" cy="0"/>
-        </a:xfrm>
-      </p:grpSpPr>
-      <p:pic>
-        <p:nvPicPr>
-          <p:cNvPr id="7" name="Picture 6">
-            <a:extLst>
-              <a:ext uri="{FF2B5EF4-FFF2-40B4-BE49-F238E27FC236}">
-                <a16:creationId xmlns:a16="http://schemas.microsoft.com/office/drawing/2014/main" id="{32D83D08-E688-A516-345A-2BA8AFF8552E}"/>
-              </a:ext>
-            </a:extLst>
-          </p:cNvPr>
-          <p:cNvPicPr>
-            <a:picLocks noChangeAspect="1"/>
-          </p:cNvPicPr>
-          <p:nvPr/>
-        </p:nvPicPr>
-        <p:blipFill>
-          <a:blip r:embed="rId2"/>
-          <a:stretch>
-            <a:fillRect/>
-          </a:stretch>
-        </p:blipFill>
-        <p:spPr>
-          <a:xfrm>
-            <a:off x="6373323" y="3687010"/>
-            <a:ext cx="5685913" cy="3170990"/>
-          </a:xfrm>
-          <a:prstGeom prst="rect">
-            <a:avLst/>
-          </a:prstGeom>
-        </p:spPr>
-      </p:pic>
-      <p:sp>
-        <p:nvSpPr>
-          <p:cNvPr id="3" name="Content Placeholder 2">
-            <a:extLst>
-              <a:ext uri="{FF2B5EF4-FFF2-40B4-BE49-F238E27FC236}">
-                <a16:creationId xmlns:a16="http://schemas.microsoft.com/office/drawing/2014/main" id="{08F83EFD-680B-07F4-94B1-411EFE5D3C50}"/>
-              </a:ext>
-            </a:extLst>
-          </p:cNvPr>
-          <p:cNvSpPr>
-            <a:spLocks noGrp="1"/>
-          </p:cNvSpPr>
-          <p:nvPr>
-            <p:ph idx="1"/>
-          </p:nvPr>
-        </p:nvSpPr>
-        <p:spPr>
-          <a:xfrm>
-            <a:off x="351834" y="1825625"/>
-            <a:ext cx="5257800" cy="4667250"/>
-          </a:xfrm>
-        </p:spPr>
-        <p:txBody>
-          <a:bodyPr>
-            <a:normAutofit fontScale="77500" lnSpcReduction="20000"/>
-          </a:bodyPr>
-          <a:lstStyle/>
-          <a:p>
-            <a:r>
-              <a:rPr lang="en-US" dirty="0"/>
-              <a:t>The </a:t>
-            </a:r>
-            <a:r>
-              <a:rPr lang="en-US" b="1" dirty="0"/>
-              <a:t>range</a:t>
-            </a:r>
-            <a:r>
-              <a:rPr lang="en-US" dirty="0"/>
-              <a:t> is a measure of the distance between the smallest and largest values in the data</a:t>
-            </a:r>
-          </a:p>
-          <a:p>
-            <a:endParaRPr lang="en-US" dirty="0"/>
-          </a:p>
-          <a:p>
-            <a:pPr marL="457200" lvl="1" indent="0">
-              <a:buNone/>
-            </a:pPr>
-            <a:r>
-              <a:rPr lang="en-US" dirty="0"/>
-              <a:t>The range can be computed with only two data points the minimum value and maximum value</a:t>
-            </a:r>
-          </a:p>
-          <a:p>
-            <a:endParaRPr lang="en-US" dirty="0"/>
-          </a:p>
-          <a:p>
-            <a:r>
-              <a:rPr lang="en-US" dirty="0"/>
-              <a:t>If the range of a set of data is large, then the data vary more</a:t>
-            </a:r>
-          </a:p>
-          <a:p>
-            <a:endParaRPr lang="en-US" dirty="0"/>
-          </a:p>
-          <a:p>
-            <a:r>
-              <a:rPr lang="en-US" dirty="0"/>
-              <a:t>The range is </a:t>
-            </a:r>
-            <a:r>
-              <a:rPr lang="en-US" u="sng" dirty="0"/>
-              <a:t>severely</a:t>
-            </a:r>
-            <a:r>
-              <a:rPr lang="en-US" dirty="0"/>
-              <a:t> affected by the presence of outliers</a:t>
-            </a:r>
-          </a:p>
-          <a:p>
-            <a:endParaRPr lang="en-US" dirty="0"/>
-          </a:p>
-          <a:p>
-            <a:r>
-              <a:rPr lang="en-US" dirty="0"/>
-              <a:t>We typically </a:t>
-            </a:r>
-            <a:r>
-              <a:rPr lang="en-US" u="sng" dirty="0"/>
-              <a:t>do not</a:t>
-            </a:r>
-            <a:r>
-              <a:rPr lang="en-US" dirty="0"/>
-              <a:t> use the range to measure variability</a:t>
-            </a:r>
-          </a:p>
-        </p:txBody>
-      </p:sp>
-      <p:pic>
-        <p:nvPicPr>
-          <p:cNvPr id="5" name="Picture 4">
-            <a:extLst>
-              <a:ext uri="{FF2B5EF4-FFF2-40B4-BE49-F238E27FC236}">
-                <a16:creationId xmlns:a16="http://schemas.microsoft.com/office/drawing/2014/main" id="{36C44C54-000D-E381-2205-131B79AD8FA5}"/>
-              </a:ext>
-            </a:extLst>
-          </p:cNvPr>
-          <p:cNvPicPr>
-            <a:picLocks noChangeAspect="1"/>
-          </p:cNvPicPr>
-          <p:nvPr/>
-        </p:nvPicPr>
-        <p:blipFill>
-          <a:blip r:embed="rId3"/>
-          <a:stretch>
-            <a:fillRect/>
-          </a:stretch>
-        </p:blipFill>
-        <p:spPr>
-          <a:xfrm>
-            <a:off x="6373324" y="942974"/>
-            <a:ext cx="5466842" cy="3138827"/>
-          </a:xfrm>
-          <a:prstGeom prst="rect">
-            <a:avLst/>
-          </a:prstGeom>
-        </p:spPr>
-      </p:pic>
-      <p:sp>
-        <p:nvSpPr>
-          <p:cNvPr id="2" name="Title 1">
-            <a:extLst>
-              <a:ext uri="{FF2B5EF4-FFF2-40B4-BE49-F238E27FC236}">
-                <a16:creationId xmlns:a16="http://schemas.microsoft.com/office/drawing/2014/main" id="{2D084E88-7278-810D-D713-71E32243F66B}"/>
-              </a:ext>
-            </a:extLst>
-          </p:cNvPr>
-          <p:cNvSpPr>
-            <a:spLocks noGrp="1"/>
-          </p:cNvSpPr>
-          <p:nvPr>
-            <p:ph type="title"/>
-          </p:nvPr>
-        </p:nvSpPr>
-        <p:spPr/>
-        <p:txBody>
-          <a:bodyPr/>
-          <a:lstStyle/>
-          <a:p>
-            <a:r>
-              <a:rPr lang="en-US" dirty="0"/>
-              <a:t>Measures of Spread: Range</a:t>
-            </a:r>
-          </a:p>
-        </p:txBody>
-      </p:sp>
-    </p:spTree>
-    <p:extLst>
-      <p:ext uri="{BB962C8B-B14F-4D97-AF65-F5344CB8AC3E}">
-        <p14:creationId xmlns:p14="http://schemas.microsoft.com/office/powerpoint/2010/main" val="3729869338"/>
-      </p:ext>
-    </p:extLst>
-  </p:cSld>
-  <p:clrMapOvr>
-    <a:masterClrMapping/>
-  </p:clrMapOvr>
-</p:sld>
-</file>
-
-<file path=ppt/slides/slide21.xml><?xml version="1.0" encoding="utf-8"?>
-<p:sld xmlns:a="http://schemas.openxmlformats.org/drawingml/2006/main" xmlns:r="http://schemas.openxmlformats.org/officeDocument/2006/relationships" xmlns:p="http://schemas.openxmlformats.org/presentationml/2006/main">
-  <p:cSld>
-    <p:spTree>
-      <p:nvGrpSpPr>
-        <p:cNvPr id="1" name=""/>
-        <p:cNvGrpSpPr/>
-        <p:nvPr/>
-      </p:nvGrpSpPr>
-      <p:grpSpPr>
-        <a:xfrm>
-          <a:off x="0" y="0"/>
-          <a:ext cx="0" cy="0"/>
-          <a:chOff x="0" y="0"/>
-          <a:chExt cx="0" cy="0"/>
-        </a:xfrm>
-      </p:grpSpPr>
-      <p:sp>
-        <p:nvSpPr>
-          <p:cNvPr id="2" name="Title 1">
-            <a:extLst>
-              <a:ext uri="{FF2B5EF4-FFF2-40B4-BE49-F238E27FC236}">
-                <a16:creationId xmlns:a16="http://schemas.microsoft.com/office/drawing/2014/main" id="{1E74CF04-6A9A-C024-DDD4-4EA11F99DAD9}"/>
-              </a:ext>
-            </a:extLst>
-          </p:cNvPr>
-          <p:cNvSpPr>
-            <a:spLocks noGrp="1"/>
-          </p:cNvSpPr>
-          <p:nvPr>
-            <p:ph type="title"/>
-          </p:nvPr>
-        </p:nvSpPr>
-        <p:spPr/>
-        <p:txBody>
-          <a:bodyPr/>
-          <a:lstStyle/>
-          <a:p>
-            <a:r>
-              <a:rPr lang="en-US" dirty="0"/>
-              <a:t>Measures of Spread: Deviation </a:t>
-            </a:r>
-          </a:p>
-        </p:txBody>
-      </p:sp>
-      <mc:AlternateContent xmlns:mc="http://schemas.openxmlformats.org/markup-compatibility/2006" xmlns:a14="http://schemas.microsoft.com/office/drawing/2010/main">
-        <mc:Choice Requires="a14">
-          <p:sp>
-            <p:nvSpPr>
-              <p:cNvPr id="3" name="Content Placeholder 2">
-                <a:extLst>
-                  <a:ext uri="{FF2B5EF4-FFF2-40B4-BE49-F238E27FC236}">
-                    <a16:creationId xmlns:a16="http://schemas.microsoft.com/office/drawing/2014/main" id="{30F7291A-45D9-8440-5889-A0D10595CB60}"/>
-                  </a:ext>
-                </a:extLst>
-              </p:cNvPr>
-              <p:cNvSpPr>
-                <a:spLocks noGrp="1"/>
-              </p:cNvSpPr>
-              <p:nvPr>
-                <p:ph idx="1"/>
-              </p:nvPr>
-            </p:nvSpPr>
-            <p:spPr>
-              <a:xfrm>
-                <a:off x="838200" y="1825625"/>
-                <a:ext cx="10267950" cy="4351338"/>
-              </a:xfrm>
-            </p:spPr>
-            <p:txBody>
-              <a:bodyPr>
-                <a:normAutofit/>
-              </a:bodyPr>
-              <a:lstStyle/>
-              <a:p>
-                <a:r>
-                  <a:rPr lang="en-US" dirty="0"/>
-                  <a:t>A better measure of variability that uses </a:t>
-                </a:r>
-                <a:r>
-                  <a:rPr lang="en-US" i="1" dirty="0"/>
-                  <a:t>all</a:t>
-                </a:r>
-                <a:r>
-                  <a:rPr lang="en-US" dirty="0"/>
-                  <a:t> the data is based on </a:t>
-                </a:r>
-                <a:r>
-                  <a:rPr lang="en-US" b="1" dirty="0"/>
-                  <a:t>deviations</a:t>
-                </a:r>
-                <a:endParaRPr lang="en-US" dirty="0"/>
-              </a:p>
-              <a:p>
-                <a:endParaRPr lang="en-US" dirty="0"/>
-              </a:p>
-              <a:p>
-                <a:r>
-                  <a:rPr lang="en-US" b="1" dirty="0"/>
-                  <a:t>deviations</a:t>
-                </a:r>
-                <a:r>
-                  <a:rPr lang="en-US" dirty="0"/>
-                  <a:t> are the </a:t>
-                </a:r>
-                <a:r>
-                  <a:rPr lang="en-US" u="sng" dirty="0"/>
-                  <a:t>distances</a:t>
-                </a:r>
-                <a:r>
-                  <a:rPr lang="en-US" dirty="0"/>
-                  <a:t> of each value from the mean of the data:</a:t>
-                </a:r>
-              </a:p>
-              <a:p>
-                <a:pPr marL="914400" lvl="2" indent="0">
-                  <a:buNone/>
-                </a:pPr>
-                <a:r>
-                  <a:rPr lang="en-US" sz="2400" b="0" dirty="0"/>
-                  <a:t>Deviation of an observation</a:t>
-                </a:r>
-                <a14:m>
-                  <m:oMath xmlns:m="http://schemas.openxmlformats.org/officeDocument/2006/math">
-                    <m:r>
-                      <a:rPr lang="en-US" sz="2400" b="0" i="1" smtClean="0">
-                        <a:latin typeface="Cambria Math" panose="02040503050406030204" pitchFamily="18" charset="0"/>
-                      </a:rPr>
-                      <m:t> </m:t>
-                    </m:r>
-                    <m:sSub>
-                      <m:sSubPr>
-                        <m:ctrlPr>
-                          <a:rPr lang="en-US" sz="2400" b="0" i="1" smtClean="0">
-                            <a:latin typeface="Cambria Math" panose="02040503050406030204" pitchFamily="18" charset="0"/>
-                          </a:rPr>
-                        </m:ctrlPr>
-                      </m:sSubPr>
-                      <m:e>
-                        <m:r>
-                          <a:rPr lang="en-US" sz="2400" b="0" i="1" smtClean="0">
-                            <a:latin typeface="Cambria Math" panose="02040503050406030204" pitchFamily="18" charset="0"/>
-                          </a:rPr>
-                          <m:t>𝑥</m:t>
-                        </m:r>
-                      </m:e>
-                      <m:sub>
-                        <m:r>
-                          <a:rPr lang="en-US" sz="2400" b="0" i="1" smtClean="0">
-                            <a:latin typeface="Cambria Math" panose="02040503050406030204" pitchFamily="18" charset="0"/>
-                          </a:rPr>
-                          <m:t>𝑖</m:t>
-                        </m:r>
-                      </m:sub>
-                    </m:sSub>
-                    <m:r>
-                      <a:rPr lang="en-US" sz="2400" b="0" i="1" smtClean="0">
-                        <a:latin typeface="Cambria Math" panose="02040503050406030204" pitchFamily="18" charset="0"/>
-                      </a:rPr>
-                      <m:t>=(</m:t>
-                    </m:r>
-                    <m:sSub>
-                      <m:sSubPr>
-                        <m:ctrlPr>
-                          <a:rPr lang="en-US" sz="2400" b="0" i="1" smtClean="0">
-                            <a:latin typeface="Cambria Math" panose="02040503050406030204" pitchFamily="18" charset="0"/>
-                          </a:rPr>
-                        </m:ctrlPr>
-                      </m:sSubPr>
-                      <m:e>
-                        <m:r>
-                          <a:rPr lang="en-US" sz="2400" b="0" i="1" smtClean="0">
-                            <a:latin typeface="Cambria Math" panose="02040503050406030204" pitchFamily="18" charset="0"/>
-                          </a:rPr>
-                          <m:t>𝑥</m:t>
-                        </m:r>
-                      </m:e>
-                      <m:sub>
-                        <m:r>
-                          <a:rPr lang="en-US" sz="2400" b="0" i="1" smtClean="0">
-                            <a:latin typeface="Cambria Math" panose="02040503050406030204" pitchFamily="18" charset="0"/>
-                          </a:rPr>
-                          <m:t>𝑖</m:t>
-                        </m:r>
-                      </m:sub>
-                    </m:sSub>
-                    <m:r>
-                      <a:rPr lang="en-US" sz="2400" b="0" i="1" smtClean="0">
-                        <a:latin typeface="Cambria Math" panose="02040503050406030204" pitchFamily="18" charset="0"/>
-                      </a:rPr>
-                      <m:t> −</m:t>
-                    </m:r>
-                    <m:acc>
-                      <m:accPr>
-                        <m:chr m:val="̅"/>
-                        <m:ctrlPr>
-                          <a:rPr lang="en-US" sz="2400" b="0" i="1" smtClean="0">
-                            <a:latin typeface="Cambria Math" panose="02040503050406030204" pitchFamily="18" charset="0"/>
-                          </a:rPr>
-                        </m:ctrlPr>
-                      </m:accPr>
-                      <m:e>
-                        <m:r>
-                          <a:rPr lang="en-US" sz="2400" b="0" i="1" smtClean="0">
-                            <a:latin typeface="Cambria Math" panose="02040503050406030204" pitchFamily="18" charset="0"/>
-                          </a:rPr>
-                          <m:t>𝑥</m:t>
-                        </m:r>
-                      </m:e>
-                    </m:acc>
-                    <m:r>
-                      <a:rPr lang="en-US" sz="2400" b="0" i="1" smtClean="0">
-                        <a:latin typeface="Cambria Math" panose="02040503050406030204" pitchFamily="18" charset="0"/>
-                      </a:rPr>
-                      <m:t>)</m:t>
-                    </m:r>
-                  </m:oMath>
-                </a14:m>
-                <a:endParaRPr lang="en-US" sz="2400" dirty="0"/>
-              </a:p>
-              <a:p>
-                <a:pPr marL="914400" lvl="2" indent="0">
-                  <a:buNone/>
-                </a:pPr>
-                <a:endParaRPr lang="en-US" dirty="0"/>
-              </a:p>
-              <a:p>
-                <a:r>
-                  <a:rPr lang="en-US" dirty="0"/>
-                  <a:t>Every observation will have a deviation from the mean</a:t>
-                </a:r>
-              </a:p>
-              <a:p>
-                <a:endParaRPr lang="en-US" dirty="0"/>
-              </a:p>
-              <a:p>
-                <a:endParaRPr lang="en-US" dirty="0"/>
-              </a:p>
-              <a:p>
-                <a:endParaRPr lang="en-US" dirty="0"/>
-              </a:p>
-              <a:p>
-                <a:endParaRPr lang="en-US" dirty="0"/>
-              </a:p>
-            </p:txBody>
-          </p:sp>
-        </mc:Choice>
-        <mc:Fallback xmlns="">
-          <p:sp>
-            <p:nvSpPr>
-              <p:cNvPr id="3" name="Content Placeholder 2">
-                <a:extLst>
-                  <a:ext uri="{FF2B5EF4-FFF2-40B4-BE49-F238E27FC236}">
-                    <a16:creationId xmlns:a16="http://schemas.microsoft.com/office/drawing/2014/main" id="{30F7291A-45D9-8440-5889-A0D10595CB60}"/>
-                  </a:ext>
-                </a:extLst>
-              </p:cNvPr>
-              <p:cNvSpPr>
-                <a:spLocks noGrp="1" noRot="1" noChangeAspect="1" noMove="1" noResize="1" noEditPoints="1" noAdjustHandles="1" noChangeArrowheads="1" noChangeShapeType="1" noTextEdit="1"/>
-              </p:cNvSpPr>
-              <p:nvPr>
-                <p:ph idx="1"/>
-              </p:nvPr>
-            </p:nvSpPr>
-            <p:spPr>
-              <a:xfrm>
-                <a:off x="838200" y="1825625"/>
-                <a:ext cx="10267950" cy="4351338"/>
-              </a:xfrm>
-              <a:blipFill>
-                <a:blip r:embed="rId2"/>
-                <a:stretch>
-                  <a:fillRect l="-1069" t="-2241"/>
-                </a:stretch>
-              </a:blipFill>
-            </p:spPr>
-            <p:txBody>
-              <a:bodyPr/>
-              <a:lstStyle/>
-              <a:p>
-                <a:r>
-                  <a:rPr lang="en-US">
-                    <a:noFill/>
-                  </a:rPr>
-                  <a:t> </a:t>
-                </a:r>
-              </a:p>
-            </p:txBody>
-          </p:sp>
-        </mc:Fallback>
-      </mc:AlternateContent>
-    </p:spTree>
-    <p:extLst>
-      <p:ext uri="{BB962C8B-B14F-4D97-AF65-F5344CB8AC3E}">
-        <p14:creationId xmlns:p14="http://schemas.microsoft.com/office/powerpoint/2010/main" val="1541885009"/>
-      </p:ext>
-    </p:extLst>
-  </p:cSld>
-  <p:clrMapOvr>
-    <a:masterClrMapping/>
-  </p:clrMapOvr>
-</p:sld>
-</file>
-
-<file path=ppt/slides/slide22.xml><?xml version="1.0" encoding="utf-8"?>
-<p:sld xmlns:a="http://schemas.openxmlformats.org/drawingml/2006/main" xmlns:r="http://schemas.openxmlformats.org/officeDocument/2006/relationships" xmlns:p="http://schemas.openxmlformats.org/presentationml/2006/main">
-  <p:cSld>
-    <p:spTree>
-      <p:nvGrpSpPr>
-        <p:cNvPr id="1" name=""/>
-        <p:cNvGrpSpPr/>
-        <p:nvPr/>
-      </p:nvGrpSpPr>
-      <p:grpSpPr>
-        <a:xfrm>
-          <a:off x="0" y="0"/>
-          <a:ext cx="0" cy="0"/>
-          <a:chOff x="0" y="0"/>
-          <a:chExt cx="0" cy="0"/>
-        </a:xfrm>
-      </p:grpSpPr>
-      <p:pic>
-        <p:nvPicPr>
-          <p:cNvPr id="7" name="Picture 6">
-            <a:extLst>
-              <a:ext uri="{FF2B5EF4-FFF2-40B4-BE49-F238E27FC236}">
-                <a16:creationId xmlns:a16="http://schemas.microsoft.com/office/drawing/2014/main" id="{0AD4BAC8-DF07-082E-EBA7-3A6128B34D84}"/>
-              </a:ext>
-            </a:extLst>
-          </p:cNvPr>
-          <p:cNvPicPr>
-            <a:picLocks noChangeAspect="1"/>
-          </p:cNvPicPr>
-          <p:nvPr/>
-        </p:nvPicPr>
-        <p:blipFill>
-          <a:blip r:embed="rId2"/>
-          <a:stretch>
-            <a:fillRect/>
-          </a:stretch>
-        </p:blipFill>
-        <p:spPr>
-          <a:xfrm>
-            <a:off x="838200" y="748882"/>
-            <a:ext cx="10306050" cy="5743993"/>
-          </a:xfrm>
-          <a:prstGeom prst="rect">
-            <a:avLst/>
-          </a:prstGeom>
-        </p:spPr>
-      </p:pic>
-      <p:sp>
-        <p:nvSpPr>
-          <p:cNvPr id="14" name="TextBox 13">
-            <a:extLst>
-              <a:ext uri="{FF2B5EF4-FFF2-40B4-BE49-F238E27FC236}">
-                <a16:creationId xmlns:a16="http://schemas.microsoft.com/office/drawing/2014/main" id="{2256D99A-7249-27F8-2F8D-EA0FC4B870BA}"/>
-              </a:ext>
-            </a:extLst>
-          </p:cNvPr>
-          <p:cNvSpPr txBox="1"/>
-          <p:nvPr/>
-        </p:nvSpPr>
-        <p:spPr>
-          <a:xfrm>
-            <a:off x="8899976" y="538404"/>
-            <a:ext cx="2632900" cy="400110"/>
-          </a:xfrm>
-          <a:prstGeom prst="rect">
-            <a:avLst/>
-          </a:prstGeom>
-          <a:noFill/>
-        </p:spPr>
-        <p:txBody>
-          <a:bodyPr wrap="none" rtlCol="0">
-            <a:spAutoFit/>
-          </a:bodyPr>
-          <a:lstStyle/>
-          <a:p>
-            <a:r>
-              <a:rPr lang="en-US" sz="2000" b="1" dirty="0">
-                <a:solidFill>
-                  <a:srgbClr val="0070C0"/>
-                </a:solidFill>
-              </a:rPr>
-              <a:t>Rice </a:t>
-            </a:r>
-            <a:r>
-              <a:rPr lang="en-US" sz="2000" b="1" dirty="0" err="1">
-                <a:solidFill>
-                  <a:srgbClr val="0070C0"/>
-                </a:solidFill>
-              </a:rPr>
-              <a:t>Krispes</a:t>
-            </a:r>
-            <a:r>
-              <a:rPr lang="en-US" sz="2000" b="1" dirty="0">
-                <a:solidFill>
-                  <a:srgbClr val="0070C0"/>
-                </a:solidFill>
-              </a:rPr>
-              <a:t> = 340 (mg)</a:t>
-            </a:r>
-          </a:p>
-        </p:txBody>
-      </p:sp>
-      <p:sp>
-        <p:nvSpPr>
-          <p:cNvPr id="15" name="TextBox 14">
-            <a:extLst>
-              <a:ext uri="{FF2B5EF4-FFF2-40B4-BE49-F238E27FC236}">
-                <a16:creationId xmlns:a16="http://schemas.microsoft.com/office/drawing/2014/main" id="{358554AD-23CC-6BD4-2F40-8A6ED06437AB}"/>
-              </a:ext>
-            </a:extLst>
-          </p:cNvPr>
-          <p:cNvSpPr txBox="1"/>
-          <p:nvPr/>
-        </p:nvSpPr>
-        <p:spPr>
-          <a:xfrm>
-            <a:off x="4998805" y="443992"/>
-            <a:ext cx="1984839" cy="400110"/>
-          </a:xfrm>
-          <a:prstGeom prst="rect">
-            <a:avLst/>
-          </a:prstGeom>
-          <a:noFill/>
-        </p:spPr>
-        <p:txBody>
-          <a:bodyPr wrap="none" rtlCol="0">
-            <a:spAutoFit/>
-          </a:bodyPr>
-          <a:lstStyle/>
-          <a:p>
-            <a:r>
-              <a:rPr lang="en-US" sz="2000" b="1" dirty="0">
-                <a:solidFill>
-                  <a:srgbClr val="FF0000"/>
-                </a:solidFill>
-              </a:rPr>
-              <a:t>Mean = 167 (mg)</a:t>
-            </a:r>
-          </a:p>
-        </p:txBody>
-      </p:sp>
-      <p:sp>
-        <p:nvSpPr>
-          <p:cNvPr id="16" name="Right Brace 15">
-            <a:extLst>
-              <a:ext uri="{FF2B5EF4-FFF2-40B4-BE49-F238E27FC236}">
-                <a16:creationId xmlns:a16="http://schemas.microsoft.com/office/drawing/2014/main" id="{A4E7E84C-0911-1392-D0D5-DA31D45F4D32}"/>
-              </a:ext>
-            </a:extLst>
-          </p:cNvPr>
-          <p:cNvSpPr/>
-          <p:nvPr/>
-        </p:nvSpPr>
-        <p:spPr>
-          <a:xfrm rot="16200000">
-            <a:off x="8100087" y="738701"/>
-            <a:ext cx="249796" cy="4257966"/>
-          </a:xfrm>
-          <a:prstGeom prst="rightBrace">
-            <a:avLst/>
-          </a:prstGeom>
-          <a:ln w="38100">
-            <a:solidFill>
-              <a:schemeClr val="tx1"/>
-            </a:solidFill>
-          </a:ln>
-        </p:spPr>
-        <p:style>
-          <a:lnRef idx="1">
-            <a:schemeClr val="accent1"/>
-          </a:lnRef>
-          <a:fillRef idx="0">
-            <a:schemeClr val="accent1"/>
-          </a:fillRef>
-          <a:effectRef idx="0">
-            <a:schemeClr val="accent1"/>
-          </a:effectRef>
-          <a:fontRef idx="minor">
-            <a:schemeClr val="tx1"/>
-          </a:fontRef>
-        </p:style>
-        <p:txBody>
-          <a:bodyPr rtlCol="0" anchor="ctr"/>
-          <a:lstStyle/>
-          <a:p>
-            <a:pPr algn="ctr"/>
-            <a:endParaRPr lang="en-US"/>
-          </a:p>
-        </p:txBody>
-      </p:sp>
-      <p:cxnSp>
-        <p:nvCxnSpPr>
-          <p:cNvPr id="17" name="Straight Arrow Connector 16">
-            <a:extLst>
-              <a:ext uri="{FF2B5EF4-FFF2-40B4-BE49-F238E27FC236}">
-                <a16:creationId xmlns:a16="http://schemas.microsoft.com/office/drawing/2014/main" id="{60572141-56E1-D65C-762A-8EB6762F1B7E}"/>
-              </a:ext>
-            </a:extLst>
-          </p:cNvPr>
-          <p:cNvCxnSpPr>
-            <a:cxnSpLocks/>
-          </p:cNvCxnSpPr>
-          <p:nvPr/>
-        </p:nvCxnSpPr>
-        <p:spPr>
-          <a:xfrm>
-            <a:off x="10420350" y="844102"/>
-            <a:ext cx="0" cy="4503175"/>
-          </a:xfrm>
-          <a:prstGeom prst="straightConnector1">
-            <a:avLst/>
-          </a:prstGeom>
-          <a:ln w="76200">
-            <a:solidFill>
-              <a:srgbClr val="0070C0"/>
-            </a:solidFill>
-            <a:tailEnd type="triangle"/>
-          </a:ln>
-        </p:spPr>
-        <p:style>
-          <a:lnRef idx="1">
-            <a:schemeClr val="accent1"/>
-          </a:lnRef>
-          <a:fillRef idx="0">
-            <a:schemeClr val="accent1"/>
-          </a:fillRef>
-          <a:effectRef idx="0">
-            <a:schemeClr val="accent1"/>
-          </a:effectRef>
-          <a:fontRef idx="minor">
-            <a:schemeClr val="tx1"/>
-          </a:fontRef>
-        </p:style>
-      </p:cxnSp>
-      <mc:AlternateContent xmlns:mc="http://schemas.openxmlformats.org/markup-compatibility/2006" xmlns:a14="http://schemas.microsoft.com/office/drawing/2010/main">
-        <mc:Choice Requires="a14">
-          <p:sp>
-            <p:nvSpPr>
-              <p:cNvPr id="20" name="TextBox 19">
-                <a:extLst>
-                  <a:ext uri="{FF2B5EF4-FFF2-40B4-BE49-F238E27FC236}">
-                    <a16:creationId xmlns:a16="http://schemas.microsoft.com/office/drawing/2014/main" id="{D9182893-F575-370F-93FD-AABD46DB5B34}"/>
-                  </a:ext>
-                </a:extLst>
-              </p:cNvPr>
-              <p:cNvSpPr txBox="1"/>
-              <p:nvPr/>
-            </p:nvSpPr>
-            <p:spPr>
-              <a:xfrm>
-                <a:off x="7328629" y="2282563"/>
-                <a:ext cx="2072682" cy="307777"/>
-              </a:xfrm>
-              <a:prstGeom prst="rect">
-                <a:avLst/>
-              </a:prstGeom>
-              <a:noFill/>
-            </p:spPr>
-            <p:txBody>
-              <a:bodyPr wrap="none" lIns="0" tIns="0" rIns="0" bIns="0" rtlCol="0">
-                <a:spAutoFit/>
-              </a:bodyPr>
-              <a:lstStyle/>
-              <a:p>
-                <a:pPr/>
-                <a14:m>
-                  <m:oMathPara xmlns:m="http://schemas.openxmlformats.org/officeDocument/2006/math">
-                    <m:oMathParaPr>
-                      <m:jc m:val="centerGroup"/>
-                    </m:oMathParaPr>
-                    <m:oMath xmlns:m="http://schemas.openxmlformats.org/officeDocument/2006/math">
-                      <m:r>
-                        <a:rPr lang="en-US" sz="2000" b="0" i="1" smtClean="0">
-                          <a:latin typeface="Cambria Math" panose="02040503050406030204" pitchFamily="18" charset="0"/>
-                        </a:rPr>
-                        <m:t>340 −167=</m:t>
-                      </m:r>
-                      <m:r>
-                        <a:rPr lang="en-US" sz="2000" b="1" i="1" smtClean="0">
-                          <a:latin typeface="Cambria Math" panose="02040503050406030204" pitchFamily="18" charset="0"/>
-                        </a:rPr>
-                        <m:t>𝟏𝟕𝟑</m:t>
-                      </m:r>
-                    </m:oMath>
-                  </m:oMathPara>
-                </a14:m>
-                <a:endParaRPr lang="en-US" b="1" dirty="0"/>
-              </a:p>
-            </p:txBody>
-          </p:sp>
-        </mc:Choice>
-        <mc:Fallback xmlns="">
-          <p:sp>
-            <p:nvSpPr>
-              <p:cNvPr id="20" name="TextBox 19">
-                <a:extLst>
-                  <a:ext uri="{FF2B5EF4-FFF2-40B4-BE49-F238E27FC236}">
-                    <a16:creationId xmlns:a16="http://schemas.microsoft.com/office/drawing/2014/main" id="{D9182893-F575-370F-93FD-AABD46DB5B34}"/>
-                  </a:ext>
-                </a:extLst>
-              </p:cNvPr>
-              <p:cNvSpPr txBox="1">
-                <a:spLocks noRot="1" noChangeAspect="1" noMove="1" noResize="1" noEditPoints="1" noAdjustHandles="1" noChangeArrowheads="1" noChangeShapeType="1" noTextEdit="1"/>
-              </p:cNvSpPr>
-              <p:nvPr/>
-            </p:nvSpPr>
-            <p:spPr>
-              <a:xfrm>
-                <a:off x="7328629" y="2282563"/>
-                <a:ext cx="2072682" cy="307777"/>
-              </a:xfrm>
-              <a:prstGeom prst="rect">
-                <a:avLst/>
-              </a:prstGeom>
-              <a:blipFill>
-                <a:blip r:embed="rId3"/>
-                <a:stretch>
-                  <a:fillRect l="-2353" r="-2647" b="-5882"/>
-                </a:stretch>
-              </a:blipFill>
-            </p:spPr>
-            <p:txBody>
-              <a:bodyPr/>
-              <a:lstStyle/>
-              <a:p>
-                <a:r>
-                  <a:rPr lang="en-US">
-                    <a:noFill/>
-                  </a:rPr>
-                  <a:t> </a:t>
-                </a:r>
-              </a:p>
-            </p:txBody>
-          </p:sp>
-        </mc:Fallback>
-      </mc:AlternateContent>
-      <p:cxnSp>
-        <p:nvCxnSpPr>
-          <p:cNvPr id="21" name="Straight Arrow Connector 20">
-            <a:extLst>
-              <a:ext uri="{FF2B5EF4-FFF2-40B4-BE49-F238E27FC236}">
-                <a16:creationId xmlns:a16="http://schemas.microsoft.com/office/drawing/2014/main" id="{37A10761-3E76-A720-4A01-BCEED23A554E}"/>
-              </a:ext>
-            </a:extLst>
-          </p:cNvPr>
-          <p:cNvCxnSpPr>
-            <a:cxnSpLocks/>
-          </p:cNvCxnSpPr>
-          <p:nvPr/>
-        </p:nvCxnSpPr>
-        <p:spPr>
-          <a:xfrm>
-            <a:off x="1816678" y="844102"/>
-            <a:ext cx="0" cy="4503175"/>
-          </a:xfrm>
-          <a:prstGeom prst="straightConnector1">
-            <a:avLst/>
-          </a:prstGeom>
-          <a:ln w="76200">
-            <a:solidFill>
-              <a:srgbClr val="00B050"/>
-            </a:solidFill>
-            <a:tailEnd type="triangle"/>
-          </a:ln>
-        </p:spPr>
-        <p:style>
-          <a:lnRef idx="1">
-            <a:schemeClr val="accent1"/>
-          </a:lnRef>
-          <a:fillRef idx="0">
-            <a:schemeClr val="accent1"/>
-          </a:fillRef>
-          <a:effectRef idx="0">
-            <a:schemeClr val="accent1"/>
-          </a:effectRef>
-          <a:fontRef idx="minor">
-            <a:schemeClr val="tx1"/>
-          </a:fontRef>
-        </p:style>
-      </p:cxnSp>
-      <p:sp>
-        <p:nvSpPr>
-          <p:cNvPr id="22" name="TextBox 21">
-            <a:extLst>
-              <a:ext uri="{FF2B5EF4-FFF2-40B4-BE49-F238E27FC236}">
-                <a16:creationId xmlns:a16="http://schemas.microsoft.com/office/drawing/2014/main" id="{7C28DDED-55BC-DD33-5745-B9634F33AA7B}"/>
-              </a:ext>
-            </a:extLst>
-          </p:cNvPr>
-          <p:cNvSpPr txBox="1"/>
-          <p:nvPr/>
-        </p:nvSpPr>
-        <p:spPr>
-          <a:xfrm>
-            <a:off x="378598" y="338349"/>
-            <a:ext cx="3319820" cy="400110"/>
-          </a:xfrm>
-          <a:prstGeom prst="rect">
-            <a:avLst/>
-          </a:prstGeom>
-          <a:noFill/>
-        </p:spPr>
-        <p:txBody>
-          <a:bodyPr wrap="none" rtlCol="0">
-            <a:spAutoFit/>
-          </a:bodyPr>
-          <a:lstStyle/>
-          <a:p>
-            <a:r>
-              <a:rPr lang="en-US" sz="2000" b="1" dirty="0">
-                <a:solidFill>
-                  <a:srgbClr val="00B050"/>
-                </a:solidFill>
-              </a:rPr>
-              <a:t>Frosted Mini Wheats = 0 (mg)</a:t>
-            </a:r>
-          </a:p>
-        </p:txBody>
-      </p:sp>
-      <p:sp>
-        <p:nvSpPr>
-          <p:cNvPr id="23" name="Right Brace 22">
-            <a:extLst>
-              <a:ext uri="{FF2B5EF4-FFF2-40B4-BE49-F238E27FC236}">
-                <a16:creationId xmlns:a16="http://schemas.microsoft.com/office/drawing/2014/main" id="{F14E752A-1AFD-2EE1-5241-D58BCCB24693}"/>
-              </a:ext>
-            </a:extLst>
-          </p:cNvPr>
-          <p:cNvSpPr/>
-          <p:nvPr/>
-        </p:nvSpPr>
-        <p:spPr>
-          <a:xfrm rot="16200000">
-            <a:off x="3787077" y="-99858"/>
-            <a:ext cx="239373" cy="4168922"/>
-          </a:xfrm>
-          <a:prstGeom prst="rightBrace">
-            <a:avLst/>
-          </a:prstGeom>
-          <a:ln w="38100">
-            <a:solidFill>
-              <a:schemeClr val="tx1"/>
-            </a:solidFill>
-          </a:ln>
-        </p:spPr>
-        <p:style>
-          <a:lnRef idx="1">
-            <a:schemeClr val="accent1"/>
-          </a:lnRef>
-          <a:fillRef idx="0">
-            <a:schemeClr val="accent1"/>
-          </a:fillRef>
-          <a:effectRef idx="0">
-            <a:schemeClr val="accent1"/>
-          </a:effectRef>
-          <a:fontRef idx="minor">
-            <a:schemeClr val="tx1"/>
-          </a:fontRef>
-        </p:style>
-        <p:txBody>
-          <a:bodyPr rtlCol="0" anchor="ctr"/>
-          <a:lstStyle/>
-          <a:p>
-            <a:pPr algn="ctr"/>
-            <a:endParaRPr lang="en-US"/>
-          </a:p>
-        </p:txBody>
-      </p:sp>
-      <mc:AlternateContent xmlns:mc="http://schemas.openxmlformats.org/markup-compatibility/2006" xmlns:a14="http://schemas.microsoft.com/office/drawing/2010/main">
-        <mc:Choice Requires="a14">
-          <p:sp>
-            <p:nvSpPr>
-              <p:cNvPr id="24" name="TextBox 23">
-                <a:extLst>
-                  <a:ext uri="{FF2B5EF4-FFF2-40B4-BE49-F238E27FC236}">
-                    <a16:creationId xmlns:a16="http://schemas.microsoft.com/office/drawing/2014/main" id="{A4312EA1-A247-DCFB-9E28-98A481EE5EBD}"/>
-                  </a:ext>
-                </a:extLst>
-              </p:cNvPr>
-              <p:cNvSpPr txBox="1"/>
-              <p:nvPr/>
-            </p:nvSpPr>
-            <p:spPr>
-              <a:xfrm>
-                <a:off x="3084520" y="1485666"/>
-                <a:ext cx="1979709" cy="307777"/>
-              </a:xfrm>
-              <a:prstGeom prst="rect">
-                <a:avLst/>
-              </a:prstGeom>
-              <a:noFill/>
-            </p:spPr>
-            <p:txBody>
-              <a:bodyPr wrap="none" lIns="0" tIns="0" rIns="0" bIns="0" rtlCol="0">
-                <a:spAutoFit/>
-              </a:bodyPr>
-              <a:lstStyle/>
-              <a:p>
-                <a:pPr/>
-                <a14:m>
-                  <m:oMathPara xmlns:m="http://schemas.openxmlformats.org/officeDocument/2006/math">
-                    <m:oMathParaPr>
-                      <m:jc m:val="centerGroup"/>
-                    </m:oMathParaPr>
-                    <m:oMath xmlns:m="http://schemas.openxmlformats.org/officeDocument/2006/math">
-                      <m:r>
-                        <a:rPr lang="en-US" sz="2000" b="0" i="1" smtClean="0">
-                          <a:latin typeface="Cambria Math" panose="02040503050406030204" pitchFamily="18" charset="0"/>
-                        </a:rPr>
-                        <m:t>0 −167=</m:t>
-                      </m:r>
-                      <m:r>
-                        <a:rPr lang="en-US" sz="2000" b="1" i="1" smtClean="0">
-                          <a:latin typeface="Cambria Math" panose="02040503050406030204" pitchFamily="18" charset="0"/>
-                        </a:rPr>
-                        <m:t>−</m:t>
-                      </m:r>
-                      <m:r>
-                        <a:rPr lang="en-US" sz="2000" b="1" i="1" smtClean="0">
-                          <a:latin typeface="Cambria Math" panose="02040503050406030204" pitchFamily="18" charset="0"/>
-                        </a:rPr>
-                        <m:t>𝟏𝟔𝟕</m:t>
-                      </m:r>
-                    </m:oMath>
-                  </m:oMathPara>
-                </a14:m>
-                <a:endParaRPr lang="en-US" b="1" dirty="0"/>
-              </a:p>
-            </p:txBody>
-          </p:sp>
-        </mc:Choice>
-        <mc:Fallback xmlns="">
-          <p:sp>
-            <p:nvSpPr>
-              <p:cNvPr id="24" name="TextBox 23">
-                <a:extLst>
-                  <a:ext uri="{FF2B5EF4-FFF2-40B4-BE49-F238E27FC236}">
-                    <a16:creationId xmlns:a16="http://schemas.microsoft.com/office/drawing/2014/main" id="{A4312EA1-A247-DCFB-9E28-98A481EE5EBD}"/>
-                  </a:ext>
-                </a:extLst>
-              </p:cNvPr>
-              <p:cNvSpPr txBox="1">
-                <a:spLocks noRot="1" noChangeAspect="1" noMove="1" noResize="1" noEditPoints="1" noAdjustHandles="1" noChangeArrowheads="1" noChangeShapeType="1" noTextEdit="1"/>
-              </p:cNvSpPr>
-              <p:nvPr/>
-            </p:nvSpPr>
-            <p:spPr>
-              <a:xfrm>
-                <a:off x="3084520" y="1485666"/>
-                <a:ext cx="1979709" cy="307777"/>
-              </a:xfrm>
-              <a:prstGeom prst="rect">
-                <a:avLst/>
-              </a:prstGeom>
-              <a:blipFill>
-                <a:blip r:embed="rId4"/>
-                <a:stretch>
-                  <a:fillRect l="-2769" r="-2154" b="-6000"/>
-                </a:stretch>
-              </a:blipFill>
-            </p:spPr>
-            <p:txBody>
-              <a:bodyPr/>
-              <a:lstStyle/>
-              <a:p>
-                <a:r>
-                  <a:rPr lang="en-US">
-                    <a:noFill/>
-                  </a:rPr>
-                  <a:t> </a:t>
-                </a:r>
-              </a:p>
-            </p:txBody>
-          </p:sp>
-        </mc:Fallback>
-      </mc:AlternateContent>
-    </p:spTree>
-    <p:extLst>
-      <p:ext uri="{BB962C8B-B14F-4D97-AF65-F5344CB8AC3E}">
-        <p14:creationId xmlns:p14="http://schemas.microsoft.com/office/powerpoint/2010/main" val="2617269405"/>
-      </p:ext>
-    </p:extLst>
-  </p:cSld>
-  <p:clrMapOvr>
-    <a:masterClrMapping/>
-  </p:clrMapOvr>
-</p:sld>
-</file>
-
-<file path=ppt/slides/slide23.xml><?xml version="1.0" encoding="utf-8"?>
-<p:sld xmlns:a="http://schemas.openxmlformats.org/drawingml/2006/main" xmlns:r="http://schemas.openxmlformats.org/officeDocument/2006/relationships" xmlns:p="http://schemas.openxmlformats.org/presentationml/2006/main">
-  <p:cSld>
-    <p:spTree>
-      <p:nvGrpSpPr>
-        <p:cNvPr id="1" name=""/>
-        <p:cNvGrpSpPr/>
-        <p:nvPr/>
-      </p:nvGrpSpPr>
-      <p:grpSpPr>
-        <a:xfrm>
-          <a:off x="0" y="0"/>
-          <a:ext cx="0" cy="0"/>
-          <a:chOff x="0" y="0"/>
-          <a:chExt cx="0" cy="0"/>
-        </a:xfrm>
-      </p:grpSpPr>
-      <p:sp>
-        <p:nvSpPr>
-          <p:cNvPr id="2" name="Title 1">
-            <a:extLst>
-              <a:ext uri="{FF2B5EF4-FFF2-40B4-BE49-F238E27FC236}">
-                <a16:creationId xmlns:a16="http://schemas.microsoft.com/office/drawing/2014/main" id="{F3D51D9B-D3D0-4DD3-432B-B05376CC17A0}"/>
-              </a:ext>
-            </a:extLst>
-          </p:cNvPr>
-          <p:cNvSpPr>
-            <a:spLocks noGrp="1"/>
-          </p:cNvSpPr>
-          <p:nvPr>
-            <p:ph type="title"/>
-          </p:nvPr>
-        </p:nvSpPr>
-        <p:spPr/>
-        <p:txBody>
-          <a:bodyPr/>
-          <a:lstStyle/>
-          <a:p>
-            <a:r>
-              <a:rPr lang="en-US" dirty="0"/>
-              <a:t>Measures of Spread: Variance</a:t>
-            </a:r>
-          </a:p>
-        </p:txBody>
-      </p:sp>
-      <mc:AlternateContent xmlns:mc="http://schemas.openxmlformats.org/markup-compatibility/2006" xmlns:a14="http://schemas.microsoft.com/office/drawing/2010/main">
-        <mc:Choice Requires="a14">
-          <p:sp>
-            <p:nvSpPr>
-              <p:cNvPr id="3" name="Content Placeholder 2">
-                <a:extLst>
-                  <a:ext uri="{FF2B5EF4-FFF2-40B4-BE49-F238E27FC236}">
-                    <a16:creationId xmlns:a16="http://schemas.microsoft.com/office/drawing/2014/main" id="{9824D4B1-FB15-A405-14E1-A713E04E3964}"/>
-                  </a:ext>
-                </a:extLst>
-              </p:cNvPr>
-              <p:cNvSpPr>
-                <a:spLocks noGrp="1"/>
-              </p:cNvSpPr>
-              <p:nvPr>
-                <p:ph idx="1"/>
-              </p:nvPr>
-            </p:nvSpPr>
-            <p:spPr/>
-            <p:txBody>
-              <a:bodyPr>
-                <a:normAutofit fontScale="92500" lnSpcReduction="20000"/>
-              </a:bodyPr>
-              <a:lstStyle/>
-              <a:p>
-                <a:r>
-                  <a:rPr lang="en-US" dirty="0"/>
-                  <a:t>The sum of all deviations is zero.  </a:t>
-                </a:r>
-                <a14:m>
-                  <m:oMath xmlns:m="http://schemas.openxmlformats.org/officeDocument/2006/math">
-                    <m:nary>
-                      <m:naryPr>
-                        <m:chr m:val="∑"/>
-                        <m:ctrlPr>
-                          <a:rPr lang="en-US" i="1" smtClean="0">
-                            <a:latin typeface="Cambria Math" panose="02040503050406030204" pitchFamily="18" charset="0"/>
-                          </a:rPr>
-                        </m:ctrlPr>
-                      </m:naryPr>
-                      <m:sub>
-                        <m:r>
-                          <m:rPr>
-                            <m:brk m:alnAt="23"/>
-                          </m:rPr>
-                          <a:rPr lang="en-US" b="0" i="1" smtClean="0">
-                            <a:latin typeface="Cambria Math" panose="02040503050406030204" pitchFamily="18" charset="0"/>
-                          </a:rPr>
-                          <m:t>𝑖</m:t>
-                        </m:r>
-                        <m:r>
-                          <a:rPr lang="en-US" b="0" i="1" smtClean="0">
-                            <a:latin typeface="Cambria Math" panose="02040503050406030204" pitchFamily="18" charset="0"/>
-                          </a:rPr>
-                          <m:t>=1</m:t>
-                        </m:r>
-                      </m:sub>
-                      <m:sup>
-                        <m:r>
-                          <a:rPr lang="en-US" b="0" i="1" smtClean="0">
-                            <a:latin typeface="Cambria Math" panose="02040503050406030204" pitchFamily="18" charset="0"/>
-                          </a:rPr>
-                          <m:t>𝑛</m:t>
-                        </m:r>
-                      </m:sup>
-                      <m:e>
-                        <m:r>
-                          <a:rPr lang="en-US" b="0" i="1" smtClean="0">
-                            <a:latin typeface="Cambria Math" panose="02040503050406030204" pitchFamily="18" charset="0"/>
-                          </a:rPr>
-                          <m:t>(</m:t>
-                        </m:r>
-                        <m:sSub>
-                          <m:sSubPr>
-                            <m:ctrlPr>
-                              <a:rPr lang="en-US" b="0" i="1" smtClean="0">
-                                <a:latin typeface="Cambria Math" panose="02040503050406030204" pitchFamily="18" charset="0"/>
-                              </a:rPr>
-                            </m:ctrlPr>
-                          </m:sSubPr>
-                          <m:e>
-                            <m:r>
-                              <a:rPr lang="en-US" b="0" i="1" smtClean="0">
-                                <a:latin typeface="Cambria Math" panose="02040503050406030204" pitchFamily="18" charset="0"/>
-                              </a:rPr>
-                              <m:t>𝑥</m:t>
-                            </m:r>
-                          </m:e>
-                          <m:sub>
-                            <m:r>
-                              <a:rPr lang="en-US" b="0" i="1" smtClean="0">
-                                <a:latin typeface="Cambria Math" panose="02040503050406030204" pitchFamily="18" charset="0"/>
-                              </a:rPr>
-                              <m:t>𝑖</m:t>
-                            </m:r>
-                          </m:sub>
-                        </m:sSub>
-                        <m:r>
-                          <a:rPr lang="en-US" b="0" i="1" smtClean="0">
-                            <a:latin typeface="Cambria Math" panose="02040503050406030204" pitchFamily="18" charset="0"/>
-                          </a:rPr>
-                          <m:t> − </m:t>
-                        </m:r>
-                        <m:acc>
-                          <m:accPr>
-                            <m:chr m:val="̅"/>
-                            <m:ctrlPr>
-                              <a:rPr lang="en-US" b="0" i="1" smtClean="0">
-                                <a:latin typeface="Cambria Math" panose="02040503050406030204" pitchFamily="18" charset="0"/>
-                              </a:rPr>
-                            </m:ctrlPr>
-                          </m:accPr>
-                          <m:e>
-                            <m:r>
-                              <a:rPr lang="en-US" b="0" i="1" smtClean="0">
-                                <a:latin typeface="Cambria Math" panose="02040503050406030204" pitchFamily="18" charset="0"/>
-                              </a:rPr>
-                              <m:t>𝑥</m:t>
-                            </m:r>
-                          </m:e>
-                        </m:acc>
-                        <m:r>
-                          <a:rPr lang="en-US" b="0" i="1" smtClean="0">
-                            <a:latin typeface="Cambria Math" panose="02040503050406030204" pitchFamily="18" charset="0"/>
-                          </a:rPr>
-                          <m:t>)</m:t>
-                        </m:r>
-                      </m:e>
-                    </m:nary>
-                    <m:r>
-                      <a:rPr lang="en-US" b="0" i="1" smtClean="0">
-                        <a:latin typeface="Cambria Math" panose="02040503050406030204" pitchFamily="18" charset="0"/>
-                      </a:rPr>
-                      <m:t>=</m:t>
-                    </m:r>
-                    <m:r>
-                      <a:rPr lang="en-US" b="0" i="1" smtClean="0">
-                        <a:latin typeface="Cambria Math" panose="02040503050406030204" pitchFamily="18" charset="0"/>
-                        <a:ea typeface="Cambria Math" panose="02040503050406030204" pitchFamily="18" charset="0"/>
-                      </a:rPr>
-                      <m:t>0</m:t>
-                    </m:r>
-                  </m:oMath>
-                </a14:m>
-                <a:endParaRPr lang="en-US" dirty="0"/>
-              </a:p>
-              <a:p>
-                <a:endParaRPr lang="en-US" dirty="0"/>
-              </a:p>
-              <a:p>
-                <a:r>
-                  <a:rPr lang="en-US" dirty="0"/>
-                  <a:t>We typically use either the </a:t>
-                </a:r>
-                <a:r>
-                  <a:rPr lang="en-US" b="1" dirty="0"/>
-                  <a:t>squared deviations</a:t>
-                </a:r>
-                <a:r>
-                  <a:rPr lang="en-US" dirty="0"/>
-                  <a:t> or their </a:t>
-                </a:r>
-                <a:r>
-                  <a:rPr lang="en-US" b="1" dirty="0"/>
-                  <a:t>absolute value</a:t>
-                </a:r>
-              </a:p>
-              <a:p>
-                <a:pPr marL="914400" lvl="2" indent="0">
-                  <a:buNone/>
-                </a:pPr>
-                <a:r>
-                  <a:rPr lang="en-US" sz="2400" dirty="0"/>
-                  <a:t>Squared deviation of an observation </a:t>
-                </a:r>
-                <a14:m>
-                  <m:oMath xmlns:m="http://schemas.openxmlformats.org/officeDocument/2006/math">
-                    <m:sSub>
-                      <m:sSubPr>
-                        <m:ctrlPr>
-                          <a:rPr lang="en-US" sz="2400" i="1" smtClean="0">
-                            <a:latin typeface="Cambria Math" panose="02040503050406030204" pitchFamily="18" charset="0"/>
-                          </a:rPr>
-                        </m:ctrlPr>
-                      </m:sSubPr>
-                      <m:e>
-                        <m:r>
-                          <a:rPr lang="en-US" sz="2400" b="0" i="1" smtClean="0">
-                            <a:latin typeface="Cambria Math" panose="02040503050406030204" pitchFamily="18" charset="0"/>
-                          </a:rPr>
-                          <m:t>𝑥</m:t>
-                        </m:r>
-                      </m:e>
-                      <m:sub>
-                        <m:r>
-                          <a:rPr lang="en-US" sz="2400" b="0" i="1" smtClean="0">
-                            <a:latin typeface="Cambria Math" panose="02040503050406030204" pitchFamily="18" charset="0"/>
-                          </a:rPr>
-                          <m:t>𝑖</m:t>
-                        </m:r>
-                      </m:sub>
-                    </m:sSub>
-                    <m:r>
-                      <a:rPr lang="en-US" sz="2400" b="0" i="1" smtClean="0">
-                        <a:latin typeface="Cambria Math" panose="02040503050406030204" pitchFamily="18" charset="0"/>
-                      </a:rPr>
-                      <m:t>= </m:t>
-                    </m:r>
-                    <m:sSup>
-                      <m:sSupPr>
-                        <m:ctrlPr>
-                          <a:rPr lang="en-US" sz="2400" i="1" smtClean="0">
-                            <a:latin typeface="Cambria Math" panose="02040503050406030204" pitchFamily="18" charset="0"/>
-                          </a:rPr>
-                        </m:ctrlPr>
-                      </m:sSupPr>
-                      <m:e>
-                        <m:d>
-                          <m:dPr>
-                            <m:ctrlPr>
-                              <a:rPr lang="en-US" sz="2400" i="1" smtClean="0">
-                                <a:latin typeface="Cambria Math" panose="02040503050406030204" pitchFamily="18" charset="0"/>
-                              </a:rPr>
-                            </m:ctrlPr>
-                          </m:dPr>
-                          <m:e>
-                            <m:sSub>
-                              <m:sSubPr>
-                                <m:ctrlPr>
-                                  <a:rPr lang="en-US" sz="2400" i="1" smtClean="0">
-                                    <a:latin typeface="Cambria Math" panose="02040503050406030204" pitchFamily="18" charset="0"/>
-                                  </a:rPr>
-                                </m:ctrlPr>
-                              </m:sSubPr>
-                              <m:e>
-                                <m:r>
-                                  <a:rPr lang="en-US" sz="2400" b="0" i="1" smtClean="0">
-                                    <a:latin typeface="Cambria Math" panose="02040503050406030204" pitchFamily="18" charset="0"/>
-                                  </a:rPr>
-                                  <m:t>𝑥</m:t>
-                                </m:r>
-                              </m:e>
-                              <m:sub>
-                                <m:r>
-                                  <a:rPr lang="en-US" sz="2400" b="0" i="1" smtClean="0">
-                                    <a:latin typeface="Cambria Math" panose="02040503050406030204" pitchFamily="18" charset="0"/>
-                                  </a:rPr>
-                                  <m:t>𝑖</m:t>
-                                </m:r>
-                              </m:sub>
-                            </m:sSub>
-                            <m:r>
-                              <a:rPr lang="en-US" sz="2400" b="0" i="1" smtClean="0">
-                                <a:latin typeface="Cambria Math" panose="02040503050406030204" pitchFamily="18" charset="0"/>
-                              </a:rPr>
-                              <m:t>− </m:t>
-                            </m:r>
-                            <m:acc>
-                              <m:accPr>
-                                <m:chr m:val="̅"/>
-                                <m:ctrlPr>
-                                  <a:rPr lang="en-US" sz="2400" b="0" i="1" smtClean="0">
-                                    <a:latin typeface="Cambria Math" panose="02040503050406030204" pitchFamily="18" charset="0"/>
-                                  </a:rPr>
-                                </m:ctrlPr>
-                              </m:accPr>
-                              <m:e>
-                                <m:r>
-                                  <a:rPr lang="en-US" sz="2400" b="0" i="1" smtClean="0">
-                                    <a:latin typeface="Cambria Math" panose="02040503050406030204" pitchFamily="18" charset="0"/>
-                                  </a:rPr>
-                                  <m:t>𝑥</m:t>
-                                </m:r>
-                              </m:e>
-                            </m:acc>
-                          </m:e>
-                        </m:d>
-                      </m:e>
-                      <m:sup>
-                        <m:r>
-                          <a:rPr lang="en-US" sz="2400" b="0" i="1" smtClean="0">
-                            <a:latin typeface="Cambria Math" panose="02040503050406030204" pitchFamily="18" charset="0"/>
-                          </a:rPr>
-                          <m:t>2</m:t>
-                        </m:r>
-                      </m:sup>
-                    </m:sSup>
-                  </m:oMath>
-                </a14:m>
-                <a:endParaRPr lang="en-US" dirty="0"/>
-              </a:p>
-              <a:p>
-                <a:pPr marL="914400" lvl="2" indent="0">
-                  <a:buNone/>
-                </a:pPr>
-                <a:endParaRPr lang="en-US" dirty="0"/>
-              </a:p>
-              <a:p>
-                <a:r>
-                  <a:rPr lang="en-US" dirty="0"/>
-                  <a:t>The </a:t>
-                </a:r>
-                <a:r>
-                  <a:rPr lang="en-US" b="1" dirty="0"/>
-                  <a:t>Variance </a:t>
-                </a:r>
-                <a:r>
-                  <a:rPr lang="en-US" dirty="0"/>
-                  <a:t>of a distribution is the </a:t>
-                </a:r>
-                <a:r>
-                  <a:rPr lang="en-US" u="sng" dirty="0"/>
-                  <a:t>average</a:t>
-                </a:r>
-                <a:r>
-                  <a:rPr lang="en-US" dirty="0"/>
-                  <a:t> squared deviation from the mean</a:t>
-                </a:r>
-              </a:p>
-              <a:p>
-                <a:pPr marL="1828800" lvl="4" indent="0">
-                  <a:buNone/>
-                </a:pPr>
-                <a14:m>
-                  <m:oMathPara xmlns:m="http://schemas.openxmlformats.org/officeDocument/2006/math">
-                    <m:oMathParaPr>
-                      <m:jc m:val="centerGroup"/>
-                    </m:oMathParaPr>
-                    <m:oMath xmlns:m="http://schemas.openxmlformats.org/officeDocument/2006/math">
-                      <m:sSup>
-                        <m:sSupPr>
-                          <m:ctrlPr>
-                            <a:rPr lang="en-US" sz="2400" i="1" smtClean="0">
-                              <a:solidFill>
-                                <a:srgbClr val="836967"/>
-                              </a:solidFill>
-                              <a:latin typeface="Cambria Math" panose="02040503050406030204" pitchFamily="18" charset="0"/>
-                            </a:rPr>
-                          </m:ctrlPr>
-                        </m:sSupPr>
-                        <m:e>
-                          <m:r>
-                            <a:rPr lang="en-US" sz="2400" i="1" smtClean="0">
-                              <a:latin typeface="Cambria Math" panose="02040503050406030204" pitchFamily="18" charset="0"/>
-                            </a:rPr>
-                            <m:t>𝑆</m:t>
-                          </m:r>
-                        </m:e>
-                        <m:sup>
-                          <m:r>
-                            <a:rPr lang="en-US" sz="2400" i="1" smtClean="0">
-                              <a:latin typeface="Cambria Math" panose="02040503050406030204" pitchFamily="18" charset="0"/>
-                            </a:rPr>
-                            <m:t>2</m:t>
-                          </m:r>
-                        </m:sup>
-                      </m:sSup>
-                      <m:r>
-                        <a:rPr lang="en-US" sz="2400" i="1" smtClean="0">
-                          <a:latin typeface="Cambria Math" panose="02040503050406030204" pitchFamily="18" charset="0"/>
-                        </a:rPr>
-                        <m:t>=</m:t>
-                      </m:r>
-                      <m:f>
-                        <m:fPr>
-                          <m:ctrlPr>
-                            <a:rPr lang="en-US" sz="2400" i="1" smtClean="0">
-                              <a:solidFill>
-                                <a:srgbClr val="836967"/>
-                              </a:solidFill>
-                              <a:latin typeface="Cambria Math" panose="02040503050406030204" pitchFamily="18" charset="0"/>
-                            </a:rPr>
-                          </m:ctrlPr>
-                        </m:fPr>
-                        <m:num>
-                          <m:r>
-                            <a:rPr lang="en-US" sz="2400" i="1" smtClean="0">
-                              <a:latin typeface="Cambria Math" panose="02040503050406030204" pitchFamily="18" charset="0"/>
-                            </a:rPr>
-                            <m:t>1</m:t>
-                          </m:r>
-                        </m:num>
-                        <m:den>
-                          <m:r>
-                            <a:rPr lang="en-US" sz="2400" i="1" smtClean="0">
-                              <a:latin typeface="Cambria Math" panose="02040503050406030204" pitchFamily="18" charset="0"/>
-                            </a:rPr>
-                            <m:t>𝑛</m:t>
-                          </m:r>
-                          <m:r>
-                            <a:rPr lang="en-US" sz="2400" i="1" smtClean="0">
-                              <a:latin typeface="Cambria Math" panose="02040503050406030204" pitchFamily="18" charset="0"/>
-                            </a:rPr>
-                            <m:t>−1</m:t>
-                          </m:r>
-                        </m:den>
-                      </m:f>
-                      <m:nary>
-                        <m:naryPr>
-                          <m:chr m:val="∑"/>
-                          <m:limLoc m:val="undOvr"/>
-                          <m:grow m:val="on"/>
-                          <m:ctrlPr>
-                            <a:rPr lang="en-US" sz="2400" i="1" smtClean="0">
-                              <a:latin typeface="Cambria Math" panose="02040503050406030204" pitchFamily="18" charset="0"/>
-                            </a:rPr>
-                          </m:ctrlPr>
-                        </m:naryPr>
-                        <m:sub>
-                          <m:r>
-                            <a:rPr lang="en-US" sz="2400" i="1" smtClean="0">
-                              <a:latin typeface="Cambria Math" panose="02040503050406030204" pitchFamily="18" charset="0"/>
-                            </a:rPr>
-                            <m:t>𝑖</m:t>
-                          </m:r>
-                          <m:r>
-                            <a:rPr lang="en-US" sz="2400" i="1" smtClean="0">
-                              <a:latin typeface="Cambria Math" panose="02040503050406030204" pitchFamily="18" charset="0"/>
-                            </a:rPr>
-                            <m:t>=1</m:t>
-                          </m:r>
-                        </m:sub>
-                        <m:sup>
-                          <m:r>
-                            <a:rPr lang="en-US" sz="2400" i="1" smtClean="0">
-                              <a:latin typeface="Cambria Math" panose="02040503050406030204" pitchFamily="18" charset="0"/>
-                            </a:rPr>
-                            <m:t>𝑛</m:t>
-                          </m:r>
-                        </m:sup>
-                        <m:e>
-                          <m:sSup>
-                            <m:sSupPr>
-                              <m:ctrlPr>
-                                <a:rPr lang="en-US" sz="2400" i="1" smtClean="0">
-                                  <a:solidFill>
-                                    <a:srgbClr val="836967"/>
-                                  </a:solidFill>
-                                  <a:latin typeface="Cambria Math" panose="02040503050406030204" pitchFamily="18" charset="0"/>
-                                </a:rPr>
-                              </m:ctrlPr>
-                            </m:sSupPr>
-                            <m:e>
-                              <m:d>
-                                <m:dPr>
-                                  <m:ctrlPr>
-                                    <a:rPr lang="en-US" sz="2400" i="1" smtClean="0">
-                                      <a:solidFill>
-                                        <a:srgbClr val="836967"/>
-                                      </a:solidFill>
-                                      <a:latin typeface="Cambria Math" panose="02040503050406030204" pitchFamily="18" charset="0"/>
-                                    </a:rPr>
-                                  </m:ctrlPr>
-                                </m:dPr>
-                                <m:e>
-                                  <m:sSub>
-                                    <m:sSubPr>
-                                      <m:ctrlPr>
-                                        <a:rPr lang="en-US" sz="2400" i="1" smtClean="0">
-                                          <a:solidFill>
-                                            <a:srgbClr val="836967"/>
-                                          </a:solidFill>
-                                          <a:latin typeface="Cambria Math" panose="02040503050406030204" pitchFamily="18" charset="0"/>
-                                        </a:rPr>
-                                      </m:ctrlPr>
-                                    </m:sSubPr>
-                                    <m:e>
-                                      <m:r>
-                                        <a:rPr lang="en-US" sz="2400" i="1" smtClean="0">
-                                          <a:latin typeface="Cambria Math" panose="02040503050406030204" pitchFamily="18" charset="0"/>
-                                        </a:rPr>
-                                        <m:t>𝑥</m:t>
-                                      </m:r>
-                                    </m:e>
-                                    <m:sub>
-                                      <m:r>
-                                        <a:rPr lang="en-US" sz="2400" i="1" smtClean="0">
-                                          <a:latin typeface="Cambria Math" panose="02040503050406030204" pitchFamily="18" charset="0"/>
-                                        </a:rPr>
-                                        <m:t>𝑖</m:t>
-                                      </m:r>
-                                    </m:sub>
-                                  </m:sSub>
-                                  <m:r>
-                                    <a:rPr lang="en-US" sz="2400" i="1" smtClean="0">
-                                      <a:latin typeface="Cambria Math" panose="02040503050406030204" pitchFamily="18" charset="0"/>
-                                    </a:rPr>
-                                    <m:t>−</m:t>
-                                  </m:r>
-                                  <m:acc>
-                                    <m:accPr>
-                                      <m:chr m:val="̅"/>
-                                      <m:ctrlPr>
-                                        <a:rPr lang="en-US" sz="2400" i="1" smtClean="0">
-                                          <a:solidFill>
-                                            <a:srgbClr val="836967"/>
-                                          </a:solidFill>
-                                          <a:latin typeface="Cambria Math" panose="02040503050406030204" pitchFamily="18" charset="0"/>
-                                        </a:rPr>
-                                      </m:ctrlPr>
-                                    </m:accPr>
-                                    <m:e>
-                                      <m:r>
-                                        <a:rPr lang="en-US" sz="2400" i="1" smtClean="0">
-                                          <a:latin typeface="Cambria Math" panose="02040503050406030204" pitchFamily="18" charset="0"/>
-                                        </a:rPr>
-                                        <m:t>𝑥</m:t>
-                                      </m:r>
-                                    </m:e>
-                                  </m:acc>
-                                </m:e>
-                              </m:d>
-                            </m:e>
-                            <m:sup>
-                              <m:r>
-                                <a:rPr lang="en-US" sz="2400" i="1" smtClean="0">
-                                  <a:latin typeface="Cambria Math" panose="02040503050406030204" pitchFamily="18" charset="0"/>
-                                </a:rPr>
-                                <m:t>2</m:t>
-                              </m:r>
-                            </m:sup>
-                          </m:sSup>
-                        </m:e>
-                      </m:nary>
-                    </m:oMath>
-                  </m:oMathPara>
-                </a14:m>
-                <a:endParaRPr lang="en-US" sz="2400" i="1" dirty="0">
-                  <a:latin typeface="Cambria Math" panose="02040503050406030204" pitchFamily="18" charset="0"/>
-                </a:endParaRPr>
-              </a:p>
-              <a:p>
-                <a:pPr marL="0" indent="0">
-                  <a:buNone/>
-                </a:pPr>
-                <a:endParaRPr lang="en-US" sz="2600" dirty="0"/>
-              </a:p>
-              <a:p>
-                <a:r>
-                  <a:rPr lang="en-US" sz="2600" dirty="0"/>
-                  <a:t>The sum </a:t>
-                </a:r>
-                <a14:m>
-                  <m:oMath xmlns:m="http://schemas.openxmlformats.org/officeDocument/2006/math">
-                    <m:nary>
-                      <m:naryPr>
-                        <m:chr m:val="∑"/>
-                        <m:limLoc m:val="undOvr"/>
-                        <m:grow m:val="on"/>
-                        <m:ctrlPr>
-                          <a:rPr lang="en-US" sz="2600" i="1" smtClean="0">
-                            <a:latin typeface="Cambria Math" panose="02040503050406030204" pitchFamily="18" charset="0"/>
-                          </a:rPr>
-                        </m:ctrlPr>
-                      </m:naryPr>
-                      <m:sub>
-                        <m:r>
-                          <a:rPr lang="en-US" sz="2600" i="1" smtClean="0">
-                            <a:latin typeface="Cambria Math" panose="02040503050406030204" pitchFamily="18" charset="0"/>
-                          </a:rPr>
-                          <m:t>𝑖</m:t>
-                        </m:r>
-                        <m:r>
-                          <a:rPr lang="en-US" sz="2600" i="1" smtClean="0">
-                            <a:latin typeface="Cambria Math" panose="02040503050406030204" pitchFamily="18" charset="0"/>
-                          </a:rPr>
-                          <m:t>=1</m:t>
-                        </m:r>
-                      </m:sub>
-                      <m:sup>
-                        <m:r>
-                          <a:rPr lang="en-US" sz="2600" i="1" smtClean="0">
-                            <a:latin typeface="Cambria Math" panose="02040503050406030204" pitchFamily="18" charset="0"/>
-                          </a:rPr>
-                          <m:t>𝑛</m:t>
-                        </m:r>
-                      </m:sup>
-                      <m:e>
-                        <m:sSup>
-                          <m:sSupPr>
-                            <m:ctrlPr>
-                              <a:rPr lang="en-US" sz="2600" i="1" smtClean="0">
-                                <a:solidFill>
-                                  <a:srgbClr val="836967"/>
-                                </a:solidFill>
-                                <a:latin typeface="Cambria Math" panose="02040503050406030204" pitchFamily="18" charset="0"/>
-                              </a:rPr>
-                            </m:ctrlPr>
-                          </m:sSupPr>
-                          <m:e>
-                            <m:d>
-                              <m:dPr>
-                                <m:ctrlPr>
-                                  <a:rPr lang="en-US" sz="2600" i="1" smtClean="0">
-                                    <a:solidFill>
-                                      <a:srgbClr val="836967"/>
-                                    </a:solidFill>
-                                    <a:latin typeface="Cambria Math" panose="02040503050406030204" pitchFamily="18" charset="0"/>
-                                  </a:rPr>
-                                </m:ctrlPr>
-                              </m:dPr>
-                              <m:e>
-                                <m:sSub>
-                                  <m:sSubPr>
-                                    <m:ctrlPr>
-                                      <a:rPr lang="en-US" sz="2600" i="1" smtClean="0">
-                                        <a:solidFill>
-                                          <a:srgbClr val="836967"/>
-                                        </a:solidFill>
-                                        <a:latin typeface="Cambria Math" panose="02040503050406030204" pitchFamily="18" charset="0"/>
-                                      </a:rPr>
-                                    </m:ctrlPr>
-                                  </m:sSubPr>
-                                  <m:e>
-                                    <m:r>
-                                      <a:rPr lang="en-US" sz="2600" i="1" smtClean="0">
-                                        <a:latin typeface="Cambria Math" panose="02040503050406030204" pitchFamily="18" charset="0"/>
-                                      </a:rPr>
-                                      <m:t>𝑥</m:t>
-                                    </m:r>
-                                  </m:e>
-                                  <m:sub>
-                                    <m:r>
-                                      <a:rPr lang="en-US" sz="2600" i="1" smtClean="0">
-                                        <a:latin typeface="Cambria Math" panose="02040503050406030204" pitchFamily="18" charset="0"/>
-                                      </a:rPr>
-                                      <m:t>𝑖</m:t>
-                                    </m:r>
-                                  </m:sub>
-                                </m:sSub>
-                                <m:r>
-                                  <a:rPr lang="en-US" sz="2600" i="1" smtClean="0">
-                                    <a:latin typeface="Cambria Math" panose="02040503050406030204" pitchFamily="18" charset="0"/>
-                                  </a:rPr>
-                                  <m:t>−</m:t>
-                                </m:r>
-                                <m:acc>
-                                  <m:accPr>
-                                    <m:chr m:val="̅"/>
-                                    <m:ctrlPr>
-                                      <a:rPr lang="en-US" sz="2600" i="1" smtClean="0">
-                                        <a:solidFill>
-                                          <a:srgbClr val="836967"/>
-                                        </a:solidFill>
-                                        <a:latin typeface="Cambria Math" panose="02040503050406030204" pitchFamily="18" charset="0"/>
-                                      </a:rPr>
-                                    </m:ctrlPr>
-                                  </m:accPr>
-                                  <m:e>
-                                    <m:r>
-                                      <a:rPr lang="en-US" sz="2600" i="1" smtClean="0">
-                                        <a:latin typeface="Cambria Math" panose="02040503050406030204" pitchFamily="18" charset="0"/>
-                                      </a:rPr>
-                                      <m:t>𝑥</m:t>
-                                    </m:r>
-                                  </m:e>
-                                </m:acc>
-                              </m:e>
-                            </m:d>
-                          </m:e>
-                          <m:sup>
-                            <m:r>
-                              <a:rPr lang="en-US" sz="2600" i="1" smtClean="0">
-                                <a:latin typeface="Cambria Math" panose="02040503050406030204" pitchFamily="18" charset="0"/>
-                              </a:rPr>
-                              <m:t>2</m:t>
-                            </m:r>
-                          </m:sup>
-                        </m:sSup>
-                      </m:e>
-                    </m:nary>
-                  </m:oMath>
-                </a14:m>
-                <a:r>
-                  <a:rPr lang="en-US" sz="2600" dirty="0"/>
-                  <a:t> is called the sum of squares</a:t>
-                </a:r>
-              </a:p>
-            </p:txBody>
-          </p:sp>
-        </mc:Choice>
-        <mc:Fallback xmlns="">
-          <p:sp>
-            <p:nvSpPr>
-              <p:cNvPr id="3" name="Content Placeholder 2">
-                <a:extLst>
-                  <a:ext uri="{FF2B5EF4-FFF2-40B4-BE49-F238E27FC236}">
-                    <a16:creationId xmlns:a16="http://schemas.microsoft.com/office/drawing/2014/main" id="{9824D4B1-FB15-A405-14E1-A713E04E3964}"/>
-                  </a:ext>
-                </a:extLst>
-              </p:cNvPr>
-              <p:cNvSpPr>
-                <a:spLocks noGrp="1" noRot="1" noChangeAspect="1" noMove="1" noResize="1" noEditPoints="1" noAdjustHandles="1" noChangeArrowheads="1" noChangeShapeType="1" noTextEdit="1"/>
-              </p:cNvSpPr>
-              <p:nvPr>
-                <p:ph idx="1"/>
-              </p:nvPr>
-            </p:nvSpPr>
-            <p:spPr>
-              <a:blipFill>
-                <a:blip r:embed="rId2"/>
-                <a:stretch>
-                  <a:fillRect l="-928" t="-3501"/>
-                </a:stretch>
-              </a:blipFill>
-            </p:spPr>
-            <p:txBody>
-              <a:bodyPr/>
-              <a:lstStyle/>
-              <a:p>
-                <a:r>
-                  <a:rPr lang="en-US">
-                    <a:noFill/>
-                  </a:rPr>
-                  <a:t> </a:t>
-                </a:r>
-              </a:p>
-            </p:txBody>
-          </p:sp>
-        </mc:Fallback>
-      </mc:AlternateContent>
-    </p:spTree>
-    <p:extLst>
-      <p:ext uri="{BB962C8B-B14F-4D97-AF65-F5344CB8AC3E}">
-        <p14:creationId xmlns:p14="http://schemas.microsoft.com/office/powerpoint/2010/main" val="1266910087"/>
-      </p:ext>
-    </p:extLst>
-  </p:cSld>
-  <p:clrMapOvr>
-    <a:masterClrMapping/>
-  </p:clrMapOvr>
-</p:sld>
-</file>
-
-<file path=ppt/slides/slide24.xml><?xml version="1.0" encoding="utf-8"?>
-<p:sld xmlns:a="http://schemas.openxmlformats.org/drawingml/2006/main" xmlns:r="http://schemas.openxmlformats.org/officeDocument/2006/relationships" xmlns:p="http://schemas.openxmlformats.org/presentationml/2006/main">
-  <p:cSld>
-    <p:spTree>
-      <p:nvGrpSpPr>
-        <p:cNvPr id="1" name=""/>
-        <p:cNvGrpSpPr/>
-        <p:nvPr/>
-      </p:nvGrpSpPr>
-      <p:grpSpPr>
-        <a:xfrm>
-          <a:off x="0" y="0"/>
-          <a:ext cx="0" cy="0"/>
-          <a:chOff x="0" y="0"/>
-          <a:chExt cx="0" cy="0"/>
-        </a:xfrm>
-      </p:grpSpPr>
-      <p:sp>
-        <p:nvSpPr>
-          <p:cNvPr id="2" name="Title 1">
-            <a:extLst>
-              <a:ext uri="{FF2B5EF4-FFF2-40B4-BE49-F238E27FC236}">
-                <a16:creationId xmlns:a16="http://schemas.microsoft.com/office/drawing/2014/main" id="{03759E61-7A67-5D11-4320-1B5FFC9226BE}"/>
-              </a:ext>
-            </a:extLst>
-          </p:cNvPr>
-          <p:cNvSpPr>
-            <a:spLocks noGrp="1"/>
-          </p:cNvSpPr>
-          <p:nvPr>
-            <p:ph type="title"/>
-          </p:nvPr>
-        </p:nvSpPr>
-        <p:spPr>
-          <a:xfrm>
-            <a:off x="838200" y="0"/>
-            <a:ext cx="10515600" cy="1325563"/>
-          </a:xfrm>
-        </p:spPr>
-        <p:txBody>
-          <a:bodyPr/>
-          <a:lstStyle/>
-          <a:p>
-            <a:r>
-              <a:rPr lang="en-US" dirty="0"/>
-              <a:t>Measures of Spread: Standard Deviation</a:t>
-            </a:r>
-          </a:p>
-        </p:txBody>
-      </p:sp>
-      <mc:AlternateContent xmlns:mc="http://schemas.openxmlformats.org/markup-compatibility/2006" xmlns:a14="http://schemas.microsoft.com/office/drawing/2010/main">
-        <mc:Choice Requires="a14">
-          <p:sp>
-            <p:nvSpPr>
-              <p:cNvPr id="3" name="Content Placeholder 2">
-                <a:extLst>
-                  <a:ext uri="{FF2B5EF4-FFF2-40B4-BE49-F238E27FC236}">
-                    <a16:creationId xmlns:a16="http://schemas.microsoft.com/office/drawing/2014/main" id="{F801D609-D493-78C3-4B57-D24A155F0AAF}"/>
-                  </a:ext>
-                </a:extLst>
-              </p:cNvPr>
-              <p:cNvSpPr>
-                <a:spLocks noGrp="1"/>
-              </p:cNvSpPr>
-              <p:nvPr>
-                <p:ph idx="1"/>
-              </p:nvPr>
-            </p:nvSpPr>
-            <p:spPr>
-              <a:xfrm>
-                <a:off x="838200" y="1548533"/>
-                <a:ext cx="10515600" cy="4935393"/>
-              </a:xfrm>
-            </p:spPr>
-            <p:txBody>
-              <a:bodyPr>
-                <a:normAutofit fontScale="85000" lnSpcReduction="20000"/>
-              </a:bodyPr>
-              <a:lstStyle/>
-              <a:p>
-                <a:r>
-                  <a:rPr lang="en-US" dirty="0"/>
-                  <a:t>Since the variance uses the squared deviation, we usually take its square root called the </a:t>
-                </a:r>
-                <a:r>
-                  <a:rPr lang="en-US" b="1" dirty="0"/>
-                  <a:t>standard deviation</a:t>
-                </a:r>
-              </a:p>
-              <a:p>
-                <a:endParaRPr lang="en-US" b="1" dirty="0"/>
-              </a:p>
-              <a:p>
-                <a:pPr marL="914400" lvl="2" indent="0">
-                  <a:buNone/>
-                </a:pPr>
-                <a14:m>
-                  <m:oMathPara xmlns:m="http://schemas.openxmlformats.org/officeDocument/2006/math">
-                    <m:oMathParaPr>
-                      <m:jc m:val="centerGroup"/>
-                    </m:oMathParaPr>
-                    <m:oMath xmlns:m="http://schemas.openxmlformats.org/officeDocument/2006/math">
-                      <m:r>
-                        <a:rPr lang="en-US" sz="2400" b="0" i="1" smtClean="0">
-                          <a:latin typeface="Cambria Math" panose="02040503050406030204" pitchFamily="18" charset="0"/>
-                        </a:rPr>
-                        <m:t>𝑠</m:t>
-                      </m:r>
-                      <m:r>
-                        <a:rPr lang="en-US" sz="2400" b="0" i="1" smtClean="0">
-                          <a:latin typeface="Cambria Math" panose="02040503050406030204" pitchFamily="18" charset="0"/>
-                        </a:rPr>
-                        <m:t>=</m:t>
-                      </m:r>
-                      <m:rad>
-                        <m:radPr>
-                          <m:degHide m:val="on"/>
-                          <m:ctrlPr>
-                            <a:rPr lang="en-US" sz="2400" b="0" i="1" smtClean="0">
-                              <a:latin typeface="Cambria Math" panose="02040503050406030204" pitchFamily="18" charset="0"/>
-                            </a:rPr>
-                          </m:ctrlPr>
-                        </m:radPr>
-                        <m:deg/>
-                        <m:e>
-                          <m:f>
-                            <m:fPr>
-                              <m:ctrlPr>
-                                <a:rPr lang="en-US" sz="2400" b="0" i="1" smtClean="0">
-                                  <a:latin typeface="Cambria Math" panose="02040503050406030204" pitchFamily="18" charset="0"/>
-                                </a:rPr>
-                              </m:ctrlPr>
-                            </m:fPr>
-                            <m:num>
-                              <m:r>
-                                <a:rPr lang="en-US" sz="2400" b="0" i="1" smtClean="0">
-                                  <a:latin typeface="Cambria Math" panose="02040503050406030204" pitchFamily="18" charset="0"/>
-                                </a:rPr>
-                                <m:t>1</m:t>
-                              </m:r>
-                            </m:num>
-                            <m:den>
-                              <m:r>
-                                <a:rPr lang="en-US" sz="2400" b="0" i="1" smtClean="0">
-                                  <a:latin typeface="Cambria Math" panose="02040503050406030204" pitchFamily="18" charset="0"/>
-                                </a:rPr>
-                                <m:t>𝑛</m:t>
-                              </m:r>
-                              <m:r>
-                                <a:rPr lang="en-US" sz="2400" b="0" i="1" smtClean="0">
-                                  <a:latin typeface="Cambria Math" panose="02040503050406030204" pitchFamily="18" charset="0"/>
-                                </a:rPr>
-                                <m:t>−1</m:t>
-                              </m:r>
-                            </m:den>
-                          </m:f>
-                          <m:nary>
-                            <m:naryPr>
-                              <m:chr m:val="∑"/>
-                              <m:ctrlPr>
-                                <a:rPr lang="en-US" sz="2400" b="0" i="1" smtClean="0">
-                                  <a:latin typeface="Cambria Math" panose="02040503050406030204" pitchFamily="18" charset="0"/>
-                                </a:rPr>
-                              </m:ctrlPr>
-                            </m:naryPr>
-                            <m:sub>
-                              <m:r>
-                                <a:rPr lang="en-US" sz="2400" b="0" i="1" smtClean="0">
-                                  <a:latin typeface="Cambria Math" panose="02040503050406030204" pitchFamily="18" charset="0"/>
-                                </a:rPr>
-                                <m:t>𝑖</m:t>
-                              </m:r>
-                              <m:r>
-                                <a:rPr lang="en-US" sz="2400" b="0" i="1" smtClean="0">
-                                  <a:latin typeface="Cambria Math" panose="02040503050406030204" pitchFamily="18" charset="0"/>
-                                </a:rPr>
-                                <m:t>=1</m:t>
-                              </m:r>
-                            </m:sub>
-                            <m:sup>
-                              <m:r>
-                                <a:rPr lang="en-US" sz="2400" b="0" i="1" smtClean="0">
-                                  <a:latin typeface="Cambria Math" panose="02040503050406030204" pitchFamily="18" charset="0"/>
-                                </a:rPr>
-                                <m:t>𝑛</m:t>
-                              </m:r>
-                            </m:sup>
-                            <m:e>
-                              <m:sSup>
-                                <m:sSupPr>
-                                  <m:ctrlPr>
-                                    <a:rPr lang="en-US" sz="2400" b="0" i="1" smtClean="0">
-                                      <a:latin typeface="Cambria Math" panose="02040503050406030204" pitchFamily="18" charset="0"/>
-                                    </a:rPr>
-                                  </m:ctrlPr>
-                                </m:sSupPr>
-                                <m:e>
-                                  <m:d>
-                                    <m:dPr>
-                                      <m:ctrlPr>
-                                        <a:rPr lang="en-US" sz="2400" b="0" i="1" smtClean="0">
-                                          <a:latin typeface="Cambria Math" panose="02040503050406030204" pitchFamily="18" charset="0"/>
-                                        </a:rPr>
-                                      </m:ctrlPr>
-                                    </m:dPr>
-                                    <m:e>
-                                      <m:sSub>
-                                        <m:sSubPr>
-                                          <m:ctrlPr>
-                                            <a:rPr lang="en-US" sz="2400" b="0" i="1" smtClean="0">
-                                              <a:latin typeface="Cambria Math" panose="02040503050406030204" pitchFamily="18" charset="0"/>
-                                            </a:rPr>
-                                          </m:ctrlPr>
-                                        </m:sSubPr>
-                                        <m:e>
-                                          <m:r>
-                                            <a:rPr lang="en-US" sz="2400" b="0" i="1" smtClean="0">
-                                              <a:latin typeface="Cambria Math" panose="02040503050406030204" pitchFamily="18" charset="0"/>
-                                            </a:rPr>
-                                            <m:t>𝑥</m:t>
-                                          </m:r>
-                                        </m:e>
-                                        <m:sub>
-                                          <m:r>
-                                            <a:rPr lang="en-US" sz="2400" b="0" i="1" smtClean="0">
-                                              <a:latin typeface="Cambria Math" panose="02040503050406030204" pitchFamily="18" charset="0"/>
-                                            </a:rPr>
-                                            <m:t>𝑖</m:t>
-                                          </m:r>
-                                        </m:sub>
-                                      </m:sSub>
-                                      <m:r>
-                                        <a:rPr lang="en-US" sz="2400" b="0" i="1" smtClean="0">
-                                          <a:latin typeface="Cambria Math" panose="02040503050406030204" pitchFamily="18" charset="0"/>
-                                        </a:rPr>
-                                        <m:t>−</m:t>
-                                      </m:r>
-                                      <m:acc>
-                                        <m:accPr>
-                                          <m:chr m:val="̅"/>
-                                          <m:ctrlPr>
-                                            <a:rPr lang="en-US" sz="2400" b="0" i="1" smtClean="0">
-                                              <a:latin typeface="Cambria Math" panose="02040503050406030204" pitchFamily="18" charset="0"/>
-                                            </a:rPr>
-                                          </m:ctrlPr>
-                                        </m:accPr>
-                                        <m:e>
-                                          <m:r>
-                                            <a:rPr lang="en-US" sz="2400" b="0" i="1" smtClean="0">
-                                              <a:latin typeface="Cambria Math" panose="02040503050406030204" pitchFamily="18" charset="0"/>
-                                            </a:rPr>
-                                            <m:t>𝑥</m:t>
-                                          </m:r>
-                                        </m:e>
-                                      </m:acc>
-                                    </m:e>
-                                  </m:d>
-                                </m:e>
-                                <m:sup>
-                                  <m:r>
-                                    <a:rPr lang="en-US" sz="2400" b="0" i="1" smtClean="0">
-                                      <a:latin typeface="Cambria Math" panose="02040503050406030204" pitchFamily="18" charset="0"/>
-                                    </a:rPr>
-                                    <m:t>2</m:t>
-                                  </m:r>
-                                </m:sup>
-                              </m:sSup>
-                            </m:e>
-                          </m:nary>
-                          <m:r>
-                            <a:rPr lang="en-US" sz="2400" b="0" i="1" smtClean="0">
-                              <a:latin typeface="Cambria Math" panose="02040503050406030204" pitchFamily="18" charset="0"/>
-                            </a:rPr>
-                            <m:t> </m:t>
-                          </m:r>
-                        </m:e>
-                      </m:rad>
-                    </m:oMath>
-                  </m:oMathPara>
-                </a14:m>
-                <a:endParaRPr lang="en-US" sz="2400" dirty="0"/>
-              </a:p>
-              <a:p>
-                <a:endParaRPr lang="en-US" dirty="0"/>
-              </a:p>
-              <a:p>
-                <a:r>
-                  <a:rPr lang="en-US" dirty="0"/>
-                  <a:t>The standard deviation represents (roughly) the average distance of an observation from the mean </a:t>
-                </a:r>
-              </a:p>
-              <a:p>
-                <a:endParaRPr lang="en-US" dirty="0"/>
-              </a:p>
-              <a:p>
-                <a:r>
-                  <a:rPr lang="en-US" dirty="0"/>
-                  <a:t>The greater </a:t>
-                </a:r>
-                <a14:m>
-                  <m:oMath xmlns:m="http://schemas.openxmlformats.org/officeDocument/2006/math">
-                    <m:r>
-                      <a:rPr lang="en-US" b="0" i="1" smtClean="0">
-                        <a:latin typeface="Cambria Math" panose="02040503050406030204" pitchFamily="18" charset="0"/>
-                      </a:rPr>
-                      <m:t>𝑠</m:t>
-                    </m:r>
-                  </m:oMath>
-                </a14:m>
-                <a:r>
-                  <a:rPr lang="en-US" dirty="0"/>
-                  <a:t> is the greater the variability in the data is</a:t>
-                </a:r>
-              </a:p>
-              <a:p>
-                <a:endParaRPr lang="en-US" dirty="0"/>
-              </a:p>
-              <a:p>
-                <a:r>
-                  <a:rPr lang="en-US" dirty="0"/>
-                  <a:t>We denote the population parameter for the variance and standard deviation using </a:t>
-                </a:r>
-                <a14:m>
-                  <m:oMath xmlns:m="http://schemas.openxmlformats.org/officeDocument/2006/math">
-                    <m:r>
-                      <a:rPr lang="en-US" b="0" i="1" smtClean="0">
-                        <a:latin typeface="Cambria Math" panose="02040503050406030204" pitchFamily="18" charset="0"/>
-                      </a:rPr>
-                      <m:t>𝜎</m:t>
-                    </m:r>
-                  </m:oMath>
-                </a14:m>
-                <a:r>
-                  <a:rPr lang="en-US" dirty="0"/>
-                  <a:t> for </a:t>
-                </a:r>
-                <a14:m>
-                  <m:oMath xmlns:m="http://schemas.openxmlformats.org/officeDocument/2006/math">
-                    <m:r>
-                      <a:rPr lang="en-US" b="0" i="1" smtClean="0">
-                        <a:latin typeface="Cambria Math" panose="02040503050406030204" pitchFamily="18" charset="0"/>
-                      </a:rPr>
-                      <m:t>𝑠</m:t>
-                    </m:r>
-                  </m:oMath>
-                </a14:m>
-                <a:r>
-                  <a:rPr lang="en-US" dirty="0"/>
-                  <a:t> and </a:t>
-                </a:r>
-                <a14:m>
-                  <m:oMath xmlns:m="http://schemas.openxmlformats.org/officeDocument/2006/math">
-                    <m:sSup>
-                      <m:sSupPr>
-                        <m:ctrlPr>
-                          <a:rPr lang="en-US" b="0" i="1" smtClean="0">
-                            <a:latin typeface="Cambria Math" panose="02040503050406030204" pitchFamily="18" charset="0"/>
-                          </a:rPr>
-                        </m:ctrlPr>
-                      </m:sSupPr>
-                      <m:e>
-                        <m:r>
-                          <a:rPr lang="en-US" b="0" i="1" smtClean="0">
-                            <a:latin typeface="Cambria Math" panose="02040503050406030204" pitchFamily="18" charset="0"/>
-                          </a:rPr>
-                          <m:t>𝜎</m:t>
-                        </m:r>
-                      </m:e>
-                      <m:sup>
-                        <m:r>
-                          <a:rPr lang="en-US" b="0" i="1" smtClean="0">
-                            <a:latin typeface="Cambria Math" panose="02040503050406030204" pitchFamily="18" charset="0"/>
-                          </a:rPr>
-                          <m:t>2</m:t>
-                        </m:r>
-                      </m:sup>
-                    </m:sSup>
-                  </m:oMath>
-                </a14:m>
-                <a:r>
-                  <a:rPr lang="en-US" dirty="0"/>
-                  <a:t> for </a:t>
-                </a:r>
-                <a14:m>
-                  <m:oMath xmlns:m="http://schemas.openxmlformats.org/officeDocument/2006/math">
-                    <m:sSup>
-                      <m:sSupPr>
-                        <m:ctrlPr>
-                          <a:rPr lang="en-US" b="0" i="1" smtClean="0">
-                            <a:latin typeface="Cambria Math" panose="02040503050406030204" pitchFamily="18" charset="0"/>
-                          </a:rPr>
-                        </m:ctrlPr>
-                      </m:sSupPr>
-                      <m:e>
-                        <m:r>
-                          <a:rPr lang="en-US" b="0" i="1" smtClean="0">
-                            <a:latin typeface="Cambria Math" panose="02040503050406030204" pitchFamily="18" charset="0"/>
-                          </a:rPr>
-                          <m:t>𝑠</m:t>
-                        </m:r>
-                      </m:e>
-                      <m:sup>
-                        <m:r>
-                          <a:rPr lang="en-US" b="0" i="1" smtClean="0">
-                            <a:latin typeface="Cambria Math" panose="02040503050406030204" pitchFamily="18" charset="0"/>
-                          </a:rPr>
-                          <m:t>2</m:t>
-                        </m:r>
-                      </m:sup>
-                    </m:sSup>
-                  </m:oMath>
-                </a14:m>
-                <a:endParaRPr lang="en-US" dirty="0"/>
-              </a:p>
-            </p:txBody>
-          </p:sp>
-        </mc:Choice>
-        <mc:Fallback xmlns="">
-          <p:sp>
-            <p:nvSpPr>
-              <p:cNvPr id="3" name="Content Placeholder 2">
-                <a:extLst>
-                  <a:ext uri="{FF2B5EF4-FFF2-40B4-BE49-F238E27FC236}">
-                    <a16:creationId xmlns:a16="http://schemas.microsoft.com/office/drawing/2014/main" id="{F801D609-D493-78C3-4B57-D24A155F0AAF}"/>
-                  </a:ext>
-                </a:extLst>
-              </p:cNvPr>
-              <p:cNvSpPr>
-                <a:spLocks noGrp="1" noRot="1" noChangeAspect="1" noMove="1" noResize="1" noEditPoints="1" noAdjustHandles="1" noChangeArrowheads="1" noChangeShapeType="1" noTextEdit="1"/>
-              </p:cNvSpPr>
-              <p:nvPr>
-                <p:ph idx="1"/>
-              </p:nvPr>
-            </p:nvSpPr>
-            <p:spPr>
-              <a:xfrm>
-                <a:off x="838200" y="1548533"/>
-                <a:ext cx="10515600" cy="4935393"/>
-              </a:xfrm>
-              <a:blipFill>
-                <a:blip r:embed="rId2"/>
-                <a:stretch>
-                  <a:fillRect l="-812" t="-2840" b="-1605"/>
-                </a:stretch>
-              </a:blipFill>
-            </p:spPr>
-            <p:txBody>
-              <a:bodyPr/>
-              <a:lstStyle/>
-              <a:p>
-                <a:r>
-                  <a:rPr lang="en-US">
-                    <a:noFill/>
-                  </a:rPr>
-                  <a:t> </a:t>
-                </a:r>
-              </a:p>
-            </p:txBody>
-          </p:sp>
-        </mc:Fallback>
-      </mc:AlternateContent>
-    </p:spTree>
-    <p:extLst>
-      <p:ext uri="{BB962C8B-B14F-4D97-AF65-F5344CB8AC3E}">
-        <p14:creationId xmlns:p14="http://schemas.microsoft.com/office/powerpoint/2010/main" val="1106632737"/>
-      </p:ext>
-    </p:extLst>
-  </p:cSld>
-  <p:clrMapOvr>
-    <a:masterClrMapping/>
-  </p:clrMapOvr>
-</p:sld>
-</file>
-
-<file path=ppt/slides/slide25.xml><?xml version="1.0" encoding="utf-8"?>
-<p:sld xmlns:a="http://schemas.openxmlformats.org/drawingml/2006/main" xmlns:r="http://schemas.openxmlformats.org/officeDocument/2006/relationships" xmlns:p="http://schemas.openxmlformats.org/presentationml/2006/main">
-  <p:cSld>
-    <p:spTree>
-      <p:nvGrpSpPr>
-        <p:cNvPr id="1" name=""/>
-        <p:cNvGrpSpPr/>
-        <p:nvPr/>
-      </p:nvGrpSpPr>
-      <p:grpSpPr>
-        <a:xfrm>
-          <a:off x="0" y="0"/>
-          <a:ext cx="0" cy="0"/>
-          <a:chOff x="0" y="0"/>
-          <a:chExt cx="0" cy="0"/>
-        </a:xfrm>
-      </p:grpSpPr>
-      <mc:AlternateContent xmlns:mc="http://schemas.openxmlformats.org/markup-compatibility/2006" xmlns:a14="http://schemas.microsoft.com/office/drawing/2010/main">
-        <mc:Choice Requires="a14">
-          <p:sp>
-            <p:nvSpPr>
-              <p:cNvPr id="2" name="Title 1">
-                <a:extLst>
-                  <a:ext uri="{FF2B5EF4-FFF2-40B4-BE49-F238E27FC236}">
-                    <a16:creationId xmlns:a16="http://schemas.microsoft.com/office/drawing/2014/main" id="{1DD5E1B0-DD07-8EDA-1858-2D2EA2B4B384}"/>
-                  </a:ext>
-                </a:extLst>
-              </p:cNvPr>
-              <p:cNvSpPr>
-                <a:spLocks noGrp="1"/>
-              </p:cNvSpPr>
-              <p:nvPr>
-                <p:ph type="title"/>
-              </p:nvPr>
-            </p:nvSpPr>
-            <p:spPr/>
-            <p:txBody>
-              <a:bodyPr/>
-              <a:lstStyle/>
-              <a:p>
-                <a:r>
-                  <a:rPr lang="en-US" dirty="0"/>
-                  <a:t>Why divide by </a:t>
-                </a:r>
-                <a14:m>
-                  <m:oMath xmlns:m="http://schemas.openxmlformats.org/officeDocument/2006/math">
-                    <m:r>
-                      <a:rPr lang="en-US" b="0" i="1" smtClean="0">
-                        <a:latin typeface="Cambria Math" panose="02040503050406030204" pitchFamily="18" charset="0"/>
-                      </a:rPr>
-                      <m:t>𝑛</m:t>
-                    </m:r>
-                    <m:r>
-                      <a:rPr lang="en-US" b="0" i="1" smtClean="0">
-                        <a:latin typeface="Cambria Math" panose="02040503050406030204" pitchFamily="18" charset="0"/>
-                      </a:rPr>
-                      <m:t>−1</m:t>
-                    </m:r>
-                  </m:oMath>
-                </a14:m>
-                <a:r>
-                  <a:rPr lang="en-US" dirty="0"/>
-                  <a:t> ?</a:t>
-                </a:r>
-              </a:p>
-            </p:txBody>
-          </p:sp>
-        </mc:Choice>
-        <mc:Fallback xmlns="">
-          <p:sp>
-            <p:nvSpPr>
-              <p:cNvPr id="2" name="Title 1">
-                <a:extLst>
-                  <a:ext uri="{FF2B5EF4-FFF2-40B4-BE49-F238E27FC236}">
-                    <a16:creationId xmlns:a16="http://schemas.microsoft.com/office/drawing/2014/main" id="{1DD5E1B0-DD07-8EDA-1858-2D2EA2B4B384}"/>
-                  </a:ext>
-                </a:extLst>
-              </p:cNvPr>
-              <p:cNvSpPr>
-                <a:spLocks noGrp="1" noRot="1" noChangeAspect="1" noMove="1" noResize="1" noEditPoints="1" noAdjustHandles="1" noChangeArrowheads="1" noChangeShapeType="1" noTextEdit="1"/>
-              </p:cNvSpPr>
-              <p:nvPr>
-                <p:ph type="title"/>
-              </p:nvPr>
-            </p:nvSpPr>
-            <p:spPr>
-              <a:blipFill>
-                <a:blip r:embed="rId2"/>
-                <a:stretch>
-                  <a:fillRect l="-2377"/>
-                </a:stretch>
-              </a:blipFill>
-            </p:spPr>
-            <p:txBody>
-              <a:bodyPr/>
-              <a:lstStyle/>
-              <a:p>
-                <a:r>
-                  <a:rPr lang="en-US">
-                    <a:noFill/>
-                  </a:rPr>
-                  <a:t> </a:t>
-                </a:r>
-              </a:p>
-            </p:txBody>
-          </p:sp>
-        </mc:Fallback>
-      </mc:AlternateContent>
-      <mc:AlternateContent xmlns:mc="http://schemas.openxmlformats.org/markup-compatibility/2006" xmlns:a14="http://schemas.microsoft.com/office/drawing/2010/main">
-        <mc:Choice Requires="a14">
-          <p:sp>
-            <p:nvSpPr>
-              <p:cNvPr id="3" name="Content Placeholder 2">
-                <a:extLst>
-                  <a:ext uri="{FF2B5EF4-FFF2-40B4-BE49-F238E27FC236}">
-                    <a16:creationId xmlns:a16="http://schemas.microsoft.com/office/drawing/2014/main" id="{51A4BF34-A2FA-6993-0CE4-3573B865FE8F}"/>
-                  </a:ext>
-                </a:extLst>
-              </p:cNvPr>
-              <p:cNvSpPr>
-                <a:spLocks noGrp="1"/>
-              </p:cNvSpPr>
-              <p:nvPr>
-                <p:ph idx="1"/>
-              </p:nvPr>
-            </p:nvSpPr>
-            <p:spPr/>
-            <p:txBody>
-              <a:bodyPr>
-                <a:normAutofit lnSpcReduction="10000"/>
-              </a:bodyPr>
-              <a:lstStyle/>
-              <a:p>
-                <a:r>
-                  <a:rPr lang="en-US" dirty="0"/>
-                  <a:t>We divide by </a:t>
-                </a:r>
-                <a14:m>
-                  <m:oMath xmlns:m="http://schemas.openxmlformats.org/officeDocument/2006/math">
-                    <m:r>
-                      <a:rPr lang="en-US" b="0" i="1" smtClean="0">
-                        <a:latin typeface="Cambria Math" panose="02040503050406030204" pitchFamily="18" charset="0"/>
-                      </a:rPr>
-                      <m:t>𝑛</m:t>
-                    </m:r>
-                    <m:r>
-                      <a:rPr lang="en-US" b="0" i="1" smtClean="0">
-                        <a:latin typeface="Cambria Math" panose="02040503050406030204" pitchFamily="18" charset="0"/>
-                      </a:rPr>
-                      <m:t>−1</m:t>
-                    </m:r>
-                  </m:oMath>
-                </a14:m>
-                <a:r>
-                  <a:rPr lang="en-US" dirty="0"/>
-                  <a:t> because we have only </a:t>
-                </a:r>
-                <a14:m>
-                  <m:oMath xmlns:m="http://schemas.openxmlformats.org/officeDocument/2006/math">
-                    <m:r>
-                      <a:rPr lang="en-US" b="0" i="1" smtClean="0">
-                        <a:latin typeface="Cambria Math" panose="02040503050406030204" pitchFamily="18" charset="0"/>
-                      </a:rPr>
-                      <m:t>𝑛</m:t>
-                    </m:r>
-                    <m:r>
-                      <a:rPr lang="en-US" b="0" i="1" smtClean="0">
-                        <a:latin typeface="Cambria Math" panose="02040503050406030204" pitchFamily="18" charset="0"/>
-                      </a:rPr>
-                      <m:t>−1 </m:t>
-                    </m:r>
-                  </m:oMath>
-                </a14:m>
-                <a:r>
-                  <a:rPr lang="en-US" dirty="0"/>
-                  <a:t>pieces of independent information for </a:t>
-                </a:r>
-                <a14:m>
-                  <m:oMath xmlns:m="http://schemas.openxmlformats.org/officeDocument/2006/math">
-                    <m:sSup>
-                      <m:sSupPr>
-                        <m:ctrlPr>
-                          <a:rPr lang="en-US" b="0" i="1" smtClean="0">
-                            <a:latin typeface="Cambria Math" panose="02040503050406030204" pitchFamily="18" charset="0"/>
-                          </a:rPr>
-                        </m:ctrlPr>
-                      </m:sSupPr>
-                      <m:e>
-                        <m:r>
-                          <a:rPr lang="en-US" b="0" i="1" smtClean="0">
-                            <a:latin typeface="Cambria Math" panose="02040503050406030204" pitchFamily="18" charset="0"/>
-                          </a:rPr>
-                          <m:t>𝑠</m:t>
-                        </m:r>
-                      </m:e>
-                      <m:sup>
-                        <m:r>
-                          <a:rPr lang="en-US" b="0" i="1" smtClean="0">
-                            <a:latin typeface="Cambria Math" panose="02040503050406030204" pitchFamily="18" charset="0"/>
-                          </a:rPr>
-                          <m:t>2</m:t>
-                        </m:r>
-                      </m:sup>
-                    </m:sSup>
-                  </m:oMath>
-                </a14:m>
-                <a:r>
-                  <a:rPr lang="en-US" dirty="0"/>
-                  <a:t> </a:t>
-                </a:r>
-              </a:p>
-              <a:p>
-                <a:endParaRPr lang="en-US" dirty="0"/>
-              </a:p>
-              <a:p>
-                <a:r>
-                  <a:rPr lang="en-US" dirty="0"/>
-                  <a:t>Since the sum of the deviations must add to zero, then if we know the first </a:t>
-                </a:r>
-                <a14:m>
-                  <m:oMath xmlns:m="http://schemas.openxmlformats.org/officeDocument/2006/math">
-                    <m:r>
-                      <a:rPr lang="en-US" b="0" i="1" smtClean="0">
-                        <a:latin typeface="Cambria Math" panose="02040503050406030204" pitchFamily="18" charset="0"/>
-                      </a:rPr>
-                      <m:t>𝑛</m:t>
-                    </m:r>
-                    <m:r>
-                      <a:rPr lang="en-US" b="0" i="1" smtClean="0">
-                        <a:latin typeface="Cambria Math" panose="02040503050406030204" pitchFamily="18" charset="0"/>
-                      </a:rPr>
-                      <m:t>−1</m:t>
-                    </m:r>
-                  </m:oMath>
-                </a14:m>
-                <a:r>
-                  <a:rPr lang="en-US" dirty="0"/>
-                  <a:t> deviations we can always figure out the last one</a:t>
-                </a:r>
-              </a:p>
-              <a:p>
-                <a:endParaRPr lang="en-US" dirty="0"/>
-              </a:p>
-              <a:p>
-                <a:r>
-                  <a:rPr lang="en-US" dirty="0"/>
-                  <a:t>Ex.) suppose we have two data points and the deviation of the first data point is </a:t>
-                </a:r>
-                <a14:m>
-                  <m:oMath xmlns:m="http://schemas.openxmlformats.org/officeDocument/2006/math">
-                    <m:r>
-                      <a:rPr lang="en-US" b="0" i="1" smtClean="0">
-                        <a:latin typeface="Cambria Math" panose="02040503050406030204" pitchFamily="18" charset="0"/>
-                      </a:rPr>
-                      <m:t>𝑥</m:t>
-                    </m:r>
-                    <m:r>
-                      <a:rPr lang="en-US" b="0" i="1" smtClean="0">
-                        <a:latin typeface="Cambria Math" panose="02040503050406030204" pitchFamily="18" charset="0"/>
-                      </a:rPr>
-                      <m:t> −</m:t>
-                    </m:r>
-                    <m:acc>
-                      <m:accPr>
-                        <m:chr m:val="̅"/>
-                        <m:ctrlPr>
-                          <a:rPr lang="en-US" b="0" i="1" smtClean="0">
-                            <a:latin typeface="Cambria Math" panose="02040503050406030204" pitchFamily="18" charset="0"/>
-                          </a:rPr>
-                        </m:ctrlPr>
-                      </m:accPr>
-                      <m:e>
-                        <m:r>
-                          <a:rPr lang="en-US" b="0" i="1" smtClean="0">
-                            <a:latin typeface="Cambria Math" panose="02040503050406030204" pitchFamily="18" charset="0"/>
-                          </a:rPr>
-                          <m:t>𝑥</m:t>
-                        </m:r>
-                      </m:e>
-                    </m:acc>
-                    <m:r>
-                      <a:rPr lang="en-US" b="0" i="1" smtClean="0">
-                        <a:latin typeface="Cambria Math" panose="02040503050406030204" pitchFamily="18" charset="0"/>
-                      </a:rPr>
-                      <m:t>=−5</m:t>
-                    </m:r>
-                  </m:oMath>
-                </a14:m>
-                <a:r>
-                  <a:rPr lang="en-US" dirty="0"/>
-                  <a:t> </a:t>
-                </a:r>
-              </a:p>
-              <a:p>
-                <a:pPr lvl="1"/>
-                <a:r>
-                  <a:rPr lang="en-US" dirty="0"/>
-                  <a:t>Then the deviation of the second data point </a:t>
-                </a:r>
-                <a:r>
-                  <a:rPr lang="en-US" u="sng" dirty="0"/>
-                  <a:t>has</a:t>
-                </a:r>
-                <a:r>
-                  <a:rPr lang="en-US" dirty="0"/>
-                  <a:t> to be 5 for the sum of deviations to be zero. </a:t>
-                </a:r>
-              </a:p>
-            </p:txBody>
-          </p:sp>
-        </mc:Choice>
-        <mc:Fallback xmlns="">
-          <p:sp>
-            <p:nvSpPr>
-              <p:cNvPr id="3" name="Content Placeholder 2">
-                <a:extLst>
-                  <a:ext uri="{FF2B5EF4-FFF2-40B4-BE49-F238E27FC236}">
-                    <a16:creationId xmlns:a16="http://schemas.microsoft.com/office/drawing/2014/main" id="{51A4BF34-A2FA-6993-0CE4-3573B865FE8F}"/>
-                  </a:ext>
-                </a:extLst>
-              </p:cNvPr>
-              <p:cNvSpPr>
-                <a:spLocks noGrp="1" noRot="1" noChangeAspect="1" noMove="1" noResize="1" noEditPoints="1" noAdjustHandles="1" noChangeArrowheads="1" noChangeShapeType="1" noTextEdit="1"/>
-              </p:cNvSpPr>
-              <p:nvPr>
-                <p:ph idx="1"/>
-              </p:nvPr>
-            </p:nvSpPr>
-            <p:spPr>
-              <a:blipFill>
-                <a:blip r:embed="rId3"/>
-                <a:stretch>
-                  <a:fillRect l="-1043" t="-3081" r="-1681"/>
-                </a:stretch>
-              </a:blipFill>
-            </p:spPr>
-            <p:txBody>
-              <a:bodyPr/>
-              <a:lstStyle/>
-              <a:p>
-                <a:r>
-                  <a:rPr lang="en-US">
-                    <a:noFill/>
-                  </a:rPr>
-                  <a:t> </a:t>
-                </a:r>
-              </a:p>
-            </p:txBody>
-          </p:sp>
-        </mc:Fallback>
-      </mc:AlternateContent>
-    </p:spTree>
-    <p:extLst>
-      <p:ext uri="{BB962C8B-B14F-4D97-AF65-F5344CB8AC3E}">
-        <p14:creationId xmlns:p14="http://schemas.microsoft.com/office/powerpoint/2010/main" val="3975655598"/>
-      </p:ext>
-    </p:extLst>
-  </p:cSld>
-  <p:clrMapOvr>
-    <a:masterClrMapping/>
-  </p:clrMapOvr>
-</p:sld>
-</file>
-
-<file path=ppt/slides/slide26.xml><?xml version="1.0" encoding="utf-8"?>
-<p:sld xmlns:a="http://schemas.openxmlformats.org/drawingml/2006/main" xmlns:r="http://schemas.openxmlformats.org/officeDocument/2006/relationships" xmlns:p="http://schemas.openxmlformats.org/presentationml/2006/main">
-  <p:cSld>
-    <p:bg>
-      <p:bgPr>
-        <a:solidFill>
-          <a:schemeClr val="bg1"/>
-        </a:solidFill>
-        <a:effectLst/>
-      </p:bgPr>
-    </p:bg>
-    <p:spTree>
-      <p:nvGrpSpPr>
-        <p:cNvPr id="1" name=""/>
-        <p:cNvGrpSpPr/>
-        <p:nvPr/>
-      </p:nvGrpSpPr>
-      <p:grpSpPr>
-        <a:xfrm>
-          <a:off x="0" y="0"/>
-          <a:ext cx="0" cy="0"/>
-          <a:chOff x="0" y="0"/>
-          <a:chExt cx="0" cy="0"/>
-        </a:xfrm>
-      </p:grpSpPr>
-      <p:sp useBgFill="1">
-        <p:nvSpPr>
-          <p:cNvPr id="10" name="Rectangle 9">
-            <a:extLst>
-              <a:ext uri="{FF2B5EF4-FFF2-40B4-BE49-F238E27FC236}">
-                <a16:creationId xmlns:a16="http://schemas.microsoft.com/office/drawing/2014/main" id="{22587ECF-85E9-4393-9D87-8EB6F3F6C208}"/>
-              </a:ext>
-              <a:ext uri="{C183D7F6-B498-43B3-948B-1728B52AA6E4}">
-                <adec:decorative xmlns:adec="http://schemas.microsoft.com/office/drawing/2017/decorative" val="1"/>
-              </a:ext>
-            </a:extLst>
-          </p:cNvPr>
-          <p:cNvSpPr>
-            <a:spLocks noGrp="1" noRot="1" noChangeAspect="1" noMove="1" noResize="1" noEditPoints="1" noAdjustHandles="1" noChangeArrowheads="1" noChangeShapeType="1" noTextEdit="1"/>
-          </p:cNvSpPr>
-          <p:nvPr>
-            <p:extLst>
-              <p:ext uri="{386F3935-93C4-4BCD-93E2-E3B085C9AB24}">
-                <p16:designElem xmlns:p16="http://schemas.microsoft.com/office/powerpoint/2015/main" val="1"/>
-              </p:ext>
-            </p:extLst>
-          </p:nvPr>
-        </p:nvSpPr>
-        <p:spPr>
-          <a:xfrm>
-            <a:off x="-1" y="0"/>
-            <a:ext cx="12188952" cy="6858000"/>
-          </a:xfrm>
-          <a:prstGeom prst="rect">
-            <a:avLst/>
-          </a:prstGeom>
-          <a:ln>
-            <a:noFill/>
-          </a:ln>
-        </p:spPr>
-        <p:style>
-          <a:lnRef idx="2">
-            <a:schemeClr val="accent1">
-              <a:shade val="50000"/>
-            </a:schemeClr>
-          </a:lnRef>
-          <a:fillRef idx="1">
-            <a:schemeClr val="accent1"/>
-          </a:fillRef>
-          <a:effectRef idx="0">
-            <a:schemeClr val="accent1"/>
-          </a:effectRef>
-          <a:fontRef idx="minor">
-            <a:schemeClr val="lt1"/>
-          </a:fontRef>
-        </p:style>
-        <p:txBody>
-          <a:bodyPr rtlCol="0" anchor="ctr"/>
-          <a:lstStyle/>
-          <a:p>
-            <a:pPr marL="0" marR="0" lvl="0" indent="0" algn="ctr" defTabSz="914400" rtl="0" eaLnBrk="1" fontAlgn="auto" latinLnBrk="0" hangingPunct="1">
-              <a:lnSpc>
-                <a:spcPct val="100000"/>
-              </a:lnSpc>
-              <a:spcBef>
-                <a:spcPts val="0"/>
-              </a:spcBef>
-              <a:spcAft>
-                <a:spcPts val="0"/>
-              </a:spcAft>
-              <a:buClrTx/>
-              <a:buSzTx/>
-              <a:buFontTx/>
-              <a:buNone/>
-              <a:tabLst/>
-              <a:defRPr/>
-            </a:pPr>
-            <a:endParaRPr kumimoji="0" lang="en-US" sz="1800" b="0" i="0" u="none" strike="noStrike" kern="1200" cap="none" spc="0" normalizeH="0" baseline="0" noProof="0">
-              <a:ln>
-                <a:noFill/>
-              </a:ln>
-              <a:solidFill>
-                <a:prstClr val="white"/>
-              </a:solidFill>
-              <a:effectLst/>
-              <a:uLnTx/>
-              <a:uFillTx/>
-              <a:latin typeface="Calibri" panose="020F0502020204030204"/>
-              <a:ea typeface="+mn-ea"/>
-              <a:cs typeface="+mn-cs"/>
-            </a:endParaRPr>
-          </a:p>
-        </p:txBody>
-      </p:sp>
-      <mc:AlternateContent xmlns:mc="http://schemas.openxmlformats.org/markup-compatibility/2006" xmlns:a14="http://schemas.microsoft.com/office/drawing/2010/main">
-        <mc:Choice Requires="a14">
-          <p:sp>
-            <p:nvSpPr>
-              <p:cNvPr id="2" name="Title 1">
-                <a:extLst>
-                  <a:ext uri="{FF2B5EF4-FFF2-40B4-BE49-F238E27FC236}">
-                    <a16:creationId xmlns:a16="http://schemas.microsoft.com/office/drawing/2014/main" id="{6EA75132-6122-451D-8580-53616DB7E950}"/>
-                  </a:ext>
-                </a:extLst>
-              </p:cNvPr>
-              <p:cNvSpPr>
-                <a:spLocks noGrp="1"/>
-              </p:cNvSpPr>
-              <p:nvPr>
-                <p:ph type="title"/>
-              </p:nvPr>
-            </p:nvSpPr>
-            <p:spPr>
-              <a:xfrm>
-                <a:off x="838199" y="537883"/>
-                <a:ext cx="4783697" cy="1942810"/>
-              </a:xfrm>
-            </p:spPr>
-            <p:txBody>
-              <a:bodyPr vert="horz" lIns="91440" tIns="45720" rIns="91440" bIns="45720" rtlCol="0" anchor="b">
-                <a:normAutofit/>
-              </a:bodyPr>
-              <a:lstStyle/>
-              <a:p>
-                <a:r>
-                  <a:rPr lang="en-US" sz="4000" kern="1200" dirty="0">
-                    <a:solidFill>
-                      <a:schemeClr val="tx1"/>
-                    </a:solidFill>
-                    <a:latin typeface="+mj-lt"/>
-                    <a:ea typeface="+mj-ea"/>
-                    <a:cs typeface="+mj-cs"/>
-                  </a:rPr>
-                  <a:t>Try it out: Computing </a:t>
-                </a:r>
-                <a14:m>
-                  <m:oMath xmlns:m="http://schemas.openxmlformats.org/officeDocument/2006/math">
-                    <m:r>
-                      <a:rPr lang="en-US" sz="4000" b="0" i="1" kern="1200" smtClean="0">
-                        <a:solidFill>
-                          <a:schemeClr val="tx1"/>
-                        </a:solidFill>
-                        <a:latin typeface="Cambria Math" panose="02040503050406030204" pitchFamily="18" charset="0"/>
-                        <a:ea typeface="+mj-ea"/>
-                        <a:cs typeface="+mj-cs"/>
-                      </a:rPr>
-                      <m:t>𝑠</m:t>
-                    </m:r>
-                  </m:oMath>
-                </a14:m>
-                <a:r>
-                  <a:rPr lang="en-US" sz="4000" kern="1200" dirty="0">
-                    <a:solidFill>
-                      <a:schemeClr val="tx1"/>
-                    </a:solidFill>
-                    <a:latin typeface="+mj-lt"/>
-                    <a:ea typeface="+mj-ea"/>
-                    <a:cs typeface="+mj-cs"/>
-                  </a:rPr>
-                  <a:t> and </a:t>
-                </a:r>
-                <a14:m>
-                  <m:oMath xmlns:m="http://schemas.openxmlformats.org/officeDocument/2006/math">
-                    <m:sSup>
-                      <m:sSupPr>
-                        <m:ctrlPr>
-                          <a:rPr lang="en-US" sz="4000" b="0" i="1" kern="1200" smtClean="0">
-                            <a:solidFill>
-                              <a:schemeClr val="tx1"/>
-                            </a:solidFill>
-                            <a:latin typeface="Cambria Math" panose="02040503050406030204" pitchFamily="18" charset="0"/>
-                            <a:ea typeface="+mj-ea"/>
-                            <a:cs typeface="+mj-cs"/>
-                          </a:rPr>
-                        </m:ctrlPr>
-                      </m:sSupPr>
-                      <m:e>
-                        <m:r>
-                          <a:rPr lang="en-US" sz="4000" b="0" i="1" kern="1200" smtClean="0">
-                            <a:solidFill>
-                              <a:schemeClr val="tx1"/>
-                            </a:solidFill>
-                            <a:latin typeface="Cambria Math" panose="02040503050406030204" pitchFamily="18" charset="0"/>
-                            <a:ea typeface="+mj-ea"/>
-                            <a:cs typeface="+mj-cs"/>
-                          </a:rPr>
-                          <m:t>𝑠</m:t>
-                        </m:r>
-                      </m:e>
-                      <m:sup>
-                        <m:r>
-                          <a:rPr lang="en-US" sz="4000" b="0" i="1" kern="1200" smtClean="0">
-                            <a:solidFill>
-                              <a:schemeClr val="tx1"/>
-                            </a:solidFill>
-                            <a:latin typeface="Cambria Math" panose="02040503050406030204" pitchFamily="18" charset="0"/>
-                            <a:ea typeface="+mj-ea"/>
-                            <a:cs typeface="+mj-cs"/>
-                          </a:rPr>
-                          <m:t>2</m:t>
-                        </m:r>
-                      </m:sup>
-                    </m:sSup>
-                  </m:oMath>
-                </a14:m>
-                <a:r>
-                  <a:rPr lang="en-US" sz="4000" kern="1200" dirty="0">
-                    <a:solidFill>
-                      <a:schemeClr val="tx1"/>
-                    </a:solidFill>
-                    <a:latin typeface="+mj-lt"/>
-                    <a:ea typeface="+mj-ea"/>
-                    <a:cs typeface="+mj-cs"/>
-                  </a:rPr>
-                  <a:t> </a:t>
-                </a:r>
-              </a:p>
-            </p:txBody>
-          </p:sp>
-        </mc:Choice>
-        <mc:Fallback xmlns="">
-          <p:sp>
-            <p:nvSpPr>
-              <p:cNvPr id="2" name="Title 1">
-                <a:extLst>
-                  <a:ext uri="{FF2B5EF4-FFF2-40B4-BE49-F238E27FC236}">
-                    <a16:creationId xmlns:a16="http://schemas.microsoft.com/office/drawing/2014/main" id="{6EA75132-6122-451D-8580-53616DB7E950}"/>
-                  </a:ext>
-                </a:extLst>
-              </p:cNvPr>
-              <p:cNvSpPr>
-                <a:spLocks noGrp="1" noRot="1" noChangeAspect="1" noMove="1" noResize="1" noEditPoints="1" noAdjustHandles="1" noChangeArrowheads="1" noChangeShapeType="1" noTextEdit="1"/>
-              </p:cNvSpPr>
-              <p:nvPr>
-                <p:ph type="title"/>
-              </p:nvPr>
-            </p:nvSpPr>
-            <p:spPr>
-              <a:xfrm>
-                <a:off x="838199" y="537883"/>
-                <a:ext cx="4783697" cy="1942810"/>
-              </a:xfrm>
-              <a:blipFill>
-                <a:blip r:embed="rId2"/>
-                <a:stretch>
-                  <a:fillRect l="-4459" r="-892" b="-13793"/>
-                </a:stretch>
-              </a:blipFill>
-            </p:spPr>
-            <p:txBody>
-              <a:bodyPr/>
-              <a:lstStyle/>
-              <a:p>
-                <a:r>
-                  <a:rPr lang="en-US">
-                    <a:noFill/>
-                  </a:rPr>
-                  <a:t> </a:t>
-                </a:r>
-              </a:p>
-            </p:txBody>
-          </p:sp>
-        </mc:Fallback>
-      </mc:AlternateContent>
-      <mc:AlternateContent xmlns:mc="http://schemas.openxmlformats.org/markup-compatibility/2006" xmlns:a14="http://schemas.microsoft.com/office/drawing/2010/main">
-        <mc:Choice Requires="a14">
-          <p:sp>
-            <p:nvSpPr>
-              <p:cNvPr id="4" name="Content Placeholder 2">
-                <a:extLst>
-                  <a:ext uri="{FF2B5EF4-FFF2-40B4-BE49-F238E27FC236}">
-                    <a16:creationId xmlns:a16="http://schemas.microsoft.com/office/drawing/2014/main" id="{C933D906-CF81-5AD4-2902-D9DD0E0EF8B7}"/>
-                  </a:ext>
-                </a:extLst>
-              </p:cNvPr>
-              <p:cNvSpPr txBox="1">
-                <a:spLocks/>
-              </p:cNvSpPr>
-              <p:nvPr/>
-            </p:nvSpPr>
-            <p:spPr>
-              <a:xfrm>
-                <a:off x="838199" y="2686323"/>
-                <a:ext cx="4783697" cy="3433583"/>
-              </a:xfrm>
-              <a:prstGeom prst="rect">
-                <a:avLst/>
-              </a:prstGeom>
-            </p:spPr>
-            <p:txBody>
-              <a:bodyPr vert="horz" lIns="91440" tIns="45720" rIns="91440" bIns="45720" rtlCol="0">
-                <a:normAutofit/>
-              </a:bodyPr>
-              <a:lstStyle>
-                <a:lvl1pPr marL="228600" indent="-228600" algn="l" defTabSz="914400" rtl="0" eaLnBrk="1" latinLnBrk="0" hangingPunct="1">
-                  <a:lnSpc>
-                    <a:spcPct val="90000"/>
-                  </a:lnSpc>
-                  <a:spcBef>
-                    <a:spcPts val="1000"/>
-                  </a:spcBef>
-                  <a:buFont typeface="Arial" panose="020B0604020202020204" pitchFamily="34" charset="0"/>
-                  <a:buChar char="•"/>
-                  <a:defRPr sz="2800" kern="1200">
-                    <a:solidFill>
-                      <a:schemeClr val="tx1"/>
-                    </a:solidFill>
-                    <a:latin typeface="+mn-lt"/>
-                    <a:ea typeface="+mn-ea"/>
-                    <a:cs typeface="+mn-cs"/>
-                  </a:defRPr>
-                </a:lvl1pPr>
-                <a:lvl2pPr marL="685800" indent="-228600" algn="l" defTabSz="914400" rtl="0" eaLnBrk="1" latinLnBrk="0" hangingPunct="1">
-                  <a:lnSpc>
-                    <a:spcPct val="90000"/>
-                  </a:lnSpc>
-                  <a:spcBef>
-                    <a:spcPts val="500"/>
-                  </a:spcBef>
-                  <a:buFont typeface="Arial" panose="020B0604020202020204" pitchFamily="34" charset="0"/>
-                  <a:buChar char="•"/>
-                  <a:defRPr sz="2400" kern="1200">
-                    <a:solidFill>
-                      <a:schemeClr val="tx1"/>
-                    </a:solidFill>
-                    <a:latin typeface="+mn-lt"/>
-                    <a:ea typeface="+mn-ea"/>
-                    <a:cs typeface="+mn-cs"/>
-                  </a:defRPr>
-                </a:lvl2pPr>
-                <a:lvl3pPr marL="1143000" indent="-228600" algn="l" defTabSz="914400" rtl="0" eaLnBrk="1" latinLnBrk="0" hangingPunct="1">
-                  <a:lnSpc>
-                    <a:spcPct val="90000"/>
-                  </a:lnSpc>
-                  <a:spcBef>
-                    <a:spcPts val="500"/>
-                  </a:spcBef>
-                  <a:buFont typeface="Arial" panose="020B0604020202020204" pitchFamily="34" charset="0"/>
-                  <a:buChar char="•"/>
-                  <a:defRPr sz="2000" kern="1200">
-                    <a:solidFill>
-                      <a:schemeClr val="tx1"/>
-                    </a:solidFill>
-                    <a:latin typeface="+mn-lt"/>
-                    <a:ea typeface="+mn-ea"/>
-                    <a:cs typeface="+mn-cs"/>
-                  </a:defRPr>
-                </a:lvl3pPr>
-                <a:lvl4pPr marL="1600200" indent="-228600" algn="l" defTabSz="914400" rtl="0" eaLnBrk="1" latinLnBrk="0" hangingPunct="1">
-                  <a:lnSpc>
-                    <a:spcPct val="90000"/>
-                  </a:lnSpc>
-                  <a:spcBef>
-                    <a:spcPts val="500"/>
-                  </a:spcBef>
-                  <a:buFont typeface="Arial" panose="020B0604020202020204" pitchFamily="34" charset="0"/>
-                  <a:buChar char="•"/>
-                  <a:defRPr sz="1800" kern="1200">
-                    <a:solidFill>
-                      <a:schemeClr val="tx1"/>
-                    </a:solidFill>
-                    <a:latin typeface="+mn-lt"/>
-                    <a:ea typeface="+mn-ea"/>
-                    <a:cs typeface="+mn-cs"/>
-                  </a:defRPr>
-                </a:lvl4pPr>
-                <a:lvl5pPr marL="2057400" indent="-228600" algn="l" defTabSz="914400" rtl="0" eaLnBrk="1" latinLnBrk="0" hangingPunct="1">
-                  <a:lnSpc>
-                    <a:spcPct val="90000"/>
-                  </a:lnSpc>
-                  <a:spcBef>
-                    <a:spcPts val="500"/>
-                  </a:spcBef>
-                  <a:buFont typeface="Arial" panose="020B0604020202020204" pitchFamily="34" charset="0"/>
-                  <a:buChar char="•"/>
-                  <a:defRPr sz="1800" kern="1200">
-                    <a:solidFill>
-                      <a:schemeClr val="tx1"/>
-                    </a:solidFill>
-                    <a:latin typeface="+mn-lt"/>
-                    <a:ea typeface="+mn-ea"/>
-                    <a:cs typeface="+mn-cs"/>
-                  </a:defRPr>
-                </a:lvl5pPr>
-                <a:lvl6pPr marL="2514600" indent="-228600" algn="l" defTabSz="914400" rtl="0" eaLnBrk="1" latinLnBrk="0" hangingPunct="1">
-                  <a:lnSpc>
-                    <a:spcPct val="90000"/>
-                  </a:lnSpc>
-                  <a:spcBef>
-                    <a:spcPts val="500"/>
-                  </a:spcBef>
-                  <a:buFont typeface="Arial" panose="020B0604020202020204" pitchFamily="34" charset="0"/>
-                  <a:buChar char="•"/>
-                  <a:defRPr sz="1800" kern="1200">
-                    <a:solidFill>
-                      <a:schemeClr val="tx1"/>
-                    </a:solidFill>
-                    <a:latin typeface="+mn-lt"/>
-                    <a:ea typeface="+mn-ea"/>
-                    <a:cs typeface="+mn-cs"/>
-                  </a:defRPr>
-                </a:lvl6pPr>
-                <a:lvl7pPr marL="2971800" indent="-228600" algn="l" defTabSz="914400" rtl="0" eaLnBrk="1" latinLnBrk="0" hangingPunct="1">
-                  <a:lnSpc>
-                    <a:spcPct val="90000"/>
-                  </a:lnSpc>
-                  <a:spcBef>
-                    <a:spcPts val="500"/>
-                  </a:spcBef>
-                  <a:buFont typeface="Arial" panose="020B0604020202020204" pitchFamily="34" charset="0"/>
-                  <a:buChar char="•"/>
-                  <a:defRPr sz="1800" kern="1200">
-                    <a:solidFill>
-                      <a:schemeClr val="tx1"/>
-                    </a:solidFill>
-                    <a:latin typeface="+mn-lt"/>
-                    <a:ea typeface="+mn-ea"/>
-                    <a:cs typeface="+mn-cs"/>
-                  </a:defRPr>
-                </a:lvl7pPr>
-                <a:lvl8pPr marL="3429000" indent="-228600" algn="l" defTabSz="914400" rtl="0" eaLnBrk="1" latinLnBrk="0" hangingPunct="1">
-                  <a:lnSpc>
-                    <a:spcPct val="90000"/>
-                  </a:lnSpc>
-                  <a:spcBef>
-                    <a:spcPts val="500"/>
-                  </a:spcBef>
-                  <a:buFont typeface="Arial" panose="020B0604020202020204" pitchFamily="34" charset="0"/>
-                  <a:buChar char="•"/>
-                  <a:defRPr sz="1800" kern="1200">
-                    <a:solidFill>
-                      <a:schemeClr val="tx1"/>
-                    </a:solidFill>
-                    <a:latin typeface="+mn-lt"/>
-                    <a:ea typeface="+mn-ea"/>
-                    <a:cs typeface="+mn-cs"/>
-                  </a:defRPr>
-                </a:lvl8pPr>
-                <a:lvl9pPr marL="3886200" indent="-228600" algn="l" defTabSz="914400" rtl="0" eaLnBrk="1" latinLnBrk="0" hangingPunct="1">
-                  <a:lnSpc>
-                    <a:spcPct val="90000"/>
-                  </a:lnSpc>
-                  <a:spcBef>
-                    <a:spcPts val="500"/>
-                  </a:spcBef>
-                  <a:buFont typeface="Arial" panose="020B0604020202020204" pitchFamily="34" charset="0"/>
-                  <a:buChar char="•"/>
-                  <a:defRPr sz="1800" kern="1200">
-                    <a:solidFill>
-                      <a:schemeClr val="tx1"/>
-                    </a:solidFill>
-                    <a:latin typeface="+mn-lt"/>
-                    <a:ea typeface="+mn-ea"/>
-                    <a:cs typeface="+mn-cs"/>
-                  </a:defRPr>
-                </a:lvl9pPr>
-              </a:lstStyle>
-              <a:p>
-                <a:pPr marL="0" marR="0" lvl="0" indent="-228600" algn="l" defTabSz="914400" rtl="0" eaLnBrk="1" fontAlgn="auto" latinLnBrk="0" hangingPunct="1">
-                  <a:lnSpc>
-                    <a:spcPct val="90000"/>
-                  </a:lnSpc>
-                  <a:spcBef>
-                    <a:spcPts val="1000"/>
-                  </a:spcBef>
-                  <a:spcAft>
-                    <a:spcPts val="0"/>
-                  </a:spcAft>
-                  <a:buClrTx/>
-                  <a:buSzTx/>
-                  <a:buFont typeface="Arial" panose="020B0604020202020204" pitchFamily="34" charset="0"/>
-                  <a:buChar char="•"/>
-                  <a:tabLst/>
-                  <a:defRPr/>
-                </a:pPr>
-                <a:endParaRPr kumimoji="0" lang="en-US" sz="2000" b="0" i="0" u="none" strike="noStrike" kern="1200" cap="none" spc="0" normalizeH="0" baseline="0" noProof="0" dirty="0">
-                  <a:ln>
-                    <a:noFill/>
-                  </a:ln>
-                  <a:solidFill>
-                    <a:prstClr val="black"/>
-                  </a:solidFill>
-                  <a:effectLst/>
-                  <a:uLnTx/>
-                  <a:uFillTx/>
-                  <a:latin typeface="Calibri" panose="020F0502020204030204"/>
-                  <a:ea typeface="+mn-ea"/>
-                  <a:cs typeface="+mn-cs"/>
-                </a:endParaRPr>
-              </a:p>
-              <a:p>
-                <a:pPr marL="0" marR="0" lvl="0" indent="-228600" algn="l" defTabSz="914400" rtl="0" eaLnBrk="1" fontAlgn="auto" latinLnBrk="0" hangingPunct="1">
-                  <a:lnSpc>
-                    <a:spcPct val="90000"/>
-                  </a:lnSpc>
-                  <a:spcBef>
-                    <a:spcPts val="1000"/>
-                  </a:spcBef>
-                  <a:spcAft>
-                    <a:spcPts val="0"/>
-                  </a:spcAft>
-                  <a:buClrTx/>
-                  <a:buSzTx/>
-                  <a:buFont typeface="Arial" panose="020B0604020202020204" pitchFamily="34" charset="0"/>
-                  <a:buChar char="•"/>
-                  <a:tabLst/>
-                  <a:defRPr/>
-                </a:pPr>
-                <a:r>
-                  <a:rPr kumimoji="0" lang="en-US" sz="2400" b="0" i="0" u="none" strike="noStrike" kern="1200" cap="none" spc="0" normalizeH="0" baseline="0" noProof="0" dirty="0">
-                    <a:ln>
-                      <a:noFill/>
-                    </a:ln>
-                    <a:solidFill>
-                      <a:prstClr val="black"/>
-                    </a:solidFill>
-                    <a:effectLst/>
-                    <a:uLnTx/>
-                    <a:uFillTx/>
-                    <a:latin typeface="Calibri" panose="020F0502020204030204"/>
-                    <a:ea typeface="+mn-ea"/>
-                    <a:cs typeface="+mn-cs"/>
-                  </a:rPr>
-                  <a:t>Roll a six-sided die </a:t>
-                </a:r>
-                <a14:m>
-                  <m:oMath xmlns:m="http://schemas.openxmlformats.org/officeDocument/2006/math">
-                    <m:r>
-                      <a:rPr kumimoji="0" lang="en-US" sz="2400" b="0" i="1" u="none" strike="noStrike" kern="1200" cap="none" spc="0" normalizeH="0" baseline="0" noProof="0" smtClean="0">
-                        <a:ln>
-                          <a:noFill/>
-                        </a:ln>
-                        <a:solidFill>
-                          <a:prstClr val="black"/>
-                        </a:solidFill>
-                        <a:effectLst/>
-                        <a:uLnTx/>
-                        <a:uFillTx/>
-                        <a:latin typeface="Cambria Math" panose="02040503050406030204" pitchFamily="18" charset="0"/>
-                        <a:ea typeface="+mn-ea"/>
-                        <a:cs typeface="+mn-cs"/>
-                      </a:rPr>
-                      <m:t>𝑛</m:t>
-                    </m:r>
-                    <m:r>
-                      <a:rPr kumimoji="0" lang="en-US" sz="2400" b="0" i="1" u="none" strike="noStrike" kern="1200" cap="none" spc="0" normalizeH="0" baseline="0" noProof="0" smtClean="0">
-                        <a:ln>
-                          <a:noFill/>
-                        </a:ln>
-                        <a:solidFill>
-                          <a:prstClr val="black"/>
-                        </a:solidFill>
-                        <a:effectLst/>
-                        <a:uLnTx/>
-                        <a:uFillTx/>
-                        <a:latin typeface="Cambria Math" panose="02040503050406030204" pitchFamily="18" charset="0"/>
-                        <a:ea typeface="+mn-ea"/>
-                        <a:cs typeface="+mn-cs"/>
-                      </a:rPr>
-                      <m:t>=10</m:t>
-                    </m:r>
-                  </m:oMath>
-                </a14:m>
-                <a:r>
-                  <a:rPr kumimoji="0" lang="en-US" sz="2400" b="0" i="0" u="none" strike="noStrike" kern="1200" cap="none" spc="0" normalizeH="0" baseline="0" noProof="0" dirty="0">
-                    <a:ln>
-                      <a:noFill/>
-                    </a:ln>
-                    <a:solidFill>
-                      <a:prstClr val="black"/>
-                    </a:solidFill>
-                    <a:effectLst/>
-                    <a:uLnTx/>
-                    <a:uFillTx/>
-                    <a:latin typeface="Calibri" panose="020F0502020204030204"/>
-                    <a:ea typeface="+mn-ea"/>
-                    <a:cs typeface="+mn-cs"/>
-                  </a:rPr>
-                  <a:t> times and record the number rolled each time</a:t>
-                </a:r>
-                <a:endParaRPr kumimoji="0" lang="en-US" sz="2000" b="0" i="0" u="none" strike="noStrike" kern="1200" cap="none" spc="0" normalizeH="0" baseline="0" noProof="0" dirty="0">
-                  <a:ln>
-                    <a:noFill/>
-                  </a:ln>
-                  <a:solidFill>
-                    <a:prstClr val="black"/>
-                  </a:solidFill>
-                  <a:effectLst/>
-                  <a:uLnTx/>
-                  <a:uFillTx/>
-                  <a:latin typeface="Calibri" panose="020F0502020204030204"/>
-                  <a:ea typeface="+mn-ea"/>
-                  <a:cs typeface="+mn-cs"/>
-                </a:endParaRPr>
-              </a:p>
-              <a:p>
-                <a:pPr marL="0" marR="0" lvl="0" indent="-228600" algn="l" defTabSz="914400" rtl="0" eaLnBrk="1" fontAlgn="auto" latinLnBrk="0" hangingPunct="1">
-                  <a:lnSpc>
-                    <a:spcPct val="90000"/>
-                  </a:lnSpc>
-                  <a:spcBef>
-                    <a:spcPts val="1000"/>
-                  </a:spcBef>
-                  <a:spcAft>
-                    <a:spcPts val="0"/>
-                  </a:spcAft>
-                  <a:buClrTx/>
-                  <a:buSzTx/>
-                  <a:buFont typeface="Arial" panose="020B0604020202020204" pitchFamily="34" charset="0"/>
-                  <a:buChar char="•"/>
-                  <a:tabLst/>
-                  <a:defRPr/>
-                </a:pPr>
-                <a:endParaRPr kumimoji="0" lang="en-US" sz="2000" b="0" i="0" u="none" strike="noStrike" kern="1200" cap="none" spc="0" normalizeH="0" baseline="0" noProof="0" dirty="0">
-                  <a:ln>
-                    <a:noFill/>
-                  </a:ln>
-                  <a:solidFill>
-                    <a:prstClr val="black"/>
-                  </a:solidFill>
-                  <a:effectLst/>
-                  <a:uLnTx/>
-                  <a:uFillTx/>
-                  <a:latin typeface="Calibri" panose="020F0502020204030204"/>
-                  <a:ea typeface="+mn-ea"/>
-                  <a:cs typeface="+mn-cs"/>
-                </a:endParaRPr>
-              </a:p>
-              <a:p>
-                <a:pPr marL="0" marR="0" lvl="0" indent="-228600" algn="l" defTabSz="914400" rtl="0" eaLnBrk="1" fontAlgn="auto" latinLnBrk="0" hangingPunct="1">
-                  <a:lnSpc>
-                    <a:spcPct val="90000"/>
-                  </a:lnSpc>
-                  <a:spcBef>
-                    <a:spcPts val="1000"/>
-                  </a:spcBef>
-                  <a:spcAft>
-                    <a:spcPts val="0"/>
-                  </a:spcAft>
-                  <a:buClrTx/>
-                  <a:buSzTx/>
-                  <a:buFont typeface="Arial" panose="020B0604020202020204" pitchFamily="34" charset="0"/>
-                  <a:buChar char="•"/>
-                  <a:tabLst/>
-                  <a:defRPr/>
-                </a:pPr>
-                <a:r>
-                  <a:rPr kumimoji="0" lang="en-US" sz="2400" b="0" i="0" u="none" strike="noStrike" kern="1200" cap="none" spc="0" normalizeH="0" baseline="0" noProof="0" dirty="0">
-                    <a:ln>
-                      <a:noFill/>
-                    </a:ln>
-                    <a:solidFill>
-                      <a:prstClr val="black"/>
-                    </a:solidFill>
-                    <a:effectLst/>
-                    <a:uLnTx/>
-                    <a:uFillTx/>
-                    <a:latin typeface="Calibri" panose="020F0502020204030204"/>
-                    <a:ea typeface="+mn-ea"/>
-                    <a:cs typeface="+mn-cs"/>
-                  </a:rPr>
-                  <a:t>Data = 1,2,3,3,4,4,4,5,6,6</a:t>
-                </a:r>
-              </a:p>
-              <a:p>
-                <a:pPr marL="0" marR="0" lvl="0" indent="-228600" algn="l" defTabSz="914400" rtl="0" eaLnBrk="1" fontAlgn="auto" latinLnBrk="0" hangingPunct="1">
-                  <a:lnSpc>
-                    <a:spcPct val="90000"/>
-                  </a:lnSpc>
-                  <a:spcBef>
-                    <a:spcPts val="1000"/>
-                  </a:spcBef>
-                  <a:spcAft>
-                    <a:spcPts val="0"/>
-                  </a:spcAft>
-                  <a:buClrTx/>
-                  <a:buSzTx/>
-                  <a:buFont typeface="Arial" panose="020B0604020202020204" pitchFamily="34" charset="0"/>
-                  <a:buChar char="•"/>
-                  <a:tabLst/>
-                  <a:defRPr/>
-                </a:pPr>
-                <a:endParaRPr lang="en-US" sz="2400" dirty="0">
-                  <a:solidFill>
-                    <a:prstClr val="black"/>
-                  </a:solidFill>
-                  <a:latin typeface="Calibri" panose="020F0502020204030204"/>
-                </a:endParaRPr>
-              </a:p>
-              <a:p>
-                <a:pPr marL="0" marR="0" lvl="0" indent="-228600" algn="l" defTabSz="914400" rtl="0" eaLnBrk="1" fontAlgn="auto" latinLnBrk="0" hangingPunct="1">
-                  <a:lnSpc>
-                    <a:spcPct val="90000"/>
-                  </a:lnSpc>
-                  <a:spcBef>
-                    <a:spcPts val="1000"/>
-                  </a:spcBef>
-                  <a:spcAft>
-                    <a:spcPts val="0"/>
-                  </a:spcAft>
-                  <a:buClrTx/>
-                  <a:buSzTx/>
-                  <a:buFont typeface="Arial" panose="020B0604020202020204" pitchFamily="34" charset="0"/>
-                  <a:buChar char="•"/>
-                  <a:tabLst/>
-                  <a:defRPr/>
-                </a:pPr>
-                <a:r>
-                  <a:rPr kumimoji="0" lang="en-US" sz="2400" b="0" i="0" u="none" strike="noStrike" kern="1200" cap="none" spc="0" normalizeH="0" baseline="0" noProof="0" dirty="0">
-                    <a:ln>
-                      <a:noFill/>
-                    </a:ln>
-                    <a:solidFill>
-                      <a:prstClr val="black"/>
-                    </a:solidFill>
-                    <a:effectLst/>
-                    <a:uLnTx/>
-                    <a:uFillTx/>
-                    <a:latin typeface="Calibri" panose="020F0502020204030204"/>
-                    <a:ea typeface="+mn-ea"/>
-                    <a:cs typeface="+mn-cs"/>
-                  </a:rPr>
-                  <a:t>Mean = 3.8</a:t>
-                </a:r>
-                <a:endParaRPr kumimoji="0" lang="en-US" sz="2000" b="0" i="0" u="none" strike="noStrike" kern="1200" cap="none" spc="0" normalizeH="0" baseline="0" noProof="0" dirty="0">
-                  <a:ln>
-                    <a:noFill/>
-                  </a:ln>
-                  <a:solidFill>
-                    <a:prstClr val="black"/>
-                  </a:solidFill>
-                  <a:effectLst/>
-                  <a:uLnTx/>
-                  <a:uFillTx/>
-                  <a:latin typeface="Calibri" panose="020F0502020204030204"/>
-                  <a:ea typeface="+mn-ea"/>
-                  <a:cs typeface="+mn-cs"/>
-                </a:endParaRPr>
-              </a:p>
-              <a:p>
-                <a:pPr marL="228600" marR="0" lvl="0" indent="-228600" algn="l" defTabSz="914400" rtl="0" eaLnBrk="1" fontAlgn="auto" latinLnBrk="0" hangingPunct="1">
-                  <a:lnSpc>
-                    <a:spcPct val="90000"/>
-                  </a:lnSpc>
-                  <a:spcBef>
-                    <a:spcPts val="1000"/>
-                  </a:spcBef>
-                  <a:spcAft>
-                    <a:spcPts val="0"/>
-                  </a:spcAft>
-                  <a:buClrTx/>
-                  <a:buSzTx/>
-                  <a:buFont typeface="Arial" panose="020B0604020202020204" pitchFamily="34" charset="0"/>
-                  <a:buChar char="•"/>
-                  <a:tabLst/>
-                  <a:defRPr/>
-                </a:pPr>
-                <a:endParaRPr kumimoji="0" lang="en-US" sz="2000" b="0" i="0" u="none" strike="noStrike" kern="1200" cap="none" spc="0" normalizeH="0" baseline="0" noProof="0" dirty="0">
-                  <a:ln>
-                    <a:noFill/>
-                  </a:ln>
-                  <a:solidFill>
-                    <a:prstClr val="black"/>
-                  </a:solidFill>
-                  <a:effectLst/>
-                  <a:uLnTx/>
-                  <a:uFillTx/>
-                  <a:latin typeface="Calibri" panose="020F0502020204030204"/>
-                  <a:ea typeface="+mn-ea"/>
-                  <a:cs typeface="+mn-cs"/>
-                </a:endParaRPr>
-              </a:p>
-              <a:p>
-                <a:pPr marL="228600" marR="0" lvl="0" indent="-228600" algn="l" defTabSz="914400" rtl="0" eaLnBrk="1" fontAlgn="auto" latinLnBrk="0" hangingPunct="1">
-                  <a:lnSpc>
-                    <a:spcPct val="90000"/>
-                  </a:lnSpc>
-                  <a:spcBef>
-                    <a:spcPts val="1000"/>
-                  </a:spcBef>
-                  <a:spcAft>
-                    <a:spcPts val="0"/>
-                  </a:spcAft>
-                  <a:buClrTx/>
-                  <a:buSzTx/>
-                  <a:buFont typeface="Arial" panose="020B0604020202020204" pitchFamily="34" charset="0"/>
-                  <a:buChar char="•"/>
-                  <a:tabLst/>
-                  <a:defRPr/>
-                </a:pPr>
-                <a:endParaRPr kumimoji="0" lang="en-US" sz="2000" b="0" i="0" u="none" strike="noStrike" kern="1200" cap="none" spc="0" normalizeH="0" baseline="0" noProof="0" dirty="0">
-                  <a:ln>
-                    <a:noFill/>
-                  </a:ln>
-                  <a:solidFill>
-                    <a:prstClr val="black"/>
-                  </a:solidFill>
-                  <a:effectLst/>
-                  <a:uLnTx/>
-                  <a:uFillTx/>
-                  <a:latin typeface="Calibri" panose="020F0502020204030204"/>
-                  <a:ea typeface="+mn-ea"/>
-                  <a:cs typeface="+mn-cs"/>
-                </a:endParaRPr>
-              </a:p>
-              <a:p>
-                <a:pPr marL="228600" marR="0" lvl="0" indent="-228600" algn="l" defTabSz="914400" rtl="0" eaLnBrk="1" fontAlgn="auto" latinLnBrk="0" hangingPunct="1">
-                  <a:lnSpc>
-                    <a:spcPct val="90000"/>
-                  </a:lnSpc>
-                  <a:spcBef>
-                    <a:spcPts val="1000"/>
-                  </a:spcBef>
-                  <a:spcAft>
-                    <a:spcPts val="0"/>
-                  </a:spcAft>
-                  <a:buClrTx/>
-                  <a:buSzTx/>
-                  <a:buFont typeface="Arial" panose="020B0604020202020204" pitchFamily="34" charset="0"/>
-                  <a:buChar char="•"/>
-                  <a:tabLst/>
-                  <a:defRPr/>
-                </a:pPr>
-                <a:endParaRPr kumimoji="0" lang="en-US" sz="2000" b="0" i="0" u="none" strike="noStrike" kern="1200" cap="none" spc="0" normalizeH="0" baseline="0" noProof="0" dirty="0">
-                  <a:ln>
-                    <a:noFill/>
-                  </a:ln>
-                  <a:solidFill>
-                    <a:prstClr val="black"/>
-                  </a:solidFill>
-                  <a:effectLst/>
-                  <a:uLnTx/>
-                  <a:uFillTx/>
-                  <a:latin typeface="Calibri" panose="020F0502020204030204"/>
-                  <a:ea typeface="+mn-ea"/>
-                  <a:cs typeface="+mn-cs"/>
-                </a:endParaRPr>
-              </a:p>
-            </p:txBody>
-          </p:sp>
-        </mc:Choice>
-        <mc:Fallback xmlns="">
-          <p:sp>
-            <p:nvSpPr>
-              <p:cNvPr id="4" name="Content Placeholder 2">
-                <a:extLst>
-                  <a:ext uri="{FF2B5EF4-FFF2-40B4-BE49-F238E27FC236}">
-                    <a16:creationId xmlns:a16="http://schemas.microsoft.com/office/drawing/2014/main" id="{C933D906-CF81-5AD4-2902-D9DD0E0EF8B7}"/>
-                  </a:ext>
-                </a:extLst>
-              </p:cNvPr>
-              <p:cNvSpPr txBox="1">
-                <a:spLocks noRot="1" noChangeAspect="1" noMove="1" noResize="1" noEditPoints="1" noAdjustHandles="1" noChangeArrowheads="1" noChangeShapeType="1" noTextEdit="1"/>
-              </p:cNvSpPr>
-              <p:nvPr/>
-            </p:nvSpPr>
-            <p:spPr>
-              <a:xfrm>
-                <a:off x="838199" y="2686323"/>
-                <a:ext cx="4783697" cy="3433583"/>
-              </a:xfrm>
-              <a:prstGeom prst="rect">
-                <a:avLst/>
-              </a:prstGeom>
-              <a:blipFill>
-                <a:blip r:embed="rId3"/>
-                <a:stretch>
-                  <a:fillRect l="-1911"/>
-                </a:stretch>
-              </a:blipFill>
-            </p:spPr>
-            <p:txBody>
-              <a:bodyPr/>
-              <a:lstStyle/>
-              <a:p>
-                <a:r>
-                  <a:rPr lang="en-US">
-                    <a:noFill/>
-                  </a:rPr>
-                  <a:t> </a:t>
-                </a:r>
-              </a:p>
-            </p:txBody>
-          </p:sp>
-        </mc:Fallback>
-      </mc:AlternateContent>
-      <p:pic>
-        <p:nvPicPr>
-          <p:cNvPr id="5" name="Picture 2" descr="Beer die - EUSwiki">
-            <a:extLst>
-              <a:ext uri="{FF2B5EF4-FFF2-40B4-BE49-F238E27FC236}">
-                <a16:creationId xmlns:a16="http://schemas.microsoft.com/office/drawing/2014/main" id="{98F16938-2ED7-9FB6-1FC2-1BF322196DF8}"/>
-              </a:ext>
-            </a:extLst>
-          </p:cNvPr>
-          <p:cNvPicPr>
-            <a:picLocks noChangeAspect="1" noChangeArrowheads="1"/>
-          </p:cNvPicPr>
-          <p:nvPr/>
-        </p:nvPicPr>
-        <p:blipFill>
-          <a:blip r:embed="rId4">
-            <a:extLst>
-              <a:ext uri="{28A0092B-C50C-407E-A947-70E740481C1C}">
-                <a14:useLocalDpi xmlns:a14="http://schemas.microsoft.com/office/drawing/2010/main" val="0"/>
-              </a:ext>
-            </a:extLst>
-          </a:blip>
-          <a:stretch>
-            <a:fillRect/>
-          </a:stretch>
-        </p:blipFill>
-        <p:spPr bwMode="auto">
-          <a:xfrm>
-            <a:off x="8276159" y="2927927"/>
-            <a:ext cx="3077639" cy="3124507"/>
-          </a:xfrm>
-          <a:prstGeom prst="rect">
-            <a:avLst/>
-          </a:prstGeom>
-          <a:noFill/>
-          <a:extLst>
-            <a:ext uri="{909E8E84-426E-40DD-AFC4-6F175D3DCCD1}">
-              <a14:hiddenFill xmlns:a14="http://schemas.microsoft.com/office/drawing/2010/main">
-                <a:solidFill>
-                  <a:srgbClr val="FFFFFF"/>
-                </a:solidFill>
-              </a14:hiddenFill>
-            </a:ext>
-          </a:extLst>
-        </p:spPr>
-      </p:pic>
-    </p:spTree>
-    <p:extLst>
-      <p:ext uri="{BB962C8B-B14F-4D97-AF65-F5344CB8AC3E}">
-        <p14:creationId xmlns:p14="http://schemas.microsoft.com/office/powerpoint/2010/main" val="925779086"/>
       </p:ext>
     </p:extLst>
   </p:cSld>
@@ -11421,13 +7622,13 @@
                       <a:rPr lang="en-US" i="1" smtClean="0">
                         <a:latin typeface="Cambria Math" panose="02040503050406030204" pitchFamily="18" charset="0"/>
                       </a:rPr>
-                      <m:t>={−1.49, −0.65, −0.6,</m:t>
+                      <m:t>={−1.49, −0.65, −0.6, −0.</m:t>
                     </m:r>
                     <m:r>
                       <a:rPr lang="en-US" i="1">
                         <a:latin typeface="Cambria Math" panose="02040503050406030204" pitchFamily="18" charset="0"/>
                       </a:rPr>
-                      <m:t> −0.54, −0.45, 0.01, 0.17, 0.27, 0.51, 1.34</m:t>
+                      <m:t>54, −0.45, 0.01, 0.17, 0.27, 0.51, 1.34</m:t>
                     </m:r>
                     <m:r>
                       <a:rPr lang="en-US" b="0" i="0" smtClean="0">
@@ -12742,13 +8943,13 @@
                       <a:rPr lang="en-US" b="0" i="1" smtClean="0">
                         <a:latin typeface="Cambria Math" panose="02040503050406030204" pitchFamily="18" charset="0"/>
                       </a:rPr>
-                      <m:t>={1, 3, 5, 5, </m:t>
+                      <m:t>={1, 3, 5, 5, 6, 7</m:t>
                     </m:r>
                     <m:r>
                       <a:rPr lang="en-US" i="1">
                         <a:latin typeface="Cambria Math" panose="02040503050406030204" pitchFamily="18" charset="0"/>
                       </a:rPr>
-                      <m:t>6, 7, 7, 8}</m:t>
+                      <m:t>, 7, 8}</m:t>
                     </m:r>
                   </m:oMath>
                 </a14:m>
